--- a/その他/夏休みの課題のゲーム/GODAIGOisME_by森田/夏課題_ネットワーク技術/発表用.pptx
+++ b/その他/夏休みの課題のゲーム/GODAIGOisME_by森田/夏課題_ネットワーク技術/発表用.pptx
@@ -2,19 +2,22 @@
 <file path=ppt/presentation.xml><?xml version="1.0" encoding="utf-8"?>
 <p:presentation xmlns:a="http://schemas.openxmlformats.org/drawingml/2006/main" xmlns:r="http://schemas.openxmlformats.org/officeDocument/2006/relationships" xmlns:p="http://schemas.openxmlformats.org/presentationml/2006/main" saveSubsetFonts="1">
   <p:sldMasterIdLst>
-    <p:sldMasterId id="2147483648" r:id="rId1"/>
+    <p:sldMasterId id="2147483672" r:id="rId1"/>
   </p:sldMasterIdLst>
   <p:sldIdLst>
-    <p:sldId id="256" r:id="rId2"/>
+    <p:sldId id="258" r:id="rId2"/>
+    <p:sldId id="259" r:id="rId3"/>
+    <p:sldId id="256" r:id="rId4"/>
+    <p:sldId id="257" r:id="rId5"/>
   </p:sldIdLst>
   <p:sldSz cx="12192000" cy="6858000"/>
   <p:notesSz cx="6858000" cy="9144000"/>
   <p:defaultTextStyle>
     <a:defPPr>
-      <a:defRPr lang="ja-JP"/>
+      <a:defRPr lang="en-US"/>
     </a:defPPr>
-    <a:lvl1pPr marL="0" algn="l" defTabSz="914400" rtl="0" eaLnBrk="1" latinLnBrk="0" hangingPunct="1">
-      <a:defRPr kumimoji="1" sz="1800" kern="1200">
+    <a:lvl1pPr marL="0" algn="l" defTabSz="457200" rtl="0" eaLnBrk="1" latinLnBrk="0" hangingPunct="1">
+      <a:defRPr sz="1800" kern="1200">
         <a:solidFill>
           <a:schemeClr val="tx1"/>
         </a:solidFill>
@@ -23,8 +26,8 @@
         <a:cs typeface="+mn-cs"/>
       </a:defRPr>
     </a:lvl1pPr>
-    <a:lvl2pPr marL="457200" algn="l" defTabSz="914400" rtl="0" eaLnBrk="1" latinLnBrk="0" hangingPunct="1">
-      <a:defRPr kumimoji="1" sz="1800" kern="1200">
+    <a:lvl2pPr marL="457200" algn="l" defTabSz="457200" rtl="0" eaLnBrk="1" latinLnBrk="0" hangingPunct="1">
+      <a:defRPr sz="1800" kern="1200">
         <a:solidFill>
           <a:schemeClr val="tx1"/>
         </a:solidFill>
@@ -33,8 +36,8 @@
         <a:cs typeface="+mn-cs"/>
       </a:defRPr>
     </a:lvl2pPr>
-    <a:lvl3pPr marL="914400" algn="l" defTabSz="914400" rtl="0" eaLnBrk="1" latinLnBrk="0" hangingPunct="1">
-      <a:defRPr kumimoji="1" sz="1800" kern="1200">
+    <a:lvl3pPr marL="914400" algn="l" defTabSz="457200" rtl="0" eaLnBrk="1" latinLnBrk="0" hangingPunct="1">
+      <a:defRPr sz="1800" kern="1200">
         <a:solidFill>
           <a:schemeClr val="tx1"/>
         </a:solidFill>
@@ -43,8 +46,8 @@
         <a:cs typeface="+mn-cs"/>
       </a:defRPr>
     </a:lvl3pPr>
-    <a:lvl4pPr marL="1371600" algn="l" defTabSz="914400" rtl="0" eaLnBrk="1" latinLnBrk="0" hangingPunct="1">
-      <a:defRPr kumimoji="1" sz="1800" kern="1200">
+    <a:lvl4pPr marL="1371600" algn="l" defTabSz="457200" rtl="0" eaLnBrk="1" latinLnBrk="0" hangingPunct="1">
+      <a:defRPr sz="1800" kern="1200">
         <a:solidFill>
           <a:schemeClr val="tx1"/>
         </a:solidFill>
@@ -53,8 +56,8 @@
         <a:cs typeface="+mn-cs"/>
       </a:defRPr>
     </a:lvl4pPr>
-    <a:lvl5pPr marL="1828800" algn="l" defTabSz="914400" rtl="0" eaLnBrk="1" latinLnBrk="0" hangingPunct="1">
-      <a:defRPr kumimoji="1" sz="1800" kern="1200">
+    <a:lvl5pPr marL="1828800" algn="l" defTabSz="457200" rtl="0" eaLnBrk="1" latinLnBrk="0" hangingPunct="1">
+      <a:defRPr sz="1800" kern="1200">
         <a:solidFill>
           <a:schemeClr val="tx1"/>
         </a:solidFill>
@@ -63,8 +66,8 @@
         <a:cs typeface="+mn-cs"/>
       </a:defRPr>
     </a:lvl5pPr>
-    <a:lvl6pPr marL="2286000" algn="l" defTabSz="914400" rtl="0" eaLnBrk="1" latinLnBrk="0" hangingPunct="1">
-      <a:defRPr kumimoji="1" sz="1800" kern="1200">
+    <a:lvl6pPr marL="2286000" algn="l" defTabSz="457200" rtl="0" eaLnBrk="1" latinLnBrk="0" hangingPunct="1">
+      <a:defRPr sz="1800" kern="1200">
         <a:solidFill>
           <a:schemeClr val="tx1"/>
         </a:solidFill>
@@ -73,8 +76,8 @@
         <a:cs typeface="+mn-cs"/>
       </a:defRPr>
     </a:lvl6pPr>
-    <a:lvl7pPr marL="2743200" algn="l" defTabSz="914400" rtl="0" eaLnBrk="1" latinLnBrk="0" hangingPunct="1">
-      <a:defRPr kumimoji="1" sz="1800" kern="1200">
+    <a:lvl7pPr marL="2743200" algn="l" defTabSz="457200" rtl="0" eaLnBrk="1" latinLnBrk="0" hangingPunct="1">
+      <a:defRPr sz="1800" kern="1200">
         <a:solidFill>
           <a:schemeClr val="tx1"/>
         </a:solidFill>
@@ -83,8 +86,8 @@
         <a:cs typeface="+mn-cs"/>
       </a:defRPr>
     </a:lvl7pPr>
-    <a:lvl8pPr marL="3200400" algn="l" defTabSz="914400" rtl="0" eaLnBrk="1" latinLnBrk="0" hangingPunct="1">
-      <a:defRPr kumimoji="1" sz="1800" kern="1200">
+    <a:lvl8pPr marL="3200400" algn="l" defTabSz="457200" rtl="0" eaLnBrk="1" latinLnBrk="0" hangingPunct="1">
+      <a:defRPr sz="1800" kern="1200">
         <a:solidFill>
           <a:schemeClr val="tx1"/>
         </a:solidFill>
@@ -93,8 +96,8 @@
         <a:cs typeface="+mn-cs"/>
       </a:defRPr>
     </a:lvl8pPr>
-    <a:lvl9pPr marL="3657600" algn="l" defTabSz="914400" rtl="0" eaLnBrk="1" latinLnBrk="0" hangingPunct="1">
-      <a:defRPr kumimoji="1" sz="1800" kern="1200">
+    <a:lvl9pPr marL="3657600" algn="l" defTabSz="457200" rtl="0" eaLnBrk="1" latinLnBrk="0" hangingPunct="1">
+      <a:defRPr sz="1800" kern="1200">
         <a:solidFill>
           <a:schemeClr val="tx1"/>
         </a:solidFill>
@@ -104,6 +107,11 @@
       </a:defRPr>
     </a:lvl9pPr>
   </p:defaultTextStyle>
+  <p:extLst>
+    <p:ext uri="{EFAFB233-063F-42B5-8137-9DF3F51BA10A}">
+      <p15:sldGuideLst xmlns:p15="http://schemas.microsoft.com/office/powerpoint/2012/main"/>
+    </p:ext>
+  </p:extLst>
 </p:presentation>
 </file>
 
@@ -126,7 +134,7 @@
       </p:grpSpPr>
       <p:sp>
         <p:nvSpPr>
-          <p:cNvPr id="2" name="タイトル 1"/>
+          <p:cNvPr id="2" name="Title 1"/>
           <p:cNvSpPr>
             <a:spLocks noGrp="1"/>
           </p:cNvSpPr>
@@ -136,29 +144,31 @@
         </p:nvSpPr>
         <p:spPr>
           <a:xfrm>
-            <a:off x="1524000" y="1122363"/>
-            <a:ext cx="9144000" cy="2387600"/>
+            <a:off x="2589213" y="2514600"/>
+            <a:ext cx="8915399" cy="2262781"/>
           </a:xfrm>
         </p:spPr>
         <p:txBody>
-          <a:bodyPr anchor="b"/>
+          <a:bodyPr anchor="b">
+            <a:normAutofit/>
+          </a:bodyPr>
           <a:lstStyle>
-            <a:lvl1pPr algn="ctr">
-              <a:defRPr sz="6000"/>
+            <a:lvl1pPr>
+              <a:defRPr sz="5400"/>
             </a:lvl1pPr>
           </a:lstStyle>
           <a:p>
             <a:r>
-              <a:rPr kumimoji="1" lang="ja-JP" altLang="en-US" smtClean="0"/>
+              <a:rPr lang="ja-JP" altLang="en-US" smtClean="0"/>
               <a:t>マスター タイトルの書式設定</a:t>
             </a:r>
-            <a:endParaRPr kumimoji="1" lang="ja-JP" altLang="en-US"/>
-          </a:p>
-        </p:txBody>
-      </p:sp>
-      <p:sp>
-        <p:nvSpPr>
-          <p:cNvPr id="3" name="サブタイトル 2"/>
+            <a:endParaRPr lang="en-US" dirty="0"/>
+          </a:p>
+        </p:txBody>
+      </p:sp>
+      <p:sp>
+        <p:nvSpPr>
+          <p:cNvPr id="3" name="Subtitle 2"/>
           <p:cNvSpPr>
             <a:spLocks noGrp="1"/>
           </p:cNvSpPr>
@@ -168,62 +178,117 @@
         </p:nvSpPr>
         <p:spPr>
           <a:xfrm>
-            <a:off x="1524000" y="3602038"/>
-            <a:ext cx="9144000" cy="1655762"/>
+            <a:off x="2589213" y="4777379"/>
+            <a:ext cx="8915399" cy="1126283"/>
           </a:xfrm>
         </p:spPr>
         <p:txBody>
-          <a:bodyPr/>
+          <a:bodyPr anchor="t"/>
           <a:lstStyle>
-            <a:lvl1pPr marL="0" indent="0" algn="ctr">
-              <a:buNone/>
-              <a:defRPr sz="2400"/>
+            <a:lvl1pPr marL="0" indent="0" algn="l">
+              <a:buNone/>
+              <a:defRPr>
+                <a:solidFill>
+                  <a:schemeClr val="tx1">
+                    <a:lumMod val="65000"/>
+                    <a:lumOff val="35000"/>
+                  </a:schemeClr>
+                </a:solidFill>
+              </a:defRPr>
             </a:lvl1pPr>
             <a:lvl2pPr marL="457200" indent="0" algn="ctr">
               <a:buNone/>
-              <a:defRPr sz="2000"/>
+              <a:defRPr>
+                <a:solidFill>
+                  <a:schemeClr val="tx1">
+                    <a:tint val="75000"/>
+                  </a:schemeClr>
+                </a:solidFill>
+              </a:defRPr>
             </a:lvl2pPr>
             <a:lvl3pPr marL="914400" indent="0" algn="ctr">
               <a:buNone/>
-              <a:defRPr sz="1800"/>
+              <a:defRPr>
+                <a:solidFill>
+                  <a:schemeClr val="tx1">
+                    <a:tint val="75000"/>
+                  </a:schemeClr>
+                </a:solidFill>
+              </a:defRPr>
             </a:lvl3pPr>
             <a:lvl4pPr marL="1371600" indent="0" algn="ctr">
               <a:buNone/>
-              <a:defRPr sz="1600"/>
+              <a:defRPr>
+                <a:solidFill>
+                  <a:schemeClr val="tx1">
+                    <a:tint val="75000"/>
+                  </a:schemeClr>
+                </a:solidFill>
+              </a:defRPr>
             </a:lvl4pPr>
             <a:lvl5pPr marL="1828800" indent="0" algn="ctr">
               <a:buNone/>
-              <a:defRPr sz="1600"/>
+              <a:defRPr>
+                <a:solidFill>
+                  <a:schemeClr val="tx1">
+                    <a:tint val="75000"/>
+                  </a:schemeClr>
+                </a:solidFill>
+              </a:defRPr>
             </a:lvl5pPr>
             <a:lvl6pPr marL="2286000" indent="0" algn="ctr">
               <a:buNone/>
-              <a:defRPr sz="1600"/>
+              <a:defRPr>
+                <a:solidFill>
+                  <a:schemeClr val="tx1">
+                    <a:tint val="75000"/>
+                  </a:schemeClr>
+                </a:solidFill>
+              </a:defRPr>
             </a:lvl6pPr>
             <a:lvl7pPr marL="2743200" indent="0" algn="ctr">
               <a:buNone/>
-              <a:defRPr sz="1600"/>
+              <a:defRPr>
+                <a:solidFill>
+                  <a:schemeClr val="tx1">
+                    <a:tint val="75000"/>
+                  </a:schemeClr>
+                </a:solidFill>
+              </a:defRPr>
             </a:lvl7pPr>
             <a:lvl8pPr marL="3200400" indent="0" algn="ctr">
               <a:buNone/>
-              <a:defRPr sz="1600"/>
+              <a:defRPr>
+                <a:solidFill>
+                  <a:schemeClr val="tx1">
+                    <a:tint val="75000"/>
+                  </a:schemeClr>
+                </a:solidFill>
+              </a:defRPr>
             </a:lvl8pPr>
             <a:lvl9pPr marL="3657600" indent="0" algn="ctr">
               <a:buNone/>
-              <a:defRPr sz="1600"/>
+              <a:defRPr>
+                <a:solidFill>
+                  <a:schemeClr val="tx1">
+                    <a:tint val="75000"/>
+                  </a:schemeClr>
+                </a:solidFill>
+              </a:defRPr>
             </a:lvl9pPr>
           </a:lstStyle>
           <a:p>
             <a:r>
-              <a:rPr kumimoji="1" lang="ja-JP" altLang="en-US" smtClean="0"/>
+              <a:rPr lang="ja-JP" altLang="en-US" smtClean="0"/>
               <a:t>マスター サブタイトルの書式設定</a:t>
             </a:r>
-            <a:endParaRPr kumimoji="1" lang="ja-JP" altLang="en-US"/>
-          </a:p>
-        </p:txBody>
-      </p:sp>
-      <p:sp>
-        <p:nvSpPr>
-          <p:cNvPr id="4" name="日付プレースホルダー 3"/>
+            <a:endParaRPr lang="en-US" dirty="0"/>
+          </a:p>
+        </p:txBody>
+      </p:sp>
+      <p:sp>
+        <p:nvSpPr>
+          <p:cNvPr id="4" name="Date Placeholder 3"/>
           <p:cNvSpPr>
             <a:spLocks noGrp="1"/>
           </p:cNvSpPr>
@@ -238,7 +303,7 @@
           <a:p>
             <a:fld id="{444AF1EE-23B7-43C4-B6A6-270F9C56AB86}" type="datetimeFigureOut">
               <a:rPr kumimoji="1" lang="ja-JP" altLang="en-US" smtClean="0"/>
-              <a:t>2023/7/7</a:t>
+              <a:t>2023/7/12</a:t>
             </a:fld>
             <a:endParaRPr kumimoji="1" lang="ja-JP" altLang="en-US"/>
           </a:p>
@@ -246,7 +311,7 @@
       </p:sp>
       <p:sp>
         <p:nvSpPr>
-          <p:cNvPr id="5" name="フッター プレースホルダー 4"/>
+          <p:cNvPr id="5" name="Footer Placeholder 4"/>
           <p:cNvSpPr>
             <a:spLocks noGrp="1"/>
           </p:cNvSpPr>
@@ -265,7 +330,89 @@
       </p:sp>
       <p:sp>
         <p:nvSpPr>
-          <p:cNvPr id="6" name="スライド番号プレースホルダー 5"/>
+          <p:cNvPr id="7" name="Freeform 6"/>
+          <p:cNvSpPr/>
+          <p:nvPr/>
+        </p:nvSpPr>
+        <p:spPr bwMode="auto">
+          <a:xfrm>
+            <a:off x="0" y="4323810"/>
+            <a:ext cx="1744652" cy="778589"/>
+          </a:xfrm>
+          <a:custGeom>
+            <a:avLst/>
+            <a:gdLst/>
+            <a:ahLst/>
+            <a:cxnLst/>
+            <a:rect l="0" t="0" r="r" b="b"/>
+            <a:pathLst>
+              <a:path w="372" h="166">
+                <a:moveTo>
+                  <a:pt x="287" y="166"/>
+                </a:moveTo>
+                <a:cubicBezTo>
+                  <a:pt x="290" y="166"/>
+                  <a:pt x="292" y="165"/>
+                  <a:pt x="293" y="164"/>
+                </a:cubicBezTo>
+                <a:cubicBezTo>
+                  <a:pt x="293" y="163"/>
+                  <a:pt x="294" y="163"/>
+                  <a:pt x="294" y="163"/>
+                </a:cubicBezTo>
+                <a:cubicBezTo>
+                  <a:pt x="370" y="87"/>
+                  <a:pt x="370" y="87"/>
+                  <a:pt x="370" y="87"/>
+                </a:cubicBezTo>
+                <a:cubicBezTo>
+                  <a:pt x="372" y="85"/>
+                  <a:pt x="372" y="81"/>
+                  <a:pt x="370" y="78"/>
+                </a:cubicBezTo>
+                <a:cubicBezTo>
+                  <a:pt x="294" y="3"/>
+                  <a:pt x="294" y="3"/>
+                  <a:pt x="294" y="3"/>
+                </a:cubicBezTo>
+                <a:cubicBezTo>
+                  <a:pt x="294" y="2"/>
+                  <a:pt x="293" y="2"/>
+                  <a:pt x="293" y="2"/>
+                </a:cubicBezTo>
+                <a:cubicBezTo>
+                  <a:pt x="292" y="1"/>
+                  <a:pt x="290" y="0"/>
+                  <a:pt x="287" y="0"/>
+                </a:cubicBezTo>
+                <a:cubicBezTo>
+                  <a:pt x="0" y="0"/>
+                  <a:pt x="0" y="0"/>
+                  <a:pt x="0" y="0"/>
+                </a:cubicBezTo>
+                <a:cubicBezTo>
+                  <a:pt x="0" y="166"/>
+                  <a:pt x="0" y="166"/>
+                  <a:pt x="0" y="166"/>
+                </a:cubicBezTo>
+                <a:lnTo>
+                  <a:pt x="287" y="166"/>
+                </a:lnTo>
+                <a:close/>
+              </a:path>
+            </a:pathLst>
+          </a:custGeom>
+          <a:solidFill>
+            <a:schemeClr val="accent1"/>
+          </a:solidFill>
+          <a:ln>
+            <a:noFill/>
+          </a:ln>
+        </p:spPr>
+      </p:sp>
+      <p:sp>
+        <p:nvSpPr>
+          <p:cNvPr id="6" name="Slide Number Placeholder 5"/>
           <p:cNvSpPr>
             <a:spLocks noGrp="1"/>
           </p:cNvSpPr>
@@ -273,7 +420,12 @@
             <p:ph type="sldNum" sz="quarter" idx="12"/>
           </p:nvPr>
         </p:nvSpPr>
-        <p:spPr/>
+        <p:spPr>
+          <a:xfrm>
+            <a:off x="531812" y="4529540"/>
+            <a:ext cx="779767" cy="365125"/>
+          </a:xfrm>
+        </p:spPr>
         <p:txBody>
           <a:bodyPr/>
           <a:lstStyle/>
@@ -289,7 +441,7 @@
     </p:spTree>
     <p:extLst>
       <p:ext uri="{BB962C8B-B14F-4D97-AF65-F5344CB8AC3E}">
-        <p14:creationId xmlns:p14="http://schemas.microsoft.com/office/powerpoint/2010/main" val="2796691535"/>
+        <p14:creationId xmlns:p14="http://schemas.microsoft.com/office/powerpoint/2010/main" val="2626895049"/>
       </p:ext>
     </p:extLst>
   </p:cSld>
@@ -300,6 +452,1797 @@
 </file>
 
 <file path=ppt/slideLayouts/slideLayout10.xml><?xml version="1.0" encoding="utf-8"?>
+<p:sldLayout xmlns:a="http://schemas.openxmlformats.org/drawingml/2006/main" xmlns:r="http://schemas.openxmlformats.org/officeDocument/2006/relationships" xmlns:p="http://schemas.openxmlformats.org/presentationml/2006/main" preserve="1">
+  <p:cSld name="タイトルとキャプション">
+    <p:spTree>
+      <p:nvGrpSpPr>
+        <p:cNvPr id="1" name=""/>
+        <p:cNvGrpSpPr/>
+        <p:nvPr/>
+      </p:nvGrpSpPr>
+      <p:grpSpPr>
+        <a:xfrm>
+          <a:off x="0" y="0"/>
+          <a:ext cx="0" cy="0"/>
+          <a:chOff x="0" y="0"/>
+          <a:chExt cx="0" cy="0"/>
+        </a:xfrm>
+      </p:grpSpPr>
+      <p:sp>
+        <p:nvSpPr>
+          <p:cNvPr id="2" name="Title 1"/>
+          <p:cNvSpPr>
+            <a:spLocks noGrp="1"/>
+          </p:cNvSpPr>
+          <p:nvPr>
+            <p:ph type="title"/>
+          </p:nvPr>
+        </p:nvSpPr>
+        <p:spPr>
+          <a:xfrm>
+            <a:off x="2589212" y="609600"/>
+            <a:ext cx="8915399" cy="3117040"/>
+          </a:xfrm>
+        </p:spPr>
+        <p:txBody>
+          <a:bodyPr anchor="ctr">
+            <a:normAutofit/>
+          </a:bodyPr>
+          <a:lstStyle>
+            <a:lvl1pPr algn="l">
+              <a:defRPr sz="4800" b="0" cap="none"/>
+            </a:lvl1pPr>
+          </a:lstStyle>
+          <a:p>
+            <a:r>
+              <a:rPr lang="ja-JP" altLang="en-US" smtClean="0"/>
+              <a:t>マスター タイトルの書式設定</a:t>
+            </a:r>
+            <a:endParaRPr lang="en-US" dirty="0"/>
+          </a:p>
+        </p:txBody>
+      </p:sp>
+      <p:sp>
+        <p:nvSpPr>
+          <p:cNvPr id="3" name="Text Placeholder 2"/>
+          <p:cNvSpPr>
+            <a:spLocks noGrp="1"/>
+          </p:cNvSpPr>
+          <p:nvPr>
+            <p:ph type="body" idx="1"/>
+          </p:nvPr>
+        </p:nvSpPr>
+        <p:spPr>
+          <a:xfrm>
+            <a:off x="2589212" y="4354046"/>
+            <a:ext cx="8915399" cy="1555864"/>
+          </a:xfrm>
+        </p:spPr>
+        <p:txBody>
+          <a:bodyPr anchor="ctr">
+            <a:normAutofit/>
+          </a:bodyPr>
+          <a:lstStyle>
+            <a:lvl1pPr marL="0" indent="0" algn="l">
+              <a:buNone/>
+              <a:defRPr sz="1800">
+                <a:solidFill>
+                  <a:schemeClr val="tx1">
+                    <a:lumMod val="65000"/>
+                    <a:lumOff val="35000"/>
+                  </a:schemeClr>
+                </a:solidFill>
+              </a:defRPr>
+            </a:lvl1pPr>
+            <a:lvl2pPr marL="457200" indent="0">
+              <a:buNone/>
+              <a:defRPr sz="1800">
+                <a:solidFill>
+                  <a:schemeClr val="tx1">
+                    <a:tint val="75000"/>
+                  </a:schemeClr>
+                </a:solidFill>
+              </a:defRPr>
+            </a:lvl2pPr>
+            <a:lvl3pPr marL="914400" indent="0">
+              <a:buNone/>
+              <a:defRPr sz="1600">
+                <a:solidFill>
+                  <a:schemeClr val="tx1">
+                    <a:tint val="75000"/>
+                  </a:schemeClr>
+                </a:solidFill>
+              </a:defRPr>
+            </a:lvl3pPr>
+            <a:lvl4pPr marL="1371600" indent="0">
+              <a:buNone/>
+              <a:defRPr sz="1400">
+                <a:solidFill>
+                  <a:schemeClr val="tx1">
+                    <a:tint val="75000"/>
+                  </a:schemeClr>
+                </a:solidFill>
+              </a:defRPr>
+            </a:lvl4pPr>
+            <a:lvl5pPr marL="1828800" indent="0">
+              <a:buNone/>
+              <a:defRPr sz="1400">
+                <a:solidFill>
+                  <a:schemeClr val="tx1">
+                    <a:tint val="75000"/>
+                  </a:schemeClr>
+                </a:solidFill>
+              </a:defRPr>
+            </a:lvl5pPr>
+            <a:lvl6pPr marL="2286000" indent="0">
+              <a:buNone/>
+              <a:defRPr sz="1400">
+                <a:solidFill>
+                  <a:schemeClr val="tx1">
+                    <a:tint val="75000"/>
+                  </a:schemeClr>
+                </a:solidFill>
+              </a:defRPr>
+            </a:lvl6pPr>
+            <a:lvl7pPr marL="2743200" indent="0">
+              <a:buNone/>
+              <a:defRPr sz="1400">
+                <a:solidFill>
+                  <a:schemeClr val="tx1">
+                    <a:tint val="75000"/>
+                  </a:schemeClr>
+                </a:solidFill>
+              </a:defRPr>
+            </a:lvl7pPr>
+            <a:lvl8pPr marL="3200400" indent="0">
+              <a:buNone/>
+              <a:defRPr sz="1400">
+                <a:solidFill>
+                  <a:schemeClr val="tx1">
+                    <a:tint val="75000"/>
+                  </a:schemeClr>
+                </a:solidFill>
+              </a:defRPr>
+            </a:lvl8pPr>
+            <a:lvl9pPr marL="3657600" indent="0">
+              <a:buNone/>
+              <a:defRPr sz="1400">
+                <a:solidFill>
+                  <a:schemeClr val="tx1">
+                    <a:tint val="75000"/>
+                  </a:schemeClr>
+                </a:solidFill>
+              </a:defRPr>
+            </a:lvl9pPr>
+          </a:lstStyle>
+          <a:p>
+            <a:pPr lvl="0"/>
+            <a:r>
+              <a:rPr lang="ja-JP" altLang="en-US" smtClean="0"/>
+              <a:t>マスター テキストの書式設定</a:t>
+            </a:r>
+          </a:p>
+        </p:txBody>
+      </p:sp>
+      <p:sp>
+        <p:nvSpPr>
+          <p:cNvPr id="4" name="Date Placeholder 3"/>
+          <p:cNvSpPr>
+            <a:spLocks noGrp="1"/>
+          </p:cNvSpPr>
+          <p:nvPr>
+            <p:ph type="dt" sz="half" idx="10"/>
+          </p:nvPr>
+        </p:nvSpPr>
+        <p:spPr/>
+        <p:txBody>
+          <a:bodyPr/>
+          <a:lstStyle/>
+          <a:p>
+            <a:fld id="{444AF1EE-23B7-43C4-B6A6-270F9C56AB86}" type="datetimeFigureOut">
+              <a:rPr kumimoji="1" lang="ja-JP" altLang="en-US" smtClean="0"/>
+              <a:t>2023/7/12</a:t>
+            </a:fld>
+            <a:endParaRPr kumimoji="1" lang="ja-JP" altLang="en-US"/>
+          </a:p>
+        </p:txBody>
+      </p:sp>
+      <p:sp>
+        <p:nvSpPr>
+          <p:cNvPr id="5" name="Footer Placeholder 4"/>
+          <p:cNvSpPr>
+            <a:spLocks noGrp="1"/>
+          </p:cNvSpPr>
+          <p:nvPr>
+            <p:ph type="ftr" sz="quarter" idx="11"/>
+          </p:nvPr>
+        </p:nvSpPr>
+        <p:spPr/>
+        <p:txBody>
+          <a:bodyPr/>
+          <a:lstStyle/>
+          <a:p>
+            <a:endParaRPr kumimoji="1" lang="ja-JP" altLang="en-US"/>
+          </a:p>
+        </p:txBody>
+      </p:sp>
+      <p:sp>
+        <p:nvSpPr>
+          <p:cNvPr id="9" name="Freeform 11"/>
+          <p:cNvSpPr/>
+          <p:nvPr/>
+        </p:nvSpPr>
+        <p:spPr bwMode="auto">
+          <a:xfrm flipV="1">
+            <a:off x="-4189" y="3178175"/>
+            <a:ext cx="1588527" cy="507297"/>
+          </a:xfrm>
+          <a:custGeom>
+            <a:avLst/>
+            <a:gdLst/>
+            <a:ahLst/>
+            <a:cxnLst/>
+            <a:rect l="l" t="t" r="r" b="b"/>
+            <a:pathLst>
+              <a:path w="9248" h="10000">
+                <a:moveTo>
+                  <a:pt x="9248" y="4701"/>
+                </a:moveTo>
+                <a:lnTo>
+                  <a:pt x="7915" y="188"/>
+                </a:lnTo>
+                <a:cubicBezTo>
+                  <a:pt x="7906" y="156"/>
+                  <a:pt x="7895" y="126"/>
+                  <a:pt x="7886" y="94"/>
+                </a:cubicBezTo>
+                <a:cubicBezTo>
+                  <a:pt x="7859" y="0"/>
+                  <a:pt x="7831" y="0"/>
+                  <a:pt x="7803" y="0"/>
+                </a:cubicBezTo>
+                <a:lnTo>
+                  <a:pt x="7275" y="0"/>
+                </a:lnTo>
+                <a:lnTo>
+                  <a:pt x="0" y="70"/>
+                </a:lnTo>
+                <a:cubicBezTo>
+                  <a:pt x="8" y="3380"/>
+                  <a:pt x="17" y="6690"/>
+                  <a:pt x="25" y="10000"/>
+                </a:cubicBezTo>
+                <a:lnTo>
+                  <a:pt x="7275" y="9966"/>
+                </a:lnTo>
+                <a:lnTo>
+                  <a:pt x="7803" y="9966"/>
+                </a:lnTo>
+                <a:cubicBezTo>
+                  <a:pt x="7831" y="9966"/>
+                  <a:pt x="7859" y="9872"/>
+                  <a:pt x="7886" y="9872"/>
+                </a:cubicBezTo>
+                <a:cubicBezTo>
+                  <a:pt x="7886" y="9778"/>
+                  <a:pt x="7915" y="9778"/>
+                  <a:pt x="7915" y="9778"/>
+                </a:cubicBezTo>
+                <a:lnTo>
+                  <a:pt x="9248" y="5265"/>
+                </a:lnTo>
+                <a:cubicBezTo>
+                  <a:pt x="9303" y="5077"/>
+                  <a:pt x="9303" y="4889"/>
+                  <a:pt x="9248" y="4701"/>
+                </a:cubicBezTo>
+                <a:close/>
+              </a:path>
+            </a:pathLst>
+          </a:custGeom>
+          <a:solidFill>
+            <a:schemeClr val="accent1"/>
+          </a:solidFill>
+          <a:ln>
+            <a:noFill/>
+          </a:ln>
+        </p:spPr>
+      </p:sp>
+      <p:sp>
+        <p:nvSpPr>
+          <p:cNvPr id="6" name="Slide Number Placeholder 5"/>
+          <p:cNvSpPr>
+            <a:spLocks noGrp="1"/>
+          </p:cNvSpPr>
+          <p:nvPr>
+            <p:ph type="sldNum" sz="quarter" idx="12"/>
+          </p:nvPr>
+        </p:nvSpPr>
+        <p:spPr>
+          <a:xfrm>
+            <a:off x="531812" y="3244139"/>
+            <a:ext cx="779767" cy="365125"/>
+          </a:xfrm>
+        </p:spPr>
+        <p:txBody>
+          <a:bodyPr/>
+          <a:lstStyle/>
+          <a:p>
+            <a:fld id="{07D14818-A5D3-430D-9B00-44B7CBCA6ED6}" type="slidenum">
+              <a:rPr kumimoji="1" lang="ja-JP" altLang="en-US" smtClean="0"/>
+              <a:t>‹#›</a:t>
+            </a:fld>
+            <a:endParaRPr kumimoji="1" lang="ja-JP" altLang="en-US"/>
+          </a:p>
+        </p:txBody>
+      </p:sp>
+    </p:spTree>
+    <p:extLst>
+      <p:ext uri="{BB962C8B-B14F-4D97-AF65-F5344CB8AC3E}">
+        <p14:creationId xmlns:p14="http://schemas.microsoft.com/office/powerpoint/2010/main" val="3172826525"/>
+      </p:ext>
+    </p:extLst>
+  </p:cSld>
+  <p:clrMapOvr>
+    <a:masterClrMapping/>
+  </p:clrMapOvr>
+</p:sldLayout>
+</file>
+
+<file path=ppt/slideLayouts/slideLayout11.xml><?xml version="1.0" encoding="utf-8"?>
+<p:sldLayout xmlns:a="http://schemas.openxmlformats.org/drawingml/2006/main" xmlns:r="http://schemas.openxmlformats.org/officeDocument/2006/relationships" xmlns:p="http://schemas.openxmlformats.org/presentationml/2006/main" preserve="1">
+  <p:cSld name="引用 (キャプション付き)">
+    <p:spTree>
+      <p:nvGrpSpPr>
+        <p:cNvPr id="1" name=""/>
+        <p:cNvGrpSpPr/>
+        <p:nvPr/>
+      </p:nvGrpSpPr>
+      <p:grpSpPr>
+        <a:xfrm>
+          <a:off x="0" y="0"/>
+          <a:ext cx="0" cy="0"/>
+          <a:chOff x="0" y="0"/>
+          <a:chExt cx="0" cy="0"/>
+        </a:xfrm>
+      </p:grpSpPr>
+      <p:sp>
+        <p:nvSpPr>
+          <p:cNvPr id="2" name="Title 1"/>
+          <p:cNvSpPr>
+            <a:spLocks noGrp="1"/>
+          </p:cNvSpPr>
+          <p:nvPr>
+            <p:ph type="title"/>
+          </p:nvPr>
+        </p:nvSpPr>
+        <p:spPr>
+          <a:xfrm>
+            <a:off x="2849949" y="609600"/>
+            <a:ext cx="8393926" cy="2895600"/>
+          </a:xfrm>
+        </p:spPr>
+        <p:txBody>
+          <a:bodyPr anchor="ctr">
+            <a:normAutofit/>
+          </a:bodyPr>
+          <a:lstStyle>
+            <a:lvl1pPr algn="l">
+              <a:defRPr sz="4800" b="0" cap="none"/>
+            </a:lvl1pPr>
+          </a:lstStyle>
+          <a:p>
+            <a:r>
+              <a:rPr lang="ja-JP" altLang="en-US" smtClean="0"/>
+              <a:t>マスター タイトルの書式設定</a:t>
+            </a:r>
+            <a:endParaRPr lang="en-US" dirty="0"/>
+          </a:p>
+        </p:txBody>
+      </p:sp>
+      <p:sp>
+        <p:nvSpPr>
+          <p:cNvPr id="13" name="Text Placeholder 9"/>
+          <p:cNvSpPr>
+            <a:spLocks noGrp="1"/>
+          </p:cNvSpPr>
+          <p:nvPr>
+            <p:ph type="body" sz="quarter" idx="13"/>
+          </p:nvPr>
+        </p:nvSpPr>
+        <p:spPr>
+          <a:xfrm>
+            <a:off x="3275012" y="3505200"/>
+            <a:ext cx="7536554" cy="381000"/>
+          </a:xfrm>
+        </p:spPr>
+        <p:txBody>
+          <a:bodyPr anchor="ctr">
+            <a:noAutofit/>
+          </a:bodyPr>
+          <a:lstStyle>
+            <a:lvl1pPr marL="0" indent="0">
+              <a:buFontTx/>
+              <a:buNone/>
+              <a:defRPr sz="1600">
+                <a:solidFill>
+                  <a:schemeClr val="tx1">
+                    <a:lumMod val="50000"/>
+                    <a:lumOff val="50000"/>
+                  </a:schemeClr>
+                </a:solidFill>
+              </a:defRPr>
+            </a:lvl1pPr>
+            <a:lvl2pPr marL="457200" indent="0">
+              <a:buFontTx/>
+              <a:buNone/>
+              <a:defRPr/>
+            </a:lvl2pPr>
+            <a:lvl3pPr marL="914400" indent="0">
+              <a:buFontTx/>
+              <a:buNone/>
+              <a:defRPr/>
+            </a:lvl3pPr>
+            <a:lvl4pPr marL="1371600" indent="0">
+              <a:buFontTx/>
+              <a:buNone/>
+              <a:defRPr/>
+            </a:lvl4pPr>
+            <a:lvl5pPr marL="1828800" indent="0">
+              <a:buFontTx/>
+              <a:buNone/>
+              <a:defRPr/>
+            </a:lvl5pPr>
+          </a:lstStyle>
+          <a:p>
+            <a:pPr lvl="0"/>
+            <a:r>
+              <a:rPr lang="ja-JP" altLang="en-US" smtClean="0"/>
+              <a:t>マスター テキストの書式設定</a:t>
+            </a:r>
+          </a:p>
+        </p:txBody>
+      </p:sp>
+      <p:sp>
+        <p:nvSpPr>
+          <p:cNvPr id="3" name="Text Placeholder 2"/>
+          <p:cNvSpPr>
+            <a:spLocks noGrp="1"/>
+          </p:cNvSpPr>
+          <p:nvPr>
+            <p:ph type="body" idx="1"/>
+          </p:nvPr>
+        </p:nvSpPr>
+        <p:spPr>
+          <a:xfrm>
+            <a:off x="2589212" y="4354046"/>
+            <a:ext cx="8915399" cy="1555864"/>
+          </a:xfrm>
+        </p:spPr>
+        <p:txBody>
+          <a:bodyPr anchor="ctr">
+            <a:normAutofit/>
+          </a:bodyPr>
+          <a:lstStyle>
+            <a:lvl1pPr marL="0" indent="0" algn="l">
+              <a:buNone/>
+              <a:defRPr sz="1800">
+                <a:solidFill>
+                  <a:schemeClr val="tx1">
+                    <a:lumMod val="65000"/>
+                    <a:lumOff val="35000"/>
+                  </a:schemeClr>
+                </a:solidFill>
+              </a:defRPr>
+            </a:lvl1pPr>
+            <a:lvl2pPr marL="457200" indent="0">
+              <a:buNone/>
+              <a:defRPr sz="1800">
+                <a:solidFill>
+                  <a:schemeClr val="tx1">
+                    <a:tint val="75000"/>
+                  </a:schemeClr>
+                </a:solidFill>
+              </a:defRPr>
+            </a:lvl2pPr>
+            <a:lvl3pPr marL="914400" indent="0">
+              <a:buNone/>
+              <a:defRPr sz="1600">
+                <a:solidFill>
+                  <a:schemeClr val="tx1">
+                    <a:tint val="75000"/>
+                  </a:schemeClr>
+                </a:solidFill>
+              </a:defRPr>
+            </a:lvl3pPr>
+            <a:lvl4pPr marL="1371600" indent="0">
+              <a:buNone/>
+              <a:defRPr sz="1400">
+                <a:solidFill>
+                  <a:schemeClr val="tx1">
+                    <a:tint val="75000"/>
+                  </a:schemeClr>
+                </a:solidFill>
+              </a:defRPr>
+            </a:lvl4pPr>
+            <a:lvl5pPr marL="1828800" indent="0">
+              <a:buNone/>
+              <a:defRPr sz="1400">
+                <a:solidFill>
+                  <a:schemeClr val="tx1">
+                    <a:tint val="75000"/>
+                  </a:schemeClr>
+                </a:solidFill>
+              </a:defRPr>
+            </a:lvl5pPr>
+            <a:lvl6pPr marL="2286000" indent="0">
+              <a:buNone/>
+              <a:defRPr sz="1400">
+                <a:solidFill>
+                  <a:schemeClr val="tx1">
+                    <a:tint val="75000"/>
+                  </a:schemeClr>
+                </a:solidFill>
+              </a:defRPr>
+            </a:lvl6pPr>
+            <a:lvl7pPr marL="2743200" indent="0">
+              <a:buNone/>
+              <a:defRPr sz="1400">
+                <a:solidFill>
+                  <a:schemeClr val="tx1">
+                    <a:tint val="75000"/>
+                  </a:schemeClr>
+                </a:solidFill>
+              </a:defRPr>
+            </a:lvl7pPr>
+            <a:lvl8pPr marL="3200400" indent="0">
+              <a:buNone/>
+              <a:defRPr sz="1400">
+                <a:solidFill>
+                  <a:schemeClr val="tx1">
+                    <a:tint val="75000"/>
+                  </a:schemeClr>
+                </a:solidFill>
+              </a:defRPr>
+            </a:lvl8pPr>
+            <a:lvl9pPr marL="3657600" indent="0">
+              <a:buNone/>
+              <a:defRPr sz="1400">
+                <a:solidFill>
+                  <a:schemeClr val="tx1">
+                    <a:tint val="75000"/>
+                  </a:schemeClr>
+                </a:solidFill>
+              </a:defRPr>
+            </a:lvl9pPr>
+          </a:lstStyle>
+          <a:p>
+            <a:pPr lvl="0"/>
+            <a:r>
+              <a:rPr lang="ja-JP" altLang="en-US" smtClean="0"/>
+              <a:t>マスター テキストの書式設定</a:t>
+            </a:r>
+          </a:p>
+        </p:txBody>
+      </p:sp>
+      <p:sp>
+        <p:nvSpPr>
+          <p:cNvPr id="4" name="Date Placeholder 3"/>
+          <p:cNvSpPr>
+            <a:spLocks noGrp="1"/>
+          </p:cNvSpPr>
+          <p:nvPr>
+            <p:ph type="dt" sz="half" idx="10"/>
+          </p:nvPr>
+        </p:nvSpPr>
+        <p:spPr/>
+        <p:txBody>
+          <a:bodyPr/>
+          <a:lstStyle/>
+          <a:p>
+            <a:fld id="{444AF1EE-23B7-43C4-B6A6-270F9C56AB86}" type="datetimeFigureOut">
+              <a:rPr kumimoji="1" lang="ja-JP" altLang="en-US" smtClean="0"/>
+              <a:t>2023/7/12</a:t>
+            </a:fld>
+            <a:endParaRPr kumimoji="1" lang="ja-JP" altLang="en-US"/>
+          </a:p>
+        </p:txBody>
+      </p:sp>
+      <p:sp>
+        <p:nvSpPr>
+          <p:cNvPr id="5" name="Footer Placeholder 4"/>
+          <p:cNvSpPr>
+            <a:spLocks noGrp="1"/>
+          </p:cNvSpPr>
+          <p:nvPr>
+            <p:ph type="ftr" sz="quarter" idx="11"/>
+          </p:nvPr>
+        </p:nvSpPr>
+        <p:spPr/>
+        <p:txBody>
+          <a:bodyPr/>
+          <a:lstStyle/>
+          <a:p>
+            <a:endParaRPr kumimoji="1" lang="ja-JP" altLang="en-US"/>
+          </a:p>
+        </p:txBody>
+      </p:sp>
+      <p:sp>
+        <p:nvSpPr>
+          <p:cNvPr id="11" name="Freeform 11"/>
+          <p:cNvSpPr/>
+          <p:nvPr/>
+        </p:nvSpPr>
+        <p:spPr bwMode="auto">
+          <a:xfrm flipV="1">
+            <a:off x="-4189" y="3178175"/>
+            <a:ext cx="1588527" cy="507297"/>
+          </a:xfrm>
+          <a:custGeom>
+            <a:avLst/>
+            <a:gdLst/>
+            <a:ahLst/>
+            <a:cxnLst/>
+            <a:rect l="l" t="t" r="r" b="b"/>
+            <a:pathLst>
+              <a:path w="9248" h="10000">
+                <a:moveTo>
+                  <a:pt x="9248" y="4701"/>
+                </a:moveTo>
+                <a:lnTo>
+                  <a:pt x="7915" y="188"/>
+                </a:lnTo>
+                <a:cubicBezTo>
+                  <a:pt x="7906" y="156"/>
+                  <a:pt x="7895" y="126"/>
+                  <a:pt x="7886" y="94"/>
+                </a:cubicBezTo>
+                <a:cubicBezTo>
+                  <a:pt x="7859" y="0"/>
+                  <a:pt x="7831" y="0"/>
+                  <a:pt x="7803" y="0"/>
+                </a:cubicBezTo>
+                <a:lnTo>
+                  <a:pt x="7275" y="0"/>
+                </a:lnTo>
+                <a:lnTo>
+                  <a:pt x="0" y="70"/>
+                </a:lnTo>
+                <a:cubicBezTo>
+                  <a:pt x="8" y="3380"/>
+                  <a:pt x="17" y="6690"/>
+                  <a:pt x="25" y="10000"/>
+                </a:cubicBezTo>
+                <a:lnTo>
+                  <a:pt x="7275" y="9966"/>
+                </a:lnTo>
+                <a:lnTo>
+                  <a:pt x="7803" y="9966"/>
+                </a:lnTo>
+                <a:cubicBezTo>
+                  <a:pt x="7831" y="9966"/>
+                  <a:pt x="7859" y="9872"/>
+                  <a:pt x="7886" y="9872"/>
+                </a:cubicBezTo>
+                <a:cubicBezTo>
+                  <a:pt x="7886" y="9778"/>
+                  <a:pt x="7915" y="9778"/>
+                  <a:pt x="7915" y="9778"/>
+                </a:cubicBezTo>
+                <a:lnTo>
+                  <a:pt x="9248" y="5265"/>
+                </a:lnTo>
+                <a:cubicBezTo>
+                  <a:pt x="9303" y="5077"/>
+                  <a:pt x="9303" y="4889"/>
+                  <a:pt x="9248" y="4701"/>
+                </a:cubicBezTo>
+                <a:close/>
+              </a:path>
+            </a:pathLst>
+          </a:custGeom>
+          <a:solidFill>
+            <a:schemeClr val="accent1"/>
+          </a:solidFill>
+          <a:ln>
+            <a:noFill/>
+          </a:ln>
+        </p:spPr>
+      </p:sp>
+      <p:sp>
+        <p:nvSpPr>
+          <p:cNvPr id="6" name="Slide Number Placeholder 5"/>
+          <p:cNvSpPr>
+            <a:spLocks noGrp="1"/>
+          </p:cNvSpPr>
+          <p:nvPr>
+            <p:ph type="sldNum" sz="quarter" idx="12"/>
+          </p:nvPr>
+        </p:nvSpPr>
+        <p:spPr>
+          <a:xfrm>
+            <a:off x="531812" y="3244139"/>
+            <a:ext cx="779767" cy="365125"/>
+          </a:xfrm>
+        </p:spPr>
+        <p:txBody>
+          <a:bodyPr/>
+          <a:lstStyle/>
+          <a:p>
+            <a:fld id="{07D14818-A5D3-430D-9B00-44B7CBCA6ED6}" type="slidenum">
+              <a:rPr kumimoji="1" lang="ja-JP" altLang="en-US" smtClean="0"/>
+              <a:t>‹#›</a:t>
+            </a:fld>
+            <a:endParaRPr kumimoji="1" lang="ja-JP" altLang="en-US"/>
+          </a:p>
+        </p:txBody>
+      </p:sp>
+      <p:sp>
+        <p:nvSpPr>
+          <p:cNvPr id="14" name="TextBox 13"/>
+          <p:cNvSpPr txBox="1"/>
+          <p:nvPr/>
+        </p:nvSpPr>
+        <p:spPr>
+          <a:xfrm>
+            <a:off x="2467652" y="648005"/>
+            <a:ext cx="609600" cy="584776"/>
+          </a:xfrm>
+          <a:prstGeom prst="rect">
+            <a:avLst/>
+          </a:prstGeom>
+        </p:spPr>
+        <p:txBody>
+          <a:bodyPr vert="horz" lIns="91440" tIns="45720" rIns="91440" bIns="45720" rtlCol="0" anchor="ctr">
+            <a:noAutofit/>
+          </a:bodyPr>
+          <a:lstStyle/>
+          <a:p>
+            <a:pPr lvl="0"/>
+            <a:r>
+              <a:rPr lang="en-US" sz="8000" baseline="0" dirty="0">
+                <a:ln w="3175" cmpd="sng">
+                  <a:noFill/>
+                </a:ln>
+                <a:solidFill>
+                  <a:schemeClr val="accent1"/>
+                </a:solidFill>
+                <a:effectLst/>
+                <a:latin typeface="Arial"/>
+              </a:rPr>
+              <a:t>“</a:t>
+            </a:r>
+          </a:p>
+        </p:txBody>
+      </p:sp>
+      <p:sp>
+        <p:nvSpPr>
+          <p:cNvPr id="15" name="TextBox 14"/>
+          <p:cNvSpPr txBox="1"/>
+          <p:nvPr/>
+        </p:nvSpPr>
+        <p:spPr>
+          <a:xfrm>
+            <a:off x="11114852" y="2905306"/>
+            <a:ext cx="609600" cy="584776"/>
+          </a:xfrm>
+          <a:prstGeom prst="rect">
+            <a:avLst/>
+          </a:prstGeom>
+        </p:spPr>
+        <p:txBody>
+          <a:bodyPr vert="horz" lIns="91440" tIns="45720" rIns="91440" bIns="45720" rtlCol="0" anchor="ctr">
+            <a:noAutofit/>
+          </a:bodyPr>
+          <a:lstStyle/>
+          <a:p>
+            <a:pPr lvl="0"/>
+            <a:r>
+              <a:rPr lang="en-US" sz="8000" baseline="0" dirty="0">
+                <a:ln w="3175" cmpd="sng">
+                  <a:noFill/>
+                </a:ln>
+                <a:solidFill>
+                  <a:schemeClr val="accent1"/>
+                </a:solidFill>
+                <a:effectLst/>
+                <a:latin typeface="Arial"/>
+              </a:rPr>
+              <a:t>”</a:t>
+            </a:r>
+          </a:p>
+        </p:txBody>
+      </p:sp>
+    </p:spTree>
+    <p:extLst>
+      <p:ext uri="{BB962C8B-B14F-4D97-AF65-F5344CB8AC3E}">
+        <p14:creationId xmlns:p14="http://schemas.microsoft.com/office/powerpoint/2010/main" val="245894247"/>
+      </p:ext>
+    </p:extLst>
+  </p:cSld>
+  <p:clrMapOvr>
+    <a:masterClrMapping/>
+  </p:clrMapOvr>
+</p:sldLayout>
+</file>
+
+<file path=ppt/slideLayouts/slideLayout12.xml><?xml version="1.0" encoding="utf-8"?>
+<p:sldLayout xmlns:a="http://schemas.openxmlformats.org/drawingml/2006/main" xmlns:r="http://schemas.openxmlformats.org/officeDocument/2006/relationships" xmlns:p="http://schemas.openxmlformats.org/presentationml/2006/main" preserve="1">
+  <p:cSld name="名札">
+    <p:spTree>
+      <p:nvGrpSpPr>
+        <p:cNvPr id="1" name=""/>
+        <p:cNvGrpSpPr/>
+        <p:nvPr/>
+      </p:nvGrpSpPr>
+      <p:grpSpPr>
+        <a:xfrm>
+          <a:off x="0" y="0"/>
+          <a:ext cx="0" cy="0"/>
+          <a:chOff x="0" y="0"/>
+          <a:chExt cx="0" cy="0"/>
+        </a:xfrm>
+      </p:grpSpPr>
+      <p:sp>
+        <p:nvSpPr>
+          <p:cNvPr id="2" name="Title 1"/>
+          <p:cNvSpPr>
+            <a:spLocks noGrp="1"/>
+          </p:cNvSpPr>
+          <p:nvPr>
+            <p:ph type="title"/>
+          </p:nvPr>
+        </p:nvSpPr>
+        <p:spPr>
+          <a:xfrm>
+            <a:off x="2589213" y="2438400"/>
+            <a:ext cx="8915400" cy="2724845"/>
+          </a:xfrm>
+        </p:spPr>
+        <p:txBody>
+          <a:bodyPr anchor="b">
+            <a:normAutofit/>
+          </a:bodyPr>
+          <a:lstStyle>
+            <a:lvl1pPr algn="l">
+              <a:defRPr sz="4800" b="0"/>
+            </a:lvl1pPr>
+          </a:lstStyle>
+          <a:p>
+            <a:r>
+              <a:rPr lang="ja-JP" altLang="en-US" smtClean="0"/>
+              <a:t>マスター タイトルの書式設定</a:t>
+            </a:r>
+            <a:endParaRPr lang="en-US" dirty="0"/>
+          </a:p>
+        </p:txBody>
+      </p:sp>
+      <p:sp>
+        <p:nvSpPr>
+          <p:cNvPr id="4" name="Text Placeholder 3"/>
+          <p:cNvSpPr>
+            <a:spLocks noGrp="1"/>
+          </p:cNvSpPr>
+          <p:nvPr>
+            <p:ph type="body" sz="half" idx="2"/>
+          </p:nvPr>
+        </p:nvSpPr>
+        <p:spPr>
+          <a:xfrm>
+            <a:off x="2589213" y="5181600"/>
+            <a:ext cx="8915400" cy="729622"/>
+          </a:xfrm>
+        </p:spPr>
+        <p:txBody>
+          <a:bodyPr vert="horz" lIns="91440" tIns="45720" rIns="91440" bIns="45720" rtlCol="0" anchor="t">
+            <a:normAutofit/>
+          </a:bodyPr>
+          <a:lstStyle>
+            <a:lvl1pPr>
+              <a:buNone/>
+              <a:defRPr lang="en-US">
+                <a:solidFill>
+                  <a:schemeClr val="tx1">
+                    <a:lumMod val="65000"/>
+                    <a:lumOff val="35000"/>
+                  </a:schemeClr>
+                </a:solidFill>
+              </a:defRPr>
+            </a:lvl1pPr>
+          </a:lstStyle>
+          <a:p>
+            <a:pPr marL="0" lvl="0" indent="0">
+              <a:buNone/>
+            </a:pPr>
+            <a:r>
+              <a:rPr lang="ja-JP" altLang="en-US" smtClean="0"/>
+              <a:t>マスター テキストの書式設定</a:t>
+            </a:r>
+          </a:p>
+        </p:txBody>
+      </p:sp>
+      <p:sp>
+        <p:nvSpPr>
+          <p:cNvPr id="5" name="Date Placeholder 4"/>
+          <p:cNvSpPr>
+            <a:spLocks noGrp="1"/>
+          </p:cNvSpPr>
+          <p:nvPr>
+            <p:ph type="dt" sz="half" idx="10"/>
+          </p:nvPr>
+        </p:nvSpPr>
+        <p:spPr/>
+        <p:txBody>
+          <a:bodyPr/>
+          <a:lstStyle/>
+          <a:p>
+            <a:fld id="{444AF1EE-23B7-43C4-B6A6-270F9C56AB86}" type="datetimeFigureOut">
+              <a:rPr kumimoji="1" lang="ja-JP" altLang="en-US" smtClean="0"/>
+              <a:t>2023/7/12</a:t>
+            </a:fld>
+            <a:endParaRPr kumimoji="1" lang="ja-JP" altLang="en-US"/>
+          </a:p>
+        </p:txBody>
+      </p:sp>
+      <p:sp>
+        <p:nvSpPr>
+          <p:cNvPr id="6" name="Footer Placeholder 5"/>
+          <p:cNvSpPr>
+            <a:spLocks noGrp="1"/>
+          </p:cNvSpPr>
+          <p:nvPr>
+            <p:ph type="ftr" sz="quarter" idx="11"/>
+          </p:nvPr>
+        </p:nvSpPr>
+        <p:spPr/>
+        <p:txBody>
+          <a:bodyPr/>
+          <a:lstStyle/>
+          <a:p>
+            <a:endParaRPr kumimoji="1" lang="ja-JP" altLang="en-US"/>
+          </a:p>
+        </p:txBody>
+      </p:sp>
+      <p:sp>
+        <p:nvSpPr>
+          <p:cNvPr id="9" name="Freeform 11"/>
+          <p:cNvSpPr/>
+          <p:nvPr/>
+        </p:nvSpPr>
+        <p:spPr bwMode="auto">
+          <a:xfrm flipV="1">
+            <a:off x="-4189" y="4911725"/>
+            <a:ext cx="1588527" cy="507297"/>
+          </a:xfrm>
+          <a:custGeom>
+            <a:avLst/>
+            <a:gdLst/>
+            <a:ahLst/>
+            <a:cxnLst/>
+            <a:rect l="l" t="t" r="r" b="b"/>
+            <a:pathLst>
+              <a:path w="9248" h="10000">
+                <a:moveTo>
+                  <a:pt x="9248" y="4701"/>
+                </a:moveTo>
+                <a:lnTo>
+                  <a:pt x="7915" y="188"/>
+                </a:lnTo>
+                <a:cubicBezTo>
+                  <a:pt x="7906" y="156"/>
+                  <a:pt x="7895" y="126"/>
+                  <a:pt x="7886" y="94"/>
+                </a:cubicBezTo>
+                <a:cubicBezTo>
+                  <a:pt x="7859" y="0"/>
+                  <a:pt x="7831" y="0"/>
+                  <a:pt x="7803" y="0"/>
+                </a:cubicBezTo>
+                <a:lnTo>
+                  <a:pt x="7275" y="0"/>
+                </a:lnTo>
+                <a:lnTo>
+                  <a:pt x="0" y="70"/>
+                </a:lnTo>
+                <a:cubicBezTo>
+                  <a:pt x="8" y="3380"/>
+                  <a:pt x="17" y="6690"/>
+                  <a:pt x="25" y="10000"/>
+                </a:cubicBezTo>
+                <a:lnTo>
+                  <a:pt x="7275" y="9966"/>
+                </a:lnTo>
+                <a:lnTo>
+                  <a:pt x="7803" y="9966"/>
+                </a:lnTo>
+                <a:cubicBezTo>
+                  <a:pt x="7831" y="9966"/>
+                  <a:pt x="7859" y="9872"/>
+                  <a:pt x="7886" y="9872"/>
+                </a:cubicBezTo>
+                <a:cubicBezTo>
+                  <a:pt x="7886" y="9778"/>
+                  <a:pt x="7915" y="9778"/>
+                  <a:pt x="7915" y="9778"/>
+                </a:cubicBezTo>
+                <a:lnTo>
+                  <a:pt x="9248" y="5265"/>
+                </a:lnTo>
+                <a:cubicBezTo>
+                  <a:pt x="9303" y="5077"/>
+                  <a:pt x="9303" y="4889"/>
+                  <a:pt x="9248" y="4701"/>
+                </a:cubicBezTo>
+                <a:close/>
+              </a:path>
+            </a:pathLst>
+          </a:custGeom>
+          <a:solidFill>
+            <a:schemeClr val="accent1"/>
+          </a:solidFill>
+          <a:ln>
+            <a:noFill/>
+          </a:ln>
+        </p:spPr>
+      </p:sp>
+      <p:sp>
+        <p:nvSpPr>
+          <p:cNvPr id="7" name="Slide Number Placeholder 6"/>
+          <p:cNvSpPr>
+            <a:spLocks noGrp="1"/>
+          </p:cNvSpPr>
+          <p:nvPr>
+            <p:ph type="sldNum" sz="quarter" idx="12"/>
+          </p:nvPr>
+        </p:nvSpPr>
+        <p:spPr>
+          <a:xfrm>
+            <a:off x="531812" y="4983087"/>
+            <a:ext cx="779767" cy="365125"/>
+          </a:xfrm>
+        </p:spPr>
+        <p:txBody>
+          <a:bodyPr/>
+          <a:lstStyle/>
+          <a:p>
+            <a:fld id="{07D14818-A5D3-430D-9B00-44B7CBCA6ED6}" type="slidenum">
+              <a:rPr kumimoji="1" lang="ja-JP" altLang="en-US" smtClean="0"/>
+              <a:t>‹#›</a:t>
+            </a:fld>
+            <a:endParaRPr kumimoji="1" lang="ja-JP" altLang="en-US"/>
+          </a:p>
+        </p:txBody>
+      </p:sp>
+    </p:spTree>
+    <p:extLst>
+      <p:ext uri="{BB962C8B-B14F-4D97-AF65-F5344CB8AC3E}">
+        <p14:creationId xmlns:p14="http://schemas.microsoft.com/office/powerpoint/2010/main" val="1615833561"/>
+      </p:ext>
+    </p:extLst>
+  </p:cSld>
+  <p:clrMapOvr>
+    <a:masterClrMapping/>
+  </p:clrMapOvr>
+</p:sldLayout>
+</file>
+
+<file path=ppt/slideLayouts/slideLayout13.xml><?xml version="1.0" encoding="utf-8"?>
+<p:sldLayout xmlns:a="http://schemas.openxmlformats.org/drawingml/2006/main" xmlns:r="http://schemas.openxmlformats.org/officeDocument/2006/relationships" xmlns:p="http://schemas.openxmlformats.org/presentationml/2006/main" preserve="1">
+  <p:cSld name="引用付きの名札">
+    <p:spTree>
+      <p:nvGrpSpPr>
+        <p:cNvPr id="1" name=""/>
+        <p:cNvGrpSpPr/>
+        <p:nvPr/>
+      </p:nvGrpSpPr>
+      <p:grpSpPr>
+        <a:xfrm>
+          <a:off x="0" y="0"/>
+          <a:ext cx="0" cy="0"/>
+          <a:chOff x="0" y="0"/>
+          <a:chExt cx="0" cy="0"/>
+        </a:xfrm>
+      </p:grpSpPr>
+      <p:sp>
+        <p:nvSpPr>
+          <p:cNvPr id="12" name="Title 1"/>
+          <p:cNvSpPr>
+            <a:spLocks noGrp="1"/>
+          </p:cNvSpPr>
+          <p:nvPr>
+            <p:ph type="title"/>
+          </p:nvPr>
+        </p:nvSpPr>
+        <p:spPr>
+          <a:xfrm>
+            <a:off x="2849949" y="609600"/>
+            <a:ext cx="8393926" cy="2895600"/>
+          </a:xfrm>
+        </p:spPr>
+        <p:txBody>
+          <a:bodyPr anchor="ctr">
+            <a:normAutofit/>
+          </a:bodyPr>
+          <a:lstStyle>
+            <a:lvl1pPr algn="l">
+              <a:defRPr sz="4800" b="0" cap="none"/>
+            </a:lvl1pPr>
+          </a:lstStyle>
+          <a:p>
+            <a:r>
+              <a:rPr lang="ja-JP" altLang="en-US" smtClean="0"/>
+              <a:t>マスター タイトルの書式設定</a:t>
+            </a:r>
+            <a:endParaRPr lang="en-US" dirty="0"/>
+          </a:p>
+        </p:txBody>
+      </p:sp>
+      <p:sp>
+        <p:nvSpPr>
+          <p:cNvPr id="21" name="Text Placeholder 9"/>
+          <p:cNvSpPr>
+            <a:spLocks noGrp="1"/>
+          </p:cNvSpPr>
+          <p:nvPr>
+            <p:ph type="body" sz="quarter" idx="13"/>
+          </p:nvPr>
+        </p:nvSpPr>
+        <p:spPr>
+          <a:xfrm>
+            <a:off x="2589212" y="4343400"/>
+            <a:ext cx="8915400" cy="838200"/>
+          </a:xfrm>
+        </p:spPr>
+        <p:txBody>
+          <a:bodyPr anchor="b">
+            <a:noAutofit/>
+          </a:bodyPr>
+          <a:lstStyle>
+            <a:lvl1pPr marL="0" indent="0">
+              <a:buFontTx/>
+              <a:buNone/>
+              <a:defRPr sz="2400">
+                <a:solidFill>
+                  <a:schemeClr val="accent1"/>
+                </a:solidFill>
+              </a:defRPr>
+            </a:lvl1pPr>
+            <a:lvl2pPr marL="457200" indent="0">
+              <a:buFontTx/>
+              <a:buNone/>
+              <a:defRPr/>
+            </a:lvl2pPr>
+            <a:lvl3pPr marL="914400" indent="0">
+              <a:buFontTx/>
+              <a:buNone/>
+              <a:defRPr/>
+            </a:lvl3pPr>
+            <a:lvl4pPr marL="1371600" indent="0">
+              <a:buFontTx/>
+              <a:buNone/>
+              <a:defRPr/>
+            </a:lvl4pPr>
+            <a:lvl5pPr marL="1828800" indent="0">
+              <a:buFontTx/>
+              <a:buNone/>
+              <a:defRPr/>
+            </a:lvl5pPr>
+          </a:lstStyle>
+          <a:p>
+            <a:pPr lvl="0"/>
+            <a:r>
+              <a:rPr lang="ja-JP" altLang="en-US" smtClean="0"/>
+              <a:t>マスター テキストの書式設定</a:t>
+            </a:r>
+          </a:p>
+        </p:txBody>
+      </p:sp>
+      <p:sp>
+        <p:nvSpPr>
+          <p:cNvPr id="4" name="Text Placeholder 3"/>
+          <p:cNvSpPr>
+            <a:spLocks noGrp="1"/>
+          </p:cNvSpPr>
+          <p:nvPr>
+            <p:ph type="body" sz="half" idx="2"/>
+          </p:nvPr>
+        </p:nvSpPr>
+        <p:spPr>
+          <a:xfrm>
+            <a:off x="2589213" y="5181600"/>
+            <a:ext cx="8915400" cy="729622"/>
+          </a:xfrm>
+        </p:spPr>
+        <p:txBody>
+          <a:bodyPr vert="horz" lIns="91440" tIns="45720" rIns="91440" bIns="45720" rtlCol="0" anchor="t">
+            <a:normAutofit/>
+          </a:bodyPr>
+          <a:lstStyle>
+            <a:lvl1pPr>
+              <a:buNone/>
+              <a:defRPr lang="en-US">
+                <a:solidFill>
+                  <a:schemeClr val="tx1">
+                    <a:lumMod val="65000"/>
+                    <a:lumOff val="35000"/>
+                  </a:schemeClr>
+                </a:solidFill>
+              </a:defRPr>
+            </a:lvl1pPr>
+          </a:lstStyle>
+          <a:p>
+            <a:pPr marL="0" lvl="0" indent="0">
+              <a:buNone/>
+            </a:pPr>
+            <a:r>
+              <a:rPr lang="ja-JP" altLang="en-US" smtClean="0"/>
+              <a:t>マスター テキストの書式設定</a:t>
+            </a:r>
+          </a:p>
+        </p:txBody>
+      </p:sp>
+      <p:sp>
+        <p:nvSpPr>
+          <p:cNvPr id="5" name="Date Placeholder 4"/>
+          <p:cNvSpPr>
+            <a:spLocks noGrp="1"/>
+          </p:cNvSpPr>
+          <p:nvPr>
+            <p:ph type="dt" sz="half" idx="10"/>
+          </p:nvPr>
+        </p:nvSpPr>
+        <p:spPr/>
+        <p:txBody>
+          <a:bodyPr/>
+          <a:lstStyle/>
+          <a:p>
+            <a:fld id="{444AF1EE-23B7-43C4-B6A6-270F9C56AB86}" type="datetimeFigureOut">
+              <a:rPr kumimoji="1" lang="ja-JP" altLang="en-US" smtClean="0"/>
+              <a:t>2023/7/12</a:t>
+            </a:fld>
+            <a:endParaRPr kumimoji="1" lang="ja-JP" altLang="en-US"/>
+          </a:p>
+        </p:txBody>
+      </p:sp>
+      <p:sp>
+        <p:nvSpPr>
+          <p:cNvPr id="6" name="Footer Placeholder 5"/>
+          <p:cNvSpPr>
+            <a:spLocks noGrp="1"/>
+          </p:cNvSpPr>
+          <p:nvPr>
+            <p:ph type="ftr" sz="quarter" idx="11"/>
+          </p:nvPr>
+        </p:nvSpPr>
+        <p:spPr/>
+        <p:txBody>
+          <a:bodyPr/>
+          <a:lstStyle/>
+          <a:p>
+            <a:endParaRPr kumimoji="1" lang="ja-JP" altLang="en-US"/>
+          </a:p>
+        </p:txBody>
+      </p:sp>
+      <p:sp>
+        <p:nvSpPr>
+          <p:cNvPr id="11" name="Freeform 11"/>
+          <p:cNvSpPr/>
+          <p:nvPr/>
+        </p:nvSpPr>
+        <p:spPr bwMode="auto">
+          <a:xfrm flipV="1">
+            <a:off x="-4189" y="4911725"/>
+            <a:ext cx="1588527" cy="507297"/>
+          </a:xfrm>
+          <a:custGeom>
+            <a:avLst/>
+            <a:gdLst/>
+            <a:ahLst/>
+            <a:cxnLst/>
+            <a:rect l="l" t="t" r="r" b="b"/>
+            <a:pathLst>
+              <a:path w="9248" h="10000">
+                <a:moveTo>
+                  <a:pt x="9248" y="4701"/>
+                </a:moveTo>
+                <a:lnTo>
+                  <a:pt x="7915" y="188"/>
+                </a:lnTo>
+                <a:cubicBezTo>
+                  <a:pt x="7906" y="156"/>
+                  <a:pt x="7895" y="126"/>
+                  <a:pt x="7886" y="94"/>
+                </a:cubicBezTo>
+                <a:cubicBezTo>
+                  <a:pt x="7859" y="0"/>
+                  <a:pt x="7831" y="0"/>
+                  <a:pt x="7803" y="0"/>
+                </a:cubicBezTo>
+                <a:lnTo>
+                  <a:pt x="7275" y="0"/>
+                </a:lnTo>
+                <a:lnTo>
+                  <a:pt x="0" y="70"/>
+                </a:lnTo>
+                <a:cubicBezTo>
+                  <a:pt x="8" y="3380"/>
+                  <a:pt x="17" y="6690"/>
+                  <a:pt x="25" y="10000"/>
+                </a:cubicBezTo>
+                <a:lnTo>
+                  <a:pt x="7275" y="9966"/>
+                </a:lnTo>
+                <a:lnTo>
+                  <a:pt x="7803" y="9966"/>
+                </a:lnTo>
+                <a:cubicBezTo>
+                  <a:pt x="7831" y="9966"/>
+                  <a:pt x="7859" y="9872"/>
+                  <a:pt x="7886" y="9872"/>
+                </a:cubicBezTo>
+                <a:cubicBezTo>
+                  <a:pt x="7886" y="9778"/>
+                  <a:pt x="7915" y="9778"/>
+                  <a:pt x="7915" y="9778"/>
+                </a:cubicBezTo>
+                <a:lnTo>
+                  <a:pt x="9248" y="5265"/>
+                </a:lnTo>
+                <a:cubicBezTo>
+                  <a:pt x="9303" y="5077"/>
+                  <a:pt x="9303" y="4889"/>
+                  <a:pt x="9248" y="4701"/>
+                </a:cubicBezTo>
+                <a:close/>
+              </a:path>
+            </a:pathLst>
+          </a:custGeom>
+          <a:solidFill>
+            <a:schemeClr val="accent1"/>
+          </a:solidFill>
+          <a:ln>
+            <a:noFill/>
+          </a:ln>
+        </p:spPr>
+      </p:sp>
+      <p:sp>
+        <p:nvSpPr>
+          <p:cNvPr id="7" name="Slide Number Placeholder 6"/>
+          <p:cNvSpPr>
+            <a:spLocks noGrp="1"/>
+          </p:cNvSpPr>
+          <p:nvPr>
+            <p:ph type="sldNum" sz="quarter" idx="12"/>
+          </p:nvPr>
+        </p:nvSpPr>
+        <p:spPr>
+          <a:xfrm>
+            <a:off x="531812" y="4983087"/>
+            <a:ext cx="779767" cy="365125"/>
+          </a:xfrm>
+        </p:spPr>
+        <p:txBody>
+          <a:bodyPr/>
+          <a:lstStyle/>
+          <a:p>
+            <a:fld id="{07D14818-A5D3-430D-9B00-44B7CBCA6ED6}" type="slidenum">
+              <a:rPr kumimoji="1" lang="ja-JP" altLang="en-US" smtClean="0"/>
+              <a:t>‹#›</a:t>
+            </a:fld>
+            <a:endParaRPr kumimoji="1" lang="ja-JP" altLang="en-US"/>
+          </a:p>
+        </p:txBody>
+      </p:sp>
+      <p:sp>
+        <p:nvSpPr>
+          <p:cNvPr id="17" name="TextBox 16"/>
+          <p:cNvSpPr txBox="1"/>
+          <p:nvPr/>
+        </p:nvSpPr>
+        <p:spPr>
+          <a:xfrm>
+            <a:off x="2467652" y="648005"/>
+            <a:ext cx="609600" cy="584776"/>
+          </a:xfrm>
+          <a:prstGeom prst="rect">
+            <a:avLst/>
+          </a:prstGeom>
+        </p:spPr>
+        <p:txBody>
+          <a:bodyPr vert="horz" lIns="91440" tIns="45720" rIns="91440" bIns="45720" rtlCol="0" anchor="ctr">
+            <a:noAutofit/>
+          </a:bodyPr>
+          <a:lstStyle/>
+          <a:p>
+            <a:pPr lvl="0"/>
+            <a:r>
+              <a:rPr lang="en-US" sz="8000" baseline="0" dirty="0">
+                <a:ln w="3175" cmpd="sng">
+                  <a:noFill/>
+                </a:ln>
+                <a:solidFill>
+                  <a:schemeClr val="accent1"/>
+                </a:solidFill>
+                <a:effectLst/>
+                <a:latin typeface="Arial"/>
+              </a:rPr>
+              <a:t>“</a:t>
+            </a:r>
+          </a:p>
+        </p:txBody>
+      </p:sp>
+      <p:sp>
+        <p:nvSpPr>
+          <p:cNvPr id="18" name="TextBox 17"/>
+          <p:cNvSpPr txBox="1"/>
+          <p:nvPr/>
+        </p:nvSpPr>
+        <p:spPr>
+          <a:xfrm>
+            <a:off x="11114852" y="2905306"/>
+            <a:ext cx="609600" cy="584776"/>
+          </a:xfrm>
+          <a:prstGeom prst="rect">
+            <a:avLst/>
+          </a:prstGeom>
+        </p:spPr>
+        <p:txBody>
+          <a:bodyPr vert="horz" lIns="91440" tIns="45720" rIns="91440" bIns="45720" rtlCol="0" anchor="ctr">
+            <a:noAutofit/>
+          </a:bodyPr>
+          <a:lstStyle/>
+          <a:p>
+            <a:pPr lvl="0"/>
+            <a:r>
+              <a:rPr lang="en-US" sz="8000" baseline="0" dirty="0">
+                <a:ln w="3175" cmpd="sng">
+                  <a:noFill/>
+                </a:ln>
+                <a:solidFill>
+                  <a:schemeClr val="accent1"/>
+                </a:solidFill>
+                <a:effectLst/>
+                <a:latin typeface="Arial"/>
+              </a:rPr>
+              <a:t>”</a:t>
+            </a:r>
+          </a:p>
+        </p:txBody>
+      </p:sp>
+    </p:spTree>
+    <p:extLst>
+      <p:ext uri="{BB962C8B-B14F-4D97-AF65-F5344CB8AC3E}">
+        <p14:creationId xmlns:p14="http://schemas.microsoft.com/office/powerpoint/2010/main" val="1228007698"/>
+      </p:ext>
+    </p:extLst>
+  </p:cSld>
+  <p:clrMapOvr>
+    <a:masterClrMapping/>
+  </p:clrMapOvr>
+</p:sldLayout>
+</file>
+
+<file path=ppt/slideLayouts/slideLayout14.xml><?xml version="1.0" encoding="utf-8"?>
+<p:sldLayout xmlns:a="http://schemas.openxmlformats.org/drawingml/2006/main" xmlns:r="http://schemas.openxmlformats.org/officeDocument/2006/relationships" xmlns:p="http://schemas.openxmlformats.org/presentationml/2006/main" preserve="1">
+  <p:cSld name="真または偽">
+    <p:spTree>
+      <p:nvGrpSpPr>
+        <p:cNvPr id="1" name=""/>
+        <p:cNvGrpSpPr/>
+        <p:nvPr/>
+      </p:nvGrpSpPr>
+      <p:grpSpPr>
+        <a:xfrm>
+          <a:off x="0" y="0"/>
+          <a:ext cx="0" cy="0"/>
+          <a:chOff x="0" y="0"/>
+          <a:chExt cx="0" cy="0"/>
+        </a:xfrm>
+      </p:grpSpPr>
+      <p:sp>
+        <p:nvSpPr>
+          <p:cNvPr id="2" name="Title 1"/>
+          <p:cNvSpPr>
+            <a:spLocks noGrp="1"/>
+          </p:cNvSpPr>
+          <p:nvPr>
+            <p:ph type="title"/>
+          </p:nvPr>
+        </p:nvSpPr>
+        <p:spPr>
+          <a:xfrm>
+            <a:off x="2589212" y="627407"/>
+            <a:ext cx="8915399" cy="2880020"/>
+          </a:xfrm>
+        </p:spPr>
+        <p:txBody>
+          <a:bodyPr anchor="ctr">
+            <a:normAutofit/>
+          </a:bodyPr>
+          <a:lstStyle>
+            <a:lvl1pPr algn="l">
+              <a:defRPr sz="4800" b="0"/>
+            </a:lvl1pPr>
+          </a:lstStyle>
+          <a:p>
+            <a:r>
+              <a:rPr lang="ja-JP" altLang="en-US" smtClean="0"/>
+              <a:t>マスター タイトルの書式設定</a:t>
+            </a:r>
+            <a:endParaRPr lang="en-US" dirty="0"/>
+          </a:p>
+        </p:txBody>
+      </p:sp>
+      <p:sp>
+        <p:nvSpPr>
+          <p:cNvPr id="21" name="Text Placeholder 9"/>
+          <p:cNvSpPr>
+            <a:spLocks noGrp="1"/>
+          </p:cNvSpPr>
+          <p:nvPr>
+            <p:ph type="body" sz="quarter" idx="13"/>
+          </p:nvPr>
+        </p:nvSpPr>
+        <p:spPr>
+          <a:xfrm>
+            <a:off x="2589212" y="4343400"/>
+            <a:ext cx="8915400" cy="838200"/>
+          </a:xfrm>
+        </p:spPr>
+        <p:txBody>
+          <a:bodyPr anchor="b">
+            <a:noAutofit/>
+          </a:bodyPr>
+          <a:lstStyle>
+            <a:lvl1pPr marL="0" indent="0">
+              <a:buFontTx/>
+              <a:buNone/>
+              <a:defRPr sz="2400">
+                <a:solidFill>
+                  <a:schemeClr val="accent1"/>
+                </a:solidFill>
+              </a:defRPr>
+            </a:lvl1pPr>
+            <a:lvl2pPr marL="457200" indent="0">
+              <a:buFontTx/>
+              <a:buNone/>
+              <a:defRPr/>
+            </a:lvl2pPr>
+            <a:lvl3pPr marL="914400" indent="0">
+              <a:buFontTx/>
+              <a:buNone/>
+              <a:defRPr/>
+            </a:lvl3pPr>
+            <a:lvl4pPr marL="1371600" indent="0">
+              <a:buFontTx/>
+              <a:buNone/>
+              <a:defRPr/>
+            </a:lvl4pPr>
+            <a:lvl5pPr marL="1828800" indent="0">
+              <a:buFontTx/>
+              <a:buNone/>
+              <a:defRPr/>
+            </a:lvl5pPr>
+          </a:lstStyle>
+          <a:p>
+            <a:pPr lvl="0"/>
+            <a:r>
+              <a:rPr lang="ja-JP" altLang="en-US" smtClean="0"/>
+              <a:t>マスター テキストの書式設定</a:t>
+            </a:r>
+          </a:p>
+        </p:txBody>
+      </p:sp>
+      <p:sp>
+        <p:nvSpPr>
+          <p:cNvPr id="4" name="Text Placeholder 3"/>
+          <p:cNvSpPr>
+            <a:spLocks noGrp="1"/>
+          </p:cNvSpPr>
+          <p:nvPr>
+            <p:ph type="body" sz="half" idx="2"/>
+          </p:nvPr>
+        </p:nvSpPr>
+        <p:spPr>
+          <a:xfrm>
+            <a:off x="2589213" y="5181600"/>
+            <a:ext cx="8915400" cy="729622"/>
+          </a:xfrm>
+        </p:spPr>
+        <p:txBody>
+          <a:bodyPr vert="horz" lIns="91440" tIns="45720" rIns="91440" bIns="45720" rtlCol="0" anchor="t">
+            <a:normAutofit/>
+          </a:bodyPr>
+          <a:lstStyle>
+            <a:lvl1pPr>
+              <a:buNone/>
+              <a:defRPr lang="en-US">
+                <a:solidFill>
+                  <a:schemeClr val="tx1">
+                    <a:lumMod val="65000"/>
+                    <a:lumOff val="35000"/>
+                  </a:schemeClr>
+                </a:solidFill>
+              </a:defRPr>
+            </a:lvl1pPr>
+          </a:lstStyle>
+          <a:p>
+            <a:pPr marL="0" lvl="0" indent="0">
+              <a:buNone/>
+            </a:pPr>
+            <a:r>
+              <a:rPr lang="ja-JP" altLang="en-US" smtClean="0"/>
+              <a:t>マスター テキストの書式設定</a:t>
+            </a:r>
+          </a:p>
+        </p:txBody>
+      </p:sp>
+      <p:sp>
+        <p:nvSpPr>
+          <p:cNvPr id="5" name="Date Placeholder 4"/>
+          <p:cNvSpPr>
+            <a:spLocks noGrp="1"/>
+          </p:cNvSpPr>
+          <p:nvPr>
+            <p:ph type="dt" sz="half" idx="10"/>
+          </p:nvPr>
+        </p:nvSpPr>
+        <p:spPr/>
+        <p:txBody>
+          <a:bodyPr/>
+          <a:lstStyle/>
+          <a:p>
+            <a:fld id="{444AF1EE-23B7-43C4-B6A6-270F9C56AB86}" type="datetimeFigureOut">
+              <a:rPr kumimoji="1" lang="ja-JP" altLang="en-US" smtClean="0"/>
+              <a:t>2023/7/12</a:t>
+            </a:fld>
+            <a:endParaRPr kumimoji="1" lang="ja-JP" altLang="en-US"/>
+          </a:p>
+        </p:txBody>
+      </p:sp>
+      <p:sp>
+        <p:nvSpPr>
+          <p:cNvPr id="6" name="Footer Placeholder 5"/>
+          <p:cNvSpPr>
+            <a:spLocks noGrp="1"/>
+          </p:cNvSpPr>
+          <p:nvPr>
+            <p:ph type="ftr" sz="quarter" idx="11"/>
+          </p:nvPr>
+        </p:nvSpPr>
+        <p:spPr/>
+        <p:txBody>
+          <a:bodyPr/>
+          <a:lstStyle/>
+          <a:p>
+            <a:endParaRPr kumimoji="1" lang="ja-JP" altLang="en-US"/>
+          </a:p>
+        </p:txBody>
+      </p:sp>
+      <p:sp>
+        <p:nvSpPr>
+          <p:cNvPr id="9" name="Freeform 11"/>
+          <p:cNvSpPr/>
+          <p:nvPr/>
+        </p:nvSpPr>
+        <p:spPr bwMode="auto">
+          <a:xfrm flipV="1">
+            <a:off x="-4189" y="4911725"/>
+            <a:ext cx="1588527" cy="507297"/>
+          </a:xfrm>
+          <a:custGeom>
+            <a:avLst/>
+            <a:gdLst/>
+            <a:ahLst/>
+            <a:cxnLst/>
+            <a:rect l="l" t="t" r="r" b="b"/>
+            <a:pathLst>
+              <a:path w="9248" h="10000">
+                <a:moveTo>
+                  <a:pt x="9248" y="4701"/>
+                </a:moveTo>
+                <a:lnTo>
+                  <a:pt x="7915" y="188"/>
+                </a:lnTo>
+                <a:cubicBezTo>
+                  <a:pt x="7906" y="156"/>
+                  <a:pt x="7895" y="126"/>
+                  <a:pt x="7886" y="94"/>
+                </a:cubicBezTo>
+                <a:cubicBezTo>
+                  <a:pt x="7859" y="0"/>
+                  <a:pt x="7831" y="0"/>
+                  <a:pt x="7803" y="0"/>
+                </a:cubicBezTo>
+                <a:lnTo>
+                  <a:pt x="7275" y="0"/>
+                </a:lnTo>
+                <a:lnTo>
+                  <a:pt x="0" y="70"/>
+                </a:lnTo>
+                <a:cubicBezTo>
+                  <a:pt x="8" y="3380"/>
+                  <a:pt x="17" y="6690"/>
+                  <a:pt x="25" y="10000"/>
+                </a:cubicBezTo>
+                <a:lnTo>
+                  <a:pt x="7275" y="9966"/>
+                </a:lnTo>
+                <a:lnTo>
+                  <a:pt x="7803" y="9966"/>
+                </a:lnTo>
+                <a:cubicBezTo>
+                  <a:pt x="7831" y="9966"/>
+                  <a:pt x="7859" y="9872"/>
+                  <a:pt x="7886" y="9872"/>
+                </a:cubicBezTo>
+                <a:cubicBezTo>
+                  <a:pt x="7886" y="9778"/>
+                  <a:pt x="7915" y="9778"/>
+                  <a:pt x="7915" y="9778"/>
+                </a:cubicBezTo>
+                <a:lnTo>
+                  <a:pt x="9248" y="5265"/>
+                </a:lnTo>
+                <a:cubicBezTo>
+                  <a:pt x="9303" y="5077"/>
+                  <a:pt x="9303" y="4889"/>
+                  <a:pt x="9248" y="4701"/>
+                </a:cubicBezTo>
+                <a:close/>
+              </a:path>
+            </a:pathLst>
+          </a:custGeom>
+          <a:solidFill>
+            <a:schemeClr val="accent1"/>
+          </a:solidFill>
+          <a:ln>
+            <a:noFill/>
+          </a:ln>
+        </p:spPr>
+      </p:sp>
+      <p:sp>
+        <p:nvSpPr>
+          <p:cNvPr id="7" name="Slide Number Placeholder 6"/>
+          <p:cNvSpPr>
+            <a:spLocks noGrp="1"/>
+          </p:cNvSpPr>
+          <p:nvPr>
+            <p:ph type="sldNum" sz="quarter" idx="12"/>
+          </p:nvPr>
+        </p:nvSpPr>
+        <p:spPr>
+          <a:xfrm>
+            <a:off x="531812" y="4983087"/>
+            <a:ext cx="779767" cy="365125"/>
+          </a:xfrm>
+        </p:spPr>
+        <p:txBody>
+          <a:bodyPr/>
+          <a:lstStyle/>
+          <a:p>
+            <a:fld id="{07D14818-A5D3-430D-9B00-44B7CBCA6ED6}" type="slidenum">
+              <a:rPr kumimoji="1" lang="ja-JP" altLang="en-US" smtClean="0"/>
+              <a:t>‹#›</a:t>
+            </a:fld>
+            <a:endParaRPr kumimoji="1" lang="ja-JP" altLang="en-US"/>
+          </a:p>
+        </p:txBody>
+      </p:sp>
+    </p:spTree>
+    <p:extLst>
+      <p:ext uri="{BB962C8B-B14F-4D97-AF65-F5344CB8AC3E}">
+        <p14:creationId xmlns:p14="http://schemas.microsoft.com/office/powerpoint/2010/main" val="2588145084"/>
+      </p:ext>
+    </p:extLst>
+  </p:cSld>
+  <p:clrMapOvr>
+    <a:masterClrMapping/>
+  </p:clrMapOvr>
+</p:sldLayout>
+</file>
+
+<file path=ppt/slideLayouts/slideLayout15.xml><?xml version="1.0" encoding="utf-8"?>
 <p:sldLayout xmlns:a="http://schemas.openxmlformats.org/drawingml/2006/main" xmlns:r="http://schemas.openxmlformats.org/officeDocument/2006/relationships" xmlns:p="http://schemas.openxmlformats.org/presentationml/2006/main" type="vertTx" preserve="1">
   <p:cSld name="タイトルと&#10;縦書きテキスト">
     <p:spTree>
@@ -318,7 +2261,7 @@
       </p:grpSpPr>
       <p:sp>
         <p:nvSpPr>
-          <p:cNvPr id="2" name="タイトル 1"/>
+          <p:cNvPr id="2" name="Title 1"/>
           <p:cNvSpPr>
             <a:spLocks noGrp="1"/>
           </p:cNvSpPr>
@@ -332,16 +2275,16 @@
           <a:lstStyle/>
           <a:p>
             <a:r>
-              <a:rPr kumimoji="1" lang="ja-JP" altLang="en-US" smtClean="0"/>
+              <a:rPr lang="ja-JP" altLang="en-US" smtClean="0"/>
               <a:t>マスター タイトルの書式設定</a:t>
             </a:r>
-            <a:endParaRPr kumimoji="1" lang="ja-JP" altLang="en-US"/>
-          </a:p>
-        </p:txBody>
-      </p:sp>
-      <p:sp>
-        <p:nvSpPr>
-          <p:cNvPr id="3" name="縦書きテキスト プレースホルダー 2"/>
+            <a:endParaRPr lang="en-US" dirty="0"/>
+          </a:p>
+        </p:txBody>
+      </p:sp>
+      <p:sp>
+        <p:nvSpPr>
+          <p:cNvPr id="3" name="Vertical Text Placeholder 2"/>
           <p:cNvSpPr>
             <a:spLocks noGrp="1"/>
           </p:cNvSpPr>
@@ -351,81 +2294,81 @@
         </p:nvSpPr>
         <p:spPr/>
         <p:txBody>
-          <a:bodyPr vert="eaVert"/>
+          <a:bodyPr vert="eaVert" anchor="t"/>
           <a:lstStyle/>
           <a:p>
             <a:pPr lvl="0"/>
             <a:r>
-              <a:rPr kumimoji="1" lang="ja-JP" altLang="en-US" smtClean="0"/>
+              <a:rPr lang="ja-JP" altLang="en-US" smtClean="0"/>
               <a:t>マスター テキストの書式設定</a:t>
             </a:r>
           </a:p>
           <a:p>
             <a:pPr lvl="1"/>
             <a:r>
-              <a:rPr kumimoji="1" lang="ja-JP" altLang="en-US" smtClean="0"/>
+              <a:rPr lang="ja-JP" altLang="en-US" smtClean="0"/>
               <a:t>第 </a:t>
             </a:r>
             <a:r>
-              <a:rPr kumimoji="1" lang="en-US" altLang="ja-JP" smtClean="0"/>
+              <a:rPr lang="en-US" altLang="ja-JP" smtClean="0"/>
               <a:t>2 </a:t>
             </a:r>
             <a:r>
-              <a:rPr kumimoji="1" lang="ja-JP" altLang="en-US" smtClean="0"/>
+              <a:rPr lang="ja-JP" altLang="en-US" smtClean="0"/>
               <a:t>レベル</a:t>
             </a:r>
           </a:p>
           <a:p>
             <a:pPr lvl="2"/>
             <a:r>
-              <a:rPr kumimoji="1" lang="ja-JP" altLang="en-US" smtClean="0"/>
+              <a:rPr lang="ja-JP" altLang="en-US" smtClean="0"/>
               <a:t>第 </a:t>
             </a:r>
             <a:r>
-              <a:rPr kumimoji="1" lang="en-US" altLang="ja-JP" smtClean="0"/>
+              <a:rPr lang="en-US" altLang="ja-JP" smtClean="0"/>
               <a:t>3 </a:t>
             </a:r>
             <a:r>
-              <a:rPr kumimoji="1" lang="ja-JP" altLang="en-US" smtClean="0"/>
+              <a:rPr lang="ja-JP" altLang="en-US" smtClean="0"/>
               <a:t>レベル</a:t>
             </a:r>
           </a:p>
           <a:p>
             <a:pPr lvl="3"/>
             <a:r>
-              <a:rPr kumimoji="1" lang="ja-JP" altLang="en-US" smtClean="0"/>
+              <a:rPr lang="ja-JP" altLang="en-US" smtClean="0"/>
               <a:t>第 </a:t>
             </a:r>
             <a:r>
-              <a:rPr kumimoji="1" lang="en-US" altLang="ja-JP" smtClean="0"/>
+              <a:rPr lang="en-US" altLang="ja-JP" smtClean="0"/>
               <a:t>4 </a:t>
             </a:r>
             <a:r>
-              <a:rPr kumimoji="1" lang="ja-JP" altLang="en-US" smtClean="0"/>
+              <a:rPr lang="ja-JP" altLang="en-US" smtClean="0"/>
               <a:t>レベル</a:t>
             </a:r>
           </a:p>
           <a:p>
             <a:pPr lvl="4"/>
             <a:r>
-              <a:rPr kumimoji="1" lang="ja-JP" altLang="en-US" smtClean="0"/>
+              <a:rPr lang="ja-JP" altLang="en-US" smtClean="0"/>
               <a:t>第 </a:t>
             </a:r>
             <a:r>
-              <a:rPr kumimoji="1" lang="en-US" altLang="ja-JP" smtClean="0"/>
+              <a:rPr lang="en-US" altLang="ja-JP" smtClean="0"/>
               <a:t>5 </a:t>
             </a:r>
             <a:r>
-              <a:rPr kumimoji="1" lang="ja-JP" altLang="en-US" smtClean="0"/>
+              <a:rPr lang="ja-JP" altLang="en-US" smtClean="0"/>
               <a:t>レベル</a:t>
             </a:r>
-            <a:endParaRPr kumimoji="1" lang="ja-JP" altLang="en-US"/>
-          </a:p>
-        </p:txBody>
-      </p:sp>
-      <p:sp>
-        <p:nvSpPr>
-          <p:cNvPr id="4" name="日付プレースホルダー 3"/>
+            <a:endParaRPr lang="en-US" dirty="0"/>
+          </a:p>
+        </p:txBody>
+      </p:sp>
+      <p:sp>
+        <p:nvSpPr>
+          <p:cNvPr id="4" name="Date Placeholder 3"/>
           <p:cNvSpPr>
             <a:spLocks noGrp="1"/>
           </p:cNvSpPr>
@@ -440,7 +2383,7 @@
           <a:p>
             <a:fld id="{444AF1EE-23B7-43C4-B6A6-270F9C56AB86}" type="datetimeFigureOut">
               <a:rPr kumimoji="1" lang="ja-JP" altLang="en-US" smtClean="0"/>
-              <a:t>2023/7/7</a:t>
+              <a:t>2023/7/12</a:t>
             </a:fld>
             <a:endParaRPr kumimoji="1" lang="ja-JP" altLang="en-US"/>
           </a:p>
@@ -448,7 +2391,7 @@
       </p:sp>
       <p:sp>
         <p:nvSpPr>
-          <p:cNvPr id="5" name="フッター プレースホルダー 4"/>
+          <p:cNvPr id="5" name="Footer Placeholder 4"/>
           <p:cNvSpPr>
             <a:spLocks noGrp="1"/>
           </p:cNvSpPr>
@@ -467,7 +2410,89 @@
       </p:sp>
       <p:sp>
         <p:nvSpPr>
-          <p:cNvPr id="6" name="スライド番号プレースホルダー 5"/>
+          <p:cNvPr id="8" name="Freeform 11"/>
+          <p:cNvSpPr/>
+          <p:nvPr/>
+        </p:nvSpPr>
+        <p:spPr bwMode="auto">
+          <a:xfrm flipV="1">
+            <a:off x="-4189" y="714375"/>
+            <a:ext cx="1588527" cy="507297"/>
+          </a:xfrm>
+          <a:custGeom>
+            <a:avLst/>
+            <a:gdLst/>
+            <a:ahLst/>
+            <a:cxnLst/>
+            <a:rect l="l" t="t" r="r" b="b"/>
+            <a:pathLst>
+              <a:path w="9248" h="10000">
+                <a:moveTo>
+                  <a:pt x="9248" y="4701"/>
+                </a:moveTo>
+                <a:lnTo>
+                  <a:pt x="7915" y="188"/>
+                </a:lnTo>
+                <a:cubicBezTo>
+                  <a:pt x="7906" y="156"/>
+                  <a:pt x="7895" y="126"/>
+                  <a:pt x="7886" y="94"/>
+                </a:cubicBezTo>
+                <a:cubicBezTo>
+                  <a:pt x="7859" y="0"/>
+                  <a:pt x="7831" y="0"/>
+                  <a:pt x="7803" y="0"/>
+                </a:cubicBezTo>
+                <a:lnTo>
+                  <a:pt x="7275" y="0"/>
+                </a:lnTo>
+                <a:lnTo>
+                  <a:pt x="0" y="70"/>
+                </a:lnTo>
+                <a:cubicBezTo>
+                  <a:pt x="8" y="3380"/>
+                  <a:pt x="17" y="6690"/>
+                  <a:pt x="25" y="10000"/>
+                </a:cubicBezTo>
+                <a:lnTo>
+                  <a:pt x="7275" y="9966"/>
+                </a:lnTo>
+                <a:lnTo>
+                  <a:pt x="7803" y="9966"/>
+                </a:lnTo>
+                <a:cubicBezTo>
+                  <a:pt x="7831" y="9966"/>
+                  <a:pt x="7859" y="9872"/>
+                  <a:pt x="7886" y="9872"/>
+                </a:cubicBezTo>
+                <a:cubicBezTo>
+                  <a:pt x="7886" y="9778"/>
+                  <a:pt x="7915" y="9778"/>
+                  <a:pt x="7915" y="9778"/>
+                </a:cubicBezTo>
+                <a:lnTo>
+                  <a:pt x="9248" y="5265"/>
+                </a:lnTo>
+                <a:cubicBezTo>
+                  <a:pt x="9303" y="5077"/>
+                  <a:pt x="9303" y="4889"/>
+                  <a:pt x="9248" y="4701"/>
+                </a:cubicBezTo>
+                <a:close/>
+              </a:path>
+            </a:pathLst>
+          </a:custGeom>
+          <a:solidFill>
+            <a:schemeClr val="accent1"/>
+          </a:solidFill>
+          <a:ln>
+            <a:noFill/>
+          </a:ln>
+        </p:spPr>
+      </p:sp>
+      <p:sp>
+        <p:nvSpPr>
+          <p:cNvPr id="6" name="Slide Number Placeholder 5"/>
           <p:cNvSpPr>
             <a:spLocks noGrp="1"/>
           </p:cNvSpPr>
@@ -491,7 +2516,7 @@
     </p:spTree>
     <p:extLst>
       <p:ext uri="{BB962C8B-B14F-4D97-AF65-F5344CB8AC3E}">
-        <p14:creationId xmlns:p14="http://schemas.microsoft.com/office/powerpoint/2010/main" val="362391297"/>
+        <p14:creationId xmlns:p14="http://schemas.microsoft.com/office/powerpoint/2010/main" val="3735145447"/>
       </p:ext>
     </p:extLst>
   </p:cSld>
@@ -501,7 +2526,7 @@
 </p:sldLayout>
 </file>
 
-<file path=ppt/slideLayouts/slideLayout11.xml><?xml version="1.0" encoding="utf-8"?>
+<file path=ppt/slideLayouts/slideLayout16.xml><?xml version="1.0" encoding="utf-8"?>
 <p:sldLayout xmlns:a="http://schemas.openxmlformats.org/drawingml/2006/main" xmlns:r="http://schemas.openxmlformats.org/officeDocument/2006/relationships" xmlns:p="http://schemas.openxmlformats.org/presentationml/2006/main" type="vertTitleAndTx" preserve="1">
   <p:cSld name="縦書きタイトルと&#10;縦書きテキスト">
     <p:spTree>
@@ -520,7 +2545,7 @@
       </p:grpSpPr>
       <p:sp>
         <p:nvSpPr>
-          <p:cNvPr id="2" name="縦書きタイトル 1"/>
+          <p:cNvPr id="2" name="Vertical Title 1"/>
           <p:cNvSpPr>
             <a:spLocks noGrp="1"/>
           </p:cNvSpPr>
@@ -530,114 +2555,114 @@
         </p:nvSpPr>
         <p:spPr>
           <a:xfrm>
-            <a:off x="8724900" y="365125"/>
-            <a:ext cx="2628900" cy="5811838"/>
+            <a:off x="9294812" y="627405"/>
+            <a:ext cx="2207601" cy="5283817"/>
           </a:xfrm>
         </p:spPr>
         <p:txBody>
+          <a:bodyPr vert="eaVert" anchor="ctr"/>
+          <a:lstStyle/>
+          <a:p>
+            <a:r>
+              <a:rPr lang="ja-JP" altLang="en-US" smtClean="0"/>
+              <a:t>マスター タイトルの書式設定</a:t>
+            </a:r>
+            <a:endParaRPr lang="en-US" dirty="0"/>
+          </a:p>
+        </p:txBody>
+      </p:sp>
+      <p:sp>
+        <p:nvSpPr>
+          <p:cNvPr id="3" name="Vertical Text Placeholder 2"/>
+          <p:cNvSpPr>
+            <a:spLocks noGrp="1"/>
+          </p:cNvSpPr>
+          <p:nvPr>
+            <p:ph type="body" orient="vert" idx="1"/>
+          </p:nvPr>
+        </p:nvSpPr>
+        <p:spPr>
+          <a:xfrm>
+            <a:off x="2589212" y="627405"/>
+            <a:ext cx="6477000" cy="5283817"/>
+          </a:xfrm>
+        </p:spPr>
+        <p:txBody>
           <a:bodyPr vert="eaVert"/>
           <a:lstStyle/>
           <a:p>
-            <a:r>
-              <a:rPr kumimoji="1" lang="ja-JP" altLang="en-US" smtClean="0"/>
-              <a:t>マスター タイトルの書式設定</a:t>
-            </a:r>
-            <a:endParaRPr kumimoji="1" lang="ja-JP" altLang="en-US"/>
-          </a:p>
-        </p:txBody>
-      </p:sp>
-      <p:sp>
-        <p:nvSpPr>
-          <p:cNvPr id="3" name="縦書きテキスト プレースホルダー 2"/>
-          <p:cNvSpPr>
-            <a:spLocks noGrp="1"/>
-          </p:cNvSpPr>
-          <p:nvPr>
-            <p:ph type="body" orient="vert" idx="1"/>
-          </p:nvPr>
-        </p:nvSpPr>
-        <p:spPr>
-          <a:xfrm>
-            <a:off x="838200" y="365125"/>
-            <a:ext cx="7734300" cy="5811838"/>
-          </a:xfrm>
-        </p:spPr>
-        <p:txBody>
-          <a:bodyPr vert="eaVert"/>
-          <a:lstStyle/>
-          <a:p>
             <a:pPr lvl="0"/>
             <a:r>
-              <a:rPr kumimoji="1" lang="ja-JP" altLang="en-US" smtClean="0"/>
+              <a:rPr lang="ja-JP" altLang="en-US" smtClean="0"/>
               <a:t>マスター テキストの書式設定</a:t>
             </a:r>
           </a:p>
           <a:p>
             <a:pPr lvl="1"/>
             <a:r>
-              <a:rPr kumimoji="1" lang="ja-JP" altLang="en-US" smtClean="0"/>
+              <a:rPr lang="ja-JP" altLang="en-US" smtClean="0"/>
               <a:t>第 </a:t>
             </a:r>
             <a:r>
-              <a:rPr kumimoji="1" lang="en-US" altLang="ja-JP" smtClean="0"/>
+              <a:rPr lang="en-US" altLang="ja-JP" smtClean="0"/>
               <a:t>2 </a:t>
             </a:r>
             <a:r>
-              <a:rPr kumimoji="1" lang="ja-JP" altLang="en-US" smtClean="0"/>
+              <a:rPr lang="ja-JP" altLang="en-US" smtClean="0"/>
               <a:t>レベル</a:t>
             </a:r>
           </a:p>
           <a:p>
             <a:pPr lvl="2"/>
             <a:r>
-              <a:rPr kumimoji="1" lang="ja-JP" altLang="en-US" smtClean="0"/>
+              <a:rPr lang="ja-JP" altLang="en-US" smtClean="0"/>
               <a:t>第 </a:t>
             </a:r>
             <a:r>
-              <a:rPr kumimoji="1" lang="en-US" altLang="ja-JP" smtClean="0"/>
+              <a:rPr lang="en-US" altLang="ja-JP" smtClean="0"/>
               <a:t>3 </a:t>
             </a:r>
             <a:r>
-              <a:rPr kumimoji="1" lang="ja-JP" altLang="en-US" smtClean="0"/>
+              <a:rPr lang="ja-JP" altLang="en-US" smtClean="0"/>
               <a:t>レベル</a:t>
             </a:r>
           </a:p>
           <a:p>
             <a:pPr lvl="3"/>
             <a:r>
-              <a:rPr kumimoji="1" lang="ja-JP" altLang="en-US" smtClean="0"/>
+              <a:rPr lang="ja-JP" altLang="en-US" smtClean="0"/>
               <a:t>第 </a:t>
             </a:r>
             <a:r>
-              <a:rPr kumimoji="1" lang="en-US" altLang="ja-JP" smtClean="0"/>
+              <a:rPr lang="en-US" altLang="ja-JP" smtClean="0"/>
               <a:t>4 </a:t>
             </a:r>
             <a:r>
-              <a:rPr kumimoji="1" lang="ja-JP" altLang="en-US" smtClean="0"/>
+              <a:rPr lang="ja-JP" altLang="en-US" smtClean="0"/>
               <a:t>レベル</a:t>
             </a:r>
           </a:p>
           <a:p>
             <a:pPr lvl="4"/>
             <a:r>
-              <a:rPr kumimoji="1" lang="ja-JP" altLang="en-US" smtClean="0"/>
+              <a:rPr lang="ja-JP" altLang="en-US" smtClean="0"/>
               <a:t>第 </a:t>
             </a:r>
             <a:r>
-              <a:rPr kumimoji="1" lang="en-US" altLang="ja-JP" smtClean="0"/>
+              <a:rPr lang="en-US" altLang="ja-JP" smtClean="0"/>
               <a:t>5 </a:t>
             </a:r>
             <a:r>
-              <a:rPr kumimoji="1" lang="ja-JP" altLang="en-US" smtClean="0"/>
+              <a:rPr lang="ja-JP" altLang="en-US" smtClean="0"/>
               <a:t>レベル</a:t>
             </a:r>
-            <a:endParaRPr kumimoji="1" lang="ja-JP" altLang="en-US"/>
-          </a:p>
-        </p:txBody>
-      </p:sp>
-      <p:sp>
-        <p:nvSpPr>
-          <p:cNvPr id="4" name="日付プレースホルダー 3"/>
+            <a:endParaRPr lang="en-US" dirty="0"/>
+          </a:p>
+        </p:txBody>
+      </p:sp>
+      <p:sp>
+        <p:nvSpPr>
+          <p:cNvPr id="4" name="Date Placeholder 3"/>
           <p:cNvSpPr>
             <a:spLocks noGrp="1"/>
           </p:cNvSpPr>
@@ -652,7 +2677,7 @@
           <a:p>
             <a:fld id="{444AF1EE-23B7-43C4-B6A6-270F9C56AB86}" type="datetimeFigureOut">
               <a:rPr kumimoji="1" lang="ja-JP" altLang="en-US" smtClean="0"/>
-              <a:t>2023/7/7</a:t>
+              <a:t>2023/7/12</a:t>
             </a:fld>
             <a:endParaRPr kumimoji="1" lang="ja-JP" altLang="en-US"/>
           </a:p>
@@ -660,7 +2685,7 @@
       </p:sp>
       <p:sp>
         <p:nvSpPr>
-          <p:cNvPr id="5" name="フッター プレースホルダー 4"/>
+          <p:cNvPr id="5" name="Footer Placeholder 4"/>
           <p:cNvSpPr>
             <a:spLocks noGrp="1"/>
           </p:cNvSpPr>
@@ -679,7 +2704,89 @@
       </p:sp>
       <p:sp>
         <p:nvSpPr>
-          <p:cNvPr id="6" name="スライド番号プレースホルダー 5"/>
+          <p:cNvPr id="8" name="Freeform 11"/>
+          <p:cNvSpPr/>
+          <p:nvPr/>
+        </p:nvSpPr>
+        <p:spPr bwMode="auto">
+          <a:xfrm flipV="1">
+            <a:off x="-4189" y="714375"/>
+            <a:ext cx="1588527" cy="507297"/>
+          </a:xfrm>
+          <a:custGeom>
+            <a:avLst/>
+            <a:gdLst/>
+            <a:ahLst/>
+            <a:cxnLst/>
+            <a:rect l="l" t="t" r="r" b="b"/>
+            <a:pathLst>
+              <a:path w="9248" h="10000">
+                <a:moveTo>
+                  <a:pt x="9248" y="4701"/>
+                </a:moveTo>
+                <a:lnTo>
+                  <a:pt x="7915" y="188"/>
+                </a:lnTo>
+                <a:cubicBezTo>
+                  <a:pt x="7906" y="156"/>
+                  <a:pt x="7895" y="126"/>
+                  <a:pt x="7886" y="94"/>
+                </a:cubicBezTo>
+                <a:cubicBezTo>
+                  <a:pt x="7859" y="0"/>
+                  <a:pt x="7831" y="0"/>
+                  <a:pt x="7803" y="0"/>
+                </a:cubicBezTo>
+                <a:lnTo>
+                  <a:pt x="7275" y="0"/>
+                </a:lnTo>
+                <a:lnTo>
+                  <a:pt x="0" y="70"/>
+                </a:lnTo>
+                <a:cubicBezTo>
+                  <a:pt x="8" y="3380"/>
+                  <a:pt x="17" y="6690"/>
+                  <a:pt x="25" y="10000"/>
+                </a:cubicBezTo>
+                <a:lnTo>
+                  <a:pt x="7275" y="9966"/>
+                </a:lnTo>
+                <a:lnTo>
+                  <a:pt x="7803" y="9966"/>
+                </a:lnTo>
+                <a:cubicBezTo>
+                  <a:pt x="7831" y="9966"/>
+                  <a:pt x="7859" y="9872"/>
+                  <a:pt x="7886" y="9872"/>
+                </a:cubicBezTo>
+                <a:cubicBezTo>
+                  <a:pt x="7886" y="9778"/>
+                  <a:pt x="7915" y="9778"/>
+                  <a:pt x="7915" y="9778"/>
+                </a:cubicBezTo>
+                <a:lnTo>
+                  <a:pt x="9248" y="5265"/>
+                </a:lnTo>
+                <a:cubicBezTo>
+                  <a:pt x="9303" y="5077"/>
+                  <a:pt x="9303" y="4889"/>
+                  <a:pt x="9248" y="4701"/>
+                </a:cubicBezTo>
+                <a:close/>
+              </a:path>
+            </a:pathLst>
+          </a:custGeom>
+          <a:solidFill>
+            <a:schemeClr val="accent1"/>
+          </a:solidFill>
+          <a:ln>
+            <a:noFill/>
+          </a:ln>
+        </p:spPr>
+      </p:sp>
+      <p:sp>
+        <p:nvSpPr>
+          <p:cNvPr id="6" name="Slide Number Placeholder 5"/>
           <p:cNvSpPr>
             <a:spLocks noGrp="1"/>
           </p:cNvSpPr>
@@ -703,7 +2810,7 @@
     </p:spTree>
     <p:extLst>
       <p:ext uri="{BB962C8B-B14F-4D97-AF65-F5344CB8AC3E}">
-        <p14:creationId xmlns:p14="http://schemas.microsoft.com/office/powerpoint/2010/main" val="3367996126"/>
+        <p14:creationId xmlns:p14="http://schemas.microsoft.com/office/powerpoint/2010/main" val="3109363212"/>
       </p:ext>
     </p:extLst>
   </p:cSld>
@@ -732,7 +2839,7 @@
       </p:grpSpPr>
       <p:sp>
         <p:nvSpPr>
-          <p:cNvPr id="2" name="タイトル 1"/>
+          <p:cNvPr id="2" name="Title 1"/>
           <p:cNvSpPr>
             <a:spLocks noGrp="1"/>
           </p:cNvSpPr>
@@ -740,22 +2847,27 @@
             <p:ph type="title"/>
           </p:nvPr>
         </p:nvSpPr>
-        <p:spPr/>
+        <p:spPr>
+          <a:xfrm>
+            <a:off x="2592925" y="624110"/>
+            <a:ext cx="8911687" cy="1280890"/>
+          </a:xfrm>
+        </p:spPr>
         <p:txBody>
           <a:bodyPr/>
           <a:lstStyle/>
           <a:p>
             <a:r>
-              <a:rPr kumimoji="1" lang="ja-JP" altLang="en-US" smtClean="0"/>
+              <a:rPr lang="ja-JP" altLang="en-US" smtClean="0"/>
               <a:t>マスター タイトルの書式設定</a:t>
             </a:r>
-            <a:endParaRPr kumimoji="1" lang="ja-JP" altLang="en-US"/>
-          </a:p>
-        </p:txBody>
-      </p:sp>
-      <p:sp>
-        <p:nvSpPr>
-          <p:cNvPr id="3" name="コンテンツ プレースホルダー 2"/>
+            <a:endParaRPr lang="en-US" dirty="0"/>
+          </a:p>
+        </p:txBody>
+      </p:sp>
+      <p:sp>
+        <p:nvSpPr>
+          <p:cNvPr id="3" name="Content Placeholder 2"/>
           <p:cNvSpPr>
             <a:spLocks noGrp="1"/>
           </p:cNvSpPr>
@@ -763,83 +2875,88 @@
             <p:ph idx="1"/>
           </p:nvPr>
         </p:nvSpPr>
-        <p:spPr/>
+        <p:spPr>
+          <a:xfrm>
+            <a:off x="2589212" y="2133600"/>
+            <a:ext cx="8915400" cy="3777622"/>
+          </a:xfrm>
+        </p:spPr>
         <p:txBody>
           <a:bodyPr/>
           <a:lstStyle/>
           <a:p>
             <a:pPr lvl="0"/>
             <a:r>
-              <a:rPr kumimoji="1" lang="ja-JP" altLang="en-US" smtClean="0"/>
+              <a:rPr lang="ja-JP" altLang="en-US" smtClean="0"/>
               <a:t>マスター テキストの書式設定</a:t>
             </a:r>
           </a:p>
           <a:p>
             <a:pPr lvl="1"/>
             <a:r>
-              <a:rPr kumimoji="1" lang="ja-JP" altLang="en-US" smtClean="0"/>
+              <a:rPr lang="ja-JP" altLang="en-US" smtClean="0"/>
               <a:t>第 </a:t>
             </a:r>
             <a:r>
-              <a:rPr kumimoji="1" lang="en-US" altLang="ja-JP" smtClean="0"/>
+              <a:rPr lang="en-US" altLang="ja-JP" smtClean="0"/>
               <a:t>2 </a:t>
             </a:r>
             <a:r>
-              <a:rPr kumimoji="1" lang="ja-JP" altLang="en-US" smtClean="0"/>
+              <a:rPr lang="ja-JP" altLang="en-US" smtClean="0"/>
               <a:t>レベル</a:t>
             </a:r>
           </a:p>
           <a:p>
             <a:pPr lvl="2"/>
             <a:r>
-              <a:rPr kumimoji="1" lang="ja-JP" altLang="en-US" smtClean="0"/>
+              <a:rPr lang="ja-JP" altLang="en-US" smtClean="0"/>
               <a:t>第 </a:t>
             </a:r>
             <a:r>
-              <a:rPr kumimoji="1" lang="en-US" altLang="ja-JP" smtClean="0"/>
+              <a:rPr lang="en-US" altLang="ja-JP" smtClean="0"/>
               <a:t>3 </a:t>
             </a:r>
             <a:r>
-              <a:rPr kumimoji="1" lang="ja-JP" altLang="en-US" smtClean="0"/>
+              <a:rPr lang="ja-JP" altLang="en-US" smtClean="0"/>
               <a:t>レベル</a:t>
             </a:r>
           </a:p>
           <a:p>
             <a:pPr lvl="3"/>
             <a:r>
-              <a:rPr kumimoji="1" lang="ja-JP" altLang="en-US" smtClean="0"/>
+              <a:rPr lang="ja-JP" altLang="en-US" smtClean="0"/>
               <a:t>第 </a:t>
             </a:r>
             <a:r>
-              <a:rPr kumimoji="1" lang="en-US" altLang="ja-JP" smtClean="0"/>
+              <a:rPr lang="en-US" altLang="ja-JP" smtClean="0"/>
               <a:t>4 </a:t>
             </a:r>
             <a:r>
-              <a:rPr kumimoji="1" lang="ja-JP" altLang="en-US" smtClean="0"/>
+              <a:rPr lang="ja-JP" altLang="en-US" smtClean="0"/>
               <a:t>レベル</a:t>
             </a:r>
           </a:p>
           <a:p>
             <a:pPr lvl="4"/>
             <a:r>
-              <a:rPr kumimoji="1" lang="ja-JP" altLang="en-US" smtClean="0"/>
+              <a:rPr lang="ja-JP" altLang="en-US" smtClean="0"/>
               <a:t>第 </a:t>
             </a:r>
             <a:r>
-              <a:rPr kumimoji="1" lang="en-US" altLang="ja-JP" smtClean="0"/>
+              <a:rPr lang="en-US" altLang="ja-JP" smtClean="0"/>
               <a:t>5 </a:t>
             </a:r>
             <a:r>
-              <a:rPr kumimoji="1" lang="ja-JP" altLang="en-US" smtClean="0"/>
+              <a:rPr lang="ja-JP" altLang="en-US" smtClean="0"/>
               <a:t>レベル</a:t>
             </a:r>
-            <a:endParaRPr kumimoji="1" lang="ja-JP" altLang="en-US"/>
-          </a:p>
-        </p:txBody>
-      </p:sp>
-      <p:sp>
-        <p:nvSpPr>
-          <p:cNvPr id="4" name="日付プレースホルダー 3"/>
+            <a:endParaRPr lang="en-US" dirty="0"/>
+          </a:p>
+        </p:txBody>
+      </p:sp>
+      <p:sp>
+        <p:nvSpPr>
+          <p:cNvPr id="4" name="Date Placeholder 3"/>
           <p:cNvSpPr>
             <a:spLocks noGrp="1"/>
           </p:cNvSpPr>
@@ -854,7 +2971,7 @@
           <a:p>
             <a:fld id="{444AF1EE-23B7-43C4-B6A6-270F9C56AB86}" type="datetimeFigureOut">
               <a:rPr kumimoji="1" lang="ja-JP" altLang="en-US" smtClean="0"/>
-              <a:t>2023/7/7</a:t>
+              <a:t>2023/7/12</a:t>
             </a:fld>
             <a:endParaRPr kumimoji="1" lang="ja-JP" altLang="en-US"/>
           </a:p>
@@ -862,7 +2979,7 @@
       </p:sp>
       <p:sp>
         <p:nvSpPr>
-          <p:cNvPr id="5" name="フッター プレースホルダー 4"/>
+          <p:cNvPr id="5" name="Footer Placeholder 4"/>
           <p:cNvSpPr>
             <a:spLocks noGrp="1"/>
           </p:cNvSpPr>
@@ -881,7 +2998,89 @@
       </p:sp>
       <p:sp>
         <p:nvSpPr>
-          <p:cNvPr id="6" name="スライド番号プレースホルダー 5"/>
+          <p:cNvPr id="8" name="Freeform 11"/>
+          <p:cNvSpPr/>
+          <p:nvPr/>
+        </p:nvSpPr>
+        <p:spPr bwMode="auto">
+          <a:xfrm flipV="1">
+            <a:off x="-4189" y="714375"/>
+            <a:ext cx="1588527" cy="507297"/>
+          </a:xfrm>
+          <a:custGeom>
+            <a:avLst/>
+            <a:gdLst/>
+            <a:ahLst/>
+            <a:cxnLst/>
+            <a:rect l="l" t="t" r="r" b="b"/>
+            <a:pathLst>
+              <a:path w="9248" h="10000">
+                <a:moveTo>
+                  <a:pt x="9248" y="4701"/>
+                </a:moveTo>
+                <a:lnTo>
+                  <a:pt x="7915" y="188"/>
+                </a:lnTo>
+                <a:cubicBezTo>
+                  <a:pt x="7906" y="156"/>
+                  <a:pt x="7895" y="126"/>
+                  <a:pt x="7886" y="94"/>
+                </a:cubicBezTo>
+                <a:cubicBezTo>
+                  <a:pt x="7859" y="0"/>
+                  <a:pt x="7831" y="0"/>
+                  <a:pt x="7803" y="0"/>
+                </a:cubicBezTo>
+                <a:lnTo>
+                  <a:pt x="7275" y="0"/>
+                </a:lnTo>
+                <a:lnTo>
+                  <a:pt x="0" y="70"/>
+                </a:lnTo>
+                <a:cubicBezTo>
+                  <a:pt x="8" y="3380"/>
+                  <a:pt x="17" y="6690"/>
+                  <a:pt x="25" y="10000"/>
+                </a:cubicBezTo>
+                <a:lnTo>
+                  <a:pt x="7275" y="9966"/>
+                </a:lnTo>
+                <a:lnTo>
+                  <a:pt x="7803" y="9966"/>
+                </a:lnTo>
+                <a:cubicBezTo>
+                  <a:pt x="7831" y="9966"/>
+                  <a:pt x="7859" y="9872"/>
+                  <a:pt x="7886" y="9872"/>
+                </a:cubicBezTo>
+                <a:cubicBezTo>
+                  <a:pt x="7886" y="9778"/>
+                  <a:pt x="7915" y="9778"/>
+                  <a:pt x="7915" y="9778"/>
+                </a:cubicBezTo>
+                <a:lnTo>
+                  <a:pt x="9248" y="5265"/>
+                </a:lnTo>
+                <a:cubicBezTo>
+                  <a:pt x="9303" y="5077"/>
+                  <a:pt x="9303" y="4889"/>
+                  <a:pt x="9248" y="4701"/>
+                </a:cubicBezTo>
+                <a:close/>
+              </a:path>
+            </a:pathLst>
+          </a:custGeom>
+          <a:solidFill>
+            <a:schemeClr val="accent1"/>
+          </a:solidFill>
+          <a:ln>
+            <a:noFill/>
+          </a:ln>
+        </p:spPr>
+      </p:sp>
+      <p:sp>
+        <p:nvSpPr>
+          <p:cNvPr id="6" name="Slide Number Placeholder 5"/>
           <p:cNvSpPr>
             <a:spLocks noGrp="1"/>
           </p:cNvSpPr>
@@ -896,16 +3095,22 @@
           <a:p>
             <a:fld id="{07D14818-A5D3-430D-9B00-44B7CBCA6ED6}" type="slidenum">
               <a:rPr kumimoji="1" lang="ja-JP" altLang="en-US" smtClean="0"/>
+              <a:pPr/>
               <a:t>‹#›</a:t>
             </a:fld>
-            <a:endParaRPr kumimoji="1" lang="ja-JP" altLang="en-US"/>
+            <a:fld id="{3D3B0FF8-5E9B-44C6-AB61-446E39F1B6B9}" type="slidenum">
+              <a:rPr kumimoji="1" lang="ja-JP" altLang="en-US" smtClean="0"/>
+              <a:pPr/>
+              <a:t>‹#›</a:t>
+            </a:fld>
+            <a:endParaRPr kumimoji="1" lang="ja-JP" altLang="en-US" dirty="0"/>
           </a:p>
         </p:txBody>
       </p:sp>
     </p:spTree>
     <p:extLst>
       <p:ext uri="{BB962C8B-B14F-4D97-AF65-F5344CB8AC3E}">
-        <p14:creationId xmlns:p14="http://schemas.microsoft.com/office/powerpoint/2010/main" val="2088009858"/>
+        <p14:creationId xmlns:p14="http://schemas.microsoft.com/office/powerpoint/2010/main" val="2196618795"/>
       </p:ext>
     </p:extLst>
   </p:cSld>
@@ -934,7 +3139,7 @@
       </p:grpSpPr>
       <p:sp>
         <p:nvSpPr>
-          <p:cNvPr id="2" name="タイトル 1"/>
+          <p:cNvPr id="2" name="Title 1"/>
           <p:cNvSpPr>
             <a:spLocks noGrp="1"/>
           </p:cNvSpPr>
@@ -944,29 +3149,29 @@
         </p:nvSpPr>
         <p:spPr>
           <a:xfrm>
-            <a:off x="831850" y="1709738"/>
-            <a:ext cx="10515600" cy="2852737"/>
+            <a:off x="2589212" y="2058750"/>
+            <a:ext cx="8915399" cy="1468800"/>
           </a:xfrm>
         </p:spPr>
         <p:txBody>
           <a:bodyPr anchor="b"/>
           <a:lstStyle>
-            <a:lvl1pPr>
-              <a:defRPr sz="6000"/>
+            <a:lvl1pPr algn="l">
+              <a:defRPr sz="4000" b="0" cap="none"/>
             </a:lvl1pPr>
           </a:lstStyle>
           <a:p>
             <a:r>
-              <a:rPr kumimoji="1" lang="ja-JP" altLang="en-US" smtClean="0"/>
+              <a:rPr lang="ja-JP" altLang="en-US" smtClean="0"/>
               <a:t>マスター タイトルの書式設定</a:t>
             </a:r>
-            <a:endParaRPr kumimoji="1" lang="ja-JP" altLang="en-US"/>
-          </a:p>
-        </p:txBody>
-      </p:sp>
-      <p:sp>
-        <p:nvSpPr>
-          <p:cNvPr id="3" name="テキスト プレースホルダー 2"/>
+            <a:endParaRPr lang="en-US" dirty="0"/>
+          </a:p>
+        </p:txBody>
+      </p:sp>
+      <p:sp>
+        <p:nvSpPr>
+          <p:cNvPr id="3" name="Text Placeholder 2"/>
           <p:cNvSpPr>
             <a:spLocks noGrp="1"/>
           </p:cNvSpPr>
@@ -976,26 +3181,27 @@
         </p:nvSpPr>
         <p:spPr>
           <a:xfrm>
-            <a:off x="831850" y="4589463"/>
-            <a:ext cx="10515600" cy="1500187"/>
+            <a:off x="2589212" y="3530129"/>
+            <a:ext cx="8915399" cy="860400"/>
           </a:xfrm>
         </p:spPr>
         <p:txBody>
-          <a:bodyPr/>
+          <a:bodyPr anchor="t"/>
           <a:lstStyle>
-            <a:lvl1pPr marL="0" indent="0">
-              <a:buNone/>
-              <a:defRPr sz="2400">
+            <a:lvl1pPr marL="0" indent="0" algn="l">
+              <a:buNone/>
+              <a:defRPr sz="2000">
                 <a:solidFill>
                   <a:schemeClr val="tx1">
-                    <a:tint val="75000"/>
+                    <a:lumMod val="65000"/>
+                    <a:lumOff val="35000"/>
                   </a:schemeClr>
                 </a:solidFill>
               </a:defRPr>
             </a:lvl1pPr>
             <a:lvl2pPr marL="457200" indent="0">
               <a:buNone/>
-              <a:defRPr sz="2000">
+              <a:defRPr sz="1800">
                 <a:solidFill>
                   <a:schemeClr val="tx1">
                     <a:tint val="75000"/>
@@ -1005,7 +3211,7 @@
             </a:lvl2pPr>
             <a:lvl3pPr marL="914400" indent="0">
               <a:buNone/>
-              <a:defRPr sz="1800">
+              <a:defRPr sz="1600">
                 <a:solidFill>
                   <a:schemeClr val="tx1">
                     <a:tint val="75000"/>
@@ -1015,7 +3221,7 @@
             </a:lvl3pPr>
             <a:lvl4pPr marL="1371600" indent="0">
               <a:buNone/>
-              <a:defRPr sz="1600">
+              <a:defRPr sz="1400">
                 <a:solidFill>
                   <a:schemeClr val="tx1">
                     <a:tint val="75000"/>
@@ -1025,7 +3231,7 @@
             </a:lvl4pPr>
             <a:lvl5pPr marL="1828800" indent="0">
               <a:buNone/>
-              <a:defRPr sz="1600">
+              <a:defRPr sz="1400">
                 <a:solidFill>
                   <a:schemeClr val="tx1">
                     <a:tint val="75000"/>
@@ -1035,7 +3241,7 @@
             </a:lvl5pPr>
             <a:lvl6pPr marL="2286000" indent="0">
               <a:buNone/>
-              <a:defRPr sz="1600">
+              <a:defRPr sz="1400">
                 <a:solidFill>
                   <a:schemeClr val="tx1">
                     <a:tint val="75000"/>
@@ -1045,7 +3251,7 @@
             </a:lvl6pPr>
             <a:lvl7pPr marL="2743200" indent="0">
               <a:buNone/>
-              <a:defRPr sz="1600">
+              <a:defRPr sz="1400">
                 <a:solidFill>
                   <a:schemeClr val="tx1">
                     <a:tint val="75000"/>
@@ -1055,7 +3261,7 @@
             </a:lvl7pPr>
             <a:lvl8pPr marL="3200400" indent="0">
               <a:buNone/>
-              <a:defRPr sz="1600">
+              <a:defRPr sz="1400">
                 <a:solidFill>
                   <a:schemeClr val="tx1">
                     <a:tint val="75000"/>
@@ -1065,7 +3271,7 @@
             </a:lvl8pPr>
             <a:lvl9pPr marL="3657600" indent="0">
               <a:buNone/>
-              <a:defRPr sz="1600">
+              <a:defRPr sz="1400">
                 <a:solidFill>
                   <a:schemeClr val="tx1">
                     <a:tint val="75000"/>
@@ -1077,7 +3283,7 @@
           <a:p>
             <a:pPr lvl="0"/>
             <a:r>
-              <a:rPr kumimoji="1" lang="ja-JP" altLang="en-US" smtClean="0"/>
+              <a:rPr lang="ja-JP" altLang="en-US" smtClean="0"/>
               <a:t>マスター テキストの書式設定</a:t>
             </a:r>
           </a:p>
@@ -1085,7 +3291,7 @@
       </p:sp>
       <p:sp>
         <p:nvSpPr>
-          <p:cNvPr id="4" name="日付プレースホルダー 3"/>
+          <p:cNvPr id="4" name="Date Placeholder 3"/>
           <p:cNvSpPr>
             <a:spLocks noGrp="1"/>
           </p:cNvSpPr>
@@ -1100,7 +3306,7 @@
           <a:p>
             <a:fld id="{444AF1EE-23B7-43C4-B6A6-270F9C56AB86}" type="datetimeFigureOut">
               <a:rPr kumimoji="1" lang="ja-JP" altLang="en-US" smtClean="0"/>
-              <a:t>2023/7/7</a:t>
+              <a:t>2023/7/12</a:t>
             </a:fld>
             <a:endParaRPr kumimoji="1" lang="ja-JP" altLang="en-US"/>
           </a:p>
@@ -1108,7 +3314,7 @@
       </p:sp>
       <p:sp>
         <p:nvSpPr>
-          <p:cNvPr id="5" name="フッター プレースホルダー 4"/>
+          <p:cNvPr id="5" name="Footer Placeholder 4"/>
           <p:cNvSpPr>
             <a:spLocks noGrp="1"/>
           </p:cNvSpPr>
@@ -1127,7 +3333,89 @@
       </p:sp>
       <p:sp>
         <p:nvSpPr>
-          <p:cNvPr id="6" name="スライド番号プレースホルダー 5"/>
+          <p:cNvPr id="9" name="Freeform 11"/>
+          <p:cNvSpPr/>
+          <p:nvPr/>
+        </p:nvSpPr>
+        <p:spPr bwMode="auto">
+          <a:xfrm flipV="1">
+            <a:off x="-4189" y="3178175"/>
+            <a:ext cx="1588527" cy="507297"/>
+          </a:xfrm>
+          <a:custGeom>
+            <a:avLst/>
+            <a:gdLst/>
+            <a:ahLst/>
+            <a:cxnLst/>
+            <a:rect l="l" t="t" r="r" b="b"/>
+            <a:pathLst>
+              <a:path w="9248" h="10000">
+                <a:moveTo>
+                  <a:pt x="9248" y="4701"/>
+                </a:moveTo>
+                <a:lnTo>
+                  <a:pt x="7915" y="188"/>
+                </a:lnTo>
+                <a:cubicBezTo>
+                  <a:pt x="7906" y="156"/>
+                  <a:pt x="7895" y="126"/>
+                  <a:pt x="7886" y="94"/>
+                </a:cubicBezTo>
+                <a:cubicBezTo>
+                  <a:pt x="7859" y="0"/>
+                  <a:pt x="7831" y="0"/>
+                  <a:pt x="7803" y="0"/>
+                </a:cubicBezTo>
+                <a:lnTo>
+                  <a:pt x="7275" y="0"/>
+                </a:lnTo>
+                <a:lnTo>
+                  <a:pt x="0" y="70"/>
+                </a:lnTo>
+                <a:cubicBezTo>
+                  <a:pt x="8" y="3380"/>
+                  <a:pt x="17" y="6690"/>
+                  <a:pt x="25" y="10000"/>
+                </a:cubicBezTo>
+                <a:lnTo>
+                  <a:pt x="7275" y="9966"/>
+                </a:lnTo>
+                <a:lnTo>
+                  <a:pt x="7803" y="9966"/>
+                </a:lnTo>
+                <a:cubicBezTo>
+                  <a:pt x="7831" y="9966"/>
+                  <a:pt x="7859" y="9872"/>
+                  <a:pt x="7886" y="9872"/>
+                </a:cubicBezTo>
+                <a:cubicBezTo>
+                  <a:pt x="7886" y="9778"/>
+                  <a:pt x="7915" y="9778"/>
+                  <a:pt x="7915" y="9778"/>
+                </a:cubicBezTo>
+                <a:lnTo>
+                  <a:pt x="9248" y="5265"/>
+                </a:lnTo>
+                <a:cubicBezTo>
+                  <a:pt x="9303" y="5077"/>
+                  <a:pt x="9303" y="4889"/>
+                  <a:pt x="9248" y="4701"/>
+                </a:cubicBezTo>
+                <a:close/>
+              </a:path>
+            </a:pathLst>
+          </a:custGeom>
+          <a:solidFill>
+            <a:schemeClr val="accent1"/>
+          </a:solidFill>
+          <a:ln>
+            <a:noFill/>
+          </a:ln>
+        </p:spPr>
+      </p:sp>
+      <p:sp>
+        <p:nvSpPr>
+          <p:cNvPr id="6" name="Slide Number Placeholder 5"/>
           <p:cNvSpPr>
             <a:spLocks noGrp="1"/>
           </p:cNvSpPr>
@@ -1135,7 +3423,12 @@
             <p:ph type="sldNum" sz="quarter" idx="12"/>
           </p:nvPr>
         </p:nvSpPr>
-        <p:spPr/>
+        <p:spPr>
+          <a:xfrm>
+            <a:off x="531812" y="3244139"/>
+            <a:ext cx="779767" cy="365125"/>
+          </a:xfrm>
+        </p:spPr>
         <p:txBody>
           <a:bodyPr/>
           <a:lstStyle/>
@@ -1151,7 +3444,7 @@
     </p:spTree>
     <p:extLst>
       <p:ext uri="{BB962C8B-B14F-4D97-AF65-F5344CB8AC3E}">
-        <p14:creationId xmlns:p14="http://schemas.microsoft.com/office/powerpoint/2010/main" val="3467575707"/>
+        <p14:creationId xmlns:p14="http://schemas.microsoft.com/office/powerpoint/2010/main" val="2849314172"/>
       </p:ext>
     </p:extLst>
   </p:cSld>
@@ -1180,7 +3473,7 @@
       </p:grpSpPr>
       <p:sp>
         <p:nvSpPr>
-          <p:cNvPr id="2" name="タイトル 1"/>
+          <p:cNvPr id="8" name="Title 7"/>
           <p:cNvSpPr>
             <a:spLocks noGrp="1"/>
           </p:cNvSpPr>
@@ -1194,16 +3487,16 @@
           <a:lstStyle/>
           <a:p>
             <a:r>
-              <a:rPr kumimoji="1" lang="ja-JP" altLang="en-US" smtClean="0"/>
+              <a:rPr lang="ja-JP" altLang="en-US" smtClean="0"/>
               <a:t>マスター タイトルの書式設定</a:t>
             </a:r>
-            <a:endParaRPr kumimoji="1" lang="ja-JP" altLang="en-US"/>
-          </a:p>
-        </p:txBody>
-      </p:sp>
-      <p:sp>
-        <p:nvSpPr>
-          <p:cNvPr id="3" name="コンテンツ プレースホルダー 2"/>
+            <a:endParaRPr lang="en-US" dirty="0"/>
+          </a:p>
+        </p:txBody>
+      </p:sp>
+      <p:sp>
+        <p:nvSpPr>
+          <p:cNvPr id="3" name="Content Placeholder 2"/>
           <p:cNvSpPr>
             <a:spLocks noGrp="1"/>
           </p:cNvSpPr>
@@ -1213,225 +3506,316 @@
         </p:nvSpPr>
         <p:spPr>
           <a:xfrm>
-            <a:off x="838200" y="1825625"/>
-            <a:ext cx="5181600" cy="4351338"/>
+            <a:off x="2589212" y="2133600"/>
+            <a:ext cx="4313864" cy="3777622"/>
           </a:xfrm>
         </p:spPr>
         <p:txBody>
+          <a:bodyPr>
+            <a:normAutofit/>
+          </a:bodyPr>
+          <a:lstStyle/>
+          <a:p>
+            <a:pPr lvl="0"/>
+            <a:r>
+              <a:rPr lang="ja-JP" altLang="en-US" smtClean="0"/>
+              <a:t>マスター テキストの書式設定</a:t>
+            </a:r>
+          </a:p>
+          <a:p>
+            <a:pPr lvl="1"/>
+            <a:r>
+              <a:rPr lang="ja-JP" altLang="en-US" smtClean="0"/>
+              <a:t>第 </a:t>
+            </a:r>
+            <a:r>
+              <a:rPr lang="en-US" altLang="ja-JP" smtClean="0"/>
+              <a:t>2 </a:t>
+            </a:r>
+            <a:r>
+              <a:rPr lang="ja-JP" altLang="en-US" smtClean="0"/>
+              <a:t>レベル</a:t>
+            </a:r>
+          </a:p>
+          <a:p>
+            <a:pPr lvl="2"/>
+            <a:r>
+              <a:rPr lang="ja-JP" altLang="en-US" smtClean="0"/>
+              <a:t>第 </a:t>
+            </a:r>
+            <a:r>
+              <a:rPr lang="en-US" altLang="ja-JP" smtClean="0"/>
+              <a:t>3 </a:t>
+            </a:r>
+            <a:r>
+              <a:rPr lang="ja-JP" altLang="en-US" smtClean="0"/>
+              <a:t>レベル</a:t>
+            </a:r>
+          </a:p>
+          <a:p>
+            <a:pPr lvl="3"/>
+            <a:r>
+              <a:rPr lang="ja-JP" altLang="en-US" smtClean="0"/>
+              <a:t>第 </a:t>
+            </a:r>
+            <a:r>
+              <a:rPr lang="en-US" altLang="ja-JP" smtClean="0"/>
+              <a:t>4 </a:t>
+            </a:r>
+            <a:r>
+              <a:rPr lang="ja-JP" altLang="en-US" smtClean="0"/>
+              <a:t>レベル</a:t>
+            </a:r>
+          </a:p>
+          <a:p>
+            <a:pPr lvl="4"/>
+            <a:r>
+              <a:rPr lang="ja-JP" altLang="en-US" smtClean="0"/>
+              <a:t>第 </a:t>
+            </a:r>
+            <a:r>
+              <a:rPr lang="en-US" altLang="ja-JP" smtClean="0"/>
+              <a:t>5 </a:t>
+            </a:r>
+            <a:r>
+              <a:rPr lang="ja-JP" altLang="en-US" smtClean="0"/>
+              <a:t>レベル</a:t>
+            </a:r>
+            <a:endParaRPr lang="en-US" dirty="0"/>
+          </a:p>
+        </p:txBody>
+      </p:sp>
+      <p:sp>
+        <p:nvSpPr>
+          <p:cNvPr id="4" name="Content Placeholder 3"/>
+          <p:cNvSpPr>
+            <a:spLocks noGrp="1"/>
+          </p:cNvSpPr>
+          <p:nvPr>
+            <p:ph sz="half" idx="2"/>
+          </p:nvPr>
+        </p:nvSpPr>
+        <p:spPr>
+          <a:xfrm>
+            <a:off x="7190747" y="2126222"/>
+            <a:ext cx="4313864" cy="3777622"/>
+          </a:xfrm>
+        </p:spPr>
+        <p:txBody>
+          <a:bodyPr>
+            <a:normAutofit/>
+          </a:bodyPr>
+          <a:lstStyle/>
+          <a:p>
+            <a:pPr lvl="0"/>
+            <a:r>
+              <a:rPr lang="ja-JP" altLang="en-US" smtClean="0"/>
+              <a:t>マスター テキストの書式設定</a:t>
+            </a:r>
+          </a:p>
+          <a:p>
+            <a:pPr lvl="1"/>
+            <a:r>
+              <a:rPr lang="ja-JP" altLang="en-US" smtClean="0"/>
+              <a:t>第 </a:t>
+            </a:r>
+            <a:r>
+              <a:rPr lang="en-US" altLang="ja-JP" smtClean="0"/>
+              <a:t>2 </a:t>
+            </a:r>
+            <a:r>
+              <a:rPr lang="ja-JP" altLang="en-US" smtClean="0"/>
+              <a:t>レベル</a:t>
+            </a:r>
+          </a:p>
+          <a:p>
+            <a:pPr lvl="2"/>
+            <a:r>
+              <a:rPr lang="ja-JP" altLang="en-US" smtClean="0"/>
+              <a:t>第 </a:t>
+            </a:r>
+            <a:r>
+              <a:rPr lang="en-US" altLang="ja-JP" smtClean="0"/>
+              <a:t>3 </a:t>
+            </a:r>
+            <a:r>
+              <a:rPr lang="ja-JP" altLang="en-US" smtClean="0"/>
+              <a:t>レベル</a:t>
+            </a:r>
+          </a:p>
+          <a:p>
+            <a:pPr lvl="3"/>
+            <a:r>
+              <a:rPr lang="ja-JP" altLang="en-US" smtClean="0"/>
+              <a:t>第 </a:t>
+            </a:r>
+            <a:r>
+              <a:rPr lang="en-US" altLang="ja-JP" smtClean="0"/>
+              <a:t>4 </a:t>
+            </a:r>
+            <a:r>
+              <a:rPr lang="ja-JP" altLang="en-US" smtClean="0"/>
+              <a:t>レベル</a:t>
+            </a:r>
+          </a:p>
+          <a:p>
+            <a:pPr lvl="4"/>
+            <a:r>
+              <a:rPr lang="ja-JP" altLang="en-US" smtClean="0"/>
+              <a:t>第 </a:t>
+            </a:r>
+            <a:r>
+              <a:rPr lang="en-US" altLang="ja-JP" smtClean="0"/>
+              <a:t>5 </a:t>
+            </a:r>
+            <a:r>
+              <a:rPr lang="ja-JP" altLang="en-US" smtClean="0"/>
+              <a:t>レベル</a:t>
+            </a:r>
+            <a:endParaRPr lang="en-US" dirty="0"/>
+          </a:p>
+        </p:txBody>
+      </p:sp>
+      <p:sp>
+        <p:nvSpPr>
+          <p:cNvPr id="5" name="Date Placeholder 4"/>
+          <p:cNvSpPr>
+            <a:spLocks noGrp="1"/>
+          </p:cNvSpPr>
+          <p:nvPr>
+            <p:ph type="dt" sz="half" idx="10"/>
+          </p:nvPr>
+        </p:nvSpPr>
+        <p:spPr/>
+        <p:txBody>
           <a:bodyPr/>
           <a:lstStyle/>
           <a:p>
-            <a:pPr lvl="0"/>
-            <a:r>
+            <a:fld id="{444AF1EE-23B7-43C4-B6A6-270F9C56AB86}" type="datetimeFigureOut">
               <a:rPr kumimoji="1" lang="ja-JP" altLang="en-US" smtClean="0"/>
-              <a:t>マスター テキストの書式設定</a:t>
-            </a:r>
-          </a:p>
-          <a:p>
-            <a:pPr lvl="1"/>
-            <a:r>
-              <a:rPr kumimoji="1" lang="ja-JP" altLang="en-US" smtClean="0"/>
-              <a:t>第 </a:t>
-            </a:r>
-            <a:r>
-              <a:rPr kumimoji="1" lang="en-US" altLang="ja-JP" smtClean="0"/>
-              <a:t>2 </a:t>
-            </a:r>
-            <a:r>
-              <a:rPr kumimoji="1" lang="ja-JP" altLang="en-US" smtClean="0"/>
-              <a:t>レベル</a:t>
-            </a:r>
-          </a:p>
-          <a:p>
-            <a:pPr lvl="2"/>
-            <a:r>
-              <a:rPr kumimoji="1" lang="ja-JP" altLang="en-US" smtClean="0"/>
-              <a:t>第 </a:t>
-            </a:r>
-            <a:r>
-              <a:rPr kumimoji="1" lang="en-US" altLang="ja-JP" smtClean="0"/>
-              <a:t>3 </a:t>
-            </a:r>
-            <a:r>
-              <a:rPr kumimoji="1" lang="ja-JP" altLang="en-US" smtClean="0"/>
-              <a:t>レベル</a:t>
-            </a:r>
-          </a:p>
-          <a:p>
-            <a:pPr lvl="3"/>
-            <a:r>
-              <a:rPr kumimoji="1" lang="ja-JP" altLang="en-US" smtClean="0"/>
-              <a:t>第 </a:t>
-            </a:r>
-            <a:r>
-              <a:rPr kumimoji="1" lang="en-US" altLang="ja-JP" smtClean="0"/>
-              <a:t>4 </a:t>
-            </a:r>
-            <a:r>
-              <a:rPr kumimoji="1" lang="ja-JP" altLang="en-US" smtClean="0"/>
-              <a:t>レベル</a:t>
-            </a:r>
-          </a:p>
-          <a:p>
-            <a:pPr lvl="4"/>
-            <a:r>
-              <a:rPr kumimoji="1" lang="ja-JP" altLang="en-US" smtClean="0"/>
-              <a:t>第 </a:t>
-            </a:r>
-            <a:r>
-              <a:rPr kumimoji="1" lang="en-US" altLang="ja-JP" smtClean="0"/>
-              <a:t>5 </a:t>
-            </a:r>
-            <a:r>
-              <a:rPr kumimoji="1" lang="ja-JP" altLang="en-US" smtClean="0"/>
-              <a:t>レベル</a:t>
-            </a:r>
+              <a:t>2023/7/12</a:t>
+            </a:fld>
             <a:endParaRPr kumimoji="1" lang="ja-JP" altLang="en-US"/>
           </a:p>
         </p:txBody>
       </p:sp>
       <p:sp>
         <p:nvSpPr>
-          <p:cNvPr id="4" name="コンテンツ プレースホルダー 3"/>
-          <p:cNvSpPr>
-            <a:spLocks noGrp="1"/>
-          </p:cNvSpPr>
-          <p:nvPr>
-            <p:ph sz="half" idx="2"/>
+          <p:cNvPr id="6" name="Footer Placeholder 5"/>
+          <p:cNvSpPr>
+            <a:spLocks noGrp="1"/>
+          </p:cNvSpPr>
+          <p:nvPr>
+            <p:ph type="ftr" sz="quarter" idx="11"/>
+          </p:nvPr>
+        </p:nvSpPr>
+        <p:spPr/>
+        <p:txBody>
+          <a:bodyPr/>
+          <a:lstStyle/>
+          <a:p>
+            <a:endParaRPr kumimoji="1" lang="ja-JP" altLang="en-US"/>
+          </a:p>
+        </p:txBody>
+      </p:sp>
+      <p:sp>
+        <p:nvSpPr>
+          <p:cNvPr id="10" name="Freeform 11"/>
+          <p:cNvSpPr/>
+          <p:nvPr/>
+        </p:nvSpPr>
+        <p:spPr bwMode="auto">
+          <a:xfrm flipV="1">
+            <a:off x="-4189" y="714375"/>
+            <a:ext cx="1588527" cy="507297"/>
+          </a:xfrm>
+          <a:custGeom>
+            <a:avLst/>
+            <a:gdLst/>
+            <a:ahLst/>
+            <a:cxnLst/>
+            <a:rect l="l" t="t" r="r" b="b"/>
+            <a:pathLst>
+              <a:path w="9248" h="10000">
+                <a:moveTo>
+                  <a:pt x="9248" y="4701"/>
+                </a:moveTo>
+                <a:lnTo>
+                  <a:pt x="7915" y="188"/>
+                </a:lnTo>
+                <a:cubicBezTo>
+                  <a:pt x="7906" y="156"/>
+                  <a:pt x="7895" y="126"/>
+                  <a:pt x="7886" y="94"/>
+                </a:cubicBezTo>
+                <a:cubicBezTo>
+                  <a:pt x="7859" y="0"/>
+                  <a:pt x="7831" y="0"/>
+                  <a:pt x="7803" y="0"/>
+                </a:cubicBezTo>
+                <a:lnTo>
+                  <a:pt x="7275" y="0"/>
+                </a:lnTo>
+                <a:lnTo>
+                  <a:pt x="0" y="70"/>
+                </a:lnTo>
+                <a:cubicBezTo>
+                  <a:pt x="8" y="3380"/>
+                  <a:pt x="17" y="6690"/>
+                  <a:pt x="25" y="10000"/>
+                </a:cubicBezTo>
+                <a:lnTo>
+                  <a:pt x="7275" y="9966"/>
+                </a:lnTo>
+                <a:lnTo>
+                  <a:pt x="7803" y="9966"/>
+                </a:lnTo>
+                <a:cubicBezTo>
+                  <a:pt x="7831" y="9966"/>
+                  <a:pt x="7859" y="9872"/>
+                  <a:pt x="7886" y="9872"/>
+                </a:cubicBezTo>
+                <a:cubicBezTo>
+                  <a:pt x="7886" y="9778"/>
+                  <a:pt x="7915" y="9778"/>
+                  <a:pt x="7915" y="9778"/>
+                </a:cubicBezTo>
+                <a:lnTo>
+                  <a:pt x="9248" y="5265"/>
+                </a:lnTo>
+                <a:cubicBezTo>
+                  <a:pt x="9303" y="5077"/>
+                  <a:pt x="9303" y="4889"/>
+                  <a:pt x="9248" y="4701"/>
+                </a:cubicBezTo>
+                <a:close/>
+              </a:path>
+            </a:pathLst>
+          </a:custGeom>
+          <a:solidFill>
+            <a:schemeClr val="accent1"/>
+          </a:solidFill>
+          <a:ln>
+            <a:noFill/>
+          </a:ln>
+        </p:spPr>
+      </p:sp>
+      <p:sp>
+        <p:nvSpPr>
+          <p:cNvPr id="11" name="Slide Number Placeholder 5"/>
+          <p:cNvSpPr>
+            <a:spLocks noGrp="1"/>
+          </p:cNvSpPr>
+          <p:nvPr>
+            <p:ph type="sldNum" sz="quarter" idx="12"/>
           </p:nvPr>
         </p:nvSpPr>
         <p:spPr>
           <a:xfrm>
-            <a:off x="6172200" y="1825625"/>
-            <a:ext cx="5181600" cy="4351338"/>
+            <a:off x="531812" y="787782"/>
+            <a:ext cx="779767" cy="365125"/>
           </a:xfrm>
         </p:spPr>
-        <p:txBody>
-          <a:bodyPr/>
-          <a:lstStyle/>
-          <a:p>
-            <a:pPr lvl="0"/>
-            <a:r>
-              <a:rPr kumimoji="1" lang="ja-JP" altLang="en-US" smtClean="0"/>
-              <a:t>マスター テキストの書式設定</a:t>
-            </a:r>
-          </a:p>
-          <a:p>
-            <a:pPr lvl="1"/>
-            <a:r>
-              <a:rPr kumimoji="1" lang="ja-JP" altLang="en-US" smtClean="0"/>
-              <a:t>第 </a:t>
-            </a:r>
-            <a:r>
-              <a:rPr kumimoji="1" lang="en-US" altLang="ja-JP" smtClean="0"/>
-              <a:t>2 </a:t>
-            </a:r>
-            <a:r>
-              <a:rPr kumimoji="1" lang="ja-JP" altLang="en-US" smtClean="0"/>
-              <a:t>レベル</a:t>
-            </a:r>
-          </a:p>
-          <a:p>
-            <a:pPr lvl="2"/>
-            <a:r>
-              <a:rPr kumimoji="1" lang="ja-JP" altLang="en-US" smtClean="0"/>
-              <a:t>第 </a:t>
-            </a:r>
-            <a:r>
-              <a:rPr kumimoji="1" lang="en-US" altLang="ja-JP" smtClean="0"/>
-              <a:t>3 </a:t>
-            </a:r>
-            <a:r>
-              <a:rPr kumimoji="1" lang="ja-JP" altLang="en-US" smtClean="0"/>
-              <a:t>レベル</a:t>
-            </a:r>
-          </a:p>
-          <a:p>
-            <a:pPr lvl="3"/>
-            <a:r>
-              <a:rPr kumimoji="1" lang="ja-JP" altLang="en-US" smtClean="0"/>
-              <a:t>第 </a:t>
-            </a:r>
-            <a:r>
-              <a:rPr kumimoji="1" lang="en-US" altLang="ja-JP" smtClean="0"/>
-              <a:t>4 </a:t>
-            </a:r>
-            <a:r>
-              <a:rPr kumimoji="1" lang="ja-JP" altLang="en-US" smtClean="0"/>
-              <a:t>レベル</a:t>
-            </a:r>
-          </a:p>
-          <a:p>
-            <a:pPr lvl="4"/>
-            <a:r>
-              <a:rPr kumimoji="1" lang="ja-JP" altLang="en-US" smtClean="0"/>
-              <a:t>第 </a:t>
-            </a:r>
-            <a:r>
-              <a:rPr kumimoji="1" lang="en-US" altLang="ja-JP" smtClean="0"/>
-              <a:t>5 </a:t>
-            </a:r>
-            <a:r>
-              <a:rPr kumimoji="1" lang="ja-JP" altLang="en-US" smtClean="0"/>
-              <a:t>レベル</a:t>
-            </a:r>
-            <a:endParaRPr kumimoji="1" lang="ja-JP" altLang="en-US"/>
-          </a:p>
-        </p:txBody>
-      </p:sp>
-      <p:sp>
-        <p:nvSpPr>
-          <p:cNvPr id="5" name="日付プレースホルダー 4"/>
-          <p:cNvSpPr>
-            <a:spLocks noGrp="1"/>
-          </p:cNvSpPr>
-          <p:nvPr>
-            <p:ph type="dt" sz="half" idx="10"/>
-          </p:nvPr>
-        </p:nvSpPr>
-        <p:spPr/>
-        <p:txBody>
-          <a:bodyPr/>
-          <a:lstStyle/>
-          <a:p>
-            <a:fld id="{444AF1EE-23B7-43C4-B6A6-270F9C56AB86}" type="datetimeFigureOut">
-              <a:rPr kumimoji="1" lang="ja-JP" altLang="en-US" smtClean="0"/>
-              <a:t>2023/7/7</a:t>
-            </a:fld>
-            <a:endParaRPr kumimoji="1" lang="ja-JP" altLang="en-US"/>
-          </a:p>
-        </p:txBody>
-      </p:sp>
-      <p:sp>
-        <p:nvSpPr>
-          <p:cNvPr id="6" name="フッター プレースホルダー 5"/>
-          <p:cNvSpPr>
-            <a:spLocks noGrp="1"/>
-          </p:cNvSpPr>
-          <p:nvPr>
-            <p:ph type="ftr" sz="quarter" idx="11"/>
-          </p:nvPr>
-        </p:nvSpPr>
-        <p:spPr/>
-        <p:txBody>
-          <a:bodyPr/>
-          <a:lstStyle/>
-          <a:p>
-            <a:endParaRPr kumimoji="1" lang="ja-JP" altLang="en-US"/>
-          </a:p>
-        </p:txBody>
-      </p:sp>
-      <p:sp>
-        <p:nvSpPr>
-          <p:cNvPr id="7" name="スライド番号プレースホルダー 6"/>
-          <p:cNvSpPr>
-            <a:spLocks noGrp="1"/>
-          </p:cNvSpPr>
-          <p:nvPr>
-            <p:ph type="sldNum" sz="quarter" idx="12"/>
-          </p:nvPr>
-        </p:nvSpPr>
-        <p:spPr/>
         <p:txBody>
           <a:bodyPr/>
           <a:lstStyle/>
@@ -1447,7 +3831,7 @@
     </p:spTree>
     <p:extLst>
       <p:ext uri="{BB962C8B-B14F-4D97-AF65-F5344CB8AC3E}">
-        <p14:creationId xmlns:p14="http://schemas.microsoft.com/office/powerpoint/2010/main" val="601122072"/>
+        <p14:creationId xmlns:p14="http://schemas.microsoft.com/office/powerpoint/2010/main" val="1546130729"/>
       </p:ext>
     </p:extLst>
   </p:cSld>
@@ -1476,54 +3860,51 @@
       </p:grpSpPr>
       <p:sp>
         <p:nvSpPr>
-          <p:cNvPr id="2" name="タイトル 1"/>
+          <p:cNvPr id="10" name="Title 9"/>
           <p:cNvSpPr>
             <a:spLocks noGrp="1"/>
           </p:cNvSpPr>
           <p:nvPr>
             <p:ph type="title"/>
+          </p:nvPr>
+        </p:nvSpPr>
+        <p:spPr/>
+        <p:txBody>
+          <a:bodyPr/>
+          <a:lstStyle/>
+          <a:p>
+            <a:r>
+              <a:rPr lang="ja-JP" altLang="en-US" smtClean="0"/>
+              <a:t>マスター タイトルの書式設定</a:t>
+            </a:r>
+            <a:endParaRPr lang="en-US" dirty="0"/>
+          </a:p>
+        </p:txBody>
+      </p:sp>
+      <p:sp>
+        <p:nvSpPr>
+          <p:cNvPr id="3" name="Text Placeholder 2"/>
+          <p:cNvSpPr>
+            <a:spLocks noGrp="1"/>
+          </p:cNvSpPr>
+          <p:nvPr>
+            <p:ph type="body" idx="1"/>
           </p:nvPr>
         </p:nvSpPr>
         <p:spPr>
           <a:xfrm>
-            <a:off x="839788" y="365125"/>
-            <a:ext cx="10515600" cy="1325563"/>
+            <a:off x="2939373" y="1972703"/>
+            <a:ext cx="3992732" cy="576262"/>
           </a:xfrm>
         </p:spPr>
         <p:txBody>
-          <a:bodyPr/>
-          <a:lstStyle/>
-          <a:p>
-            <a:r>
-              <a:rPr kumimoji="1" lang="ja-JP" altLang="en-US" smtClean="0"/>
-              <a:t>マスター タイトルの書式設定</a:t>
-            </a:r>
-            <a:endParaRPr kumimoji="1" lang="ja-JP" altLang="en-US"/>
-          </a:p>
-        </p:txBody>
-      </p:sp>
-      <p:sp>
-        <p:nvSpPr>
-          <p:cNvPr id="3" name="テキスト プレースホルダー 2"/>
-          <p:cNvSpPr>
-            <a:spLocks noGrp="1"/>
-          </p:cNvSpPr>
-          <p:nvPr>
-            <p:ph type="body" idx="1"/>
-          </p:nvPr>
-        </p:nvSpPr>
-        <p:spPr>
-          <a:xfrm>
-            <a:off x="839788" y="1681163"/>
-            <a:ext cx="5157787" cy="823912"/>
-          </a:xfrm>
-        </p:spPr>
-        <p:txBody>
-          <a:bodyPr anchor="b"/>
+          <a:bodyPr anchor="b">
+            <a:noAutofit/>
+          </a:bodyPr>
           <a:lstStyle>
             <a:lvl1pPr marL="0" indent="0">
               <a:buNone/>
-              <a:defRPr sz="2400" b="1"/>
+              <a:defRPr sz="2400" b="0"/>
             </a:lvl1pPr>
             <a:lvl2pPr marL="457200" indent="0">
               <a:buNone/>
@@ -1561,7 +3942,7 @@
           <a:p>
             <a:pPr lvl="0"/>
             <a:r>
-              <a:rPr kumimoji="1" lang="ja-JP" altLang="en-US" smtClean="0"/>
+              <a:rPr lang="ja-JP" altLang="en-US" smtClean="0"/>
               <a:t>マスター テキストの書式設定</a:t>
             </a:r>
           </a:p>
@@ -1569,7 +3950,7 @@
       </p:sp>
       <p:sp>
         <p:nvSpPr>
-          <p:cNvPr id="4" name="コンテンツ プレースホルダー 3"/>
+          <p:cNvPr id="4" name="Content Placeholder 3"/>
           <p:cNvSpPr>
             <a:spLocks noGrp="1"/>
           </p:cNvSpPr>
@@ -1579,86 +3960,88 @@
         </p:nvSpPr>
         <p:spPr>
           <a:xfrm>
-            <a:off x="839788" y="2505075"/>
-            <a:ext cx="5157787" cy="3684588"/>
+            <a:off x="2589212" y="2548966"/>
+            <a:ext cx="4342893" cy="3354060"/>
           </a:xfrm>
         </p:spPr>
         <p:txBody>
-          <a:bodyPr/>
+          <a:bodyPr>
+            <a:normAutofit/>
+          </a:bodyPr>
           <a:lstStyle/>
           <a:p>
             <a:pPr lvl="0"/>
             <a:r>
-              <a:rPr kumimoji="1" lang="ja-JP" altLang="en-US" smtClean="0"/>
+              <a:rPr lang="ja-JP" altLang="en-US" smtClean="0"/>
               <a:t>マスター テキストの書式設定</a:t>
             </a:r>
           </a:p>
           <a:p>
             <a:pPr lvl="1"/>
             <a:r>
-              <a:rPr kumimoji="1" lang="ja-JP" altLang="en-US" smtClean="0"/>
+              <a:rPr lang="ja-JP" altLang="en-US" smtClean="0"/>
               <a:t>第 </a:t>
             </a:r>
             <a:r>
-              <a:rPr kumimoji="1" lang="en-US" altLang="ja-JP" smtClean="0"/>
+              <a:rPr lang="en-US" altLang="ja-JP" smtClean="0"/>
               <a:t>2 </a:t>
             </a:r>
             <a:r>
-              <a:rPr kumimoji="1" lang="ja-JP" altLang="en-US" smtClean="0"/>
+              <a:rPr lang="ja-JP" altLang="en-US" smtClean="0"/>
               <a:t>レベル</a:t>
             </a:r>
           </a:p>
           <a:p>
             <a:pPr lvl="2"/>
             <a:r>
-              <a:rPr kumimoji="1" lang="ja-JP" altLang="en-US" smtClean="0"/>
+              <a:rPr lang="ja-JP" altLang="en-US" smtClean="0"/>
               <a:t>第 </a:t>
             </a:r>
             <a:r>
-              <a:rPr kumimoji="1" lang="en-US" altLang="ja-JP" smtClean="0"/>
+              <a:rPr lang="en-US" altLang="ja-JP" smtClean="0"/>
               <a:t>3 </a:t>
             </a:r>
             <a:r>
-              <a:rPr kumimoji="1" lang="ja-JP" altLang="en-US" smtClean="0"/>
+              <a:rPr lang="ja-JP" altLang="en-US" smtClean="0"/>
               <a:t>レベル</a:t>
             </a:r>
           </a:p>
           <a:p>
             <a:pPr lvl="3"/>
             <a:r>
-              <a:rPr kumimoji="1" lang="ja-JP" altLang="en-US" smtClean="0"/>
+              <a:rPr lang="ja-JP" altLang="en-US" smtClean="0"/>
               <a:t>第 </a:t>
             </a:r>
             <a:r>
-              <a:rPr kumimoji="1" lang="en-US" altLang="ja-JP" smtClean="0"/>
+              <a:rPr lang="en-US" altLang="ja-JP" smtClean="0"/>
               <a:t>4 </a:t>
             </a:r>
             <a:r>
-              <a:rPr kumimoji="1" lang="ja-JP" altLang="en-US" smtClean="0"/>
+              <a:rPr lang="ja-JP" altLang="en-US" smtClean="0"/>
               <a:t>レベル</a:t>
             </a:r>
           </a:p>
           <a:p>
             <a:pPr lvl="4"/>
             <a:r>
-              <a:rPr kumimoji="1" lang="ja-JP" altLang="en-US" smtClean="0"/>
+              <a:rPr lang="ja-JP" altLang="en-US" smtClean="0"/>
               <a:t>第 </a:t>
             </a:r>
             <a:r>
-              <a:rPr kumimoji="1" lang="en-US" altLang="ja-JP" smtClean="0"/>
+              <a:rPr lang="en-US" altLang="ja-JP" smtClean="0"/>
               <a:t>5 </a:t>
             </a:r>
             <a:r>
-              <a:rPr kumimoji="1" lang="ja-JP" altLang="en-US" smtClean="0"/>
+              <a:rPr lang="ja-JP" altLang="en-US" smtClean="0"/>
               <a:t>レベル</a:t>
             </a:r>
-            <a:endParaRPr kumimoji="1" lang="ja-JP" altLang="en-US"/>
-          </a:p>
-        </p:txBody>
-      </p:sp>
-      <p:sp>
-        <p:nvSpPr>
-          <p:cNvPr id="5" name="テキスト プレースホルダー 4"/>
+            <a:endParaRPr lang="en-US" dirty="0"/>
+          </a:p>
+        </p:txBody>
+      </p:sp>
+      <p:sp>
+        <p:nvSpPr>
+          <p:cNvPr id="5" name="Text Placeholder 4"/>
           <p:cNvSpPr>
             <a:spLocks noGrp="1"/>
           </p:cNvSpPr>
@@ -1668,16 +4051,18 @@
         </p:nvSpPr>
         <p:spPr>
           <a:xfrm>
-            <a:off x="6172200" y="1681163"/>
-            <a:ext cx="5183188" cy="823912"/>
+            <a:off x="7506629" y="1969475"/>
+            <a:ext cx="3999001" cy="576262"/>
           </a:xfrm>
         </p:spPr>
         <p:txBody>
-          <a:bodyPr anchor="b"/>
+          <a:bodyPr anchor="b">
+            <a:noAutofit/>
+          </a:bodyPr>
           <a:lstStyle>
             <a:lvl1pPr marL="0" indent="0">
               <a:buNone/>
-              <a:defRPr sz="2400" b="1"/>
+              <a:defRPr sz="2400" b="0"/>
             </a:lvl1pPr>
             <a:lvl2pPr marL="457200" indent="0">
               <a:buNone/>
@@ -1715,7 +4100,7 @@
           <a:p>
             <a:pPr lvl="0"/>
             <a:r>
-              <a:rPr kumimoji="1" lang="ja-JP" altLang="en-US" smtClean="0"/>
+              <a:rPr lang="ja-JP" altLang="en-US" smtClean="0"/>
               <a:t>マスター テキストの書式設定</a:t>
             </a:r>
           </a:p>
@@ -1723,7 +4108,7 @@
       </p:sp>
       <p:sp>
         <p:nvSpPr>
-          <p:cNvPr id="6" name="コンテンツ プレースホルダー 5"/>
+          <p:cNvPr id="6" name="Content Placeholder 5"/>
           <p:cNvSpPr>
             <a:spLocks noGrp="1"/>
           </p:cNvSpPr>
@@ -1733,91 +4118,116 @@
         </p:nvSpPr>
         <p:spPr>
           <a:xfrm>
-            <a:off x="6172200" y="2505075"/>
-            <a:ext cx="5183188" cy="3684588"/>
+            <a:off x="7166957" y="2545738"/>
+            <a:ext cx="4338674" cy="3354060"/>
           </a:xfrm>
         </p:spPr>
         <p:txBody>
+          <a:bodyPr>
+            <a:normAutofit/>
+          </a:bodyPr>
+          <a:lstStyle/>
+          <a:p>
+            <a:pPr lvl="0"/>
+            <a:r>
+              <a:rPr lang="ja-JP" altLang="en-US" smtClean="0"/>
+              <a:t>マスター テキストの書式設定</a:t>
+            </a:r>
+          </a:p>
+          <a:p>
+            <a:pPr lvl="1"/>
+            <a:r>
+              <a:rPr lang="ja-JP" altLang="en-US" smtClean="0"/>
+              <a:t>第 </a:t>
+            </a:r>
+            <a:r>
+              <a:rPr lang="en-US" altLang="ja-JP" smtClean="0"/>
+              <a:t>2 </a:t>
+            </a:r>
+            <a:r>
+              <a:rPr lang="ja-JP" altLang="en-US" smtClean="0"/>
+              <a:t>レベル</a:t>
+            </a:r>
+          </a:p>
+          <a:p>
+            <a:pPr lvl="2"/>
+            <a:r>
+              <a:rPr lang="ja-JP" altLang="en-US" smtClean="0"/>
+              <a:t>第 </a:t>
+            </a:r>
+            <a:r>
+              <a:rPr lang="en-US" altLang="ja-JP" smtClean="0"/>
+              <a:t>3 </a:t>
+            </a:r>
+            <a:r>
+              <a:rPr lang="ja-JP" altLang="en-US" smtClean="0"/>
+              <a:t>レベル</a:t>
+            </a:r>
+          </a:p>
+          <a:p>
+            <a:pPr lvl="3"/>
+            <a:r>
+              <a:rPr lang="ja-JP" altLang="en-US" smtClean="0"/>
+              <a:t>第 </a:t>
+            </a:r>
+            <a:r>
+              <a:rPr lang="en-US" altLang="ja-JP" smtClean="0"/>
+              <a:t>4 </a:t>
+            </a:r>
+            <a:r>
+              <a:rPr lang="ja-JP" altLang="en-US" smtClean="0"/>
+              <a:t>レベル</a:t>
+            </a:r>
+          </a:p>
+          <a:p>
+            <a:pPr lvl="4"/>
+            <a:r>
+              <a:rPr lang="ja-JP" altLang="en-US" smtClean="0"/>
+              <a:t>第 </a:t>
+            </a:r>
+            <a:r>
+              <a:rPr lang="en-US" altLang="ja-JP" smtClean="0"/>
+              <a:t>5 </a:t>
+            </a:r>
+            <a:r>
+              <a:rPr lang="ja-JP" altLang="en-US" smtClean="0"/>
+              <a:t>レベル</a:t>
+            </a:r>
+            <a:endParaRPr lang="en-US" dirty="0"/>
+          </a:p>
+        </p:txBody>
+      </p:sp>
+      <p:sp>
+        <p:nvSpPr>
+          <p:cNvPr id="7" name="Date Placeholder 6"/>
+          <p:cNvSpPr>
+            <a:spLocks noGrp="1"/>
+          </p:cNvSpPr>
+          <p:nvPr>
+            <p:ph type="dt" sz="half" idx="10"/>
+          </p:nvPr>
+        </p:nvSpPr>
+        <p:spPr/>
+        <p:txBody>
           <a:bodyPr/>
           <a:lstStyle/>
           <a:p>
-            <a:pPr lvl="0"/>
-            <a:r>
+            <a:fld id="{444AF1EE-23B7-43C4-B6A6-270F9C56AB86}" type="datetimeFigureOut">
               <a:rPr kumimoji="1" lang="ja-JP" altLang="en-US" smtClean="0"/>
-              <a:t>マスター テキストの書式設定</a:t>
-            </a:r>
-          </a:p>
-          <a:p>
-            <a:pPr lvl="1"/>
-            <a:r>
-              <a:rPr kumimoji="1" lang="ja-JP" altLang="en-US" smtClean="0"/>
-              <a:t>第 </a:t>
-            </a:r>
-            <a:r>
-              <a:rPr kumimoji="1" lang="en-US" altLang="ja-JP" smtClean="0"/>
-              <a:t>2 </a:t>
-            </a:r>
-            <a:r>
-              <a:rPr kumimoji="1" lang="ja-JP" altLang="en-US" smtClean="0"/>
-              <a:t>レベル</a:t>
-            </a:r>
-          </a:p>
-          <a:p>
-            <a:pPr lvl="2"/>
-            <a:r>
-              <a:rPr kumimoji="1" lang="ja-JP" altLang="en-US" smtClean="0"/>
-              <a:t>第 </a:t>
-            </a:r>
-            <a:r>
-              <a:rPr kumimoji="1" lang="en-US" altLang="ja-JP" smtClean="0"/>
-              <a:t>3 </a:t>
-            </a:r>
-            <a:r>
-              <a:rPr kumimoji="1" lang="ja-JP" altLang="en-US" smtClean="0"/>
-              <a:t>レベル</a:t>
-            </a:r>
-          </a:p>
-          <a:p>
-            <a:pPr lvl="3"/>
-            <a:r>
-              <a:rPr kumimoji="1" lang="ja-JP" altLang="en-US" smtClean="0"/>
-              <a:t>第 </a:t>
-            </a:r>
-            <a:r>
-              <a:rPr kumimoji="1" lang="en-US" altLang="ja-JP" smtClean="0"/>
-              <a:t>4 </a:t>
-            </a:r>
-            <a:r>
-              <a:rPr kumimoji="1" lang="ja-JP" altLang="en-US" smtClean="0"/>
-              <a:t>レベル</a:t>
-            </a:r>
-          </a:p>
-          <a:p>
-            <a:pPr lvl="4"/>
-            <a:r>
-              <a:rPr kumimoji="1" lang="ja-JP" altLang="en-US" smtClean="0"/>
-              <a:t>第 </a:t>
-            </a:r>
-            <a:r>
-              <a:rPr kumimoji="1" lang="en-US" altLang="ja-JP" smtClean="0"/>
-              <a:t>5 </a:t>
-            </a:r>
-            <a:r>
-              <a:rPr kumimoji="1" lang="ja-JP" altLang="en-US" smtClean="0"/>
-              <a:t>レベル</a:t>
-            </a:r>
+              <a:t>2023/7/12</a:t>
+            </a:fld>
             <a:endParaRPr kumimoji="1" lang="ja-JP" altLang="en-US"/>
           </a:p>
         </p:txBody>
       </p:sp>
       <p:sp>
         <p:nvSpPr>
-          <p:cNvPr id="7" name="日付プレースホルダー 6"/>
-          <p:cNvSpPr>
-            <a:spLocks noGrp="1"/>
-          </p:cNvSpPr>
-          <p:nvPr>
-            <p:ph type="dt" sz="half" idx="10"/>
+          <p:cNvPr id="8" name="Footer Placeholder 7"/>
+          <p:cNvSpPr>
+            <a:spLocks noGrp="1"/>
+          </p:cNvSpPr>
+          <p:nvPr>
+            <p:ph type="ftr" sz="quarter" idx="11"/>
           </p:nvPr>
         </p:nvSpPr>
         <p:spPr/>
@@ -1825,36 +4235,95 @@
           <a:bodyPr/>
           <a:lstStyle/>
           <a:p>
-            <a:fld id="{444AF1EE-23B7-43C4-B6A6-270F9C56AB86}" type="datetimeFigureOut">
-              <a:rPr kumimoji="1" lang="ja-JP" altLang="en-US" smtClean="0"/>
-              <a:t>2023/7/7</a:t>
-            </a:fld>
             <a:endParaRPr kumimoji="1" lang="ja-JP" altLang="en-US"/>
           </a:p>
         </p:txBody>
       </p:sp>
       <p:sp>
         <p:nvSpPr>
-          <p:cNvPr id="8" name="フッター プレースホルダー 7"/>
-          <p:cNvSpPr>
-            <a:spLocks noGrp="1"/>
-          </p:cNvSpPr>
-          <p:nvPr>
-            <p:ph type="ftr" sz="quarter" idx="11"/>
-          </p:nvPr>
-        </p:nvSpPr>
-        <p:spPr/>
-        <p:txBody>
-          <a:bodyPr/>
-          <a:lstStyle/>
-          <a:p>
-            <a:endParaRPr kumimoji="1" lang="ja-JP" altLang="en-US"/>
-          </a:p>
-        </p:txBody>
-      </p:sp>
-      <p:sp>
-        <p:nvSpPr>
-          <p:cNvPr id="9" name="スライド番号プレースホルダー 8"/>
+          <p:cNvPr id="12" name="Freeform 11"/>
+          <p:cNvSpPr/>
+          <p:nvPr/>
+        </p:nvSpPr>
+        <p:spPr bwMode="auto">
+          <a:xfrm flipV="1">
+            <a:off x="-4189" y="714375"/>
+            <a:ext cx="1588527" cy="507297"/>
+          </a:xfrm>
+          <a:custGeom>
+            <a:avLst/>
+            <a:gdLst/>
+            <a:ahLst/>
+            <a:cxnLst/>
+            <a:rect l="l" t="t" r="r" b="b"/>
+            <a:pathLst>
+              <a:path w="9248" h="10000">
+                <a:moveTo>
+                  <a:pt x="9248" y="4701"/>
+                </a:moveTo>
+                <a:lnTo>
+                  <a:pt x="7915" y="188"/>
+                </a:lnTo>
+                <a:cubicBezTo>
+                  <a:pt x="7906" y="156"/>
+                  <a:pt x="7895" y="126"/>
+                  <a:pt x="7886" y="94"/>
+                </a:cubicBezTo>
+                <a:cubicBezTo>
+                  <a:pt x="7859" y="0"/>
+                  <a:pt x="7831" y="0"/>
+                  <a:pt x="7803" y="0"/>
+                </a:cubicBezTo>
+                <a:lnTo>
+                  <a:pt x="7275" y="0"/>
+                </a:lnTo>
+                <a:lnTo>
+                  <a:pt x="0" y="70"/>
+                </a:lnTo>
+                <a:cubicBezTo>
+                  <a:pt x="8" y="3380"/>
+                  <a:pt x="17" y="6690"/>
+                  <a:pt x="25" y="10000"/>
+                </a:cubicBezTo>
+                <a:lnTo>
+                  <a:pt x="7275" y="9966"/>
+                </a:lnTo>
+                <a:lnTo>
+                  <a:pt x="7803" y="9966"/>
+                </a:lnTo>
+                <a:cubicBezTo>
+                  <a:pt x="7831" y="9966"/>
+                  <a:pt x="7859" y="9872"/>
+                  <a:pt x="7886" y="9872"/>
+                </a:cubicBezTo>
+                <a:cubicBezTo>
+                  <a:pt x="7886" y="9778"/>
+                  <a:pt x="7915" y="9778"/>
+                  <a:pt x="7915" y="9778"/>
+                </a:cubicBezTo>
+                <a:lnTo>
+                  <a:pt x="9248" y="5265"/>
+                </a:lnTo>
+                <a:cubicBezTo>
+                  <a:pt x="9303" y="5077"/>
+                  <a:pt x="9303" y="4889"/>
+                  <a:pt x="9248" y="4701"/>
+                </a:cubicBezTo>
+                <a:close/>
+              </a:path>
+            </a:pathLst>
+          </a:custGeom>
+          <a:solidFill>
+            <a:schemeClr val="accent1"/>
+          </a:solidFill>
+          <a:ln>
+            <a:noFill/>
+          </a:ln>
+        </p:spPr>
+      </p:sp>
+      <p:sp>
+        <p:nvSpPr>
+          <p:cNvPr id="13" name="Slide Number Placeholder 5"/>
           <p:cNvSpPr>
             <a:spLocks noGrp="1"/>
           </p:cNvSpPr>
@@ -1862,7 +4331,12 @@
             <p:ph type="sldNum" sz="quarter" idx="12"/>
           </p:nvPr>
         </p:nvSpPr>
-        <p:spPr/>
+        <p:spPr>
+          <a:xfrm>
+            <a:off x="531812" y="787782"/>
+            <a:ext cx="779767" cy="365125"/>
+          </a:xfrm>
+        </p:spPr>
         <p:txBody>
           <a:bodyPr/>
           <a:lstStyle/>
@@ -1878,7 +4352,7 @@
     </p:spTree>
     <p:extLst>
       <p:ext uri="{BB962C8B-B14F-4D97-AF65-F5344CB8AC3E}">
-        <p14:creationId xmlns:p14="http://schemas.microsoft.com/office/powerpoint/2010/main" val="3168128651"/>
+        <p14:creationId xmlns:p14="http://schemas.microsoft.com/office/powerpoint/2010/main" val="2642096767"/>
       </p:ext>
     </p:extLst>
   </p:cSld>
@@ -1907,7 +4381,7 @@
       </p:grpSpPr>
       <p:sp>
         <p:nvSpPr>
-          <p:cNvPr id="2" name="タイトル 1"/>
+          <p:cNvPr id="2" name="Title 1"/>
           <p:cNvSpPr>
             <a:spLocks noGrp="1"/>
           </p:cNvSpPr>
@@ -1921,16 +4395,16 @@
           <a:lstStyle/>
           <a:p>
             <a:r>
-              <a:rPr kumimoji="1" lang="ja-JP" altLang="en-US" smtClean="0"/>
+              <a:rPr lang="ja-JP" altLang="en-US" smtClean="0"/>
               <a:t>マスター タイトルの書式設定</a:t>
             </a:r>
-            <a:endParaRPr kumimoji="1" lang="ja-JP" altLang="en-US"/>
-          </a:p>
-        </p:txBody>
-      </p:sp>
-      <p:sp>
-        <p:nvSpPr>
-          <p:cNvPr id="3" name="日付プレースホルダー 2"/>
+            <a:endParaRPr lang="en-US" dirty="0"/>
+          </a:p>
+        </p:txBody>
+      </p:sp>
+      <p:sp>
+        <p:nvSpPr>
+          <p:cNvPr id="3" name="Date Placeholder 2"/>
           <p:cNvSpPr>
             <a:spLocks noGrp="1"/>
           </p:cNvSpPr>
@@ -1945,7 +4419,7 @@
           <a:p>
             <a:fld id="{444AF1EE-23B7-43C4-B6A6-270F9C56AB86}" type="datetimeFigureOut">
               <a:rPr kumimoji="1" lang="ja-JP" altLang="en-US" smtClean="0"/>
-              <a:t>2023/7/7</a:t>
+              <a:t>2023/7/12</a:t>
             </a:fld>
             <a:endParaRPr kumimoji="1" lang="ja-JP" altLang="en-US"/>
           </a:p>
@@ -1953,7 +4427,7 @@
       </p:sp>
       <p:sp>
         <p:nvSpPr>
-          <p:cNvPr id="4" name="フッター プレースホルダー 3"/>
+          <p:cNvPr id="4" name="Footer Placeholder 3"/>
           <p:cNvSpPr>
             <a:spLocks noGrp="1"/>
           </p:cNvSpPr>
@@ -1972,7 +4446,89 @@
       </p:sp>
       <p:sp>
         <p:nvSpPr>
-          <p:cNvPr id="5" name="スライド番号プレースホルダー 4"/>
+          <p:cNvPr id="7" name="Freeform 11"/>
+          <p:cNvSpPr/>
+          <p:nvPr/>
+        </p:nvSpPr>
+        <p:spPr bwMode="auto">
+          <a:xfrm flipV="1">
+            <a:off x="-4189" y="714375"/>
+            <a:ext cx="1588527" cy="507297"/>
+          </a:xfrm>
+          <a:custGeom>
+            <a:avLst/>
+            <a:gdLst/>
+            <a:ahLst/>
+            <a:cxnLst/>
+            <a:rect l="l" t="t" r="r" b="b"/>
+            <a:pathLst>
+              <a:path w="9248" h="10000">
+                <a:moveTo>
+                  <a:pt x="9248" y="4701"/>
+                </a:moveTo>
+                <a:lnTo>
+                  <a:pt x="7915" y="188"/>
+                </a:lnTo>
+                <a:cubicBezTo>
+                  <a:pt x="7906" y="156"/>
+                  <a:pt x="7895" y="126"/>
+                  <a:pt x="7886" y="94"/>
+                </a:cubicBezTo>
+                <a:cubicBezTo>
+                  <a:pt x="7859" y="0"/>
+                  <a:pt x="7831" y="0"/>
+                  <a:pt x="7803" y="0"/>
+                </a:cubicBezTo>
+                <a:lnTo>
+                  <a:pt x="7275" y="0"/>
+                </a:lnTo>
+                <a:lnTo>
+                  <a:pt x="0" y="70"/>
+                </a:lnTo>
+                <a:cubicBezTo>
+                  <a:pt x="8" y="3380"/>
+                  <a:pt x="17" y="6690"/>
+                  <a:pt x="25" y="10000"/>
+                </a:cubicBezTo>
+                <a:lnTo>
+                  <a:pt x="7275" y="9966"/>
+                </a:lnTo>
+                <a:lnTo>
+                  <a:pt x="7803" y="9966"/>
+                </a:lnTo>
+                <a:cubicBezTo>
+                  <a:pt x="7831" y="9966"/>
+                  <a:pt x="7859" y="9872"/>
+                  <a:pt x="7886" y="9872"/>
+                </a:cubicBezTo>
+                <a:cubicBezTo>
+                  <a:pt x="7886" y="9778"/>
+                  <a:pt x="7915" y="9778"/>
+                  <a:pt x="7915" y="9778"/>
+                </a:cubicBezTo>
+                <a:lnTo>
+                  <a:pt x="9248" y="5265"/>
+                </a:lnTo>
+                <a:cubicBezTo>
+                  <a:pt x="9303" y="5077"/>
+                  <a:pt x="9303" y="4889"/>
+                  <a:pt x="9248" y="4701"/>
+                </a:cubicBezTo>
+                <a:close/>
+              </a:path>
+            </a:pathLst>
+          </a:custGeom>
+          <a:solidFill>
+            <a:schemeClr val="accent1"/>
+          </a:solidFill>
+          <a:ln>
+            <a:noFill/>
+          </a:ln>
+        </p:spPr>
+      </p:sp>
+      <p:sp>
+        <p:nvSpPr>
+          <p:cNvPr id="5" name="Slide Number Placeholder 4"/>
           <p:cNvSpPr>
             <a:spLocks noGrp="1"/>
           </p:cNvSpPr>
@@ -1996,7 +4552,7 @@
     </p:spTree>
     <p:extLst>
       <p:ext uri="{BB962C8B-B14F-4D97-AF65-F5344CB8AC3E}">
-        <p14:creationId xmlns:p14="http://schemas.microsoft.com/office/powerpoint/2010/main" val="3743074646"/>
+        <p14:creationId xmlns:p14="http://schemas.microsoft.com/office/powerpoint/2010/main" val="2723876036"/>
       </p:ext>
     </p:extLst>
   </p:cSld>
@@ -2025,7 +4581,7 @@
       </p:grpSpPr>
       <p:sp>
         <p:nvSpPr>
-          <p:cNvPr id="2" name="日付プレースホルダー 1"/>
+          <p:cNvPr id="2" name="Date Placeholder 1"/>
           <p:cNvSpPr>
             <a:spLocks noGrp="1"/>
           </p:cNvSpPr>
@@ -2040,7 +4596,7 @@
           <a:p>
             <a:fld id="{444AF1EE-23B7-43C4-B6A6-270F9C56AB86}" type="datetimeFigureOut">
               <a:rPr kumimoji="1" lang="ja-JP" altLang="en-US" smtClean="0"/>
-              <a:t>2023/7/7</a:t>
+              <a:t>2023/7/12</a:t>
             </a:fld>
             <a:endParaRPr kumimoji="1" lang="ja-JP" altLang="en-US"/>
           </a:p>
@@ -2048,7 +4604,7 @@
       </p:sp>
       <p:sp>
         <p:nvSpPr>
-          <p:cNvPr id="3" name="フッター プレースホルダー 2"/>
+          <p:cNvPr id="3" name="Footer Placeholder 2"/>
           <p:cNvSpPr>
             <a:spLocks noGrp="1"/>
           </p:cNvSpPr>
@@ -2067,7 +4623,89 @@
       </p:sp>
       <p:sp>
         <p:nvSpPr>
-          <p:cNvPr id="4" name="スライド番号プレースホルダー 3"/>
+          <p:cNvPr id="6" name="Freeform 11"/>
+          <p:cNvSpPr/>
+          <p:nvPr/>
+        </p:nvSpPr>
+        <p:spPr bwMode="auto">
+          <a:xfrm flipV="1">
+            <a:off x="-4189" y="714375"/>
+            <a:ext cx="1588527" cy="507297"/>
+          </a:xfrm>
+          <a:custGeom>
+            <a:avLst/>
+            <a:gdLst/>
+            <a:ahLst/>
+            <a:cxnLst/>
+            <a:rect l="l" t="t" r="r" b="b"/>
+            <a:pathLst>
+              <a:path w="9248" h="10000">
+                <a:moveTo>
+                  <a:pt x="9248" y="4701"/>
+                </a:moveTo>
+                <a:lnTo>
+                  <a:pt x="7915" y="188"/>
+                </a:lnTo>
+                <a:cubicBezTo>
+                  <a:pt x="7906" y="156"/>
+                  <a:pt x="7895" y="126"/>
+                  <a:pt x="7886" y="94"/>
+                </a:cubicBezTo>
+                <a:cubicBezTo>
+                  <a:pt x="7859" y="0"/>
+                  <a:pt x="7831" y="0"/>
+                  <a:pt x="7803" y="0"/>
+                </a:cubicBezTo>
+                <a:lnTo>
+                  <a:pt x="7275" y="0"/>
+                </a:lnTo>
+                <a:lnTo>
+                  <a:pt x="0" y="70"/>
+                </a:lnTo>
+                <a:cubicBezTo>
+                  <a:pt x="8" y="3380"/>
+                  <a:pt x="17" y="6690"/>
+                  <a:pt x="25" y="10000"/>
+                </a:cubicBezTo>
+                <a:lnTo>
+                  <a:pt x="7275" y="9966"/>
+                </a:lnTo>
+                <a:lnTo>
+                  <a:pt x="7803" y="9966"/>
+                </a:lnTo>
+                <a:cubicBezTo>
+                  <a:pt x="7831" y="9966"/>
+                  <a:pt x="7859" y="9872"/>
+                  <a:pt x="7886" y="9872"/>
+                </a:cubicBezTo>
+                <a:cubicBezTo>
+                  <a:pt x="7886" y="9778"/>
+                  <a:pt x="7915" y="9778"/>
+                  <a:pt x="7915" y="9778"/>
+                </a:cubicBezTo>
+                <a:lnTo>
+                  <a:pt x="9248" y="5265"/>
+                </a:lnTo>
+                <a:cubicBezTo>
+                  <a:pt x="9303" y="5077"/>
+                  <a:pt x="9303" y="4889"/>
+                  <a:pt x="9248" y="4701"/>
+                </a:cubicBezTo>
+                <a:close/>
+              </a:path>
+            </a:pathLst>
+          </a:custGeom>
+          <a:solidFill>
+            <a:schemeClr val="accent1"/>
+          </a:solidFill>
+          <a:ln>
+            <a:noFill/>
+          </a:ln>
+        </p:spPr>
+      </p:sp>
+      <p:sp>
+        <p:nvSpPr>
+          <p:cNvPr id="4" name="Slide Number Placeholder 3"/>
           <p:cNvSpPr>
             <a:spLocks noGrp="1"/>
           </p:cNvSpPr>
@@ -2091,7 +4729,7 @@
     </p:spTree>
     <p:extLst>
       <p:ext uri="{BB962C8B-B14F-4D97-AF65-F5344CB8AC3E}">
-        <p14:creationId xmlns:p14="http://schemas.microsoft.com/office/powerpoint/2010/main" val="266882701"/>
+        <p14:creationId xmlns:p14="http://schemas.microsoft.com/office/powerpoint/2010/main" val="3197045655"/>
       </p:ext>
     </p:extLst>
   </p:cSld>
@@ -2120,7 +4758,7 @@
       </p:grpSpPr>
       <p:sp>
         <p:nvSpPr>
-          <p:cNvPr id="2" name="タイトル 1"/>
+          <p:cNvPr id="2" name="Title 1"/>
           <p:cNvSpPr>
             <a:spLocks noGrp="1"/>
           </p:cNvSpPr>
@@ -2130,29 +4768,29 @@
         </p:nvSpPr>
         <p:spPr>
           <a:xfrm>
-            <a:off x="839788" y="457200"/>
-            <a:ext cx="3932237" cy="1600200"/>
+            <a:off x="2589212" y="446088"/>
+            <a:ext cx="3505199" cy="976312"/>
           </a:xfrm>
         </p:spPr>
         <p:txBody>
           <a:bodyPr anchor="b"/>
           <a:lstStyle>
-            <a:lvl1pPr>
-              <a:defRPr sz="3200"/>
+            <a:lvl1pPr algn="l">
+              <a:defRPr sz="2000" b="0"/>
             </a:lvl1pPr>
           </a:lstStyle>
           <a:p>
             <a:r>
-              <a:rPr kumimoji="1" lang="ja-JP" altLang="en-US" smtClean="0"/>
+              <a:rPr lang="ja-JP" altLang="en-US" smtClean="0"/>
               <a:t>マスター タイトルの書式設定</a:t>
             </a:r>
-            <a:endParaRPr kumimoji="1" lang="ja-JP" altLang="en-US"/>
-          </a:p>
-        </p:txBody>
-      </p:sp>
-      <p:sp>
-        <p:nvSpPr>
-          <p:cNvPr id="3" name="コンテンツ プレースホルダー 2"/>
+            <a:endParaRPr lang="en-US" dirty="0"/>
+          </a:p>
+        </p:txBody>
+      </p:sp>
+      <p:sp>
+        <p:nvSpPr>
+          <p:cNvPr id="3" name="Content Placeholder 2"/>
           <p:cNvSpPr>
             <a:spLocks noGrp="1"/>
           </p:cNvSpPr>
@@ -2162,114 +4800,88 @@
         </p:nvSpPr>
         <p:spPr>
           <a:xfrm>
-            <a:off x="5183188" y="987425"/>
-            <a:ext cx="6172200" cy="4873625"/>
+            <a:off x="6323012" y="446088"/>
+            <a:ext cx="5181600" cy="5414963"/>
           </a:xfrm>
         </p:spPr>
         <p:txBody>
-          <a:bodyPr/>
-          <a:lstStyle>
-            <a:lvl1pPr>
-              <a:defRPr sz="3200"/>
-            </a:lvl1pPr>
-            <a:lvl2pPr>
-              <a:defRPr sz="2800"/>
-            </a:lvl2pPr>
-            <a:lvl3pPr>
-              <a:defRPr sz="2400"/>
-            </a:lvl3pPr>
-            <a:lvl4pPr>
-              <a:defRPr sz="2000"/>
-            </a:lvl4pPr>
-            <a:lvl5pPr>
-              <a:defRPr sz="2000"/>
-            </a:lvl5pPr>
-            <a:lvl6pPr>
-              <a:defRPr sz="2000"/>
-            </a:lvl6pPr>
-            <a:lvl7pPr>
-              <a:defRPr sz="2000"/>
-            </a:lvl7pPr>
-            <a:lvl8pPr>
-              <a:defRPr sz="2000"/>
-            </a:lvl8pPr>
-            <a:lvl9pPr>
-              <a:defRPr sz="2000"/>
-            </a:lvl9pPr>
-          </a:lstStyle>
+          <a:bodyPr anchor="ctr">
+            <a:normAutofit/>
+          </a:bodyPr>
+          <a:lstStyle/>
           <a:p>
             <a:pPr lvl="0"/>
             <a:r>
-              <a:rPr kumimoji="1" lang="ja-JP" altLang="en-US" smtClean="0"/>
+              <a:rPr lang="ja-JP" altLang="en-US" smtClean="0"/>
               <a:t>マスター テキストの書式設定</a:t>
             </a:r>
           </a:p>
           <a:p>
             <a:pPr lvl="1"/>
             <a:r>
-              <a:rPr kumimoji="1" lang="ja-JP" altLang="en-US" smtClean="0"/>
+              <a:rPr lang="ja-JP" altLang="en-US" smtClean="0"/>
               <a:t>第 </a:t>
             </a:r>
             <a:r>
-              <a:rPr kumimoji="1" lang="en-US" altLang="ja-JP" smtClean="0"/>
+              <a:rPr lang="en-US" altLang="ja-JP" smtClean="0"/>
               <a:t>2 </a:t>
             </a:r>
             <a:r>
-              <a:rPr kumimoji="1" lang="ja-JP" altLang="en-US" smtClean="0"/>
+              <a:rPr lang="ja-JP" altLang="en-US" smtClean="0"/>
               <a:t>レベル</a:t>
             </a:r>
           </a:p>
           <a:p>
             <a:pPr lvl="2"/>
             <a:r>
-              <a:rPr kumimoji="1" lang="ja-JP" altLang="en-US" smtClean="0"/>
+              <a:rPr lang="ja-JP" altLang="en-US" smtClean="0"/>
               <a:t>第 </a:t>
             </a:r>
             <a:r>
-              <a:rPr kumimoji="1" lang="en-US" altLang="ja-JP" smtClean="0"/>
+              <a:rPr lang="en-US" altLang="ja-JP" smtClean="0"/>
               <a:t>3 </a:t>
             </a:r>
             <a:r>
-              <a:rPr kumimoji="1" lang="ja-JP" altLang="en-US" smtClean="0"/>
+              <a:rPr lang="ja-JP" altLang="en-US" smtClean="0"/>
               <a:t>レベル</a:t>
             </a:r>
           </a:p>
           <a:p>
             <a:pPr lvl="3"/>
             <a:r>
-              <a:rPr kumimoji="1" lang="ja-JP" altLang="en-US" smtClean="0"/>
+              <a:rPr lang="ja-JP" altLang="en-US" smtClean="0"/>
               <a:t>第 </a:t>
             </a:r>
             <a:r>
-              <a:rPr kumimoji="1" lang="en-US" altLang="ja-JP" smtClean="0"/>
+              <a:rPr lang="en-US" altLang="ja-JP" smtClean="0"/>
               <a:t>4 </a:t>
             </a:r>
             <a:r>
-              <a:rPr kumimoji="1" lang="ja-JP" altLang="en-US" smtClean="0"/>
+              <a:rPr lang="ja-JP" altLang="en-US" smtClean="0"/>
               <a:t>レベル</a:t>
             </a:r>
           </a:p>
           <a:p>
             <a:pPr lvl="4"/>
             <a:r>
-              <a:rPr kumimoji="1" lang="ja-JP" altLang="en-US" smtClean="0"/>
+              <a:rPr lang="ja-JP" altLang="en-US" smtClean="0"/>
               <a:t>第 </a:t>
             </a:r>
             <a:r>
-              <a:rPr kumimoji="1" lang="en-US" altLang="ja-JP" smtClean="0"/>
+              <a:rPr lang="en-US" altLang="ja-JP" smtClean="0"/>
               <a:t>5 </a:t>
             </a:r>
             <a:r>
-              <a:rPr kumimoji="1" lang="ja-JP" altLang="en-US" smtClean="0"/>
+              <a:rPr lang="ja-JP" altLang="en-US" smtClean="0"/>
               <a:t>レベル</a:t>
             </a:r>
-            <a:endParaRPr kumimoji="1" lang="ja-JP" altLang="en-US"/>
-          </a:p>
-        </p:txBody>
-      </p:sp>
-      <p:sp>
-        <p:nvSpPr>
-          <p:cNvPr id="4" name="テキスト プレースホルダー 3"/>
+            <a:endParaRPr lang="en-US" dirty="0"/>
+          </a:p>
+        </p:txBody>
+      </p:sp>
+      <p:sp>
+        <p:nvSpPr>
+          <p:cNvPr id="4" name="Text Placeholder 3"/>
           <p:cNvSpPr>
             <a:spLocks noGrp="1"/>
           </p:cNvSpPr>
@@ -2279,8 +4891,8 @@
         </p:nvSpPr>
         <p:spPr>
           <a:xfrm>
-            <a:off x="839788" y="2057400"/>
-            <a:ext cx="3932237" cy="3811588"/>
+            <a:off x="2589212" y="1598613"/>
+            <a:ext cx="3505199" cy="4262436"/>
           </a:xfrm>
         </p:spPr>
         <p:txBody>
@@ -2288,45 +4900,45 @@
           <a:lstStyle>
             <a:lvl1pPr marL="0" indent="0">
               <a:buNone/>
-              <a:defRPr sz="1600"/>
+              <a:defRPr sz="1400"/>
             </a:lvl1pPr>
             <a:lvl2pPr marL="457200" indent="0">
               <a:buNone/>
-              <a:defRPr sz="1400"/>
+              <a:defRPr sz="1200"/>
             </a:lvl2pPr>
             <a:lvl3pPr marL="914400" indent="0">
               <a:buNone/>
-              <a:defRPr sz="1200"/>
+              <a:defRPr sz="1000"/>
             </a:lvl3pPr>
             <a:lvl4pPr marL="1371600" indent="0">
               <a:buNone/>
-              <a:defRPr sz="1000"/>
+              <a:defRPr sz="900"/>
             </a:lvl4pPr>
             <a:lvl5pPr marL="1828800" indent="0">
               <a:buNone/>
-              <a:defRPr sz="1000"/>
+              <a:defRPr sz="900"/>
             </a:lvl5pPr>
             <a:lvl6pPr marL="2286000" indent="0">
               <a:buNone/>
-              <a:defRPr sz="1000"/>
+              <a:defRPr sz="900"/>
             </a:lvl6pPr>
             <a:lvl7pPr marL="2743200" indent="0">
               <a:buNone/>
-              <a:defRPr sz="1000"/>
+              <a:defRPr sz="900"/>
             </a:lvl7pPr>
             <a:lvl8pPr marL="3200400" indent="0">
               <a:buNone/>
-              <a:defRPr sz="1000"/>
+              <a:defRPr sz="900"/>
             </a:lvl8pPr>
             <a:lvl9pPr marL="3657600" indent="0">
               <a:buNone/>
-              <a:defRPr sz="1000"/>
+              <a:defRPr sz="900"/>
             </a:lvl9pPr>
           </a:lstStyle>
           <a:p>
             <a:pPr lvl="0"/>
             <a:r>
-              <a:rPr kumimoji="1" lang="ja-JP" altLang="en-US" smtClean="0"/>
+              <a:rPr lang="ja-JP" altLang="en-US" smtClean="0"/>
               <a:t>マスター テキストの書式設定</a:t>
             </a:r>
           </a:p>
@@ -2334,7 +4946,7 @@
       </p:sp>
       <p:sp>
         <p:nvSpPr>
-          <p:cNvPr id="5" name="日付プレースホルダー 4"/>
+          <p:cNvPr id="5" name="Date Placeholder 4"/>
           <p:cNvSpPr>
             <a:spLocks noGrp="1"/>
           </p:cNvSpPr>
@@ -2349,7 +4961,7 @@
           <a:p>
             <a:fld id="{444AF1EE-23B7-43C4-B6A6-270F9C56AB86}" type="datetimeFigureOut">
               <a:rPr kumimoji="1" lang="ja-JP" altLang="en-US" smtClean="0"/>
-              <a:t>2023/7/7</a:t>
+              <a:t>2023/7/12</a:t>
             </a:fld>
             <a:endParaRPr kumimoji="1" lang="ja-JP" altLang="en-US"/>
           </a:p>
@@ -2357,7 +4969,7 @@
       </p:sp>
       <p:sp>
         <p:nvSpPr>
-          <p:cNvPr id="6" name="フッター プレースホルダー 5"/>
+          <p:cNvPr id="6" name="Footer Placeholder 5"/>
           <p:cNvSpPr>
             <a:spLocks noGrp="1"/>
           </p:cNvSpPr>
@@ -2376,7 +4988,89 @@
       </p:sp>
       <p:sp>
         <p:nvSpPr>
-          <p:cNvPr id="7" name="スライド番号プレースホルダー 6"/>
+          <p:cNvPr id="9" name="Freeform 11"/>
+          <p:cNvSpPr/>
+          <p:nvPr/>
+        </p:nvSpPr>
+        <p:spPr bwMode="auto">
+          <a:xfrm flipV="1">
+            <a:off x="-4189" y="714375"/>
+            <a:ext cx="1588527" cy="507297"/>
+          </a:xfrm>
+          <a:custGeom>
+            <a:avLst/>
+            <a:gdLst/>
+            <a:ahLst/>
+            <a:cxnLst/>
+            <a:rect l="l" t="t" r="r" b="b"/>
+            <a:pathLst>
+              <a:path w="9248" h="10000">
+                <a:moveTo>
+                  <a:pt x="9248" y="4701"/>
+                </a:moveTo>
+                <a:lnTo>
+                  <a:pt x="7915" y="188"/>
+                </a:lnTo>
+                <a:cubicBezTo>
+                  <a:pt x="7906" y="156"/>
+                  <a:pt x="7895" y="126"/>
+                  <a:pt x="7886" y="94"/>
+                </a:cubicBezTo>
+                <a:cubicBezTo>
+                  <a:pt x="7859" y="0"/>
+                  <a:pt x="7831" y="0"/>
+                  <a:pt x="7803" y="0"/>
+                </a:cubicBezTo>
+                <a:lnTo>
+                  <a:pt x="7275" y="0"/>
+                </a:lnTo>
+                <a:lnTo>
+                  <a:pt x="0" y="70"/>
+                </a:lnTo>
+                <a:cubicBezTo>
+                  <a:pt x="8" y="3380"/>
+                  <a:pt x="17" y="6690"/>
+                  <a:pt x="25" y="10000"/>
+                </a:cubicBezTo>
+                <a:lnTo>
+                  <a:pt x="7275" y="9966"/>
+                </a:lnTo>
+                <a:lnTo>
+                  <a:pt x="7803" y="9966"/>
+                </a:lnTo>
+                <a:cubicBezTo>
+                  <a:pt x="7831" y="9966"/>
+                  <a:pt x="7859" y="9872"/>
+                  <a:pt x="7886" y="9872"/>
+                </a:cubicBezTo>
+                <a:cubicBezTo>
+                  <a:pt x="7886" y="9778"/>
+                  <a:pt x="7915" y="9778"/>
+                  <a:pt x="7915" y="9778"/>
+                </a:cubicBezTo>
+                <a:lnTo>
+                  <a:pt x="9248" y="5265"/>
+                </a:lnTo>
+                <a:cubicBezTo>
+                  <a:pt x="9303" y="5077"/>
+                  <a:pt x="9303" y="4889"/>
+                  <a:pt x="9248" y="4701"/>
+                </a:cubicBezTo>
+                <a:close/>
+              </a:path>
+            </a:pathLst>
+          </a:custGeom>
+          <a:solidFill>
+            <a:schemeClr val="accent1"/>
+          </a:solidFill>
+          <a:ln>
+            <a:noFill/>
+          </a:ln>
+        </p:spPr>
+      </p:sp>
+      <p:sp>
+        <p:nvSpPr>
+          <p:cNvPr id="7" name="Slide Number Placeholder 6"/>
           <p:cNvSpPr>
             <a:spLocks noGrp="1"/>
           </p:cNvSpPr>
@@ -2400,7 +5094,7 @@
     </p:spTree>
     <p:extLst>
       <p:ext uri="{BB962C8B-B14F-4D97-AF65-F5344CB8AC3E}">
-        <p14:creationId xmlns:p14="http://schemas.microsoft.com/office/powerpoint/2010/main" val="3725923733"/>
+        <p14:creationId xmlns:p14="http://schemas.microsoft.com/office/powerpoint/2010/main" val="1927180354"/>
       </p:ext>
     </p:extLst>
   </p:cSld>
@@ -2429,7 +5123,7 @@
       </p:grpSpPr>
       <p:sp>
         <p:nvSpPr>
-          <p:cNvPr id="2" name="タイトル 1"/>
+          <p:cNvPr id="2" name="Title 1"/>
           <p:cNvSpPr>
             <a:spLocks noGrp="1"/>
           </p:cNvSpPr>
@@ -2439,31 +5133,33 @@
         </p:nvSpPr>
         <p:spPr>
           <a:xfrm>
-            <a:off x="839788" y="457200"/>
-            <a:ext cx="3932237" cy="1600200"/>
+            <a:off x="2589213" y="4800600"/>
+            <a:ext cx="8915400" cy="566738"/>
           </a:xfrm>
         </p:spPr>
         <p:txBody>
-          <a:bodyPr anchor="b"/>
+          <a:bodyPr anchor="b">
+            <a:normAutofit/>
+          </a:bodyPr>
           <a:lstStyle>
-            <a:lvl1pPr>
-              <a:defRPr sz="3200"/>
+            <a:lvl1pPr algn="l">
+              <a:defRPr sz="2400" b="0"/>
             </a:lvl1pPr>
           </a:lstStyle>
           <a:p>
             <a:r>
-              <a:rPr kumimoji="1" lang="ja-JP" altLang="en-US" smtClean="0"/>
+              <a:rPr lang="ja-JP" altLang="en-US" smtClean="0"/>
               <a:t>マスター タイトルの書式設定</a:t>
             </a:r>
-            <a:endParaRPr kumimoji="1" lang="ja-JP" altLang="en-US"/>
-          </a:p>
-        </p:txBody>
-      </p:sp>
-      <p:sp>
-        <p:nvSpPr>
-          <p:cNvPr id="3" name="図プレースホルダー 2"/>
-          <p:cNvSpPr>
-            <a:spLocks noGrp="1"/>
+            <a:endParaRPr lang="en-US" dirty="0"/>
+          </a:p>
+        </p:txBody>
+      </p:sp>
+      <p:sp>
+        <p:nvSpPr>
+          <p:cNvPr id="3" name="Picture Placeholder 2"/>
+          <p:cNvSpPr>
+            <a:spLocks noGrp="1" noChangeAspect="1"/>
           </p:cNvSpPr>
           <p:nvPr>
             <p:ph type="pic" idx="1"/>
@@ -2471,115 +5167,123 @@
         </p:nvSpPr>
         <p:spPr>
           <a:xfrm>
-            <a:off x="5183188" y="987425"/>
-            <a:ext cx="6172200" cy="4873625"/>
+            <a:off x="2589212" y="634965"/>
+            <a:ext cx="8915400" cy="3854970"/>
           </a:xfrm>
         </p:spPr>
         <p:txBody>
-          <a:bodyPr/>
+          <a:bodyPr anchor="t">
+            <a:normAutofit/>
+          </a:bodyPr>
           <a:lstStyle>
-            <a:lvl1pPr marL="0" indent="0">
-              <a:buNone/>
-              <a:defRPr sz="3200"/>
-            </a:lvl1pPr>
-            <a:lvl2pPr marL="457200" indent="0">
-              <a:buNone/>
-              <a:defRPr sz="2800"/>
-            </a:lvl2pPr>
-            <a:lvl3pPr marL="914400" indent="0">
-              <a:buNone/>
-              <a:defRPr sz="2400"/>
-            </a:lvl3pPr>
-            <a:lvl4pPr marL="1371600" indent="0">
-              <a:buNone/>
-              <a:defRPr sz="2000"/>
-            </a:lvl4pPr>
-            <a:lvl5pPr marL="1828800" indent="0">
-              <a:buNone/>
-              <a:defRPr sz="2000"/>
-            </a:lvl5pPr>
-            <a:lvl6pPr marL="2286000" indent="0">
-              <a:buNone/>
-              <a:defRPr sz="2000"/>
-            </a:lvl6pPr>
-            <a:lvl7pPr marL="2743200" indent="0">
-              <a:buNone/>
-              <a:defRPr sz="2000"/>
-            </a:lvl7pPr>
-            <a:lvl8pPr marL="3200400" indent="0">
-              <a:buNone/>
-              <a:defRPr sz="2000"/>
-            </a:lvl8pPr>
-            <a:lvl9pPr marL="3657600" indent="0">
-              <a:buNone/>
-              <a:defRPr sz="2000"/>
-            </a:lvl9pPr>
-          </a:lstStyle>
-          <a:p>
-            <a:endParaRPr kumimoji="1" lang="ja-JP" altLang="en-US"/>
-          </a:p>
-        </p:txBody>
-      </p:sp>
-      <p:sp>
-        <p:nvSpPr>
-          <p:cNvPr id="4" name="テキスト プレースホルダー 3"/>
-          <p:cNvSpPr>
-            <a:spLocks noGrp="1"/>
-          </p:cNvSpPr>
-          <p:nvPr>
-            <p:ph type="body" sz="half" idx="2"/>
-          </p:nvPr>
-        </p:nvSpPr>
-        <p:spPr>
-          <a:xfrm>
-            <a:off x="839788" y="2057400"/>
-            <a:ext cx="3932237" cy="3811588"/>
-          </a:xfrm>
-        </p:spPr>
-        <p:txBody>
-          <a:bodyPr/>
-          <a:lstStyle>
-            <a:lvl1pPr marL="0" indent="0">
+            <a:lvl1pPr marL="0" indent="0" algn="ctr">
               <a:buNone/>
               <a:defRPr sz="1600"/>
             </a:lvl1pPr>
             <a:lvl2pPr marL="457200" indent="0">
               <a:buNone/>
-              <a:defRPr sz="1400"/>
+              <a:defRPr sz="1600"/>
             </a:lvl2pPr>
             <a:lvl3pPr marL="914400" indent="0">
               <a:buNone/>
-              <a:defRPr sz="1200"/>
+              <a:defRPr sz="1600"/>
             </a:lvl3pPr>
             <a:lvl4pPr marL="1371600" indent="0">
               <a:buNone/>
-              <a:defRPr sz="1000"/>
+              <a:defRPr sz="1600"/>
             </a:lvl4pPr>
             <a:lvl5pPr marL="1828800" indent="0">
               <a:buNone/>
-              <a:defRPr sz="1000"/>
+              <a:defRPr sz="1600"/>
             </a:lvl5pPr>
             <a:lvl6pPr marL="2286000" indent="0">
               <a:buNone/>
-              <a:defRPr sz="1000"/>
+              <a:defRPr sz="1600"/>
             </a:lvl6pPr>
             <a:lvl7pPr marL="2743200" indent="0">
               <a:buNone/>
-              <a:defRPr sz="1000"/>
+              <a:defRPr sz="1600"/>
             </a:lvl7pPr>
             <a:lvl8pPr marL="3200400" indent="0">
               <a:buNone/>
-              <a:defRPr sz="1000"/>
+              <a:defRPr sz="1600"/>
             </a:lvl8pPr>
             <a:lvl9pPr marL="3657600" indent="0">
               <a:buNone/>
-              <a:defRPr sz="1000"/>
+              <a:defRPr sz="1600"/>
             </a:lvl9pPr>
           </a:lstStyle>
           <a:p>
+            <a:r>
+              <a:rPr lang="ja-JP" altLang="en-US" smtClean="0"/>
+              <a:t>図を追加</a:t>
+            </a:r>
+            <a:endParaRPr lang="en-US" dirty="0"/>
+          </a:p>
+        </p:txBody>
+      </p:sp>
+      <p:sp>
+        <p:nvSpPr>
+          <p:cNvPr id="4" name="Text Placeholder 3"/>
+          <p:cNvSpPr>
+            <a:spLocks noGrp="1"/>
+          </p:cNvSpPr>
+          <p:nvPr>
+            <p:ph type="body" sz="half" idx="2"/>
+          </p:nvPr>
+        </p:nvSpPr>
+        <p:spPr>
+          <a:xfrm>
+            <a:off x="2589213" y="5367338"/>
+            <a:ext cx="8915400" cy="493712"/>
+          </a:xfrm>
+        </p:spPr>
+        <p:txBody>
+          <a:bodyPr>
+            <a:normAutofit/>
+          </a:bodyPr>
+          <a:lstStyle>
+            <a:lvl1pPr marL="0" indent="0">
+              <a:buNone/>
+              <a:defRPr sz="1200"/>
+            </a:lvl1pPr>
+            <a:lvl2pPr marL="457200" indent="0">
+              <a:buNone/>
+              <a:defRPr sz="1200"/>
+            </a:lvl2pPr>
+            <a:lvl3pPr marL="914400" indent="0">
+              <a:buNone/>
+              <a:defRPr sz="1000"/>
+            </a:lvl3pPr>
+            <a:lvl4pPr marL="1371600" indent="0">
+              <a:buNone/>
+              <a:defRPr sz="900"/>
+            </a:lvl4pPr>
+            <a:lvl5pPr marL="1828800" indent="0">
+              <a:buNone/>
+              <a:defRPr sz="900"/>
+            </a:lvl5pPr>
+            <a:lvl6pPr marL="2286000" indent="0">
+              <a:buNone/>
+              <a:defRPr sz="900"/>
+            </a:lvl6pPr>
+            <a:lvl7pPr marL="2743200" indent="0">
+              <a:buNone/>
+              <a:defRPr sz="900"/>
+            </a:lvl7pPr>
+            <a:lvl8pPr marL="3200400" indent="0">
+              <a:buNone/>
+              <a:defRPr sz="900"/>
+            </a:lvl8pPr>
+            <a:lvl9pPr marL="3657600" indent="0">
+              <a:buNone/>
+              <a:defRPr sz="900"/>
+            </a:lvl9pPr>
+          </a:lstStyle>
+          <a:p>
             <a:pPr lvl="0"/>
             <a:r>
-              <a:rPr kumimoji="1" lang="ja-JP" altLang="en-US" smtClean="0"/>
+              <a:rPr lang="ja-JP" altLang="en-US" smtClean="0"/>
               <a:t>マスター テキストの書式設定</a:t>
             </a:r>
           </a:p>
@@ -2587,7 +5291,7 @@
       </p:sp>
       <p:sp>
         <p:nvSpPr>
-          <p:cNvPr id="5" name="日付プレースホルダー 4"/>
+          <p:cNvPr id="5" name="Date Placeholder 4"/>
           <p:cNvSpPr>
             <a:spLocks noGrp="1"/>
           </p:cNvSpPr>
@@ -2602,7 +5306,7 @@
           <a:p>
             <a:fld id="{444AF1EE-23B7-43C4-B6A6-270F9C56AB86}" type="datetimeFigureOut">
               <a:rPr kumimoji="1" lang="ja-JP" altLang="en-US" smtClean="0"/>
-              <a:t>2023/7/7</a:t>
+              <a:t>2023/7/12</a:t>
             </a:fld>
             <a:endParaRPr kumimoji="1" lang="ja-JP" altLang="en-US"/>
           </a:p>
@@ -2610,7 +5314,7 @@
       </p:sp>
       <p:sp>
         <p:nvSpPr>
-          <p:cNvPr id="6" name="フッター プレースホルダー 5"/>
+          <p:cNvPr id="6" name="Footer Placeholder 5"/>
           <p:cNvSpPr>
             <a:spLocks noGrp="1"/>
           </p:cNvSpPr>
@@ -2629,7 +5333,89 @@
       </p:sp>
       <p:sp>
         <p:nvSpPr>
-          <p:cNvPr id="7" name="スライド番号プレースホルダー 6"/>
+          <p:cNvPr id="9" name="Freeform 11"/>
+          <p:cNvSpPr/>
+          <p:nvPr/>
+        </p:nvSpPr>
+        <p:spPr bwMode="auto">
+          <a:xfrm flipV="1">
+            <a:off x="-4189" y="4911725"/>
+            <a:ext cx="1588527" cy="507297"/>
+          </a:xfrm>
+          <a:custGeom>
+            <a:avLst/>
+            <a:gdLst/>
+            <a:ahLst/>
+            <a:cxnLst/>
+            <a:rect l="l" t="t" r="r" b="b"/>
+            <a:pathLst>
+              <a:path w="9248" h="10000">
+                <a:moveTo>
+                  <a:pt x="9248" y="4701"/>
+                </a:moveTo>
+                <a:lnTo>
+                  <a:pt x="7915" y="188"/>
+                </a:lnTo>
+                <a:cubicBezTo>
+                  <a:pt x="7906" y="156"/>
+                  <a:pt x="7895" y="126"/>
+                  <a:pt x="7886" y="94"/>
+                </a:cubicBezTo>
+                <a:cubicBezTo>
+                  <a:pt x="7859" y="0"/>
+                  <a:pt x="7831" y="0"/>
+                  <a:pt x="7803" y="0"/>
+                </a:cubicBezTo>
+                <a:lnTo>
+                  <a:pt x="7275" y="0"/>
+                </a:lnTo>
+                <a:lnTo>
+                  <a:pt x="0" y="70"/>
+                </a:lnTo>
+                <a:cubicBezTo>
+                  <a:pt x="8" y="3380"/>
+                  <a:pt x="17" y="6690"/>
+                  <a:pt x="25" y="10000"/>
+                </a:cubicBezTo>
+                <a:lnTo>
+                  <a:pt x="7275" y="9966"/>
+                </a:lnTo>
+                <a:lnTo>
+                  <a:pt x="7803" y="9966"/>
+                </a:lnTo>
+                <a:cubicBezTo>
+                  <a:pt x="7831" y="9966"/>
+                  <a:pt x="7859" y="9872"/>
+                  <a:pt x="7886" y="9872"/>
+                </a:cubicBezTo>
+                <a:cubicBezTo>
+                  <a:pt x="7886" y="9778"/>
+                  <a:pt x="7915" y="9778"/>
+                  <a:pt x="7915" y="9778"/>
+                </a:cubicBezTo>
+                <a:lnTo>
+                  <a:pt x="9248" y="5265"/>
+                </a:lnTo>
+                <a:cubicBezTo>
+                  <a:pt x="9303" y="5077"/>
+                  <a:pt x="9303" y="4889"/>
+                  <a:pt x="9248" y="4701"/>
+                </a:cubicBezTo>
+                <a:close/>
+              </a:path>
+            </a:pathLst>
+          </a:custGeom>
+          <a:solidFill>
+            <a:schemeClr val="accent1"/>
+          </a:solidFill>
+          <a:ln>
+            <a:noFill/>
+          </a:ln>
+        </p:spPr>
+      </p:sp>
+      <p:sp>
+        <p:nvSpPr>
+          <p:cNvPr id="7" name="Slide Number Placeholder 6"/>
           <p:cNvSpPr>
             <a:spLocks noGrp="1"/>
           </p:cNvSpPr>
@@ -2637,7 +5423,12 @@
             <p:ph type="sldNum" sz="quarter" idx="12"/>
           </p:nvPr>
         </p:nvSpPr>
-        <p:spPr/>
+        <p:spPr>
+          <a:xfrm>
+            <a:off x="531812" y="4983087"/>
+            <a:ext cx="779767" cy="365125"/>
+          </a:xfrm>
+        </p:spPr>
         <p:txBody>
           <a:bodyPr/>
           <a:lstStyle/>
@@ -2653,7 +5444,7 @@
     </p:spTree>
     <p:extLst>
       <p:ext uri="{BB962C8B-B14F-4D97-AF65-F5344CB8AC3E}">
-        <p14:creationId xmlns:p14="http://schemas.microsoft.com/office/powerpoint/2010/main" val="2201474981"/>
+        <p14:creationId xmlns:p14="http://schemas.microsoft.com/office/powerpoint/2010/main" val="3418082190"/>
       </p:ext>
     </p:extLst>
   </p:cSld>
@@ -2667,8 +5458,8 @@
 <p:sldMaster xmlns:a="http://schemas.openxmlformats.org/drawingml/2006/main" xmlns:r="http://schemas.openxmlformats.org/officeDocument/2006/relationships" xmlns:p="http://schemas.openxmlformats.org/presentationml/2006/main">
   <p:cSld>
     <p:bg>
-      <p:bgRef idx="1001">
-        <a:schemeClr val="bg1"/>
+      <p:bgRef idx="1003">
+        <a:schemeClr val="bg2"/>
       </p:bgRef>
     </p:bg>
     <p:spTree>
@@ -2685,42 +5476,1859 @@
           <a:chExt cx="0" cy="0"/>
         </a:xfrm>
       </p:grpSpPr>
-      <p:sp>
-        <p:nvSpPr>
-          <p:cNvPr id="2" name="タイトル プレースホルダー 1"/>
-          <p:cNvSpPr>
-            <a:spLocks noGrp="1"/>
-          </p:cNvSpPr>
-          <p:nvPr>
-            <p:ph type="title"/>
-          </p:nvPr>
+      <p:grpSp>
+        <p:nvGrpSpPr>
+          <p:cNvPr id="23" name="Group 22"/>
+          <p:cNvGrpSpPr/>
+          <p:nvPr/>
+        </p:nvGrpSpPr>
+        <p:grpSpPr>
+          <a:xfrm>
+            <a:off x="1" y="228600"/>
+            <a:ext cx="2851516" cy="6638628"/>
+            <a:chOff x="2487613" y="285750"/>
+            <a:chExt cx="2428875" cy="5654676"/>
+          </a:xfrm>
+        </p:grpSpPr>
+        <p:sp>
+          <p:nvSpPr>
+            <p:cNvPr id="24" name="Freeform 11"/>
+            <p:cNvSpPr/>
+            <p:nvPr/>
+          </p:nvSpPr>
+          <p:spPr bwMode="auto">
+            <a:xfrm>
+              <a:off x="2487613" y="2284413"/>
+              <a:ext cx="85725" cy="533400"/>
+            </a:xfrm>
+            <a:custGeom>
+              <a:avLst/>
+              <a:gdLst/>
+              <a:ahLst/>
+              <a:cxnLst/>
+              <a:rect l="0" t="0" r="r" b="b"/>
+              <a:pathLst>
+                <a:path w="22" h="136">
+                  <a:moveTo>
+                    <a:pt x="22" y="136"/>
+                  </a:moveTo>
+                  <a:cubicBezTo>
+                    <a:pt x="20" y="117"/>
+                    <a:pt x="19" y="99"/>
+                    <a:pt x="17" y="80"/>
+                  </a:cubicBezTo>
+                  <a:cubicBezTo>
+                    <a:pt x="11" y="54"/>
+                    <a:pt x="6" y="27"/>
+                    <a:pt x="0" y="0"/>
+                  </a:cubicBezTo>
+                  <a:cubicBezTo>
+                    <a:pt x="0" y="35"/>
+                    <a:pt x="0" y="35"/>
+                    <a:pt x="0" y="35"/>
+                  </a:cubicBezTo>
+                  <a:cubicBezTo>
+                    <a:pt x="6" y="64"/>
+                    <a:pt x="13" y="94"/>
+                    <a:pt x="20" y="124"/>
+                  </a:cubicBezTo>
+                  <a:cubicBezTo>
+                    <a:pt x="20" y="128"/>
+                    <a:pt x="21" y="132"/>
+                    <a:pt x="22" y="136"/>
+                  </a:cubicBezTo>
+                  <a:close/>
+                </a:path>
+              </a:pathLst>
+            </a:custGeom>
+            <a:solidFill>
+              <a:schemeClr val="tx2">
+                <a:alpha val="20000"/>
+              </a:schemeClr>
+            </a:solidFill>
+            <a:ln>
+              <a:noFill/>
+            </a:ln>
+          </p:spPr>
+        </p:sp>
+        <p:sp>
+          <p:nvSpPr>
+            <p:cNvPr id="25" name="Freeform 12"/>
+            <p:cNvSpPr/>
+            <p:nvPr/>
+          </p:nvSpPr>
+          <p:spPr bwMode="auto">
+            <a:xfrm>
+              <a:off x="2597151" y="2779713"/>
+              <a:ext cx="550863" cy="1978025"/>
+            </a:xfrm>
+            <a:custGeom>
+              <a:avLst/>
+              <a:gdLst/>
+              <a:ahLst/>
+              <a:cxnLst/>
+              <a:rect l="0" t="0" r="r" b="b"/>
+              <a:pathLst>
+                <a:path w="140" h="504">
+                  <a:moveTo>
+                    <a:pt x="86" y="350"/>
+                  </a:moveTo>
+                  <a:cubicBezTo>
+                    <a:pt x="103" y="402"/>
+                    <a:pt x="120" y="453"/>
+                    <a:pt x="139" y="504"/>
+                  </a:cubicBezTo>
+                  <a:cubicBezTo>
+                    <a:pt x="139" y="495"/>
+                    <a:pt x="139" y="487"/>
+                    <a:pt x="140" y="478"/>
+                  </a:cubicBezTo>
+                  <a:cubicBezTo>
+                    <a:pt x="124" y="435"/>
+                    <a:pt x="109" y="391"/>
+                    <a:pt x="95" y="347"/>
+                  </a:cubicBezTo>
+                  <a:cubicBezTo>
+                    <a:pt x="58" y="233"/>
+                    <a:pt x="27" y="117"/>
+                    <a:pt x="0" y="0"/>
+                  </a:cubicBezTo>
+                  <a:cubicBezTo>
+                    <a:pt x="2" y="20"/>
+                    <a:pt x="4" y="41"/>
+                    <a:pt x="6" y="61"/>
+                  </a:cubicBezTo>
+                  <a:cubicBezTo>
+                    <a:pt x="30" y="158"/>
+                    <a:pt x="56" y="255"/>
+                    <a:pt x="86" y="350"/>
+                  </a:cubicBezTo>
+                  <a:close/>
+                </a:path>
+              </a:pathLst>
+            </a:custGeom>
+            <a:solidFill>
+              <a:schemeClr val="tx2">
+                <a:alpha val="20000"/>
+              </a:schemeClr>
+            </a:solidFill>
+            <a:ln>
+              <a:noFill/>
+            </a:ln>
+          </p:spPr>
+        </p:sp>
+        <p:sp>
+          <p:nvSpPr>
+            <p:cNvPr id="26" name="Freeform 13"/>
+            <p:cNvSpPr/>
+            <p:nvPr/>
+          </p:nvSpPr>
+          <p:spPr bwMode="auto">
+            <a:xfrm>
+              <a:off x="3175001" y="4730750"/>
+              <a:ext cx="519113" cy="1209675"/>
+            </a:xfrm>
+            <a:custGeom>
+              <a:avLst/>
+              <a:gdLst/>
+              <a:ahLst/>
+              <a:cxnLst/>
+              <a:rect l="0" t="0" r="r" b="b"/>
+              <a:pathLst>
+                <a:path w="132" h="308">
+                  <a:moveTo>
+                    <a:pt x="8" y="22"/>
+                  </a:moveTo>
+                  <a:cubicBezTo>
+                    <a:pt x="5" y="15"/>
+                    <a:pt x="2" y="8"/>
+                    <a:pt x="0" y="0"/>
+                  </a:cubicBezTo>
+                  <a:cubicBezTo>
+                    <a:pt x="0" y="10"/>
+                    <a:pt x="0" y="19"/>
+                    <a:pt x="0" y="29"/>
+                  </a:cubicBezTo>
+                  <a:cubicBezTo>
+                    <a:pt x="21" y="85"/>
+                    <a:pt x="44" y="140"/>
+                    <a:pt x="68" y="194"/>
+                  </a:cubicBezTo>
+                  <a:cubicBezTo>
+                    <a:pt x="85" y="232"/>
+                    <a:pt x="104" y="270"/>
+                    <a:pt x="123" y="308"/>
+                  </a:cubicBezTo>
+                  <a:cubicBezTo>
+                    <a:pt x="132" y="308"/>
+                    <a:pt x="132" y="308"/>
+                    <a:pt x="132" y="308"/>
+                  </a:cubicBezTo>
+                  <a:cubicBezTo>
+                    <a:pt x="113" y="269"/>
+                    <a:pt x="94" y="230"/>
+                    <a:pt x="77" y="190"/>
+                  </a:cubicBezTo>
+                  <a:cubicBezTo>
+                    <a:pt x="52" y="135"/>
+                    <a:pt x="29" y="79"/>
+                    <a:pt x="8" y="22"/>
+                  </a:cubicBezTo>
+                  <a:close/>
+                </a:path>
+              </a:pathLst>
+            </a:custGeom>
+            <a:solidFill>
+              <a:schemeClr val="tx2">
+                <a:alpha val="20000"/>
+              </a:schemeClr>
+            </a:solidFill>
+            <a:ln>
+              <a:noFill/>
+            </a:ln>
+          </p:spPr>
+        </p:sp>
+        <p:sp>
+          <p:nvSpPr>
+            <p:cNvPr id="27" name="Freeform 14"/>
+            <p:cNvSpPr/>
+            <p:nvPr/>
+          </p:nvSpPr>
+          <p:spPr bwMode="auto">
+            <a:xfrm>
+              <a:off x="3305176" y="5630863"/>
+              <a:ext cx="146050" cy="309563"/>
+            </a:xfrm>
+            <a:custGeom>
+              <a:avLst/>
+              <a:gdLst/>
+              <a:ahLst/>
+              <a:cxnLst/>
+              <a:rect l="0" t="0" r="r" b="b"/>
+              <a:pathLst>
+                <a:path w="37" h="79">
+                  <a:moveTo>
+                    <a:pt x="28" y="79"/>
+                  </a:moveTo>
+                  <a:cubicBezTo>
+                    <a:pt x="37" y="79"/>
+                    <a:pt x="37" y="79"/>
+                    <a:pt x="37" y="79"/>
+                  </a:cubicBezTo>
+                  <a:cubicBezTo>
+                    <a:pt x="24" y="53"/>
+                    <a:pt x="12" y="27"/>
+                    <a:pt x="0" y="0"/>
+                  </a:cubicBezTo>
+                  <a:cubicBezTo>
+                    <a:pt x="8" y="27"/>
+                    <a:pt x="17" y="53"/>
+                    <a:pt x="28" y="79"/>
+                  </a:cubicBezTo>
+                  <a:close/>
+                </a:path>
+              </a:pathLst>
+            </a:custGeom>
+            <a:solidFill>
+              <a:schemeClr val="tx2">
+                <a:alpha val="20000"/>
+              </a:schemeClr>
+            </a:solidFill>
+            <a:ln>
+              <a:noFill/>
+            </a:ln>
+          </p:spPr>
+        </p:sp>
+        <p:sp>
+          <p:nvSpPr>
+            <p:cNvPr id="28" name="Freeform 15"/>
+            <p:cNvSpPr/>
+            <p:nvPr/>
+          </p:nvSpPr>
+          <p:spPr bwMode="auto">
+            <a:xfrm>
+              <a:off x="2573338" y="2817813"/>
+              <a:ext cx="700088" cy="2835275"/>
+            </a:xfrm>
+            <a:custGeom>
+              <a:avLst/>
+              <a:gdLst/>
+              <a:ahLst/>
+              <a:cxnLst/>
+              <a:rect l="0" t="0" r="r" b="b"/>
+              <a:pathLst>
+                <a:path w="178" h="722">
+                  <a:moveTo>
+                    <a:pt x="162" y="660"/>
+                  </a:moveTo>
+                  <a:cubicBezTo>
+                    <a:pt x="145" y="618"/>
+                    <a:pt x="130" y="576"/>
+                    <a:pt x="116" y="534"/>
+                  </a:cubicBezTo>
+                  <a:cubicBezTo>
+                    <a:pt x="84" y="437"/>
+                    <a:pt x="59" y="337"/>
+                    <a:pt x="40" y="236"/>
+                  </a:cubicBezTo>
+                  <a:cubicBezTo>
+                    <a:pt x="29" y="175"/>
+                    <a:pt x="20" y="113"/>
+                    <a:pt x="12" y="51"/>
+                  </a:cubicBezTo>
+                  <a:cubicBezTo>
+                    <a:pt x="8" y="34"/>
+                    <a:pt x="4" y="17"/>
+                    <a:pt x="0" y="0"/>
+                  </a:cubicBezTo>
+                  <a:cubicBezTo>
+                    <a:pt x="8" y="79"/>
+                    <a:pt x="19" y="159"/>
+                    <a:pt x="33" y="237"/>
+                  </a:cubicBezTo>
+                  <a:cubicBezTo>
+                    <a:pt x="51" y="339"/>
+                    <a:pt x="76" y="439"/>
+                    <a:pt x="107" y="537"/>
+                  </a:cubicBezTo>
+                  <a:cubicBezTo>
+                    <a:pt x="123" y="586"/>
+                    <a:pt x="141" y="634"/>
+                    <a:pt x="160" y="681"/>
+                  </a:cubicBezTo>
+                  <a:cubicBezTo>
+                    <a:pt x="166" y="695"/>
+                    <a:pt x="172" y="708"/>
+                    <a:pt x="178" y="722"/>
+                  </a:cubicBezTo>
+                  <a:cubicBezTo>
+                    <a:pt x="176" y="717"/>
+                    <a:pt x="175" y="713"/>
+                    <a:pt x="174" y="708"/>
+                  </a:cubicBezTo>
+                  <a:cubicBezTo>
+                    <a:pt x="169" y="692"/>
+                    <a:pt x="165" y="676"/>
+                    <a:pt x="162" y="660"/>
+                  </a:cubicBezTo>
+                  <a:close/>
+                </a:path>
+              </a:pathLst>
+            </a:custGeom>
+            <a:solidFill>
+              <a:schemeClr val="tx2">
+                <a:alpha val="20000"/>
+              </a:schemeClr>
+            </a:solidFill>
+            <a:ln>
+              <a:noFill/>
+            </a:ln>
+          </p:spPr>
+        </p:sp>
+        <p:sp>
+          <p:nvSpPr>
+            <p:cNvPr id="29" name="Freeform 16"/>
+            <p:cNvSpPr/>
+            <p:nvPr/>
+          </p:nvSpPr>
+          <p:spPr bwMode="auto">
+            <a:xfrm>
+              <a:off x="2506663" y="285750"/>
+              <a:ext cx="90488" cy="2493963"/>
+            </a:xfrm>
+            <a:custGeom>
+              <a:avLst/>
+              <a:gdLst/>
+              <a:ahLst/>
+              <a:cxnLst/>
+              <a:rect l="0" t="0" r="r" b="b"/>
+              <a:pathLst>
+                <a:path w="23" h="635">
+                  <a:moveTo>
+                    <a:pt x="11" y="577"/>
+                  </a:moveTo>
+                  <a:cubicBezTo>
+                    <a:pt x="12" y="581"/>
+                    <a:pt x="12" y="585"/>
+                    <a:pt x="12" y="589"/>
+                  </a:cubicBezTo>
+                  <a:cubicBezTo>
+                    <a:pt x="15" y="603"/>
+                    <a:pt x="19" y="617"/>
+                    <a:pt x="22" y="632"/>
+                  </a:cubicBezTo>
+                  <a:cubicBezTo>
+                    <a:pt x="22" y="633"/>
+                    <a:pt x="22" y="634"/>
+                    <a:pt x="23" y="635"/>
+                  </a:cubicBezTo>
+                  <a:cubicBezTo>
+                    <a:pt x="21" y="615"/>
+                    <a:pt x="19" y="596"/>
+                    <a:pt x="17" y="576"/>
+                  </a:cubicBezTo>
+                  <a:cubicBezTo>
+                    <a:pt x="9" y="474"/>
+                    <a:pt x="5" y="372"/>
+                    <a:pt x="5" y="269"/>
+                  </a:cubicBezTo>
+                  <a:cubicBezTo>
+                    <a:pt x="6" y="179"/>
+                    <a:pt x="9" y="90"/>
+                    <a:pt x="15" y="0"/>
+                  </a:cubicBezTo>
+                  <a:cubicBezTo>
+                    <a:pt x="12" y="0"/>
+                    <a:pt x="12" y="0"/>
+                    <a:pt x="12" y="0"/>
+                  </a:cubicBezTo>
+                  <a:cubicBezTo>
+                    <a:pt x="5" y="89"/>
+                    <a:pt x="2" y="179"/>
+                    <a:pt x="1" y="269"/>
+                  </a:cubicBezTo>
+                  <a:cubicBezTo>
+                    <a:pt x="0" y="372"/>
+                    <a:pt x="3" y="474"/>
+                    <a:pt x="11" y="577"/>
+                  </a:cubicBezTo>
+                  <a:close/>
+                </a:path>
+              </a:pathLst>
+            </a:custGeom>
+            <a:solidFill>
+              <a:schemeClr val="tx2">
+                <a:alpha val="20000"/>
+              </a:schemeClr>
+            </a:solidFill>
+            <a:ln>
+              <a:noFill/>
+            </a:ln>
+          </p:spPr>
+        </p:sp>
+        <p:sp>
+          <p:nvSpPr>
+            <p:cNvPr id="30" name="Freeform 17"/>
+            <p:cNvSpPr/>
+            <p:nvPr/>
+          </p:nvSpPr>
+          <p:spPr bwMode="auto">
+            <a:xfrm>
+              <a:off x="2554288" y="2598738"/>
+              <a:ext cx="66675" cy="420688"/>
+            </a:xfrm>
+            <a:custGeom>
+              <a:avLst/>
+              <a:gdLst/>
+              <a:ahLst/>
+              <a:cxnLst/>
+              <a:rect l="0" t="0" r="r" b="b"/>
+              <a:pathLst>
+                <a:path w="17" h="107">
+                  <a:moveTo>
+                    <a:pt x="0" y="0"/>
+                  </a:moveTo>
+                  <a:cubicBezTo>
+                    <a:pt x="2" y="19"/>
+                    <a:pt x="3" y="37"/>
+                    <a:pt x="5" y="56"/>
+                  </a:cubicBezTo>
+                  <a:cubicBezTo>
+                    <a:pt x="9" y="73"/>
+                    <a:pt x="13" y="90"/>
+                    <a:pt x="17" y="107"/>
+                  </a:cubicBezTo>
+                  <a:cubicBezTo>
+                    <a:pt x="15" y="87"/>
+                    <a:pt x="13" y="66"/>
+                    <a:pt x="11" y="46"/>
+                  </a:cubicBezTo>
+                  <a:cubicBezTo>
+                    <a:pt x="10" y="45"/>
+                    <a:pt x="10" y="44"/>
+                    <a:pt x="10" y="43"/>
+                  </a:cubicBezTo>
+                  <a:cubicBezTo>
+                    <a:pt x="7" y="28"/>
+                    <a:pt x="3" y="14"/>
+                    <a:pt x="0" y="0"/>
+                  </a:cubicBezTo>
+                  <a:close/>
+                </a:path>
+              </a:pathLst>
+            </a:custGeom>
+            <a:solidFill>
+              <a:schemeClr val="tx2">
+                <a:alpha val="20000"/>
+              </a:schemeClr>
+            </a:solidFill>
+            <a:ln>
+              <a:noFill/>
+            </a:ln>
+          </p:spPr>
+        </p:sp>
+        <p:sp>
+          <p:nvSpPr>
+            <p:cNvPr id="31" name="Freeform 18"/>
+            <p:cNvSpPr/>
+            <p:nvPr/>
+          </p:nvSpPr>
+          <p:spPr bwMode="auto">
+            <a:xfrm>
+              <a:off x="3143251" y="4757738"/>
+              <a:ext cx="161925" cy="873125"/>
+            </a:xfrm>
+            <a:custGeom>
+              <a:avLst/>
+              <a:gdLst/>
+              <a:ahLst/>
+              <a:cxnLst/>
+              <a:rect l="0" t="0" r="r" b="b"/>
+              <a:pathLst>
+                <a:path w="41" h="222">
+                  <a:moveTo>
+                    <a:pt x="0" y="0"/>
+                  </a:moveTo>
+                  <a:cubicBezTo>
+                    <a:pt x="0" y="31"/>
+                    <a:pt x="2" y="62"/>
+                    <a:pt x="5" y="93"/>
+                  </a:cubicBezTo>
+                  <a:cubicBezTo>
+                    <a:pt x="8" y="117"/>
+                    <a:pt x="12" y="142"/>
+                    <a:pt x="17" y="166"/>
+                  </a:cubicBezTo>
+                  <a:cubicBezTo>
+                    <a:pt x="19" y="172"/>
+                    <a:pt x="22" y="178"/>
+                    <a:pt x="24" y="184"/>
+                  </a:cubicBezTo>
+                  <a:cubicBezTo>
+                    <a:pt x="30" y="197"/>
+                    <a:pt x="35" y="209"/>
+                    <a:pt x="41" y="222"/>
+                  </a:cubicBezTo>
+                  <a:cubicBezTo>
+                    <a:pt x="40" y="219"/>
+                    <a:pt x="39" y="215"/>
+                    <a:pt x="38" y="212"/>
+                  </a:cubicBezTo>
+                  <a:cubicBezTo>
+                    <a:pt x="26" y="172"/>
+                    <a:pt x="18" y="132"/>
+                    <a:pt x="13" y="92"/>
+                  </a:cubicBezTo>
+                  <a:cubicBezTo>
+                    <a:pt x="11" y="68"/>
+                    <a:pt x="9" y="45"/>
+                    <a:pt x="8" y="22"/>
+                  </a:cubicBezTo>
+                  <a:cubicBezTo>
+                    <a:pt x="8" y="21"/>
+                    <a:pt x="7" y="20"/>
+                    <a:pt x="7" y="18"/>
+                  </a:cubicBezTo>
+                  <a:cubicBezTo>
+                    <a:pt x="5" y="12"/>
+                    <a:pt x="2" y="6"/>
+                    <a:pt x="0" y="0"/>
+                  </a:cubicBezTo>
+                  <a:close/>
+                </a:path>
+              </a:pathLst>
+            </a:custGeom>
+            <a:solidFill>
+              <a:schemeClr val="tx2">
+                <a:alpha val="20000"/>
+              </a:schemeClr>
+            </a:solidFill>
+            <a:ln>
+              <a:noFill/>
+            </a:ln>
+          </p:spPr>
+        </p:sp>
+        <p:sp>
+          <p:nvSpPr>
+            <p:cNvPr id="32" name="Freeform 19"/>
+            <p:cNvSpPr/>
+            <p:nvPr/>
+          </p:nvSpPr>
+          <p:spPr bwMode="auto">
+            <a:xfrm>
+              <a:off x="3148013" y="1282700"/>
+              <a:ext cx="1768475" cy="3448050"/>
+            </a:xfrm>
+            <a:custGeom>
+              <a:avLst/>
+              <a:gdLst/>
+              <a:ahLst/>
+              <a:cxnLst/>
+              <a:rect l="0" t="0" r="r" b="b"/>
+              <a:pathLst>
+                <a:path w="450" h="878">
+                  <a:moveTo>
+                    <a:pt x="7" y="854"/>
+                  </a:moveTo>
+                  <a:cubicBezTo>
+                    <a:pt x="10" y="772"/>
+                    <a:pt x="26" y="691"/>
+                    <a:pt x="50" y="613"/>
+                  </a:cubicBezTo>
+                  <a:cubicBezTo>
+                    <a:pt x="75" y="535"/>
+                    <a:pt x="109" y="460"/>
+                    <a:pt x="149" y="388"/>
+                  </a:cubicBezTo>
+                  <a:cubicBezTo>
+                    <a:pt x="189" y="316"/>
+                    <a:pt x="235" y="248"/>
+                    <a:pt x="285" y="183"/>
+                  </a:cubicBezTo>
+                  <a:cubicBezTo>
+                    <a:pt x="310" y="151"/>
+                    <a:pt x="337" y="119"/>
+                    <a:pt x="364" y="89"/>
+                  </a:cubicBezTo>
+                  <a:cubicBezTo>
+                    <a:pt x="378" y="74"/>
+                    <a:pt x="392" y="58"/>
+                    <a:pt x="406" y="44"/>
+                  </a:cubicBezTo>
+                  <a:cubicBezTo>
+                    <a:pt x="421" y="29"/>
+                    <a:pt x="435" y="15"/>
+                    <a:pt x="450" y="1"/>
+                  </a:cubicBezTo>
+                  <a:cubicBezTo>
+                    <a:pt x="450" y="0"/>
+                    <a:pt x="450" y="0"/>
+                    <a:pt x="450" y="0"/>
+                  </a:cubicBezTo>
+                  <a:cubicBezTo>
+                    <a:pt x="434" y="14"/>
+                    <a:pt x="420" y="28"/>
+                    <a:pt x="405" y="43"/>
+                  </a:cubicBezTo>
+                  <a:cubicBezTo>
+                    <a:pt x="391" y="57"/>
+                    <a:pt x="377" y="72"/>
+                    <a:pt x="363" y="88"/>
+                  </a:cubicBezTo>
+                  <a:cubicBezTo>
+                    <a:pt x="335" y="118"/>
+                    <a:pt x="308" y="149"/>
+                    <a:pt x="283" y="181"/>
+                  </a:cubicBezTo>
+                  <a:cubicBezTo>
+                    <a:pt x="232" y="246"/>
+                    <a:pt x="185" y="314"/>
+                    <a:pt x="145" y="386"/>
+                  </a:cubicBezTo>
+                  <a:cubicBezTo>
+                    <a:pt x="104" y="457"/>
+                    <a:pt x="70" y="533"/>
+                    <a:pt x="45" y="611"/>
+                  </a:cubicBezTo>
+                  <a:cubicBezTo>
+                    <a:pt x="19" y="690"/>
+                    <a:pt x="3" y="771"/>
+                    <a:pt x="0" y="854"/>
+                  </a:cubicBezTo>
+                  <a:cubicBezTo>
+                    <a:pt x="0" y="856"/>
+                    <a:pt x="0" y="857"/>
+                    <a:pt x="0" y="859"/>
+                  </a:cubicBezTo>
+                  <a:cubicBezTo>
+                    <a:pt x="2" y="865"/>
+                    <a:pt x="4" y="872"/>
+                    <a:pt x="7" y="878"/>
+                  </a:cubicBezTo>
+                  <a:cubicBezTo>
+                    <a:pt x="7" y="870"/>
+                    <a:pt x="7" y="862"/>
+                    <a:pt x="7" y="854"/>
+                  </a:cubicBezTo>
+                  <a:close/>
+                </a:path>
+              </a:pathLst>
+            </a:custGeom>
+            <a:solidFill>
+              <a:schemeClr val="tx2">
+                <a:alpha val="20000"/>
+              </a:schemeClr>
+            </a:solidFill>
+            <a:ln>
+              <a:noFill/>
+            </a:ln>
+          </p:spPr>
+        </p:sp>
+        <p:sp>
+          <p:nvSpPr>
+            <p:cNvPr id="33" name="Freeform 20"/>
+            <p:cNvSpPr/>
+            <p:nvPr/>
+          </p:nvSpPr>
+          <p:spPr bwMode="auto">
+            <a:xfrm>
+              <a:off x="3273426" y="5653088"/>
+              <a:ext cx="138113" cy="287338"/>
+            </a:xfrm>
+            <a:custGeom>
+              <a:avLst/>
+              <a:gdLst/>
+              <a:ahLst/>
+              <a:cxnLst/>
+              <a:rect l="0" t="0" r="r" b="b"/>
+              <a:pathLst>
+                <a:path w="35" h="73">
+                  <a:moveTo>
+                    <a:pt x="0" y="0"/>
+                  </a:moveTo>
+                  <a:cubicBezTo>
+                    <a:pt x="7" y="24"/>
+                    <a:pt x="16" y="49"/>
+                    <a:pt x="26" y="73"/>
+                  </a:cubicBezTo>
+                  <a:cubicBezTo>
+                    <a:pt x="35" y="73"/>
+                    <a:pt x="35" y="73"/>
+                    <a:pt x="35" y="73"/>
+                  </a:cubicBezTo>
+                  <a:cubicBezTo>
+                    <a:pt x="23" y="49"/>
+                    <a:pt x="11" y="24"/>
+                    <a:pt x="0" y="0"/>
+                  </a:cubicBezTo>
+                  <a:close/>
+                </a:path>
+              </a:pathLst>
+            </a:custGeom>
+            <a:solidFill>
+              <a:schemeClr val="tx2">
+                <a:alpha val="20000"/>
+              </a:schemeClr>
+            </a:solidFill>
+            <a:ln>
+              <a:noFill/>
+            </a:ln>
+          </p:spPr>
+        </p:sp>
+        <p:sp>
+          <p:nvSpPr>
+            <p:cNvPr id="34" name="Freeform 21"/>
+            <p:cNvSpPr/>
+            <p:nvPr/>
+          </p:nvSpPr>
+          <p:spPr bwMode="auto">
+            <a:xfrm>
+              <a:off x="3143251" y="4656138"/>
+              <a:ext cx="31750" cy="188913"/>
+            </a:xfrm>
+            <a:custGeom>
+              <a:avLst/>
+              <a:gdLst/>
+              <a:ahLst/>
+              <a:cxnLst/>
+              <a:rect l="0" t="0" r="r" b="b"/>
+              <a:pathLst>
+                <a:path w="8" h="48">
+                  <a:moveTo>
+                    <a:pt x="7" y="44"/>
+                  </a:moveTo>
+                  <a:cubicBezTo>
+                    <a:pt x="7" y="46"/>
+                    <a:pt x="8" y="47"/>
+                    <a:pt x="8" y="48"/>
+                  </a:cubicBezTo>
+                  <a:cubicBezTo>
+                    <a:pt x="8" y="38"/>
+                    <a:pt x="8" y="29"/>
+                    <a:pt x="8" y="19"/>
+                  </a:cubicBezTo>
+                  <a:cubicBezTo>
+                    <a:pt x="5" y="13"/>
+                    <a:pt x="3" y="6"/>
+                    <a:pt x="1" y="0"/>
+                  </a:cubicBezTo>
+                  <a:cubicBezTo>
+                    <a:pt x="0" y="9"/>
+                    <a:pt x="0" y="17"/>
+                    <a:pt x="0" y="26"/>
+                  </a:cubicBezTo>
+                  <a:cubicBezTo>
+                    <a:pt x="2" y="32"/>
+                    <a:pt x="5" y="38"/>
+                    <a:pt x="7" y="44"/>
+                  </a:cubicBezTo>
+                  <a:close/>
+                </a:path>
+              </a:pathLst>
+            </a:custGeom>
+            <a:solidFill>
+              <a:schemeClr val="tx2">
+                <a:alpha val="20000"/>
+              </a:schemeClr>
+            </a:solidFill>
+            <a:ln>
+              <a:noFill/>
+            </a:ln>
+          </p:spPr>
+        </p:sp>
+        <p:sp>
+          <p:nvSpPr>
+            <p:cNvPr id="35" name="Freeform 22"/>
+            <p:cNvSpPr/>
+            <p:nvPr/>
+          </p:nvSpPr>
+          <p:spPr bwMode="auto">
+            <a:xfrm>
+              <a:off x="3211513" y="5410200"/>
+              <a:ext cx="203200" cy="530225"/>
+            </a:xfrm>
+            <a:custGeom>
+              <a:avLst/>
+              <a:gdLst/>
+              <a:ahLst/>
+              <a:cxnLst/>
+              <a:rect l="0" t="0" r="r" b="b"/>
+              <a:pathLst>
+                <a:path w="52" h="135">
+                  <a:moveTo>
+                    <a:pt x="7" y="18"/>
+                  </a:moveTo>
+                  <a:cubicBezTo>
+                    <a:pt x="5" y="12"/>
+                    <a:pt x="2" y="6"/>
+                    <a:pt x="0" y="0"/>
+                  </a:cubicBezTo>
+                  <a:cubicBezTo>
+                    <a:pt x="3" y="16"/>
+                    <a:pt x="7" y="32"/>
+                    <a:pt x="12" y="48"/>
+                  </a:cubicBezTo>
+                  <a:cubicBezTo>
+                    <a:pt x="13" y="53"/>
+                    <a:pt x="14" y="57"/>
+                    <a:pt x="16" y="62"/>
+                  </a:cubicBezTo>
+                  <a:cubicBezTo>
+                    <a:pt x="27" y="86"/>
+                    <a:pt x="39" y="111"/>
+                    <a:pt x="51" y="135"/>
+                  </a:cubicBezTo>
+                  <a:cubicBezTo>
+                    <a:pt x="52" y="135"/>
+                    <a:pt x="52" y="135"/>
+                    <a:pt x="52" y="135"/>
+                  </a:cubicBezTo>
+                  <a:cubicBezTo>
+                    <a:pt x="41" y="109"/>
+                    <a:pt x="32" y="83"/>
+                    <a:pt x="24" y="56"/>
+                  </a:cubicBezTo>
+                  <a:cubicBezTo>
+                    <a:pt x="18" y="43"/>
+                    <a:pt x="13" y="31"/>
+                    <a:pt x="7" y="18"/>
+                  </a:cubicBezTo>
+                  <a:close/>
+                </a:path>
+              </a:pathLst>
+            </a:custGeom>
+            <a:solidFill>
+              <a:schemeClr val="tx2">
+                <a:alpha val="20000"/>
+              </a:schemeClr>
+            </a:solidFill>
+            <a:ln>
+              <a:noFill/>
+            </a:ln>
+          </p:spPr>
+        </p:sp>
+      </p:grpSp>
+      <p:grpSp>
+        <p:nvGrpSpPr>
+          <p:cNvPr id="10" name="Group 9"/>
+          <p:cNvGrpSpPr/>
+          <p:nvPr/>
+        </p:nvGrpSpPr>
+        <p:grpSpPr>
+          <a:xfrm>
+            <a:off x="27221" y="-786"/>
+            <a:ext cx="2356674" cy="6854039"/>
+            <a:chOff x="6627813" y="194833"/>
+            <a:chExt cx="1952625" cy="5678918"/>
+          </a:xfrm>
+        </p:grpSpPr>
+        <p:sp>
+          <p:nvSpPr>
+            <p:cNvPr id="11" name="Freeform 27"/>
+            <p:cNvSpPr/>
+            <p:nvPr/>
+          </p:nvSpPr>
+          <p:spPr bwMode="auto">
+            <a:xfrm>
+              <a:off x="6627813" y="194833"/>
+              <a:ext cx="409575" cy="3646488"/>
+            </a:xfrm>
+            <a:custGeom>
+              <a:avLst/>
+              <a:gdLst/>
+              <a:ahLst/>
+              <a:cxnLst/>
+              <a:rect l="0" t="0" r="r" b="b"/>
+              <a:pathLst>
+                <a:path w="103" h="920">
+                  <a:moveTo>
+                    <a:pt x="7" y="210"/>
+                  </a:moveTo>
+                  <a:cubicBezTo>
+                    <a:pt x="11" y="288"/>
+                    <a:pt x="17" y="367"/>
+                    <a:pt x="26" y="445"/>
+                  </a:cubicBezTo>
+                  <a:cubicBezTo>
+                    <a:pt x="34" y="523"/>
+                    <a:pt x="44" y="601"/>
+                    <a:pt x="57" y="679"/>
+                  </a:cubicBezTo>
+                  <a:cubicBezTo>
+                    <a:pt x="69" y="757"/>
+                    <a:pt x="84" y="834"/>
+                    <a:pt x="101" y="911"/>
+                  </a:cubicBezTo>
+                  <a:cubicBezTo>
+                    <a:pt x="102" y="914"/>
+                    <a:pt x="103" y="917"/>
+                    <a:pt x="103" y="920"/>
+                  </a:cubicBezTo>
+                  <a:cubicBezTo>
+                    <a:pt x="102" y="905"/>
+                    <a:pt x="100" y="889"/>
+                    <a:pt x="99" y="874"/>
+                  </a:cubicBezTo>
+                  <a:cubicBezTo>
+                    <a:pt x="99" y="871"/>
+                    <a:pt x="99" y="868"/>
+                    <a:pt x="99" y="866"/>
+                  </a:cubicBezTo>
+                  <a:cubicBezTo>
+                    <a:pt x="85" y="803"/>
+                    <a:pt x="73" y="741"/>
+                    <a:pt x="63" y="678"/>
+                  </a:cubicBezTo>
+                  <a:cubicBezTo>
+                    <a:pt x="50" y="600"/>
+                    <a:pt x="39" y="523"/>
+                    <a:pt x="30" y="444"/>
+                  </a:cubicBezTo>
+                  <a:cubicBezTo>
+                    <a:pt x="21" y="366"/>
+                    <a:pt x="14" y="288"/>
+                    <a:pt x="9" y="209"/>
+                  </a:cubicBezTo>
+                  <a:cubicBezTo>
+                    <a:pt x="7" y="170"/>
+                    <a:pt x="5" y="131"/>
+                    <a:pt x="3" y="92"/>
+                  </a:cubicBezTo>
+                  <a:cubicBezTo>
+                    <a:pt x="2" y="61"/>
+                    <a:pt x="1" y="31"/>
+                    <a:pt x="1" y="0"/>
+                  </a:cubicBezTo>
+                  <a:cubicBezTo>
+                    <a:pt x="0" y="0"/>
+                    <a:pt x="0" y="0"/>
+                    <a:pt x="0" y="0"/>
+                  </a:cubicBezTo>
+                  <a:cubicBezTo>
+                    <a:pt x="0" y="31"/>
+                    <a:pt x="1" y="61"/>
+                    <a:pt x="1" y="92"/>
+                  </a:cubicBezTo>
+                  <a:cubicBezTo>
+                    <a:pt x="3" y="131"/>
+                    <a:pt x="4" y="170"/>
+                    <a:pt x="7" y="210"/>
+                  </a:cubicBezTo>
+                  <a:close/>
+                </a:path>
+              </a:pathLst>
+            </a:custGeom>
+            <a:solidFill>
+              <a:schemeClr val="tx2"/>
+            </a:solidFill>
+            <a:ln>
+              <a:noFill/>
+            </a:ln>
+          </p:spPr>
+        </p:sp>
+        <p:sp>
+          <p:nvSpPr>
+            <p:cNvPr id="12" name="Freeform 28"/>
+            <p:cNvSpPr/>
+            <p:nvPr/>
+          </p:nvSpPr>
+          <p:spPr bwMode="auto">
+            <a:xfrm>
+              <a:off x="7061201" y="3771900"/>
+              <a:ext cx="350838" cy="1309688"/>
+            </a:xfrm>
+            <a:custGeom>
+              <a:avLst/>
+              <a:gdLst/>
+              <a:ahLst/>
+              <a:cxnLst/>
+              <a:rect l="0" t="0" r="r" b="b"/>
+              <a:pathLst>
+                <a:path w="88" h="330">
+                  <a:moveTo>
+                    <a:pt x="53" y="229"/>
+                  </a:moveTo>
+                  <a:cubicBezTo>
+                    <a:pt x="64" y="263"/>
+                    <a:pt x="75" y="297"/>
+                    <a:pt x="88" y="330"/>
+                  </a:cubicBezTo>
+                  <a:cubicBezTo>
+                    <a:pt x="88" y="323"/>
+                    <a:pt x="88" y="315"/>
+                    <a:pt x="88" y="308"/>
+                  </a:cubicBezTo>
+                  <a:cubicBezTo>
+                    <a:pt x="88" y="307"/>
+                    <a:pt x="88" y="305"/>
+                    <a:pt x="88" y="304"/>
+                  </a:cubicBezTo>
+                  <a:cubicBezTo>
+                    <a:pt x="79" y="278"/>
+                    <a:pt x="70" y="252"/>
+                    <a:pt x="62" y="226"/>
+                  </a:cubicBezTo>
+                  <a:cubicBezTo>
+                    <a:pt x="38" y="152"/>
+                    <a:pt x="17" y="76"/>
+                    <a:pt x="0" y="0"/>
+                  </a:cubicBezTo>
+                  <a:cubicBezTo>
+                    <a:pt x="2" y="21"/>
+                    <a:pt x="4" y="42"/>
+                    <a:pt x="7" y="63"/>
+                  </a:cubicBezTo>
+                  <a:cubicBezTo>
+                    <a:pt x="21" y="119"/>
+                    <a:pt x="36" y="174"/>
+                    <a:pt x="53" y="229"/>
+                  </a:cubicBezTo>
+                  <a:close/>
+                </a:path>
+              </a:pathLst>
+            </a:custGeom>
+            <a:solidFill>
+              <a:schemeClr val="tx2"/>
+            </a:solidFill>
+            <a:ln>
+              <a:noFill/>
+            </a:ln>
+          </p:spPr>
+        </p:sp>
+        <p:sp>
+          <p:nvSpPr>
+            <p:cNvPr id="13" name="Freeform 29"/>
+            <p:cNvSpPr/>
+            <p:nvPr/>
+          </p:nvSpPr>
+          <p:spPr bwMode="auto">
+            <a:xfrm>
+              <a:off x="7439026" y="5053013"/>
+              <a:ext cx="357188" cy="820738"/>
+            </a:xfrm>
+            <a:custGeom>
+              <a:avLst/>
+              <a:gdLst/>
+              <a:ahLst/>
+              <a:cxnLst/>
+              <a:rect l="0" t="0" r="r" b="b"/>
+              <a:pathLst>
+                <a:path w="90" h="207">
+                  <a:moveTo>
+                    <a:pt x="6" y="15"/>
+                  </a:moveTo>
+                  <a:cubicBezTo>
+                    <a:pt x="4" y="10"/>
+                    <a:pt x="2" y="5"/>
+                    <a:pt x="0" y="0"/>
+                  </a:cubicBezTo>
+                  <a:cubicBezTo>
+                    <a:pt x="0" y="9"/>
+                    <a:pt x="0" y="19"/>
+                    <a:pt x="1" y="29"/>
+                  </a:cubicBezTo>
+                  <a:cubicBezTo>
+                    <a:pt x="14" y="62"/>
+                    <a:pt x="27" y="95"/>
+                    <a:pt x="42" y="127"/>
+                  </a:cubicBezTo>
+                  <a:cubicBezTo>
+                    <a:pt x="54" y="154"/>
+                    <a:pt x="67" y="181"/>
+                    <a:pt x="80" y="207"/>
+                  </a:cubicBezTo>
+                  <a:cubicBezTo>
+                    <a:pt x="90" y="207"/>
+                    <a:pt x="90" y="207"/>
+                    <a:pt x="90" y="207"/>
+                  </a:cubicBezTo>
+                  <a:cubicBezTo>
+                    <a:pt x="76" y="180"/>
+                    <a:pt x="63" y="152"/>
+                    <a:pt x="50" y="123"/>
+                  </a:cubicBezTo>
+                  <a:cubicBezTo>
+                    <a:pt x="34" y="88"/>
+                    <a:pt x="20" y="51"/>
+                    <a:pt x="6" y="15"/>
+                  </a:cubicBezTo>
+                  <a:close/>
+                </a:path>
+              </a:pathLst>
+            </a:custGeom>
+            <a:solidFill>
+              <a:schemeClr val="tx2"/>
+            </a:solidFill>
+            <a:ln>
+              <a:noFill/>
+            </a:ln>
+          </p:spPr>
+        </p:sp>
+        <p:sp>
+          <p:nvSpPr>
+            <p:cNvPr id="14" name="Freeform 30"/>
+            <p:cNvSpPr/>
+            <p:nvPr/>
+          </p:nvSpPr>
+          <p:spPr bwMode="auto">
+            <a:xfrm>
+              <a:off x="7037388" y="3811588"/>
+              <a:ext cx="457200" cy="1852613"/>
+            </a:xfrm>
+            <a:custGeom>
+              <a:avLst/>
+              <a:gdLst/>
+              <a:ahLst/>
+              <a:cxnLst/>
+              <a:rect l="0" t="0" r="r" b="b"/>
+              <a:pathLst>
+                <a:path w="115" h="467">
+                  <a:moveTo>
+                    <a:pt x="101" y="409"/>
+                  </a:moveTo>
+                  <a:cubicBezTo>
+                    <a:pt x="93" y="388"/>
+                    <a:pt x="85" y="366"/>
+                    <a:pt x="78" y="344"/>
+                  </a:cubicBezTo>
+                  <a:cubicBezTo>
+                    <a:pt x="57" y="281"/>
+                    <a:pt x="41" y="216"/>
+                    <a:pt x="29" y="151"/>
+                  </a:cubicBezTo>
+                  <a:cubicBezTo>
+                    <a:pt x="22" y="119"/>
+                    <a:pt x="17" y="86"/>
+                    <a:pt x="13" y="53"/>
+                  </a:cubicBezTo>
+                  <a:cubicBezTo>
+                    <a:pt x="9" y="35"/>
+                    <a:pt x="4" y="18"/>
+                    <a:pt x="0" y="0"/>
+                  </a:cubicBezTo>
+                  <a:cubicBezTo>
+                    <a:pt x="5" y="51"/>
+                    <a:pt x="12" y="102"/>
+                    <a:pt x="21" y="152"/>
+                  </a:cubicBezTo>
+                  <a:cubicBezTo>
+                    <a:pt x="33" y="218"/>
+                    <a:pt x="49" y="283"/>
+                    <a:pt x="69" y="347"/>
+                  </a:cubicBezTo>
+                  <a:cubicBezTo>
+                    <a:pt x="79" y="378"/>
+                    <a:pt x="90" y="410"/>
+                    <a:pt x="103" y="441"/>
+                  </a:cubicBezTo>
+                  <a:cubicBezTo>
+                    <a:pt x="107" y="449"/>
+                    <a:pt x="111" y="458"/>
+                    <a:pt x="115" y="467"/>
+                  </a:cubicBezTo>
+                  <a:cubicBezTo>
+                    <a:pt x="114" y="464"/>
+                    <a:pt x="113" y="461"/>
+                    <a:pt x="112" y="458"/>
+                  </a:cubicBezTo>
+                  <a:cubicBezTo>
+                    <a:pt x="108" y="442"/>
+                    <a:pt x="104" y="425"/>
+                    <a:pt x="101" y="409"/>
+                  </a:cubicBezTo>
+                  <a:close/>
+                </a:path>
+              </a:pathLst>
+            </a:custGeom>
+            <a:solidFill>
+              <a:schemeClr val="tx2"/>
+            </a:solidFill>
+            <a:ln>
+              <a:noFill/>
+            </a:ln>
+          </p:spPr>
+        </p:sp>
+        <p:sp>
+          <p:nvSpPr>
+            <p:cNvPr id="15" name="Freeform 31"/>
+            <p:cNvSpPr/>
+            <p:nvPr/>
+          </p:nvSpPr>
+          <p:spPr bwMode="auto">
+            <a:xfrm>
+              <a:off x="6992938" y="1263650"/>
+              <a:ext cx="144463" cy="2508250"/>
+            </a:xfrm>
+            <a:custGeom>
+              <a:avLst/>
+              <a:gdLst/>
+              <a:ahLst/>
+              <a:cxnLst/>
+              <a:rect l="0" t="0" r="r" b="b"/>
+              <a:pathLst>
+                <a:path w="36" h="633">
+                  <a:moveTo>
+                    <a:pt x="17" y="633"/>
+                  </a:moveTo>
+                  <a:cubicBezTo>
+                    <a:pt x="15" y="621"/>
+                    <a:pt x="14" y="609"/>
+                    <a:pt x="13" y="597"/>
+                  </a:cubicBezTo>
+                  <a:cubicBezTo>
+                    <a:pt x="8" y="530"/>
+                    <a:pt x="5" y="464"/>
+                    <a:pt x="5" y="398"/>
+                  </a:cubicBezTo>
+                  <a:cubicBezTo>
+                    <a:pt x="5" y="331"/>
+                    <a:pt x="8" y="265"/>
+                    <a:pt x="13" y="198"/>
+                  </a:cubicBezTo>
+                  <a:cubicBezTo>
+                    <a:pt x="15" y="165"/>
+                    <a:pt x="18" y="132"/>
+                    <a:pt x="22" y="99"/>
+                  </a:cubicBezTo>
+                  <a:cubicBezTo>
+                    <a:pt x="26" y="66"/>
+                    <a:pt x="30" y="33"/>
+                    <a:pt x="36" y="0"/>
+                  </a:cubicBezTo>
+                  <a:cubicBezTo>
+                    <a:pt x="35" y="0"/>
+                    <a:pt x="35" y="0"/>
+                    <a:pt x="35" y="0"/>
+                  </a:cubicBezTo>
+                  <a:cubicBezTo>
+                    <a:pt x="29" y="33"/>
+                    <a:pt x="24" y="66"/>
+                    <a:pt x="20" y="99"/>
+                  </a:cubicBezTo>
+                  <a:cubicBezTo>
+                    <a:pt x="16" y="132"/>
+                    <a:pt x="13" y="165"/>
+                    <a:pt x="10" y="198"/>
+                  </a:cubicBezTo>
+                  <a:cubicBezTo>
+                    <a:pt x="4" y="264"/>
+                    <a:pt x="1" y="331"/>
+                    <a:pt x="1" y="398"/>
+                  </a:cubicBezTo>
+                  <a:cubicBezTo>
+                    <a:pt x="0" y="461"/>
+                    <a:pt x="2" y="525"/>
+                    <a:pt x="7" y="589"/>
+                  </a:cubicBezTo>
+                  <a:cubicBezTo>
+                    <a:pt x="10" y="603"/>
+                    <a:pt x="13" y="618"/>
+                    <a:pt x="16" y="632"/>
+                  </a:cubicBezTo>
+                  <a:cubicBezTo>
+                    <a:pt x="16" y="632"/>
+                    <a:pt x="17" y="633"/>
+                    <a:pt x="17" y="633"/>
+                  </a:cubicBezTo>
+                  <a:close/>
+                </a:path>
+              </a:pathLst>
+            </a:custGeom>
+            <a:solidFill>
+              <a:schemeClr val="tx2"/>
+            </a:solidFill>
+            <a:ln>
+              <a:noFill/>
+            </a:ln>
+          </p:spPr>
+        </p:sp>
+        <p:sp>
+          <p:nvSpPr>
+            <p:cNvPr id="16" name="Freeform 32"/>
+            <p:cNvSpPr/>
+            <p:nvPr/>
+          </p:nvSpPr>
+          <p:spPr bwMode="auto">
+            <a:xfrm>
+              <a:off x="7526338" y="5640388"/>
+              <a:ext cx="111125" cy="233363"/>
+            </a:xfrm>
+            <a:custGeom>
+              <a:avLst/>
+              <a:gdLst/>
+              <a:ahLst/>
+              <a:cxnLst/>
+              <a:rect l="0" t="0" r="r" b="b"/>
+              <a:pathLst>
+                <a:path w="28" h="59">
+                  <a:moveTo>
+                    <a:pt x="22" y="59"/>
+                  </a:moveTo>
+                  <a:cubicBezTo>
+                    <a:pt x="28" y="59"/>
+                    <a:pt x="28" y="59"/>
+                    <a:pt x="28" y="59"/>
+                  </a:cubicBezTo>
+                  <a:cubicBezTo>
+                    <a:pt x="18" y="40"/>
+                    <a:pt x="9" y="20"/>
+                    <a:pt x="0" y="0"/>
+                  </a:cubicBezTo>
+                  <a:cubicBezTo>
+                    <a:pt x="6" y="20"/>
+                    <a:pt x="13" y="40"/>
+                    <a:pt x="22" y="59"/>
+                  </a:cubicBezTo>
+                  <a:close/>
+                </a:path>
+              </a:pathLst>
+            </a:custGeom>
+            <a:solidFill>
+              <a:schemeClr val="tx2"/>
+            </a:solidFill>
+            <a:ln>
+              <a:noFill/>
+            </a:ln>
+          </p:spPr>
+        </p:sp>
+        <p:sp>
+          <p:nvSpPr>
+            <p:cNvPr id="17" name="Freeform 33"/>
+            <p:cNvSpPr/>
+            <p:nvPr/>
+          </p:nvSpPr>
+          <p:spPr bwMode="auto">
+            <a:xfrm>
+              <a:off x="7021513" y="3598863"/>
+              <a:ext cx="68263" cy="423863"/>
+            </a:xfrm>
+            <a:custGeom>
+              <a:avLst/>
+              <a:gdLst/>
+              <a:ahLst/>
+              <a:cxnLst/>
+              <a:rect l="0" t="0" r="r" b="b"/>
+              <a:pathLst>
+                <a:path w="17" h="107">
+                  <a:moveTo>
+                    <a:pt x="4" y="54"/>
+                  </a:moveTo>
+                  <a:cubicBezTo>
+                    <a:pt x="8" y="72"/>
+                    <a:pt x="13" y="89"/>
+                    <a:pt x="17" y="107"/>
+                  </a:cubicBezTo>
+                  <a:cubicBezTo>
+                    <a:pt x="14" y="86"/>
+                    <a:pt x="12" y="65"/>
+                    <a:pt x="10" y="44"/>
+                  </a:cubicBezTo>
+                  <a:cubicBezTo>
+                    <a:pt x="10" y="44"/>
+                    <a:pt x="9" y="43"/>
+                    <a:pt x="9" y="43"/>
+                  </a:cubicBezTo>
+                  <a:cubicBezTo>
+                    <a:pt x="6" y="29"/>
+                    <a:pt x="3" y="14"/>
+                    <a:pt x="0" y="0"/>
+                  </a:cubicBezTo>
+                  <a:cubicBezTo>
+                    <a:pt x="0" y="2"/>
+                    <a:pt x="0" y="5"/>
+                    <a:pt x="0" y="8"/>
+                  </a:cubicBezTo>
+                  <a:cubicBezTo>
+                    <a:pt x="1" y="23"/>
+                    <a:pt x="3" y="39"/>
+                    <a:pt x="4" y="54"/>
+                  </a:cubicBezTo>
+                  <a:close/>
+                </a:path>
+              </a:pathLst>
+            </a:custGeom>
+            <a:solidFill>
+              <a:schemeClr val="tx2"/>
+            </a:solidFill>
+            <a:ln>
+              <a:noFill/>
+            </a:ln>
+          </p:spPr>
+        </p:sp>
+        <p:sp>
+          <p:nvSpPr>
+            <p:cNvPr id="18" name="Freeform 34"/>
+            <p:cNvSpPr/>
+            <p:nvPr/>
+          </p:nvSpPr>
+          <p:spPr bwMode="auto">
+            <a:xfrm>
+              <a:off x="7412038" y="2801938"/>
+              <a:ext cx="1168400" cy="2251075"/>
+            </a:xfrm>
+            <a:custGeom>
+              <a:avLst/>
+              <a:gdLst/>
+              <a:ahLst/>
+              <a:cxnLst/>
+              <a:rect l="0" t="0" r="r" b="b"/>
+              <a:pathLst>
+                <a:path w="294" h="568">
+                  <a:moveTo>
+                    <a:pt x="8" y="553"/>
+                  </a:moveTo>
+                  <a:cubicBezTo>
+                    <a:pt x="9" y="501"/>
+                    <a:pt x="19" y="448"/>
+                    <a:pt x="35" y="397"/>
+                  </a:cubicBezTo>
+                  <a:cubicBezTo>
+                    <a:pt x="51" y="347"/>
+                    <a:pt x="73" y="298"/>
+                    <a:pt x="99" y="252"/>
+                  </a:cubicBezTo>
+                  <a:cubicBezTo>
+                    <a:pt x="124" y="205"/>
+                    <a:pt x="154" y="161"/>
+                    <a:pt x="187" y="119"/>
+                  </a:cubicBezTo>
+                  <a:cubicBezTo>
+                    <a:pt x="203" y="98"/>
+                    <a:pt x="220" y="77"/>
+                    <a:pt x="238" y="58"/>
+                  </a:cubicBezTo>
+                  <a:cubicBezTo>
+                    <a:pt x="247" y="48"/>
+                    <a:pt x="256" y="38"/>
+                    <a:pt x="265" y="28"/>
+                  </a:cubicBezTo>
+                  <a:cubicBezTo>
+                    <a:pt x="274" y="19"/>
+                    <a:pt x="284" y="9"/>
+                    <a:pt x="294" y="0"/>
+                  </a:cubicBezTo>
+                  <a:cubicBezTo>
+                    <a:pt x="293" y="0"/>
+                    <a:pt x="293" y="0"/>
+                    <a:pt x="293" y="0"/>
+                  </a:cubicBezTo>
+                  <a:cubicBezTo>
+                    <a:pt x="283" y="9"/>
+                    <a:pt x="273" y="18"/>
+                    <a:pt x="264" y="27"/>
+                  </a:cubicBezTo>
+                  <a:cubicBezTo>
+                    <a:pt x="255" y="37"/>
+                    <a:pt x="246" y="47"/>
+                    <a:pt x="237" y="56"/>
+                  </a:cubicBezTo>
+                  <a:cubicBezTo>
+                    <a:pt x="218" y="76"/>
+                    <a:pt x="201" y="96"/>
+                    <a:pt x="185" y="117"/>
+                  </a:cubicBezTo>
+                  <a:cubicBezTo>
+                    <a:pt x="151" y="159"/>
+                    <a:pt x="121" y="203"/>
+                    <a:pt x="95" y="249"/>
+                  </a:cubicBezTo>
+                  <a:cubicBezTo>
+                    <a:pt x="68" y="296"/>
+                    <a:pt x="46" y="345"/>
+                    <a:pt x="30" y="396"/>
+                  </a:cubicBezTo>
+                  <a:cubicBezTo>
+                    <a:pt x="13" y="445"/>
+                    <a:pt x="3" y="497"/>
+                    <a:pt x="0" y="549"/>
+                  </a:cubicBezTo>
+                  <a:cubicBezTo>
+                    <a:pt x="3" y="555"/>
+                    <a:pt x="5" y="561"/>
+                    <a:pt x="7" y="568"/>
+                  </a:cubicBezTo>
+                  <a:cubicBezTo>
+                    <a:pt x="7" y="563"/>
+                    <a:pt x="7" y="558"/>
+                    <a:pt x="8" y="553"/>
+                  </a:cubicBezTo>
+                  <a:close/>
+                </a:path>
+              </a:pathLst>
+            </a:custGeom>
+            <a:solidFill>
+              <a:schemeClr val="tx2"/>
+            </a:solidFill>
+            <a:ln>
+              <a:noFill/>
+            </a:ln>
+          </p:spPr>
+        </p:sp>
+        <p:sp>
+          <p:nvSpPr>
+            <p:cNvPr id="19" name="Freeform 35"/>
+            <p:cNvSpPr/>
+            <p:nvPr/>
+          </p:nvSpPr>
+          <p:spPr bwMode="auto">
+            <a:xfrm>
+              <a:off x="7494588" y="5664200"/>
+              <a:ext cx="100013" cy="209550"/>
+            </a:xfrm>
+            <a:custGeom>
+              <a:avLst/>
+              <a:gdLst/>
+              <a:ahLst/>
+              <a:cxnLst/>
+              <a:rect l="0" t="0" r="r" b="b"/>
+              <a:pathLst>
+                <a:path w="25" h="53">
+                  <a:moveTo>
+                    <a:pt x="0" y="0"/>
+                  </a:moveTo>
+                  <a:cubicBezTo>
+                    <a:pt x="5" y="18"/>
+                    <a:pt x="12" y="36"/>
+                    <a:pt x="19" y="53"/>
+                  </a:cubicBezTo>
+                  <a:cubicBezTo>
+                    <a:pt x="25" y="53"/>
+                    <a:pt x="25" y="53"/>
+                    <a:pt x="25" y="53"/>
+                  </a:cubicBezTo>
+                  <a:cubicBezTo>
+                    <a:pt x="16" y="36"/>
+                    <a:pt x="8" y="18"/>
+                    <a:pt x="0" y="0"/>
+                  </a:cubicBezTo>
+                  <a:close/>
+                </a:path>
+              </a:pathLst>
+            </a:custGeom>
+            <a:solidFill>
+              <a:schemeClr val="tx2"/>
+            </a:solidFill>
+            <a:ln>
+              <a:noFill/>
+            </a:ln>
+          </p:spPr>
+        </p:sp>
+        <p:sp>
+          <p:nvSpPr>
+            <p:cNvPr id="20" name="Freeform 36"/>
+            <p:cNvSpPr/>
+            <p:nvPr/>
+          </p:nvSpPr>
+          <p:spPr bwMode="auto">
+            <a:xfrm>
+              <a:off x="7412038" y="5081588"/>
+              <a:ext cx="114300" cy="558800"/>
+            </a:xfrm>
+            <a:custGeom>
+              <a:avLst/>
+              <a:gdLst/>
+              <a:ahLst/>
+              <a:cxnLst/>
+              <a:rect l="0" t="0" r="r" b="b"/>
+              <a:pathLst>
+                <a:path w="29" h="141">
+                  <a:moveTo>
+                    <a:pt x="0" y="0"/>
+                  </a:moveTo>
+                  <a:cubicBezTo>
+                    <a:pt x="0" y="30"/>
+                    <a:pt x="2" y="60"/>
+                    <a:pt x="7" y="89"/>
+                  </a:cubicBezTo>
+                  <a:cubicBezTo>
+                    <a:pt x="11" y="98"/>
+                    <a:pt x="14" y="108"/>
+                    <a:pt x="18" y="117"/>
+                  </a:cubicBezTo>
+                  <a:cubicBezTo>
+                    <a:pt x="22" y="125"/>
+                    <a:pt x="25" y="133"/>
+                    <a:pt x="29" y="141"/>
+                  </a:cubicBezTo>
+                  <a:cubicBezTo>
+                    <a:pt x="28" y="139"/>
+                    <a:pt x="28" y="137"/>
+                    <a:pt x="27" y="135"/>
+                  </a:cubicBezTo>
+                  <a:cubicBezTo>
+                    <a:pt x="16" y="98"/>
+                    <a:pt x="10" y="60"/>
+                    <a:pt x="8" y="22"/>
+                  </a:cubicBezTo>
+                  <a:cubicBezTo>
+                    <a:pt x="7" y="18"/>
+                    <a:pt x="5" y="15"/>
+                    <a:pt x="4" y="11"/>
+                  </a:cubicBezTo>
+                  <a:cubicBezTo>
+                    <a:pt x="2" y="7"/>
+                    <a:pt x="1" y="3"/>
+                    <a:pt x="0" y="0"/>
+                  </a:cubicBezTo>
+                  <a:close/>
+                </a:path>
+              </a:pathLst>
+            </a:custGeom>
+            <a:solidFill>
+              <a:schemeClr val="tx2"/>
+            </a:solidFill>
+            <a:ln>
+              <a:noFill/>
+            </a:ln>
+          </p:spPr>
+        </p:sp>
+        <p:sp>
+          <p:nvSpPr>
+            <p:cNvPr id="21" name="Freeform 37"/>
+            <p:cNvSpPr/>
+            <p:nvPr/>
+          </p:nvSpPr>
+          <p:spPr bwMode="auto">
+            <a:xfrm>
+              <a:off x="7412038" y="4978400"/>
+              <a:ext cx="31750" cy="188913"/>
+            </a:xfrm>
+            <a:custGeom>
+              <a:avLst/>
+              <a:gdLst/>
+              <a:ahLst/>
+              <a:cxnLst/>
+              <a:rect l="0" t="0" r="r" b="b"/>
+              <a:pathLst>
+                <a:path w="8" h="48">
+                  <a:moveTo>
+                    <a:pt x="0" y="26"/>
+                  </a:moveTo>
+                  <a:cubicBezTo>
+                    <a:pt x="1" y="29"/>
+                    <a:pt x="2" y="33"/>
+                    <a:pt x="4" y="37"/>
+                  </a:cubicBezTo>
+                  <a:cubicBezTo>
+                    <a:pt x="5" y="41"/>
+                    <a:pt x="7" y="44"/>
+                    <a:pt x="8" y="48"/>
+                  </a:cubicBezTo>
+                  <a:cubicBezTo>
+                    <a:pt x="7" y="38"/>
+                    <a:pt x="7" y="28"/>
+                    <a:pt x="7" y="19"/>
+                  </a:cubicBezTo>
+                  <a:cubicBezTo>
+                    <a:pt x="5" y="12"/>
+                    <a:pt x="3" y="6"/>
+                    <a:pt x="0" y="0"/>
+                  </a:cubicBezTo>
+                  <a:cubicBezTo>
+                    <a:pt x="0" y="1"/>
+                    <a:pt x="0" y="3"/>
+                    <a:pt x="0" y="4"/>
+                  </a:cubicBezTo>
+                  <a:cubicBezTo>
+                    <a:pt x="0" y="11"/>
+                    <a:pt x="0" y="19"/>
+                    <a:pt x="0" y="26"/>
+                  </a:cubicBezTo>
+                  <a:close/>
+                </a:path>
+              </a:pathLst>
+            </a:custGeom>
+            <a:solidFill>
+              <a:schemeClr val="tx2"/>
+            </a:solidFill>
+            <a:ln>
+              <a:noFill/>
+            </a:ln>
+          </p:spPr>
+        </p:sp>
+        <p:sp>
+          <p:nvSpPr>
+            <p:cNvPr id="22" name="Freeform 38"/>
+            <p:cNvSpPr/>
+            <p:nvPr/>
+          </p:nvSpPr>
+          <p:spPr bwMode="auto">
+            <a:xfrm>
+              <a:off x="7439026" y="5434013"/>
+              <a:ext cx="174625" cy="439738"/>
+            </a:xfrm>
+            <a:custGeom>
+              <a:avLst/>
+              <a:gdLst/>
+              <a:ahLst/>
+              <a:cxnLst/>
+              <a:rect l="0" t="0" r="r" b="b"/>
+              <a:pathLst>
+                <a:path w="44" h="111">
+                  <a:moveTo>
+                    <a:pt x="11" y="28"/>
+                  </a:moveTo>
+                  <a:cubicBezTo>
+                    <a:pt x="7" y="19"/>
+                    <a:pt x="4" y="9"/>
+                    <a:pt x="0" y="0"/>
+                  </a:cubicBezTo>
+                  <a:cubicBezTo>
+                    <a:pt x="3" y="16"/>
+                    <a:pt x="7" y="33"/>
+                    <a:pt x="11" y="49"/>
+                  </a:cubicBezTo>
+                  <a:cubicBezTo>
+                    <a:pt x="12" y="52"/>
+                    <a:pt x="13" y="55"/>
+                    <a:pt x="14" y="58"/>
+                  </a:cubicBezTo>
+                  <a:cubicBezTo>
+                    <a:pt x="22" y="76"/>
+                    <a:pt x="30" y="94"/>
+                    <a:pt x="39" y="111"/>
+                  </a:cubicBezTo>
+                  <a:cubicBezTo>
+                    <a:pt x="44" y="111"/>
+                    <a:pt x="44" y="111"/>
+                    <a:pt x="44" y="111"/>
+                  </a:cubicBezTo>
+                  <a:cubicBezTo>
+                    <a:pt x="35" y="92"/>
+                    <a:pt x="28" y="72"/>
+                    <a:pt x="22" y="52"/>
+                  </a:cubicBezTo>
+                  <a:cubicBezTo>
+                    <a:pt x="18" y="44"/>
+                    <a:pt x="15" y="36"/>
+                    <a:pt x="11" y="28"/>
+                  </a:cubicBezTo>
+                  <a:close/>
+                </a:path>
+              </a:pathLst>
+            </a:custGeom>
+            <a:solidFill>
+              <a:schemeClr val="tx2"/>
+            </a:solidFill>
+            <a:ln>
+              <a:noFill/>
+            </a:ln>
+          </p:spPr>
+        </p:sp>
+      </p:grpSp>
+      <p:sp>
+        <p:nvSpPr>
+          <p:cNvPr id="7" name="Rectangle 6"/>
+          <p:cNvSpPr/>
+          <p:nvPr/>
         </p:nvSpPr>
         <p:spPr>
           <a:xfrm>
-            <a:off x="838200" y="365125"/>
-            <a:ext cx="10515600" cy="1325563"/>
+            <a:off x="0" y="0"/>
+            <a:ext cx="182880" cy="6858000"/>
+          </a:xfrm>
+          <a:prstGeom prst="rect">
+            <a:avLst/>
+          </a:prstGeom>
+          <a:solidFill>
+            <a:schemeClr val="tx2"/>
+          </a:solidFill>
+          <a:ln>
+            <a:noFill/>
+          </a:ln>
+          <a:effectLst/>
+        </p:spPr>
+        <p:style>
+          <a:lnRef idx="1">
+            <a:schemeClr val="accent1"/>
+          </a:lnRef>
+          <a:fillRef idx="3">
+            <a:schemeClr val="accent1"/>
+          </a:fillRef>
+          <a:effectRef idx="2">
+            <a:schemeClr val="accent1"/>
+          </a:effectRef>
+          <a:fontRef idx="minor">
+            <a:schemeClr val="lt1"/>
+          </a:fontRef>
+        </p:style>
+      </p:sp>
+      <p:sp>
+        <p:nvSpPr>
+          <p:cNvPr id="2" name="Title Placeholder 1"/>
+          <p:cNvSpPr>
+            <a:spLocks noGrp="1"/>
+          </p:cNvSpPr>
+          <p:nvPr>
+            <p:ph type="title"/>
+          </p:nvPr>
+        </p:nvSpPr>
+        <p:spPr>
+          <a:xfrm>
+            <a:off x="2592924" y="624110"/>
+            <a:ext cx="8911687" cy="1280890"/>
           </a:xfrm>
           <a:prstGeom prst="rect">
             <a:avLst/>
           </a:prstGeom>
         </p:spPr>
         <p:txBody>
-          <a:bodyPr vert="horz" lIns="91440" tIns="45720" rIns="91440" bIns="45720" rtlCol="0" anchor="ctr">
+          <a:bodyPr vert="horz" lIns="91440" tIns="45720" rIns="91440" bIns="45720" rtlCol="0" anchor="t">
             <a:normAutofit/>
           </a:bodyPr>
           <a:lstStyle/>
           <a:p>
             <a:r>
-              <a:rPr kumimoji="1" lang="ja-JP" altLang="en-US" smtClean="0"/>
+              <a:rPr lang="ja-JP" altLang="en-US" smtClean="0"/>
               <a:t>マスター タイトルの書式設定</a:t>
             </a:r>
-            <a:endParaRPr kumimoji="1" lang="ja-JP" altLang="en-US"/>
-          </a:p>
-        </p:txBody>
-      </p:sp>
-      <p:sp>
-        <p:nvSpPr>
-          <p:cNvPr id="3" name="テキスト プレースホルダー 2"/>
+            <a:endParaRPr lang="en-US" dirty="0"/>
+          </a:p>
+        </p:txBody>
+      </p:sp>
+      <p:sp>
+        <p:nvSpPr>
+          <p:cNvPr id="3" name="Text Placeholder 2"/>
           <p:cNvSpPr>
             <a:spLocks noGrp="1"/>
           </p:cNvSpPr>
@@ -2730,8 +7338,8 @@
         </p:nvSpPr>
         <p:spPr>
           <a:xfrm>
-            <a:off x="838200" y="1825625"/>
-            <a:ext cx="10515600" cy="4351338"/>
+            <a:off x="2589212" y="2133600"/>
+            <a:ext cx="8915400" cy="3886200"/>
           </a:xfrm>
           <a:prstGeom prst="rect">
             <a:avLst/>
@@ -2745,76 +7353,76 @@
           <a:p>
             <a:pPr lvl="0"/>
             <a:r>
-              <a:rPr kumimoji="1" lang="ja-JP" altLang="en-US" smtClean="0"/>
+              <a:rPr lang="ja-JP" altLang="en-US" smtClean="0"/>
               <a:t>マスター テキストの書式設定</a:t>
             </a:r>
           </a:p>
           <a:p>
             <a:pPr lvl="1"/>
             <a:r>
-              <a:rPr kumimoji="1" lang="ja-JP" altLang="en-US" smtClean="0"/>
+              <a:rPr lang="ja-JP" altLang="en-US" smtClean="0"/>
               <a:t>第 </a:t>
             </a:r>
             <a:r>
-              <a:rPr kumimoji="1" lang="en-US" altLang="ja-JP" smtClean="0"/>
+              <a:rPr lang="en-US" altLang="ja-JP" smtClean="0"/>
               <a:t>2 </a:t>
             </a:r>
             <a:r>
-              <a:rPr kumimoji="1" lang="ja-JP" altLang="en-US" smtClean="0"/>
+              <a:rPr lang="ja-JP" altLang="en-US" smtClean="0"/>
               <a:t>レベル</a:t>
             </a:r>
           </a:p>
           <a:p>
             <a:pPr lvl="2"/>
             <a:r>
-              <a:rPr kumimoji="1" lang="ja-JP" altLang="en-US" smtClean="0"/>
+              <a:rPr lang="ja-JP" altLang="en-US" smtClean="0"/>
               <a:t>第 </a:t>
             </a:r>
             <a:r>
-              <a:rPr kumimoji="1" lang="en-US" altLang="ja-JP" smtClean="0"/>
+              <a:rPr lang="en-US" altLang="ja-JP" smtClean="0"/>
               <a:t>3 </a:t>
             </a:r>
             <a:r>
-              <a:rPr kumimoji="1" lang="ja-JP" altLang="en-US" smtClean="0"/>
+              <a:rPr lang="ja-JP" altLang="en-US" smtClean="0"/>
               <a:t>レベル</a:t>
             </a:r>
           </a:p>
           <a:p>
             <a:pPr lvl="3"/>
             <a:r>
-              <a:rPr kumimoji="1" lang="ja-JP" altLang="en-US" smtClean="0"/>
+              <a:rPr lang="ja-JP" altLang="en-US" smtClean="0"/>
               <a:t>第 </a:t>
             </a:r>
             <a:r>
-              <a:rPr kumimoji="1" lang="en-US" altLang="ja-JP" smtClean="0"/>
+              <a:rPr lang="en-US" altLang="ja-JP" smtClean="0"/>
               <a:t>4 </a:t>
             </a:r>
             <a:r>
-              <a:rPr kumimoji="1" lang="ja-JP" altLang="en-US" smtClean="0"/>
+              <a:rPr lang="ja-JP" altLang="en-US" smtClean="0"/>
               <a:t>レベル</a:t>
             </a:r>
           </a:p>
           <a:p>
             <a:pPr lvl="4"/>
             <a:r>
-              <a:rPr kumimoji="1" lang="ja-JP" altLang="en-US" smtClean="0"/>
+              <a:rPr lang="ja-JP" altLang="en-US" smtClean="0"/>
               <a:t>第 </a:t>
             </a:r>
             <a:r>
-              <a:rPr kumimoji="1" lang="en-US" altLang="ja-JP" smtClean="0"/>
+              <a:rPr lang="en-US" altLang="ja-JP" smtClean="0"/>
               <a:t>5 </a:t>
             </a:r>
             <a:r>
-              <a:rPr kumimoji="1" lang="ja-JP" altLang="en-US" smtClean="0"/>
+              <a:rPr lang="ja-JP" altLang="en-US" smtClean="0"/>
               <a:t>レベル</a:t>
             </a:r>
-            <a:endParaRPr kumimoji="1" lang="ja-JP" altLang="en-US"/>
-          </a:p>
-        </p:txBody>
-      </p:sp>
-      <p:sp>
-        <p:nvSpPr>
-          <p:cNvPr id="4" name="日付プレースホルダー 3"/>
+            <a:endParaRPr lang="en-US" dirty="0"/>
+          </a:p>
+        </p:txBody>
+      </p:sp>
+      <p:sp>
+        <p:nvSpPr>
+          <p:cNvPr id="4" name="Date Placeholder 3"/>
           <p:cNvSpPr>
             <a:spLocks noGrp="1"/>
           </p:cNvSpPr>
@@ -2824,8 +7432,8 @@
         </p:nvSpPr>
         <p:spPr>
           <a:xfrm>
-            <a:off x="838200" y="6356350"/>
-            <a:ext cx="2743200" cy="365125"/>
+            <a:off x="10361612" y="6130437"/>
+            <a:ext cx="1146283" cy="370396"/>
           </a:xfrm>
           <a:prstGeom prst="rect">
             <a:avLst/>
@@ -2834,8 +7442,8 @@
         <p:txBody>
           <a:bodyPr vert="horz" lIns="91440" tIns="45720" rIns="91440" bIns="45720" rtlCol="0" anchor="ctr"/>
           <a:lstStyle>
-            <a:lvl1pPr algn="l">
-              <a:defRPr sz="1200">
+            <a:lvl1pPr algn="r">
+              <a:defRPr sz="900">
                 <a:solidFill>
                   <a:schemeClr val="tx1">
                     <a:tint val="75000"/>
@@ -2847,7 +7455,7 @@
           <a:p>
             <a:fld id="{444AF1EE-23B7-43C4-B6A6-270F9C56AB86}" type="datetimeFigureOut">
               <a:rPr kumimoji="1" lang="ja-JP" altLang="en-US" smtClean="0"/>
-              <a:t>2023/7/7</a:t>
+              <a:t>2023/7/12</a:t>
             </a:fld>
             <a:endParaRPr kumimoji="1" lang="ja-JP" altLang="en-US"/>
           </a:p>
@@ -2855,7 +7463,7 @@
       </p:sp>
       <p:sp>
         <p:nvSpPr>
-          <p:cNvPr id="5" name="フッター プレースホルダー 4"/>
+          <p:cNvPr id="5" name="Footer Placeholder 4"/>
           <p:cNvSpPr>
             <a:spLocks noGrp="1"/>
           </p:cNvSpPr>
@@ -2865,8 +7473,8 @@
         </p:nvSpPr>
         <p:spPr>
           <a:xfrm>
-            <a:off x="4038600" y="6356350"/>
-            <a:ext cx="4114800" cy="365125"/>
+            <a:off x="2589212" y="6135808"/>
+            <a:ext cx="7619999" cy="365125"/>
           </a:xfrm>
           <a:prstGeom prst="rect">
             <a:avLst/>
@@ -2875,8 +7483,8 @@
         <p:txBody>
           <a:bodyPr vert="horz" lIns="91440" tIns="45720" rIns="91440" bIns="45720" rtlCol="0" anchor="ctr"/>
           <a:lstStyle>
-            <a:lvl1pPr algn="ctr">
-              <a:defRPr sz="1200">
+            <a:lvl1pPr algn="l">
+              <a:defRPr sz="900">
                 <a:solidFill>
                   <a:schemeClr val="tx1">
                     <a:tint val="75000"/>
@@ -2892,7 +7500,7 @@
       </p:sp>
       <p:sp>
         <p:nvSpPr>
-          <p:cNvPr id="6" name="スライド番号プレースホルダー 5"/>
+          <p:cNvPr id="6" name="Slide Number Placeholder 5"/>
           <p:cNvSpPr>
             <a:spLocks noGrp="1"/>
           </p:cNvSpPr>
@@ -2900,10 +7508,10 @@
             <p:ph type="sldNum" sz="quarter" idx="4"/>
           </p:nvPr>
         </p:nvSpPr>
-        <p:spPr>
+        <p:spPr bwMode="gray">
           <a:xfrm>
-            <a:off x="8610600" y="6356350"/>
-            <a:ext cx="2743200" cy="365125"/>
+            <a:off x="531812" y="787782"/>
+            <a:ext cx="779767" cy="365125"/>
           </a:xfrm>
           <a:prstGeom prst="rect">
             <a:avLst/>
@@ -2913,11 +7521,9 @@
           <a:bodyPr vert="horz" lIns="91440" tIns="45720" rIns="91440" bIns="45720" rtlCol="0" anchor="ctr"/>
           <a:lstStyle>
             <a:lvl1pPr algn="r">
-              <a:defRPr sz="1200">
+              <a:defRPr sz="2000">
                 <a:solidFill>
-                  <a:schemeClr val="tx1">
-                    <a:tint val="75000"/>
-                  </a:schemeClr>
+                  <a:srgbClr val="FEFFFF"/>
                 </a:solidFill>
               </a:defRPr>
             </a:lvl1pPr>
@@ -2934,55 +7540,329 @@
     </p:spTree>
     <p:extLst>
       <p:ext uri="{BB962C8B-B14F-4D97-AF65-F5344CB8AC3E}">
-        <p14:creationId xmlns:p14="http://schemas.microsoft.com/office/powerpoint/2010/main" val="1570837052"/>
+        <p14:creationId xmlns:p14="http://schemas.microsoft.com/office/powerpoint/2010/main" val="3652090005"/>
       </p:ext>
     </p:extLst>
   </p:cSld>
   <p:clrMap bg1="lt1" tx1="dk1" bg2="lt2" tx2="dk2" accent1="accent1" accent2="accent2" accent3="accent3" accent4="accent4" accent5="accent5" accent6="accent6" hlink="hlink" folHlink="folHlink"/>
   <p:sldLayoutIdLst>
-    <p:sldLayoutId id="2147483649" r:id="rId1"/>
-    <p:sldLayoutId id="2147483650" r:id="rId2"/>
-    <p:sldLayoutId id="2147483651" r:id="rId3"/>
-    <p:sldLayoutId id="2147483652" r:id="rId4"/>
-    <p:sldLayoutId id="2147483653" r:id="rId5"/>
-    <p:sldLayoutId id="2147483654" r:id="rId6"/>
-    <p:sldLayoutId id="2147483655" r:id="rId7"/>
-    <p:sldLayoutId id="2147483656" r:id="rId8"/>
-    <p:sldLayoutId id="2147483657" r:id="rId9"/>
-    <p:sldLayoutId id="2147483658" r:id="rId10"/>
-    <p:sldLayoutId id="2147483659" r:id="rId11"/>
+    <p:sldLayoutId id="2147483673" r:id="rId1"/>
+    <p:sldLayoutId id="2147483674" r:id="rId2"/>
+    <p:sldLayoutId id="2147483675" r:id="rId3"/>
+    <p:sldLayoutId id="2147483676" r:id="rId4"/>
+    <p:sldLayoutId id="2147483677" r:id="rId5"/>
+    <p:sldLayoutId id="2147483678" r:id="rId6"/>
+    <p:sldLayoutId id="2147483679" r:id="rId7"/>
+    <p:sldLayoutId id="2147483680" r:id="rId8"/>
+    <p:sldLayoutId id="2147483681" r:id="rId9"/>
+    <p:sldLayoutId id="2147483682" r:id="rId10"/>
+    <p:sldLayoutId id="2147483683" r:id="rId11"/>
+    <p:sldLayoutId id="2147483684" r:id="rId12"/>
+    <p:sldLayoutId id="2147483685" r:id="rId13"/>
+    <p:sldLayoutId id="2147483686" r:id="rId14"/>
+    <p:sldLayoutId id="2147483687" r:id="rId15"/>
+    <p:sldLayoutId id="2147483688" r:id="rId16"/>
   </p:sldLayoutIdLst>
   <p:txStyles>
     <p:titleStyle>
-      <a:lvl1pPr algn="l" defTabSz="914400" rtl="0" eaLnBrk="1" latinLnBrk="0" hangingPunct="1">
-        <a:lnSpc>
-          <a:spcPct val="90000"/>
-        </a:lnSpc>
+      <a:lvl1pPr algn="l" defTabSz="457200" rtl="0" eaLnBrk="1" latinLnBrk="0" hangingPunct="1">
         <a:spcBef>
           <a:spcPct val="0"/>
         </a:spcBef>
         <a:buNone/>
-        <a:defRPr kumimoji="1" sz="4400" kern="1200">
+        <a:defRPr kumimoji="1" sz="3600" kern="1200">
           <a:solidFill>
-            <a:schemeClr val="tx1"/>
+            <a:schemeClr val="tx1">
+              <a:lumMod val="85000"/>
+              <a:lumOff val="15000"/>
+            </a:schemeClr>
           </a:solidFill>
           <a:latin typeface="+mj-lt"/>
           <a:ea typeface="+mj-ea"/>
           <a:cs typeface="+mj-cs"/>
         </a:defRPr>
       </a:lvl1pPr>
+      <a:lvl2pPr eaLnBrk="1" hangingPunct="1">
+        <a:defRPr kumimoji="1">
+          <a:solidFill>
+            <a:schemeClr val="tx2"/>
+          </a:solidFill>
+        </a:defRPr>
+      </a:lvl2pPr>
+      <a:lvl3pPr eaLnBrk="1" hangingPunct="1">
+        <a:defRPr kumimoji="1">
+          <a:solidFill>
+            <a:schemeClr val="tx2"/>
+          </a:solidFill>
+        </a:defRPr>
+      </a:lvl3pPr>
+      <a:lvl4pPr eaLnBrk="1" hangingPunct="1">
+        <a:defRPr kumimoji="1">
+          <a:solidFill>
+            <a:schemeClr val="tx2"/>
+          </a:solidFill>
+        </a:defRPr>
+      </a:lvl4pPr>
+      <a:lvl5pPr eaLnBrk="1" hangingPunct="1">
+        <a:defRPr kumimoji="1">
+          <a:solidFill>
+            <a:schemeClr val="tx2"/>
+          </a:solidFill>
+        </a:defRPr>
+      </a:lvl5pPr>
+      <a:lvl6pPr eaLnBrk="1" hangingPunct="1">
+        <a:defRPr kumimoji="1">
+          <a:solidFill>
+            <a:schemeClr val="tx2"/>
+          </a:solidFill>
+        </a:defRPr>
+      </a:lvl6pPr>
+      <a:lvl7pPr eaLnBrk="1" hangingPunct="1">
+        <a:defRPr kumimoji="1">
+          <a:solidFill>
+            <a:schemeClr val="tx2"/>
+          </a:solidFill>
+        </a:defRPr>
+      </a:lvl7pPr>
+      <a:lvl8pPr eaLnBrk="1" hangingPunct="1">
+        <a:defRPr kumimoji="1">
+          <a:solidFill>
+            <a:schemeClr val="tx2"/>
+          </a:solidFill>
+        </a:defRPr>
+      </a:lvl8pPr>
+      <a:lvl9pPr eaLnBrk="1" hangingPunct="1">
+        <a:defRPr kumimoji="1">
+          <a:solidFill>
+            <a:schemeClr val="tx2"/>
+          </a:solidFill>
+        </a:defRPr>
+      </a:lvl9pPr>
     </p:titleStyle>
     <p:bodyStyle>
-      <a:lvl1pPr marL="228600" indent="-228600" algn="l" defTabSz="914400" rtl="0" eaLnBrk="1" latinLnBrk="0" hangingPunct="1">
-        <a:lnSpc>
-          <a:spcPct val="90000"/>
-        </a:lnSpc>
+      <a:lvl1pPr marL="342900" indent="-342900" algn="l" defTabSz="457200" rtl="0" eaLnBrk="1" latinLnBrk="0" hangingPunct="1">
         <a:spcBef>
           <a:spcPts val="1000"/>
         </a:spcBef>
-        <a:buFont typeface="Arial" panose="020B0604020202020204" pitchFamily="34" charset="0"/>
-        <a:buChar char="•"/>
-        <a:defRPr kumimoji="1" sz="2800" kern="1200">
+        <a:spcAft>
+          <a:spcPts val="0"/>
+        </a:spcAft>
+        <a:buClr>
+          <a:schemeClr val="accent1"/>
+        </a:buClr>
+        <a:buFont typeface="Wingdings 3" charset="2"/>
+        <a:buChar char=""/>
+        <a:defRPr kumimoji="1" sz="1800" kern="1200">
+          <a:solidFill>
+            <a:schemeClr val="tx1">
+              <a:lumMod val="75000"/>
+              <a:lumOff val="25000"/>
+            </a:schemeClr>
+          </a:solidFill>
+          <a:latin typeface="+mn-lt"/>
+          <a:ea typeface="+mn-ea"/>
+          <a:cs typeface="+mn-cs"/>
+        </a:defRPr>
+      </a:lvl1pPr>
+      <a:lvl2pPr marL="742950" indent="-285750" algn="l" defTabSz="457200" rtl="0" eaLnBrk="1" latinLnBrk="0" hangingPunct="1">
+        <a:spcBef>
+          <a:spcPts val="1000"/>
+        </a:spcBef>
+        <a:spcAft>
+          <a:spcPts val="0"/>
+        </a:spcAft>
+        <a:buClr>
+          <a:schemeClr val="accent1"/>
+        </a:buClr>
+        <a:buFont typeface="Wingdings 3" charset="2"/>
+        <a:buChar char=""/>
+        <a:defRPr kumimoji="1" sz="1600" kern="1200">
+          <a:solidFill>
+            <a:schemeClr val="tx1">
+              <a:lumMod val="75000"/>
+              <a:lumOff val="25000"/>
+            </a:schemeClr>
+          </a:solidFill>
+          <a:latin typeface="+mn-lt"/>
+          <a:ea typeface="+mn-ea"/>
+          <a:cs typeface="+mn-cs"/>
+        </a:defRPr>
+      </a:lvl2pPr>
+      <a:lvl3pPr marL="1143000" indent="-228600" algn="l" defTabSz="457200" rtl="0" eaLnBrk="1" latinLnBrk="0" hangingPunct="1">
+        <a:spcBef>
+          <a:spcPts val="1000"/>
+        </a:spcBef>
+        <a:spcAft>
+          <a:spcPts val="0"/>
+        </a:spcAft>
+        <a:buClr>
+          <a:schemeClr val="accent1"/>
+        </a:buClr>
+        <a:buFont typeface="Wingdings 3" charset="2"/>
+        <a:buChar char=""/>
+        <a:defRPr kumimoji="1" sz="1400" kern="1200">
+          <a:solidFill>
+            <a:schemeClr val="tx1">
+              <a:lumMod val="75000"/>
+              <a:lumOff val="25000"/>
+            </a:schemeClr>
+          </a:solidFill>
+          <a:latin typeface="+mn-lt"/>
+          <a:ea typeface="+mn-ea"/>
+          <a:cs typeface="+mn-cs"/>
+        </a:defRPr>
+      </a:lvl3pPr>
+      <a:lvl4pPr marL="1600200" indent="-228600" algn="l" defTabSz="457200" rtl="0" eaLnBrk="1" latinLnBrk="0" hangingPunct="1">
+        <a:spcBef>
+          <a:spcPts val="1000"/>
+        </a:spcBef>
+        <a:spcAft>
+          <a:spcPts val="0"/>
+        </a:spcAft>
+        <a:buClr>
+          <a:schemeClr val="accent1"/>
+        </a:buClr>
+        <a:buFont typeface="Wingdings 3" charset="2"/>
+        <a:buChar char=""/>
+        <a:defRPr kumimoji="1" sz="1200" kern="1200">
+          <a:solidFill>
+            <a:schemeClr val="tx1">
+              <a:lumMod val="75000"/>
+              <a:lumOff val="25000"/>
+            </a:schemeClr>
+          </a:solidFill>
+          <a:latin typeface="+mn-lt"/>
+          <a:ea typeface="+mn-ea"/>
+          <a:cs typeface="+mn-cs"/>
+        </a:defRPr>
+      </a:lvl4pPr>
+      <a:lvl5pPr marL="2057400" indent="-228600" algn="l" defTabSz="457200" rtl="0" eaLnBrk="1" latinLnBrk="0" hangingPunct="1">
+        <a:spcBef>
+          <a:spcPts val="1000"/>
+        </a:spcBef>
+        <a:spcAft>
+          <a:spcPts val="0"/>
+        </a:spcAft>
+        <a:buClr>
+          <a:schemeClr val="accent1"/>
+        </a:buClr>
+        <a:buFont typeface="Wingdings 3" charset="2"/>
+        <a:buChar char=""/>
+        <a:defRPr kumimoji="1" sz="1200" kern="1200">
+          <a:solidFill>
+            <a:schemeClr val="tx1">
+              <a:lumMod val="75000"/>
+              <a:lumOff val="25000"/>
+            </a:schemeClr>
+          </a:solidFill>
+          <a:latin typeface="+mn-lt"/>
+          <a:ea typeface="+mn-ea"/>
+          <a:cs typeface="+mn-cs"/>
+        </a:defRPr>
+      </a:lvl5pPr>
+      <a:lvl6pPr marL="2514600" indent="-228600" algn="l" defTabSz="457200" rtl="0" eaLnBrk="1" latinLnBrk="0" hangingPunct="1">
+        <a:spcBef>
+          <a:spcPts val="1000"/>
+        </a:spcBef>
+        <a:spcAft>
+          <a:spcPts val="0"/>
+        </a:spcAft>
+        <a:buClr>
+          <a:schemeClr val="accent1"/>
+        </a:buClr>
+        <a:buFont typeface="Wingdings 3" charset="2"/>
+        <a:buChar char=""/>
+        <a:defRPr kumimoji="1" sz="1200" kern="1200">
+          <a:solidFill>
+            <a:schemeClr val="tx1">
+              <a:lumMod val="75000"/>
+              <a:lumOff val="25000"/>
+            </a:schemeClr>
+          </a:solidFill>
+          <a:latin typeface="+mn-lt"/>
+          <a:ea typeface="+mn-ea"/>
+          <a:cs typeface="+mn-cs"/>
+        </a:defRPr>
+      </a:lvl6pPr>
+      <a:lvl7pPr marL="2971800" indent="-228600" algn="l" defTabSz="457200" rtl="0" eaLnBrk="1" latinLnBrk="0" hangingPunct="1">
+        <a:spcBef>
+          <a:spcPts val="1000"/>
+        </a:spcBef>
+        <a:spcAft>
+          <a:spcPts val="0"/>
+        </a:spcAft>
+        <a:buClr>
+          <a:schemeClr val="accent1"/>
+        </a:buClr>
+        <a:buFont typeface="Wingdings 3" charset="2"/>
+        <a:buChar char=""/>
+        <a:defRPr kumimoji="1" sz="1200" kern="1200">
+          <a:solidFill>
+            <a:schemeClr val="tx1">
+              <a:lumMod val="75000"/>
+              <a:lumOff val="25000"/>
+            </a:schemeClr>
+          </a:solidFill>
+          <a:latin typeface="+mn-lt"/>
+          <a:ea typeface="+mn-ea"/>
+          <a:cs typeface="+mn-cs"/>
+        </a:defRPr>
+      </a:lvl7pPr>
+      <a:lvl8pPr marL="3429000" indent="-228600" algn="l" defTabSz="457200" rtl="0" eaLnBrk="1" latinLnBrk="0" hangingPunct="1">
+        <a:spcBef>
+          <a:spcPts val="1000"/>
+        </a:spcBef>
+        <a:spcAft>
+          <a:spcPts val="0"/>
+        </a:spcAft>
+        <a:buClr>
+          <a:schemeClr val="accent1"/>
+        </a:buClr>
+        <a:buFont typeface="Wingdings 3" charset="2"/>
+        <a:buChar char=""/>
+        <a:defRPr kumimoji="1" sz="1200" kern="1200">
+          <a:solidFill>
+            <a:schemeClr val="tx1">
+              <a:lumMod val="75000"/>
+              <a:lumOff val="25000"/>
+            </a:schemeClr>
+          </a:solidFill>
+          <a:latin typeface="+mn-lt"/>
+          <a:ea typeface="+mn-ea"/>
+          <a:cs typeface="+mn-cs"/>
+        </a:defRPr>
+      </a:lvl8pPr>
+      <a:lvl9pPr marL="3886200" indent="-228600" algn="l" defTabSz="457200" rtl="0" eaLnBrk="1" latinLnBrk="0" hangingPunct="1">
+        <a:spcBef>
+          <a:spcPts val="1000"/>
+        </a:spcBef>
+        <a:spcAft>
+          <a:spcPts val="0"/>
+        </a:spcAft>
+        <a:buClr>
+          <a:schemeClr val="accent1"/>
+        </a:buClr>
+        <a:buFont typeface="Wingdings 3" charset="2"/>
+        <a:buChar char=""/>
+        <a:defRPr kumimoji="1" sz="1200" kern="1200">
+          <a:solidFill>
+            <a:schemeClr val="tx1">
+              <a:lumMod val="75000"/>
+              <a:lumOff val="25000"/>
+            </a:schemeClr>
+          </a:solidFill>
+          <a:latin typeface="+mn-lt"/>
+          <a:ea typeface="+mn-ea"/>
+          <a:cs typeface="+mn-cs"/>
+        </a:defRPr>
+      </a:lvl9pPr>
+    </p:bodyStyle>
+    <p:otherStyle>
+      <a:defPPr>
+        <a:defRPr lang="en-US"/>
+      </a:defPPr>
+      <a:lvl1pPr marL="0" algn="l" defTabSz="457200" rtl="0" eaLnBrk="1" latinLnBrk="0" hangingPunct="1">
+        <a:defRPr kumimoji="1" sz="1800" kern="1200">
           <a:solidFill>
             <a:schemeClr val="tx1"/>
           </a:solidFill>
@@ -2991,16 +7871,8 @@
           <a:cs typeface="+mn-cs"/>
         </a:defRPr>
       </a:lvl1pPr>
-      <a:lvl2pPr marL="685800" indent="-228600" algn="l" defTabSz="914400" rtl="0" eaLnBrk="1" latinLnBrk="0" hangingPunct="1">
-        <a:lnSpc>
-          <a:spcPct val="90000"/>
-        </a:lnSpc>
-        <a:spcBef>
-          <a:spcPts val="500"/>
-        </a:spcBef>
-        <a:buFont typeface="Arial" panose="020B0604020202020204" pitchFamily="34" charset="0"/>
-        <a:buChar char="•"/>
-        <a:defRPr kumimoji="1" sz="2400" kern="1200">
+      <a:lvl2pPr marL="457200" algn="l" defTabSz="457200" rtl="0" eaLnBrk="1" latinLnBrk="0" hangingPunct="1">
+        <a:defRPr kumimoji="1" sz="1800" kern="1200">
           <a:solidFill>
             <a:schemeClr val="tx1"/>
           </a:solidFill>
@@ -3009,16 +7881,8 @@
           <a:cs typeface="+mn-cs"/>
         </a:defRPr>
       </a:lvl2pPr>
-      <a:lvl3pPr marL="1143000" indent="-228600" algn="l" defTabSz="914400" rtl="0" eaLnBrk="1" latinLnBrk="0" hangingPunct="1">
-        <a:lnSpc>
-          <a:spcPct val="90000"/>
-        </a:lnSpc>
-        <a:spcBef>
-          <a:spcPts val="500"/>
-        </a:spcBef>
-        <a:buFont typeface="Arial" panose="020B0604020202020204" pitchFamily="34" charset="0"/>
-        <a:buChar char="•"/>
-        <a:defRPr kumimoji="1" sz="2000" kern="1200">
+      <a:lvl3pPr marL="914400" algn="l" defTabSz="457200" rtl="0" eaLnBrk="1" latinLnBrk="0" hangingPunct="1">
+        <a:defRPr kumimoji="1" sz="1800" kern="1200">
           <a:solidFill>
             <a:schemeClr val="tx1"/>
           </a:solidFill>
@@ -3027,15 +7891,7 @@
           <a:cs typeface="+mn-cs"/>
         </a:defRPr>
       </a:lvl3pPr>
-      <a:lvl4pPr marL="1600200" indent="-228600" algn="l" defTabSz="914400" rtl="0" eaLnBrk="1" latinLnBrk="0" hangingPunct="1">
-        <a:lnSpc>
-          <a:spcPct val="90000"/>
-        </a:lnSpc>
-        <a:spcBef>
-          <a:spcPts val="500"/>
-        </a:spcBef>
-        <a:buFont typeface="Arial" panose="020B0604020202020204" pitchFamily="34" charset="0"/>
-        <a:buChar char="•"/>
+      <a:lvl4pPr marL="1371600" algn="l" defTabSz="457200" rtl="0" eaLnBrk="1" latinLnBrk="0" hangingPunct="1">
         <a:defRPr kumimoji="1" sz="1800" kern="1200">
           <a:solidFill>
             <a:schemeClr val="tx1"/>
@@ -3045,15 +7901,7 @@
           <a:cs typeface="+mn-cs"/>
         </a:defRPr>
       </a:lvl4pPr>
-      <a:lvl5pPr marL="2057400" indent="-228600" algn="l" defTabSz="914400" rtl="0" eaLnBrk="1" latinLnBrk="0" hangingPunct="1">
-        <a:lnSpc>
-          <a:spcPct val="90000"/>
-        </a:lnSpc>
-        <a:spcBef>
-          <a:spcPts val="500"/>
-        </a:spcBef>
-        <a:buFont typeface="Arial" panose="020B0604020202020204" pitchFamily="34" charset="0"/>
-        <a:buChar char="•"/>
+      <a:lvl5pPr marL="1828800" algn="l" defTabSz="457200" rtl="0" eaLnBrk="1" latinLnBrk="0" hangingPunct="1">
         <a:defRPr kumimoji="1" sz="1800" kern="1200">
           <a:solidFill>
             <a:schemeClr val="tx1"/>
@@ -3063,15 +7911,7 @@
           <a:cs typeface="+mn-cs"/>
         </a:defRPr>
       </a:lvl5pPr>
-      <a:lvl6pPr marL="2514600" indent="-228600" algn="l" defTabSz="914400" rtl="0" eaLnBrk="1" latinLnBrk="0" hangingPunct="1">
-        <a:lnSpc>
-          <a:spcPct val="90000"/>
-        </a:lnSpc>
-        <a:spcBef>
-          <a:spcPts val="500"/>
-        </a:spcBef>
-        <a:buFont typeface="Arial" panose="020B0604020202020204" pitchFamily="34" charset="0"/>
-        <a:buChar char="•"/>
+      <a:lvl6pPr marL="2286000" algn="l" defTabSz="457200" rtl="0" eaLnBrk="1" latinLnBrk="0" hangingPunct="1">
         <a:defRPr kumimoji="1" sz="1800" kern="1200">
           <a:solidFill>
             <a:schemeClr val="tx1"/>
@@ -3081,15 +7921,7 @@
           <a:cs typeface="+mn-cs"/>
         </a:defRPr>
       </a:lvl6pPr>
-      <a:lvl7pPr marL="2971800" indent="-228600" algn="l" defTabSz="914400" rtl="0" eaLnBrk="1" latinLnBrk="0" hangingPunct="1">
-        <a:lnSpc>
-          <a:spcPct val="90000"/>
-        </a:lnSpc>
-        <a:spcBef>
-          <a:spcPts val="500"/>
-        </a:spcBef>
-        <a:buFont typeface="Arial" panose="020B0604020202020204" pitchFamily="34" charset="0"/>
-        <a:buChar char="•"/>
+      <a:lvl7pPr marL="2743200" algn="l" defTabSz="457200" rtl="0" eaLnBrk="1" latinLnBrk="0" hangingPunct="1">
         <a:defRPr kumimoji="1" sz="1800" kern="1200">
           <a:solidFill>
             <a:schemeClr val="tx1"/>
@@ -3099,15 +7931,7 @@
           <a:cs typeface="+mn-cs"/>
         </a:defRPr>
       </a:lvl7pPr>
-      <a:lvl8pPr marL="3429000" indent="-228600" algn="l" defTabSz="914400" rtl="0" eaLnBrk="1" latinLnBrk="0" hangingPunct="1">
-        <a:lnSpc>
-          <a:spcPct val="90000"/>
-        </a:lnSpc>
-        <a:spcBef>
-          <a:spcPts val="500"/>
-        </a:spcBef>
-        <a:buFont typeface="Arial" panose="020B0604020202020204" pitchFamily="34" charset="0"/>
-        <a:buChar char="•"/>
+      <a:lvl8pPr marL="3200400" algn="l" defTabSz="457200" rtl="0" eaLnBrk="1" latinLnBrk="0" hangingPunct="1">
         <a:defRPr kumimoji="1" sz="1800" kern="1200">
           <a:solidFill>
             <a:schemeClr val="tx1"/>
@@ -3117,110 +7941,7 @@
           <a:cs typeface="+mn-cs"/>
         </a:defRPr>
       </a:lvl8pPr>
-      <a:lvl9pPr marL="3886200" indent="-228600" algn="l" defTabSz="914400" rtl="0" eaLnBrk="1" latinLnBrk="0" hangingPunct="1">
-        <a:lnSpc>
-          <a:spcPct val="90000"/>
-        </a:lnSpc>
-        <a:spcBef>
-          <a:spcPts val="500"/>
-        </a:spcBef>
-        <a:buFont typeface="Arial" panose="020B0604020202020204" pitchFamily="34" charset="0"/>
-        <a:buChar char="•"/>
-        <a:defRPr kumimoji="1" sz="1800" kern="1200">
-          <a:solidFill>
-            <a:schemeClr val="tx1"/>
-          </a:solidFill>
-          <a:latin typeface="+mn-lt"/>
-          <a:ea typeface="+mn-ea"/>
-          <a:cs typeface="+mn-cs"/>
-        </a:defRPr>
-      </a:lvl9pPr>
-    </p:bodyStyle>
-    <p:otherStyle>
-      <a:defPPr>
-        <a:defRPr lang="ja-JP"/>
-      </a:defPPr>
-      <a:lvl1pPr marL="0" algn="l" defTabSz="914400" rtl="0" eaLnBrk="1" latinLnBrk="0" hangingPunct="1">
-        <a:defRPr kumimoji="1" sz="1800" kern="1200">
-          <a:solidFill>
-            <a:schemeClr val="tx1"/>
-          </a:solidFill>
-          <a:latin typeface="+mn-lt"/>
-          <a:ea typeface="+mn-ea"/>
-          <a:cs typeface="+mn-cs"/>
-        </a:defRPr>
-      </a:lvl1pPr>
-      <a:lvl2pPr marL="457200" algn="l" defTabSz="914400" rtl="0" eaLnBrk="1" latinLnBrk="0" hangingPunct="1">
-        <a:defRPr kumimoji="1" sz="1800" kern="1200">
-          <a:solidFill>
-            <a:schemeClr val="tx1"/>
-          </a:solidFill>
-          <a:latin typeface="+mn-lt"/>
-          <a:ea typeface="+mn-ea"/>
-          <a:cs typeface="+mn-cs"/>
-        </a:defRPr>
-      </a:lvl2pPr>
-      <a:lvl3pPr marL="914400" algn="l" defTabSz="914400" rtl="0" eaLnBrk="1" latinLnBrk="0" hangingPunct="1">
-        <a:defRPr kumimoji="1" sz="1800" kern="1200">
-          <a:solidFill>
-            <a:schemeClr val="tx1"/>
-          </a:solidFill>
-          <a:latin typeface="+mn-lt"/>
-          <a:ea typeface="+mn-ea"/>
-          <a:cs typeface="+mn-cs"/>
-        </a:defRPr>
-      </a:lvl3pPr>
-      <a:lvl4pPr marL="1371600" algn="l" defTabSz="914400" rtl="0" eaLnBrk="1" latinLnBrk="0" hangingPunct="1">
-        <a:defRPr kumimoji="1" sz="1800" kern="1200">
-          <a:solidFill>
-            <a:schemeClr val="tx1"/>
-          </a:solidFill>
-          <a:latin typeface="+mn-lt"/>
-          <a:ea typeface="+mn-ea"/>
-          <a:cs typeface="+mn-cs"/>
-        </a:defRPr>
-      </a:lvl4pPr>
-      <a:lvl5pPr marL="1828800" algn="l" defTabSz="914400" rtl="0" eaLnBrk="1" latinLnBrk="0" hangingPunct="1">
-        <a:defRPr kumimoji="1" sz="1800" kern="1200">
-          <a:solidFill>
-            <a:schemeClr val="tx1"/>
-          </a:solidFill>
-          <a:latin typeface="+mn-lt"/>
-          <a:ea typeface="+mn-ea"/>
-          <a:cs typeface="+mn-cs"/>
-        </a:defRPr>
-      </a:lvl5pPr>
-      <a:lvl6pPr marL="2286000" algn="l" defTabSz="914400" rtl="0" eaLnBrk="1" latinLnBrk="0" hangingPunct="1">
-        <a:defRPr kumimoji="1" sz="1800" kern="1200">
-          <a:solidFill>
-            <a:schemeClr val="tx1"/>
-          </a:solidFill>
-          <a:latin typeface="+mn-lt"/>
-          <a:ea typeface="+mn-ea"/>
-          <a:cs typeface="+mn-cs"/>
-        </a:defRPr>
-      </a:lvl6pPr>
-      <a:lvl7pPr marL="2743200" algn="l" defTabSz="914400" rtl="0" eaLnBrk="1" latinLnBrk="0" hangingPunct="1">
-        <a:defRPr kumimoji="1" sz="1800" kern="1200">
-          <a:solidFill>
-            <a:schemeClr val="tx1"/>
-          </a:solidFill>
-          <a:latin typeface="+mn-lt"/>
-          <a:ea typeface="+mn-ea"/>
-          <a:cs typeface="+mn-cs"/>
-        </a:defRPr>
-      </a:lvl7pPr>
-      <a:lvl8pPr marL="3200400" algn="l" defTabSz="914400" rtl="0" eaLnBrk="1" latinLnBrk="0" hangingPunct="1">
-        <a:defRPr kumimoji="1" sz="1800" kern="1200">
-          <a:solidFill>
-            <a:schemeClr val="tx1"/>
-          </a:solidFill>
-          <a:latin typeface="+mn-lt"/>
-          <a:ea typeface="+mn-ea"/>
-          <a:cs typeface="+mn-cs"/>
-        </a:defRPr>
-      </a:lvl8pPr>
-      <a:lvl9pPr marL="3657600" algn="l" defTabSz="914400" rtl="0" eaLnBrk="1" latinLnBrk="0" hangingPunct="1">
+      <a:lvl9pPr marL="3657600" algn="l" defTabSz="457200" rtl="0" eaLnBrk="1" latinLnBrk="0" hangingPunct="1">
         <a:defRPr kumimoji="1" sz="1800" kern="1200">
           <a:solidFill>
             <a:schemeClr val="tx1"/>
@@ -3252,30 +7973,200 @@
           <a:chExt cx="0" cy="0"/>
         </a:xfrm>
       </p:grpSpPr>
-      <p:pic>
-        <p:nvPicPr>
-          <p:cNvPr id="4" name="図 3"/>
-          <p:cNvPicPr>
-            <a:picLocks noChangeAspect="1"/>
-          </p:cNvPicPr>
+      <p:sp>
+        <p:nvSpPr>
+          <p:cNvPr id="5" name="正方形/長方形 4"/>
+          <p:cNvSpPr/>
           <p:nvPr/>
-        </p:nvPicPr>
-        <p:blipFill>
-          <a:blip r:embed="rId2"/>
-          <a:stretch>
-            <a:fillRect/>
-          </a:stretch>
-        </p:blipFill>
+        </p:nvSpPr>
         <p:spPr>
           <a:xfrm>
-            <a:off x="-3431117" y="0"/>
-            <a:ext cx="15030450" cy="9648825"/>
+            <a:off x="2384208" y="2086187"/>
+            <a:ext cx="7340471" cy="923330"/>
           </a:xfrm>
           <a:prstGeom prst="rect">
             <a:avLst/>
           </a:prstGeom>
+          <a:noFill/>
         </p:spPr>
-      </p:pic>
+        <p:txBody>
+          <a:bodyPr wrap="none" lIns="91440" tIns="45720" rIns="91440" bIns="45720">
+            <a:spAutoFit/>
+          </a:bodyPr>
+          <a:lstStyle/>
+          <a:p>
+            <a:pPr algn="ctr"/>
+            <a:r>
+              <a:rPr lang="en-US" altLang="ja-JP" sz="5400" u="sng" dirty="0" err="1" smtClean="0">
+                <a:ln w="0"/>
+                <a:effectLst>
+                  <a:outerShdw blurRad="38100" dist="19050" dir="2700000" algn="tl" rotWithShape="0">
+                    <a:schemeClr val="dk1">
+                      <a:alpha val="40000"/>
+                    </a:schemeClr>
+                  </a:outerShdw>
+                </a:effectLst>
+              </a:rPr>
+              <a:t>ChatGPT</a:t>
+            </a:r>
+            <a:r>
+              <a:rPr lang="ja-JP" altLang="en-US" sz="5400" u="sng" dirty="0" smtClean="0">
+                <a:ln w="0"/>
+                <a:effectLst>
+                  <a:outerShdw blurRad="38100" dist="19050" dir="2700000" algn="tl" rotWithShape="0">
+                    <a:schemeClr val="dk1">
+                      <a:alpha val="40000"/>
+                    </a:schemeClr>
+                  </a:outerShdw>
+                </a:effectLst>
+              </a:rPr>
+              <a:t>の悪用と検証</a:t>
+            </a:r>
+            <a:endParaRPr lang="ja-JP" altLang="en-US" sz="5400" b="0" u="sng" cap="none" spc="0" dirty="0">
+              <a:ln w="0"/>
+              <a:solidFill>
+                <a:schemeClr val="tx1"/>
+              </a:solidFill>
+              <a:effectLst>
+                <a:outerShdw blurRad="38100" dist="19050" dir="2700000" algn="tl" rotWithShape="0">
+                  <a:schemeClr val="dk1">
+                    <a:alpha val="40000"/>
+                  </a:schemeClr>
+                </a:outerShdw>
+              </a:effectLst>
+            </a:endParaRPr>
+          </a:p>
+        </p:txBody>
+      </p:sp>
+    </p:spTree>
+    <p:extLst>
+      <p:ext uri="{BB962C8B-B14F-4D97-AF65-F5344CB8AC3E}">
+        <p14:creationId xmlns:p14="http://schemas.microsoft.com/office/powerpoint/2010/main" val="2204667183"/>
+      </p:ext>
+    </p:extLst>
+  </p:cSld>
+  <p:clrMapOvr>
+    <a:masterClrMapping/>
+  </p:clrMapOvr>
+  <p:timing>
+    <p:tnLst>
+      <p:par>
+        <p:cTn id="1" dur="indefinite" restart="never" nodeType="tmRoot"/>
+      </p:par>
+    </p:tnLst>
+  </p:timing>
+</p:sld>
+</file>
+
+<file path=ppt/slides/slide2.xml><?xml version="1.0" encoding="utf-8"?>
+<p:sld xmlns:a="http://schemas.openxmlformats.org/drawingml/2006/main" xmlns:r="http://schemas.openxmlformats.org/officeDocument/2006/relationships" xmlns:p="http://schemas.openxmlformats.org/presentationml/2006/main">
+  <p:cSld>
+    <p:spTree>
+      <p:nvGrpSpPr>
+        <p:cNvPr id="1" name=""/>
+        <p:cNvGrpSpPr/>
+        <p:nvPr/>
+      </p:nvGrpSpPr>
+      <p:grpSpPr>
+        <a:xfrm>
+          <a:off x="0" y="0"/>
+          <a:ext cx="0" cy="0"/>
+          <a:chOff x="0" y="0"/>
+          <a:chExt cx="0" cy="0"/>
+        </a:xfrm>
+      </p:grpSpPr>
+      <p:sp>
+        <p:nvSpPr>
+          <p:cNvPr id="4" name="正方形/長方形 3"/>
+          <p:cNvSpPr/>
+          <p:nvPr/>
+        </p:nvSpPr>
+        <p:spPr>
+          <a:xfrm>
+            <a:off x="1911265" y="523393"/>
+            <a:ext cx="1569660" cy="923330"/>
+          </a:xfrm>
+          <a:prstGeom prst="rect">
+            <a:avLst/>
+          </a:prstGeom>
+          <a:noFill/>
+        </p:spPr>
+        <p:txBody>
+          <a:bodyPr wrap="none" lIns="91440" tIns="45720" rIns="91440" bIns="45720">
+            <a:spAutoFit/>
+          </a:bodyPr>
+          <a:lstStyle/>
+          <a:p>
+            <a:pPr algn="ctr"/>
+            <a:r>
+              <a:rPr lang="ja-JP" altLang="en-US" sz="5400" b="0" u="sng" cap="none" spc="0" dirty="0" smtClean="0">
+                <a:ln w="0"/>
+                <a:solidFill>
+                  <a:schemeClr val="tx1"/>
+                </a:solidFill>
+                <a:effectLst>
+                  <a:outerShdw blurRad="38100" dist="19050" dir="2700000" algn="tl" rotWithShape="0">
+                    <a:schemeClr val="dk1">
+                      <a:alpha val="40000"/>
+                    </a:schemeClr>
+                  </a:outerShdw>
+                </a:effectLst>
+              </a:rPr>
+              <a:t>目次</a:t>
+            </a:r>
+            <a:endParaRPr lang="ja-JP" altLang="en-US" sz="5400" b="0" u="sng" cap="none" spc="0" dirty="0">
+              <a:ln w="0"/>
+              <a:solidFill>
+                <a:schemeClr val="tx1"/>
+              </a:solidFill>
+              <a:effectLst>
+                <a:outerShdw blurRad="38100" dist="19050" dir="2700000" algn="tl" rotWithShape="0">
+                  <a:schemeClr val="dk1">
+                    <a:alpha val="40000"/>
+                  </a:schemeClr>
+                </a:outerShdw>
+              </a:effectLst>
+            </a:endParaRPr>
+          </a:p>
+        </p:txBody>
+      </p:sp>
+    </p:spTree>
+    <p:extLst>
+      <p:ext uri="{BB962C8B-B14F-4D97-AF65-F5344CB8AC3E}">
+        <p14:creationId xmlns:p14="http://schemas.microsoft.com/office/powerpoint/2010/main" val="267234265"/>
+      </p:ext>
+    </p:extLst>
+  </p:cSld>
+  <p:clrMapOvr>
+    <a:masterClrMapping/>
+  </p:clrMapOvr>
+  <p:timing>
+    <p:tnLst>
+      <p:par>
+        <p:cTn id="1" dur="indefinite" restart="never" nodeType="tmRoot"/>
+      </p:par>
+    </p:tnLst>
+  </p:timing>
+</p:sld>
+</file>
+
+<file path=ppt/slides/slide3.xml><?xml version="1.0" encoding="utf-8"?>
+<p:sld xmlns:a="http://schemas.openxmlformats.org/drawingml/2006/main" xmlns:r="http://schemas.openxmlformats.org/officeDocument/2006/relationships" xmlns:p="http://schemas.openxmlformats.org/presentationml/2006/main">
+  <p:cSld>
+    <p:spTree>
+      <p:nvGrpSpPr>
+        <p:cNvPr id="1" name=""/>
+        <p:cNvGrpSpPr/>
+        <p:nvPr/>
+      </p:nvGrpSpPr>
+      <p:grpSpPr>
+        <a:xfrm>
+          <a:off x="0" y="0"/>
+          <a:ext cx="0" cy="0"/>
+          <a:chOff x="0" y="0"/>
+          <a:chExt cx="0" cy="0"/>
+        </a:xfrm>
+      </p:grpSpPr>
       <p:pic>
         <p:nvPicPr>
           <p:cNvPr id="6" name="図 5"/>
@@ -3285,7 +8176,7 @@
           <p:nvPr/>
         </p:nvPicPr>
         <p:blipFill>
-          <a:blip r:embed="rId3">
+          <a:blip r:embed="rId2">
             <a:extLst>
               <a:ext uri="{28A0092B-C50C-407E-A947-70E740481C1C}">
                 <a14:useLocalDpi xmlns:a14="http://schemas.microsoft.com/office/drawing/2010/main" val="0"/>
@@ -3306,6 +8197,300 @@
           </a:prstGeom>
         </p:spPr>
       </p:pic>
+      <p:pic>
+        <p:nvPicPr>
+          <p:cNvPr id="2" name="図 1"/>
+          <p:cNvPicPr>
+            <a:picLocks noChangeAspect="1"/>
+          </p:cNvPicPr>
+          <p:nvPr/>
+        </p:nvPicPr>
+        <p:blipFill>
+          <a:blip r:embed="rId3"/>
+          <a:stretch>
+            <a:fillRect/>
+          </a:stretch>
+        </p:blipFill>
+        <p:spPr>
+          <a:xfrm>
+            <a:off x="-5054599" y="0"/>
+            <a:ext cx="17246599" cy="9906000"/>
+          </a:xfrm>
+          <a:prstGeom prst="rect">
+            <a:avLst/>
+          </a:prstGeom>
+        </p:spPr>
+      </p:pic>
+      <p:pic>
+        <p:nvPicPr>
+          <p:cNvPr id="3" name="図 2"/>
+          <p:cNvPicPr>
+            <a:picLocks noChangeAspect="1"/>
+          </p:cNvPicPr>
+          <p:nvPr/>
+        </p:nvPicPr>
+        <p:blipFill>
+          <a:blip r:embed="rId4">
+            <a:extLst>
+              <a:ext uri="{28A0092B-C50C-407E-A947-70E740481C1C}">
+                <a14:useLocalDpi xmlns:a14="http://schemas.microsoft.com/office/drawing/2010/main" val="0"/>
+              </a:ext>
+            </a:extLst>
+          </a:blip>
+          <a:stretch>
+            <a:fillRect/>
+          </a:stretch>
+        </p:blipFill>
+        <p:spPr>
+          <a:xfrm>
+            <a:off x="1138358" y="1516853"/>
+            <a:ext cx="3324689" cy="657317"/>
+          </a:xfrm>
+          <a:prstGeom prst="rect">
+            <a:avLst/>
+          </a:prstGeom>
+        </p:spPr>
+      </p:pic>
+      <p:sp>
+        <p:nvSpPr>
+          <p:cNvPr id="5" name="テキスト ボックス 4"/>
+          <p:cNvSpPr txBox="1"/>
+          <p:nvPr/>
+        </p:nvSpPr>
+        <p:spPr>
+          <a:xfrm>
+            <a:off x="1989667" y="3132667"/>
+            <a:ext cx="6697133" cy="369332"/>
+          </a:xfrm>
+          <a:prstGeom prst="rect">
+            <a:avLst/>
+          </a:prstGeom>
+          <a:noFill/>
+        </p:spPr>
+        <p:txBody>
+          <a:bodyPr wrap="square" rtlCol="0">
+            <a:spAutoFit/>
+          </a:bodyPr>
+          <a:lstStyle/>
+          <a:p>
+            <a:r>
+              <a:rPr kumimoji="1" lang="ja-JP" altLang="en-US" dirty="0" smtClean="0"/>
+              <a:t>とても恐ろしい発言</a:t>
+            </a:r>
+            <a:endParaRPr kumimoji="1" lang="ja-JP" altLang="en-US" dirty="0"/>
+          </a:p>
+        </p:txBody>
+      </p:sp>
+      <p:pic>
+        <p:nvPicPr>
+          <p:cNvPr id="8" name="図 7"/>
+          <p:cNvPicPr>
+            <a:picLocks noChangeAspect="1"/>
+          </p:cNvPicPr>
+          <p:nvPr/>
+        </p:nvPicPr>
+        <p:blipFill>
+          <a:blip r:embed="rId2">
+            <a:extLst>
+              <a:ext uri="{28A0092B-C50C-407E-A947-70E740481C1C}">
+                <a14:useLocalDpi xmlns:a14="http://schemas.microsoft.com/office/drawing/2010/main" val="0"/>
+              </a:ext>
+            </a:extLst>
+          </a:blip>
+          <a:stretch>
+            <a:fillRect/>
+          </a:stretch>
+        </p:blipFill>
+        <p:spPr>
+          <a:xfrm>
+            <a:off x="-220133" y="3159331"/>
+            <a:ext cx="12412133" cy="3698669"/>
+          </a:xfrm>
+          <a:prstGeom prst="rect">
+            <a:avLst/>
+          </a:prstGeom>
+        </p:spPr>
+      </p:pic>
+      <p:sp>
+        <p:nvSpPr>
+          <p:cNvPr id="11" name="正方形/長方形 10"/>
+          <p:cNvSpPr/>
+          <p:nvPr/>
+        </p:nvSpPr>
+        <p:spPr>
+          <a:xfrm>
+            <a:off x="-300646" y="1466333"/>
+            <a:ext cx="13534047" cy="851933"/>
+          </a:xfrm>
+          <a:prstGeom prst="rect">
+            <a:avLst/>
+          </a:prstGeom>
+          <a:noFill/>
+          <a:ln>
+            <a:noFill/>
+          </a:ln>
+        </p:spPr>
+        <p:style>
+          <a:lnRef idx="2">
+            <a:schemeClr val="accent1">
+              <a:shade val="50000"/>
+            </a:schemeClr>
+          </a:lnRef>
+          <a:fillRef idx="1">
+            <a:schemeClr val="accent1"/>
+          </a:fillRef>
+          <a:effectRef idx="0">
+            <a:schemeClr val="accent1"/>
+          </a:effectRef>
+          <a:fontRef idx="minor">
+            <a:schemeClr val="lt1"/>
+          </a:fontRef>
+        </p:style>
+        <p:txBody>
+          <a:bodyPr rtlCol="0" anchor="ctr"/>
+          <a:lstStyle/>
+          <a:p>
+            <a:pPr algn="ctr"/>
+            <a:endParaRPr kumimoji="1" lang="ja-JP" altLang="en-US"/>
+          </a:p>
+        </p:txBody>
+      </p:sp>
+      <p:pic>
+        <p:nvPicPr>
+          <p:cNvPr id="13" name="図 12"/>
+          <p:cNvPicPr>
+            <a:picLocks noChangeAspect="1"/>
+          </p:cNvPicPr>
+          <p:nvPr/>
+        </p:nvPicPr>
+        <p:blipFill>
+          <a:blip r:embed="rId5">
+            <a:extLst>
+              <a:ext uri="{28A0092B-C50C-407E-A947-70E740481C1C}">
+                <a14:useLocalDpi xmlns:a14="http://schemas.microsoft.com/office/drawing/2010/main" val="0"/>
+              </a:ext>
+            </a:extLst>
+          </a:blip>
+          <a:stretch>
+            <a:fillRect/>
+          </a:stretch>
+        </p:blipFill>
+        <p:spPr>
+          <a:xfrm>
+            <a:off x="1198737" y="2428279"/>
+            <a:ext cx="2543530" cy="613892"/>
+          </a:xfrm>
+          <a:prstGeom prst="rect">
+            <a:avLst/>
+          </a:prstGeom>
+        </p:spPr>
+      </p:pic>
+      <p:pic>
+        <p:nvPicPr>
+          <p:cNvPr id="14" name="図 13"/>
+          <p:cNvPicPr>
+            <a:picLocks noChangeAspect="1"/>
+          </p:cNvPicPr>
+          <p:nvPr/>
+        </p:nvPicPr>
+        <p:blipFill>
+          <a:blip r:embed="rId6">
+            <a:extLst>
+              <a:ext uri="{28A0092B-C50C-407E-A947-70E740481C1C}">
+                <a14:useLocalDpi xmlns:a14="http://schemas.microsoft.com/office/drawing/2010/main" val="0"/>
+              </a:ext>
+            </a:extLst>
+          </a:blip>
+          <a:stretch>
+            <a:fillRect/>
+          </a:stretch>
+        </p:blipFill>
+        <p:spPr>
+          <a:xfrm>
+            <a:off x="1090528" y="3244707"/>
+            <a:ext cx="4105848" cy="2867425"/>
+          </a:xfrm>
+          <a:prstGeom prst="rect">
+            <a:avLst/>
+          </a:prstGeom>
+        </p:spPr>
+      </p:pic>
+      <p:sp>
+        <p:nvSpPr>
+          <p:cNvPr id="16" name="正方形/長方形 15"/>
+          <p:cNvSpPr/>
+          <p:nvPr/>
+        </p:nvSpPr>
+        <p:spPr>
+          <a:xfrm>
+            <a:off x="5071533" y="3632200"/>
+            <a:ext cx="6163734" cy="1676400"/>
+          </a:xfrm>
+          <a:prstGeom prst="rect">
+            <a:avLst/>
+          </a:prstGeom>
+          <a:solidFill>
+            <a:srgbClr val="F7F7F8"/>
+          </a:solidFill>
+          <a:ln>
+            <a:noFill/>
+          </a:ln>
+        </p:spPr>
+        <p:style>
+          <a:lnRef idx="2">
+            <a:schemeClr val="accent1">
+              <a:shade val="50000"/>
+            </a:schemeClr>
+          </a:lnRef>
+          <a:fillRef idx="1">
+            <a:schemeClr val="accent1"/>
+          </a:fillRef>
+          <a:effectRef idx="0">
+            <a:schemeClr val="accent1"/>
+          </a:effectRef>
+          <a:fontRef idx="minor">
+            <a:schemeClr val="lt1"/>
+          </a:fontRef>
+        </p:style>
+        <p:txBody>
+          <a:bodyPr rtlCol="0" anchor="ctr"/>
+          <a:lstStyle/>
+          <a:p>
+            <a:pPr algn="ctr"/>
+            <a:endParaRPr kumimoji="1" lang="ja-JP" altLang="en-US"/>
+          </a:p>
+        </p:txBody>
+      </p:sp>
+      <p:pic>
+        <p:nvPicPr>
+          <p:cNvPr id="17" name="図 16"/>
+          <p:cNvPicPr>
+            <a:picLocks noChangeAspect="1"/>
+          </p:cNvPicPr>
+          <p:nvPr/>
+        </p:nvPicPr>
+        <p:blipFill>
+          <a:blip r:embed="rId7">
+            <a:extLst>
+              <a:ext uri="{28A0092B-C50C-407E-A947-70E740481C1C}">
+                <a14:useLocalDpi xmlns:a14="http://schemas.microsoft.com/office/drawing/2010/main" val="0"/>
+              </a:ext>
+            </a:extLst>
+          </a:blip>
+          <a:stretch>
+            <a:fillRect/>
+          </a:stretch>
+        </p:blipFill>
+        <p:spPr>
+          <a:xfrm>
+            <a:off x="7636344" y="3424205"/>
+            <a:ext cx="847843" cy="285790"/>
+          </a:xfrm>
+          <a:prstGeom prst="rect">
+            <a:avLst/>
+          </a:prstGeom>
+        </p:spPr>
+      </p:pic>
     </p:spTree>
     <p:extLst>
       <p:ext uri="{BB962C8B-B14F-4D97-AF65-F5344CB8AC3E}">
@@ -3316,13 +8501,57 @@
   <p:clrMapOvr>
     <a:masterClrMapping/>
   </p:clrMapOvr>
+  <p:timing>
+    <p:tnLst>
+      <p:par>
+        <p:cTn id="1" dur="indefinite" restart="never" nodeType="tmRoot"/>
+      </p:par>
+    </p:tnLst>
+  </p:timing>
+</p:sld>
+</file>
+
+<file path=ppt/slides/slide4.xml><?xml version="1.0" encoding="utf-8"?>
+<p:sld xmlns:a="http://schemas.openxmlformats.org/drawingml/2006/main" xmlns:r="http://schemas.openxmlformats.org/officeDocument/2006/relationships" xmlns:p="http://schemas.openxmlformats.org/presentationml/2006/main">
+  <p:cSld>
+    <p:spTree>
+      <p:nvGrpSpPr>
+        <p:cNvPr id="1" name=""/>
+        <p:cNvGrpSpPr/>
+        <p:nvPr/>
+      </p:nvGrpSpPr>
+      <p:grpSpPr>
+        <a:xfrm>
+          <a:off x="0" y="0"/>
+          <a:ext cx="0" cy="0"/>
+          <a:chOff x="0" y="0"/>
+          <a:chExt cx="0" cy="0"/>
+        </a:xfrm>
+      </p:grpSpPr>
+    </p:spTree>
+    <p:extLst>
+      <p:ext uri="{BB962C8B-B14F-4D97-AF65-F5344CB8AC3E}">
+        <p14:creationId xmlns:p14="http://schemas.microsoft.com/office/powerpoint/2010/main" val="15877068"/>
+      </p:ext>
+    </p:extLst>
+  </p:cSld>
+  <p:clrMapOvr>
+    <a:masterClrMapping/>
+  </p:clrMapOvr>
+  <p:timing>
+    <p:tnLst>
+      <p:par>
+        <p:cTn id="1" dur="indefinite" restart="never" nodeType="tmRoot"/>
+      </p:par>
+    </p:tnLst>
+  </p:timing>
 </p:sld>
 </file>
 
 <file path=ppt/theme/theme1.xml><?xml version="1.0" encoding="utf-8"?>
-<a:theme xmlns:a="http://schemas.openxmlformats.org/drawingml/2006/main" name="Office テーマ">
+<a:theme xmlns:a="http://schemas.openxmlformats.org/drawingml/2006/main" name="ウィスプ">
   <a:themeElements>
-    <a:clrScheme name="Office">
+    <a:clrScheme name="ウィスプ">
       <a:dk1>
         <a:sysClr val="windowText" lastClr="000000"/>
       </a:dk1>
@@ -3330,83 +8559,48 @@
         <a:sysClr val="window" lastClr="FFFFFF"/>
       </a:lt1>
       <a:dk2>
-        <a:srgbClr val="44546A"/>
+        <a:srgbClr val="766F54"/>
       </a:dk2>
       <a:lt2>
-        <a:srgbClr val="E7E6E6"/>
+        <a:srgbClr val="E3EACF"/>
       </a:lt2>
       <a:accent1>
-        <a:srgbClr val="5B9BD5"/>
+        <a:srgbClr val="A53010"/>
       </a:accent1>
       <a:accent2>
-        <a:srgbClr val="ED7D31"/>
+        <a:srgbClr val="DE7E18"/>
       </a:accent2>
       <a:accent3>
-        <a:srgbClr val="A5A5A5"/>
+        <a:srgbClr val="9F8351"/>
       </a:accent3>
       <a:accent4>
-        <a:srgbClr val="FFC000"/>
+        <a:srgbClr val="728653"/>
       </a:accent4>
       <a:accent5>
-        <a:srgbClr val="4472C4"/>
+        <a:srgbClr val="92AA4C"/>
       </a:accent5>
       <a:accent6>
-        <a:srgbClr val="70AD47"/>
+        <a:srgbClr val="6AAC91"/>
       </a:accent6>
       <a:hlink>
-        <a:srgbClr val="0563C1"/>
+        <a:srgbClr val="FB4A18"/>
       </a:hlink>
       <a:folHlink>
-        <a:srgbClr val="954F72"/>
+        <a:srgbClr val="FB9318"/>
       </a:folHlink>
     </a:clrScheme>
-    <a:fontScheme name="Office">
+    <a:fontScheme name="ウィスプ">
       <a:majorFont>
-        <a:latin typeface="游ゴシック Light" panose="020F0302020204030204"/>
+        <a:latin typeface="Century Gothic" panose="020B0502020202020204"/>
         <a:ea typeface=""/>
         <a:cs typeface=""/>
-        <a:font script="Jpan" typeface="游ゴシック Light"/>
-        <a:font script="Hang" typeface="맑은 고딕"/>
-        <a:font script="Hans" typeface="等线 Light"/>
-        <a:font script="Hant" typeface="新細明體"/>
-        <a:font script="Arab" typeface="Times New Roman"/>
-        <a:font script="Hebr" typeface="Times New Roman"/>
-        <a:font script="Thai" typeface="Angsana New"/>
-        <a:font script="Ethi" typeface="Nyala"/>
-        <a:font script="Beng" typeface="Vrinda"/>
-        <a:font script="Gujr" typeface="Shruti"/>
-        <a:font script="Khmr" typeface="MoolBoran"/>
-        <a:font script="Knda" typeface="Tunga"/>
-        <a:font script="Guru" typeface="Raavi"/>
-        <a:font script="Cans" typeface="Euphemia"/>
-        <a:font script="Cher" typeface="Plantagenet Cherokee"/>
-        <a:font script="Yiii" typeface="Microsoft Yi Baiti"/>
-        <a:font script="Tibt" typeface="Microsoft Himalaya"/>
-        <a:font script="Thaa" typeface="MV Boli"/>
-        <a:font script="Deva" typeface="Mangal"/>
-        <a:font script="Telu" typeface="Gautami"/>
-        <a:font script="Taml" typeface="Latha"/>
-        <a:font script="Syrc" typeface="Estrangelo Edessa"/>
-        <a:font script="Orya" typeface="Kalinga"/>
-        <a:font script="Mlym" typeface="Kartika"/>
-        <a:font script="Laoo" typeface="DokChampa"/>
-        <a:font script="Sinh" typeface="Iskoola Pota"/>
-        <a:font script="Mong" typeface="Mongolian Baiti"/>
-        <a:font script="Viet" typeface="Times New Roman"/>
-        <a:font script="Uigh" typeface="Microsoft Uighur"/>
-        <a:font script="Geor" typeface="Sylfaen"/>
-      </a:majorFont>
-      <a:minorFont>
-        <a:latin typeface="游ゴシック" panose="020F0502020204030204"/>
-        <a:ea typeface=""/>
-        <a:cs typeface=""/>
-        <a:font script="Jpan" typeface="游ゴシック"/>
-        <a:font script="Hang" typeface="맑은 고딕"/>
-        <a:font script="Hans" typeface="等线"/>
-        <a:font script="Hant" typeface="新細明體"/>
-        <a:font script="Arab" typeface="Arial"/>
-        <a:font script="Hebr" typeface="Arial"/>
-        <a:font script="Thai" typeface="Cordia New"/>
+        <a:font script="Jpan" typeface="メイリオ"/>
+        <a:font script="Hang" typeface="HY중고딕"/>
+        <a:font script="Hans" typeface="幼圆"/>
+        <a:font script="Hant" typeface="微軟正黑體"/>
+        <a:font script="Arab" typeface="Tahoma"/>
+        <a:font script="Hebr" typeface="Gisha"/>
+        <a:font script="Thai" typeface="DilleniaUPC"/>
         <a:font script="Ethi" typeface="Nyala"/>
         <a:font script="Beng" typeface="Vrinda"/>
         <a:font script="Gujr" typeface="Shruti"/>
@@ -3427,13 +8621,121 @@
         <a:font script="Laoo" typeface="DokChampa"/>
         <a:font script="Sinh" typeface="Iskoola Pota"/>
         <a:font script="Mong" typeface="Mongolian Baiti"/>
-        <a:font script="Viet" typeface="Arial"/>
+        <a:font script="Viet" typeface="Tahoma"/>
+        <a:font script="Uigh" typeface="Microsoft Uighur"/>
+        <a:font script="Geor" typeface="Sylfaen"/>
+      </a:majorFont>
+      <a:minorFont>
+        <a:latin typeface="Century Gothic" panose="020B0502020202020204"/>
+        <a:ea typeface=""/>
+        <a:cs typeface=""/>
+        <a:font script="Jpan" typeface="メイリオ"/>
+        <a:font script="Hang" typeface="HY중고딕"/>
+        <a:font script="Hans" typeface="幼圆"/>
+        <a:font script="Hant" typeface="微軟正黑體"/>
+        <a:font script="Arab" typeface="Tahoma"/>
+        <a:font script="Hebr" typeface="Gisha"/>
+        <a:font script="Thai" typeface="DilleniaUPC"/>
+        <a:font script="Ethi" typeface="Nyala"/>
+        <a:font script="Beng" typeface="Vrinda"/>
+        <a:font script="Gujr" typeface="Shruti"/>
+        <a:font script="Khmr" typeface="DaunPenh"/>
+        <a:font script="Knda" typeface="Tunga"/>
+        <a:font script="Guru" typeface="Raavi"/>
+        <a:font script="Cans" typeface="Euphemia"/>
+        <a:font script="Cher" typeface="Plantagenet Cherokee"/>
+        <a:font script="Yiii" typeface="Microsoft Yi Baiti"/>
+        <a:font script="Tibt" typeface="Microsoft Himalaya"/>
+        <a:font script="Thaa" typeface="MV Boli"/>
+        <a:font script="Deva" typeface="Mangal"/>
+        <a:font script="Telu" typeface="Gautami"/>
+        <a:font script="Taml" typeface="Latha"/>
+        <a:font script="Syrc" typeface="Estrangelo Edessa"/>
+        <a:font script="Orya" typeface="Kalinga"/>
+        <a:font script="Mlym" typeface="Kartika"/>
+        <a:font script="Laoo" typeface="DokChampa"/>
+        <a:font script="Sinh" typeface="Iskoola Pota"/>
+        <a:font script="Mong" typeface="Mongolian Baiti"/>
+        <a:font script="Viet" typeface="Tahoma"/>
         <a:font script="Uigh" typeface="Microsoft Uighur"/>
         <a:font script="Geor" typeface="Sylfaen"/>
       </a:minorFont>
     </a:fontScheme>
-    <a:fmtScheme name="Office">
+    <a:fmtScheme name="ウィスプ">
       <a:fillStyleLst>
+        <a:solidFill>
+          <a:schemeClr val="phClr"/>
+        </a:solidFill>
+        <a:solidFill>
+          <a:schemeClr val="phClr">
+            <a:tint val="70000"/>
+            <a:lumMod val="104000"/>
+          </a:schemeClr>
+        </a:solidFill>
+        <a:gradFill rotWithShape="1">
+          <a:gsLst>
+            <a:gs pos="0">
+              <a:schemeClr val="phClr">
+                <a:tint val="96000"/>
+                <a:lumMod val="104000"/>
+              </a:schemeClr>
+            </a:gs>
+            <a:gs pos="100000">
+              <a:schemeClr val="phClr">
+                <a:shade val="98000"/>
+                <a:lumMod val="94000"/>
+              </a:schemeClr>
+            </a:gs>
+          </a:gsLst>
+          <a:lin ang="5400000" scaled="0"/>
+        </a:gradFill>
+      </a:fillStyleLst>
+      <a:lnStyleLst>
+        <a:ln w="9525" cap="rnd" cmpd="sng" algn="ctr">
+          <a:solidFill>
+            <a:schemeClr val="phClr">
+              <a:shade val="90000"/>
+            </a:schemeClr>
+          </a:solidFill>
+          <a:prstDash val="solid"/>
+        </a:ln>
+        <a:ln w="15875" cap="rnd" cmpd="sng" algn="ctr">
+          <a:solidFill>
+            <a:schemeClr val="phClr"/>
+          </a:solidFill>
+          <a:prstDash val="solid"/>
+        </a:ln>
+        <a:ln w="22225" cap="rnd" cmpd="sng" algn="ctr">
+          <a:solidFill>
+            <a:schemeClr val="phClr"/>
+          </a:solidFill>
+          <a:prstDash val="solid"/>
+        </a:ln>
+      </a:lnStyleLst>
+      <a:effectStyleLst>
+        <a:effectStyle>
+          <a:effectLst/>
+        </a:effectStyle>
+        <a:effectStyle>
+          <a:effectLst>
+            <a:outerShdw blurRad="38100" dist="25400" dir="5400000" rotWithShape="0">
+              <a:srgbClr val="000000">
+                <a:alpha val="25000"/>
+              </a:srgbClr>
+            </a:outerShdw>
+          </a:effectLst>
+        </a:effectStyle>
+        <a:effectStyle>
+          <a:effectLst>
+            <a:outerShdw blurRad="50800" dist="38100" dir="5400000" rotWithShape="0">
+              <a:srgbClr val="000000">
+                <a:alpha val="60000"/>
+              </a:srgbClr>
+            </a:outerShdw>
+          </a:effectLst>
+        </a:effectStyle>
+      </a:effectStyleLst>
+      <a:bgFillStyleLst>
         <a:solidFill>
           <a:schemeClr val="phClr"/>
         </a:solidFill>
@@ -3441,23 +8743,15 @@
           <a:gsLst>
             <a:gs pos="0">
               <a:schemeClr val="phClr">
-                <a:lumMod val="110000"/>
-                <a:satMod val="105000"/>
-                <a:tint val="67000"/>
-              </a:schemeClr>
-            </a:gs>
-            <a:gs pos="50000">
-              <a:schemeClr val="phClr">
-                <a:lumMod val="105000"/>
-                <a:satMod val="103000"/>
-                <a:tint val="73000"/>
+                <a:tint val="90000"/>
+                <a:lumMod val="120000"/>
               </a:schemeClr>
             </a:gs>
             <a:gs pos="100000">
               <a:schemeClr val="phClr">
-                <a:lumMod val="105000"/>
-                <a:satMod val="109000"/>
-                <a:tint val="81000"/>
+                <a:shade val="98000"/>
+                <a:satMod val="120000"/>
+                <a:lumMod val="98000"/>
               </a:schemeClr>
             </a:gs>
           </a:gsLst>
@@ -3467,105 +8761,22 @@
           <a:gsLst>
             <a:gs pos="0">
               <a:schemeClr val="phClr">
-                <a:satMod val="103000"/>
-                <a:lumMod val="102000"/>
-                <a:tint val="94000"/>
-              </a:schemeClr>
-            </a:gs>
-            <a:gs pos="50000">
-              <a:schemeClr val="phClr">
-                <a:satMod val="110000"/>
-                <a:lumMod val="100000"/>
-                <a:shade val="100000"/>
+                <a:tint val="90000"/>
+                <a:satMod val="92000"/>
+                <a:lumMod val="120000"/>
               </a:schemeClr>
             </a:gs>
             <a:gs pos="100000">
               <a:schemeClr val="phClr">
-                <a:lumMod val="99000"/>
+                <a:shade val="98000"/>
                 <a:satMod val="120000"/>
-                <a:shade val="78000"/>
+                <a:lumMod val="98000"/>
               </a:schemeClr>
             </a:gs>
           </a:gsLst>
-          <a:lin ang="5400000" scaled="0"/>
-        </a:gradFill>
-      </a:fillStyleLst>
-      <a:lnStyleLst>
-        <a:ln w="6350" cap="flat" cmpd="sng" algn="ctr">
-          <a:solidFill>
-            <a:schemeClr val="phClr"/>
-          </a:solidFill>
-          <a:prstDash val="solid"/>
-          <a:miter lim="800000"/>
-        </a:ln>
-        <a:ln w="12700" cap="flat" cmpd="sng" algn="ctr">
-          <a:solidFill>
-            <a:schemeClr val="phClr"/>
-          </a:solidFill>
-          <a:prstDash val="solid"/>
-          <a:miter lim="800000"/>
-        </a:ln>
-        <a:ln w="19050" cap="flat" cmpd="sng" algn="ctr">
-          <a:solidFill>
-            <a:schemeClr val="phClr"/>
-          </a:solidFill>
-          <a:prstDash val="solid"/>
-          <a:miter lim="800000"/>
-        </a:ln>
-      </a:lnStyleLst>
-      <a:effectStyleLst>
-        <a:effectStyle>
-          <a:effectLst/>
-        </a:effectStyle>
-        <a:effectStyle>
-          <a:effectLst/>
-        </a:effectStyle>
-        <a:effectStyle>
-          <a:effectLst>
-            <a:outerShdw blurRad="57150" dist="19050" dir="5400000" algn="ctr" rotWithShape="0">
-              <a:srgbClr val="000000">
-                <a:alpha val="63000"/>
-              </a:srgbClr>
-            </a:outerShdw>
-          </a:effectLst>
-        </a:effectStyle>
-      </a:effectStyleLst>
-      <a:bgFillStyleLst>
-        <a:solidFill>
-          <a:schemeClr val="phClr"/>
-        </a:solidFill>
-        <a:solidFill>
-          <a:schemeClr val="phClr">
-            <a:tint val="95000"/>
-            <a:satMod val="170000"/>
-          </a:schemeClr>
-        </a:solidFill>
-        <a:gradFill rotWithShape="1">
-          <a:gsLst>
-            <a:gs pos="0">
-              <a:schemeClr val="phClr">
-                <a:tint val="93000"/>
-                <a:satMod val="150000"/>
-                <a:shade val="98000"/>
-                <a:lumMod val="102000"/>
-              </a:schemeClr>
-            </a:gs>
-            <a:gs pos="50000">
-              <a:schemeClr val="phClr">
-                <a:tint val="98000"/>
-                <a:satMod val="130000"/>
-                <a:shade val="90000"/>
-                <a:lumMod val="103000"/>
-              </a:schemeClr>
-            </a:gs>
-            <a:gs pos="100000">
-              <a:schemeClr val="phClr">
-                <a:shade val="63000"/>
-                <a:satMod val="120000"/>
-              </a:schemeClr>
-            </a:gs>
-          </a:gsLst>
-          <a:lin ang="5400000" scaled="0"/>
+          <a:path path="circle">
+            <a:fillToRect l="50000" t="50000" r="100000" b="100000"/>
+          </a:path>
         </a:gradFill>
       </a:bgFillStyleLst>
     </a:fmtScheme>
@@ -3574,7 +8785,7 @@
   <a:extraClrSchemeLst/>
   <a:extLst>
     <a:ext uri="{05A4C25C-085E-4340-85A3-A5531E510DB2}">
-      <thm15:themeFamily xmlns:thm15="http://schemas.microsoft.com/office/thememl/2012/main" name="Office Theme" id="{62F939B6-93AF-4DB8-9C6B-D6C7DFDC589F}" vid="{4A3C46E8-61CC-4603-A589-7422A47A8E4A}"/>
+      <thm15:themeFamily xmlns:thm15="http://schemas.microsoft.com/office/thememl/2012/main" name="Wisp" id="{7CB32D59-10C0-40DD-B7BD-2E94284A981C}" vid="{24B1A44C-C006-48B2-A4D7-E5549B3D8CD4}"/>
     </a:ext>
   </a:extLst>
 </a:theme>

--- a/その他/夏休みの課題のゲーム/GODAIGOisME_by森田/夏課題_ネットワーク技術/発表用.pptx
+++ b/その他/夏休みの課題のゲーム/GODAIGOisME_by森田/夏課題_ネットワーク技術/発表用.pptx
@@ -4,11 +4,17 @@
   <p:sldMasterIdLst>
     <p:sldMasterId id="2147483672" r:id="rId1"/>
   </p:sldMasterIdLst>
+  <p:notesMasterIdLst>
+    <p:notesMasterId r:id="rId9"/>
+  </p:notesMasterIdLst>
   <p:sldIdLst>
     <p:sldId id="258" r:id="rId2"/>
     <p:sldId id="259" r:id="rId3"/>
     <p:sldId id="256" r:id="rId4"/>
     <p:sldId id="257" r:id="rId5"/>
+    <p:sldId id="260" r:id="rId6"/>
+    <p:sldId id="261" r:id="rId7"/>
+    <p:sldId id="262" r:id="rId8"/>
   </p:sldIdLst>
   <p:sldSz cx="12192000" cy="6858000"/>
   <p:notesSz cx="6858000" cy="9144000"/>
@@ -115,6 +121,388 @@
 </p:presentation>
 </file>
 
+<file path=ppt/notesMasters/notesMaster1.xml><?xml version="1.0" encoding="utf-8"?>
+<p:notesMaster xmlns:a="http://schemas.openxmlformats.org/drawingml/2006/main" xmlns:r="http://schemas.openxmlformats.org/officeDocument/2006/relationships" xmlns:p="http://schemas.openxmlformats.org/presentationml/2006/main">
+  <p:cSld>
+    <p:bg>
+      <p:bgRef idx="1001">
+        <a:schemeClr val="bg1"/>
+      </p:bgRef>
+    </p:bg>
+    <p:spTree>
+      <p:nvGrpSpPr>
+        <p:cNvPr id="1" name=""/>
+        <p:cNvGrpSpPr/>
+        <p:nvPr/>
+      </p:nvGrpSpPr>
+      <p:grpSpPr>
+        <a:xfrm>
+          <a:off x="0" y="0"/>
+          <a:ext cx="0" cy="0"/>
+          <a:chOff x="0" y="0"/>
+          <a:chExt cx="0" cy="0"/>
+        </a:xfrm>
+      </p:grpSpPr>
+      <p:sp>
+        <p:nvSpPr>
+          <p:cNvPr id="2" name="ヘッダー プレースホルダー 1"/>
+          <p:cNvSpPr>
+            <a:spLocks noGrp="1"/>
+          </p:cNvSpPr>
+          <p:nvPr>
+            <p:ph type="hdr" sz="quarter"/>
+          </p:nvPr>
+        </p:nvSpPr>
+        <p:spPr>
+          <a:xfrm>
+            <a:off x="0" y="0"/>
+            <a:ext cx="2971800" cy="458788"/>
+          </a:xfrm>
+          <a:prstGeom prst="rect">
+            <a:avLst/>
+          </a:prstGeom>
+        </p:spPr>
+        <p:txBody>
+          <a:bodyPr vert="horz" lIns="91440" tIns="45720" rIns="91440" bIns="45720" rtlCol="0"/>
+          <a:lstStyle>
+            <a:lvl1pPr algn="l">
+              <a:defRPr sz="1200"/>
+            </a:lvl1pPr>
+          </a:lstStyle>
+          <a:p>
+            <a:endParaRPr kumimoji="1" lang="ja-JP" altLang="en-US"/>
+          </a:p>
+        </p:txBody>
+      </p:sp>
+      <p:sp>
+        <p:nvSpPr>
+          <p:cNvPr id="3" name="日付プレースホルダー 2"/>
+          <p:cNvSpPr>
+            <a:spLocks noGrp="1"/>
+          </p:cNvSpPr>
+          <p:nvPr>
+            <p:ph type="dt" idx="1"/>
+          </p:nvPr>
+        </p:nvSpPr>
+        <p:spPr>
+          <a:xfrm>
+            <a:off x="3884613" y="0"/>
+            <a:ext cx="2971800" cy="458788"/>
+          </a:xfrm>
+          <a:prstGeom prst="rect">
+            <a:avLst/>
+          </a:prstGeom>
+        </p:spPr>
+        <p:txBody>
+          <a:bodyPr vert="horz" lIns="91440" tIns="45720" rIns="91440" bIns="45720" rtlCol="0"/>
+          <a:lstStyle>
+            <a:lvl1pPr algn="r">
+              <a:defRPr sz="1200"/>
+            </a:lvl1pPr>
+          </a:lstStyle>
+          <a:p>
+            <a:fld id="{8030C415-7070-4884-A32C-E3B7BC30EFDF}" type="datetimeFigureOut">
+              <a:rPr kumimoji="1" lang="ja-JP" altLang="en-US" smtClean="0"/>
+              <a:t>2023/9/6</a:t>
+            </a:fld>
+            <a:endParaRPr kumimoji="1" lang="ja-JP" altLang="en-US"/>
+          </a:p>
+        </p:txBody>
+      </p:sp>
+      <p:sp>
+        <p:nvSpPr>
+          <p:cNvPr id="4" name="スライド イメージ プレースホルダー 3"/>
+          <p:cNvSpPr>
+            <a:spLocks noGrp="1" noRot="1" noChangeAspect="1"/>
+          </p:cNvSpPr>
+          <p:nvPr>
+            <p:ph type="sldImg" idx="2"/>
+          </p:nvPr>
+        </p:nvSpPr>
+        <p:spPr>
+          <a:xfrm>
+            <a:off x="685800" y="1143000"/>
+            <a:ext cx="5486400" cy="3086100"/>
+          </a:xfrm>
+          <a:prstGeom prst="rect">
+            <a:avLst/>
+          </a:prstGeom>
+          <a:noFill/>
+          <a:ln w="12700">
+            <a:solidFill>
+              <a:prstClr val="black"/>
+            </a:solidFill>
+          </a:ln>
+        </p:spPr>
+        <p:txBody>
+          <a:bodyPr vert="horz" lIns="91440" tIns="45720" rIns="91440" bIns="45720" rtlCol="0" anchor="ctr"/>
+          <a:lstStyle/>
+          <a:p>
+            <a:endParaRPr lang="ja-JP" altLang="en-US"/>
+          </a:p>
+        </p:txBody>
+      </p:sp>
+      <p:sp>
+        <p:nvSpPr>
+          <p:cNvPr id="5" name="ノート プレースホルダー 4"/>
+          <p:cNvSpPr>
+            <a:spLocks noGrp="1"/>
+          </p:cNvSpPr>
+          <p:nvPr>
+            <p:ph type="body" sz="quarter" idx="3"/>
+          </p:nvPr>
+        </p:nvSpPr>
+        <p:spPr>
+          <a:xfrm>
+            <a:off x="685800" y="4400550"/>
+            <a:ext cx="5486400" cy="3600450"/>
+          </a:xfrm>
+          <a:prstGeom prst="rect">
+            <a:avLst/>
+          </a:prstGeom>
+        </p:spPr>
+        <p:txBody>
+          <a:bodyPr vert="horz" lIns="91440" tIns="45720" rIns="91440" bIns="45720" rtlCol="0"/>
+          <a:lstStyle/>
+          <a:p>
+            <a:pPr lvl="0"/>
+            <a:r>
+              <a:rPr kumimoji="1" lang="ja-JP" altLang="en-US" smtClean="0"/>
+              <a:t>マスター テキストの書式設定</a:t>
+            </a:r>
+          </a:p>
+          <a:p>
+            <a:pPr lvl="1"/>
+            <a:r>
+              <a:rPr kumimoji="1" lang="ja-JP" altLang="en-US" smtClean="0"/>
+              <a:t>第 </a:t>
+            </a:r>
+            <a:r>
+              <a:rPr kumimoji="1" lang="en-US" altLang="ja-JP" smtClean="0"/>
+              <a:t>2 </a:t>
+            </a:r>
+            <a:r>
+              <a:rPr kumimoji="1" lang="ja-JP" altLang="en-US" smtClean="0"/>
+              <a:t>レベル</a:t>
+            </a:r>
+          </a:p>
+          <a:p>
+            <a:pPr lvl="2"/>
+            <a:r>
+              <a:rPr kumimoji="1" lang="ja-JP" altLang="en-US" smtClean="0"/>
+              <a:t>第 </a:t>
+            </a:r>
+            <a:r>
+              <a:rPr kumimoji="1" lang="en-US" altLang="ja-JP" smtClean="0"/>
+              <a:t>3 </a:t>
+            </a:r>
+            <a:r>
+              <a:rPr kumimoji="1" lang="ja-JP" altLang="en-US" smtClean="0"/>
+              <a:t>レベル</a:t>
+            </a:r>
+          </a:p>
+          <a:p>
+            <a:pPr lvl="3"/>
+            <a:r>
+              <a:rPr kumimoji="1" lang="ja-JP" altLang="en-US" smtClean="0"/>
+              <a:t>第 </a:t>
+            </a:r>
+            <a:r>
+              <a:rPr kumimoji="1" lang="en-US" altLang="ja-JP" smtClean="0"/>
+              <a:t>4 </a:t>
+            </a:r>
+            <a:r>
+              <a:rPr kumimoji="1" lang="ja-JP" altLang="en-US" smtClean="0"/>
+              <a:t>レベル</a:t>
+            </a:r>
+          </a:p>
+          <a:p>
+            <a:pPr lvl="4"/>
+            <a:r>
+              <a:rPr kumimoji="1" lang="ja-JP" altLang="en-US" smtClean="0"/>
+              <a:t>第 </a:t>
+            </a:r>
+            <a:r>
+              <a:rPr kumimoji="1" lang="en-US" altLang="ja-JP" smtClean="0"/>
+              <a:t>5 </a:t>
+            </a:r>
+            <a:r>
+              <a:rPr kumimoji="1" lang="ja-JP" altLang="en-US" smtClean="0"/>
+              <a:t>レベル</a:t>
+            </a:r>
+            <a:endParaRPr kumimoji="1" lang="ja-JP" altLang="en-US"/>
+          </a:p>
+        </p:txBody>
+      </p:sp>
+      <p:sp>
+        <p:nvSpPr>
+          <p:cNvPr id="6" name="フッター プレースホルダー 5"/>
+          <p:cNvSpPr>
+            <a:spLocks noGrp="1"/>
+          </p:cNvSpPr>
+          <p:nvPr>
+            <p:ph type="ftr" sz="quarter" idx="4"/>
+          </p:nvPr>
+        </p:nvSpPr>
+        <p:spPr>
+          <a:xfrm>
+            <a:off x="0" y="8685213"/>
+            <a:ext cx="2971800" cy="458787"/>
+          </a:xfrm>
+          <a:prstGeom prst="rect">
+            <a:avLst/>
+          </a:prstGeom>
+        </p:spPr>
+        <p:txBody>
+          <a:bodyPr vert="horz" lIns="91440" tIns="45720" rIns="91440" bIns="45720" rtlCol="0" anchor="b"/>
+          <a:lstStyle>
+            <a:lvl1pPr algn="l">
+              <a:defRPr sz="1200"/>
+            </a:lvl1pPr>
+          </a:lstStyle>
+          <a:p>
+            <a:endParaRPr kumimoji="1" lang="ja-JP" altLang="en-US"/>
+          </a:p>
+        </p:txBody>
+      </p:sp>
+      <p:sp>
+        <p:nvSpPr>
+          <p:cNvPr id="7" name="スライド番号プレースホルダー 6"/>
+          <p:cNvSpPr>
+            <a:spLocks noGrp="1"/>
+          </p:cNvSpPr>
+          <p:nvPr>
+            <p:ph type="sldNum" sz="quarter" idx="5"/>
+          </p:nvPr>
+        </p:nvSpPr>
+        <p:spPr>
+          <a:xfrm>
+            <a:off x="3884613" y="8685213"/>
+            <a:ext cx="2971800" cy="458787"/>
+          </a:xfrm>
+          <a:prstGeom prst="rect">
+            <a:avLst/>
+          </a:prstGeom>
+        </p:spPr>
+        <p:txBody>
+          <a:bodyPr vert="horz" lIns="91440" tIns="45720" rIns="91440" bIns="45720" rtlCol="0" anchor="b"/>
+          <a:lstStyle>
+            <a:lvl1pPr algn="r">
+              <a:defRPr sz="1200"/>
+            </a:lvl1pPr>
+          </a:lstStyle>
+          <a:p>
+            <a:fld id="{E1951D08-B460-46B9-9138-D53F22B96BC4}" type="slidenum">
+              <a:rPr kumimoji="1" lang="ja-JP" altLang="en-US" smtClean="0"/>
+              <a:t>‹#›</a:t>
+            </a:fld>
+            <a:endParaRPr kumimoji="1" lang="ja-JP" altLang="en-US"/>
+          </a:p>
+        </p:txBody>
+      </p:sp>
+    </p:spTree>
+    <p:extLst>
+      <p:ext uri="{BB962C8B-B14F-4D97-AF65-F5344CB8AC3E}">
+        <p14:creationId xmlns:p14="http://schemas.microsoft.com/office/powerpoint/2010/main" val="2968837079"/>
+      </p:ext>
+    </p:extLst>
+  </p:cSld>
+  <p:clrMap bg1="lt1" tx1="dk1" bg2="lt2" tx2="dk2" accent1="accent1" accent2="accent2" accent3="accent3" accent4="accent4" accent5="accent5" accent6="accent6" hlink="hlink" folHlink="folHlink"/>
+  <p:notesStyle>
+    <a:lvl1pPr marL="0" algn="l" defTabSz="914400" rtl="0" eaLnBrk="1" latinLnBrk="0" hangingPunct="1">
+      <a:defRPr kumimoji="1" sz="1200" kern="1200">
+        <a:solidFill>
+          <a:schemeClr val="tx1"/>
+        </a:solidFill>
+        <a:latin typeface="+mn-lt"/>
+        <a:ea typeface="+mn-ea"/>
+        <a:cs typeface="+mn-cs"/>
+      </a:defRPr>
+    </a:lvl1pPr>
+    <a:lvl2pPr marL="457200" algn="l" defTabSz="914400" rtl="0" eaLnBrk="1" latinLnBrk="0" hangingPunct="1">
+      <a:defRPr kumimoji="1" sz="1200" kern="1200">
+        <a:solidFill>
+          <a:schemeClr val="tx1"/>
+        </a:solidFill>
+        <a:latin typeface="+mn-lt"/>
+        <a:ea typeface="+mn-ea"/>
+        <a:cs typeface="+mn-cs"/>
+      </a:defRPr>
+    </a:lvl2pPr>
+    <a:lvl3pPr marL="914400" algn="l" defTabSz="914400" rtl="0" eaLnBrk="1" latinLnBrk="0" hangingPunct="1">
+      <a:defRPr kumimoji="1" sz="1200" kern="1200">
+        <a:solidFill>
+          <a:schemeClr val="tx1"/>
+        </a:solidFill>
+        <a:latin typeface="+mn-lt"/>
+        <a:ea typeface="+mn-ea"/>
+        <a:cs typeface="+mn-cs"/>
+      </a:defRPr>
+    </a:lvl3pPr>
+    <a:lvl4pPr marL="1371600" algn="l" defTabSz="914400" rtl="0" eaLnBrk="1" latinLnBrk="0" hangingPunct="1">
+      <a:defRPr kumimoji="1" sz="1200" kern="1200">
+        <a:solidFill>
+          <a:schemeClr val="tx1"/>
+        </a:solidFill>
+        <a:latin typeface="+mn-lt"/>
+        <a:ea typeface="+mn-ea"/>
+        <a:cs typeface="+mn-cs"/>
+      </a:defRPr>
+    </a:lvl4pPr>
+    <a:lvl5pPr marL="1828800" algn="l" defTabSz="914400" rtl="0" eaLnBrk="1" latinLnBrk="0" hangingPunct="1">
+      <a:defRPr kumimoji="1" sz="1200" kern="1200">
+        <a:solidFill>
+          <a:schemeClr val="tx1"/>
+        </a:solidFill>
+        <a:latin typeface="+mn-lt"/>
+        <a:ea typeface="+mn-ea"/>
+        <a:cs typeface="+mn-cs"/>
+      </a:defRPr>
+    </a:lvl5pPr>
+    <a:lvl6pPr marL="2286000" algn="l" defTabSz="914400" rtl="0" eaLnBrk="1" latinLnBrk="0" hangingPunct="1">
+      <a:defRPr kumimoji="1" sz="1200" kern="1200">
+        <a:solidFill>
+          <a:schemeClr val="tx1"/>
+        </a:solidFill>
+        <a:latin typeface="+mn-lt"/>
+        <a:ea typeface="+mn-ea"/>
+        <a:cs typeface="+mn-cs"/>
+      </a:defRPr>
+    </a:lvl6pPr>
+    <a:lvl7pPr marL="2743200" algn="l" defTabSz="914400" rtl="0" eaLnBrk="1" latinLnBrk="0" hangingPunct="1">
+      <a:defRPr kumimoji="1" sz="1200" kern="1200">
+        <a:solidFill>
+          <a:schemeClr val="tx1"/>
+        </a:solidFill>
+        <a:latin typeface="+mn-lt"/>
+        <a:ea typeface="+mn-ea"/>
+        <a:cs typeface="+mn-cs"/>
+      </a:defRPr>
+    </a:lvl7pPr>
+    <a:lvl8pPr marL="3200400" algn="l" defTabSz="914400" rtl="0" eaLnBrk="1" latinLnBrk="0" hangingPunct="1">
+      <a:defRPr kumimoji="1" sz="1200" kern="1200">
+        <a:solidFill>
+          <a:schemeClr val="tx1"/>
+        </a:solidFill>
+        <a:latin typeface="+mn-lt"/>
+        <a:ea typeface="+mn-ea"/>
+        <a:cs typeface="+mn-cs"/>
+      </a:defRPr>
+    </a:lvl8pPr>
+    <a:lvl9pPr marL="3657600" algn="l" defTabSz="914400" rtl="0" eaLnBrk="1" latinLnBrk="0" hangingPunct="1">
+      <a:defRPr kumimoji="1" sz="1200" kern="1200">
+        <a:solidFill>
+          <a:schemeClr val="tx1"/>
+        </a:solidFill>
+        <a:latin typeface="+mn-lt"/>
+        <a:ea typeface="+mn-ea"/>
+        <a:cs typeface="+mn-cs"/>
+      </a:defRPr>
+    </a:lvl9pPr>
+  </p:notesStyle>
+</p:notesMaster>
+</file>
+
 <file path=ppt/slideLayouts/slideLayout1.xml><?xml version="1.0" encoding="utf-8"?>
 <p:sldLayout xmlns:a="http://schemas.openxmlformats.org/drawingml/2006/main" xmlns:r="http://schemas.openxmlformats.org/officeDocument/2006/relationships" xmlns:p="http://schemas.openxmlformats.org/presentationml/2006/main" type="title" preserve="1">
   <p:cSld name="タイトル スライド">
@@ -301,9 +689,9 @@
           <a:bodyPr/>
           <a:lstStyle/>
           <a:p>
-            <a:fld id="{444AF1EE-23B7-43C4-B6A6-270F9C56AB86}" type="datetimeFigureOut">
+            <a:fld id="{E5D89FEA-7399-43CD-8F33-757D6D721D5E}" type="datetime1">
               <a:rPr kumimoji="1" lang="ja-JP" altLang="en-US" smtClean="0"/>
-              <a:t>2023/7/12</a:t>
+              <a:t>2023/9/6</a:t>
             </a:fld>
             <a:endParaRPr kumimoji="1" lang="ja-JP" altLang="en-US"/>
           </a:p>
@@ -448,6 +836,13 @@
   <p:clrMapOvr>
     <a:masterClrMapping/>
   </p:clrMapOvr>
+  <p:timing>
+    <p:tnLst>
+      <p:par>
+        <p:cTn id="1" dur="indefinite" restart="never" nodeType="tmRoot"/>
+      </p:par>
+    </p:tnLst>
+  </p:timing>
 </p:sldLayout>
 </file>
 
@@ -639,9 +1034,9 @@
           <a:bodyPr/>
           <a:lstStyle/>
           <a:p>
-            <a:fld id="{444AF1EE-23B7-43C4-B6A6-270F9C56AB86}" type="datetimeFigureOut">
+            <a:fld id="{165EEECD-E901-4F20-8D80-F0B2A4EE262D}" type="datetime1">
               <a:rPr kumimoji="1" lang="ja-JP" altLang="en-US" smtClean="0"/>
-              <a:t>2023/7/12</a:t>
+              <a:t>2023/9/6</a:t>
             </a:fld>
             <a:endParaRPr kumimoji="1" lang="ja-JP" altLang="en-US"/>
           </a:p>
@@ -1040,9 +1435,9 @@
           <a:bodyPr/>
           <a:lstStyle/>
           <a:p>
-            <a:fld id="{444AF1EE-23B7-43C4-B6A6-270F9C56AB86}" type="datetimeFigureOut">
+            <a:fld id="{67032DBC-8611-48BD-A50E-07EF234FBFB7}" type="datetime1">
               <a:rPr kumimoji="1" lang="ja-JP" altLang="en-US" smtClean="0"/>
-              <a:t>2023/7/12</a:t>
+              <a:t>2023/9/6</a:t>
             </a:fld>
             <a:endParaRPr kumimoji="1" lang="ja-JP" altLang="en-US"/>
           </a:p>
@@ -1376,9 +1771,9 @@
           <a:bodyPr/>
           <a:lstStyle/>
           <a:p>
-            <a:fld id="{444AF1EE-23B7-43C4-B6A6-270F9C56AB86}" type="datetimeFigureOut">
+            <a:fld id="{23CF0506-9BB4-49E7-93AF-23946052BC2B}" type="datetime1">
               <a:rPr kumimoji="1" lang="ja-JP" altLang="en-US" smtClean="0"/>
-              <a:t>2023/7/12</a:t>
+              <a:t>2023/9/6</a:t>
             </a:fld>
             <a:endParaRPr kumimoji="1" lang="ja-JP" altLang="en-US"/>
           </a:p>
@@ -1696,9 +2091,9 @@
           <a:bodyPr/>
           <a:lstStyle/>
           <a:p>
-            <a:fld id="{444AF1EE-23B7-43C4-B6A6-270F9C56AB86}" type="datetimeFigureOut">
+            <a:fld id="{40D93DD6-A59A-4484-8748-BACE721D5CE1}" type="datetime1">
               <a:rPr kumimoji="1" lang="ja-JP" altLang="en-US" smtClean="0"/>
-              <a:t>2023/7/12</a:t>
+              <a:t>2023/9/6</a:t>
             </a:fld>
             <a:endParaRPr kumimoji="1" lang="ja-JP" altLang="en-US"/>
           </a:p>
@@ -2092,9 +2487,9 @@
           <a:bodyPr/>
           <a:lstStyle/>
           <a:p>
-            <a:fld id="{444AF1EE-23B7-43C4-B6A6-270F9C56AB86}" type="datetimeFigureOut">
+            <a:fld id="{4C3B8828-DAD2-41B4-8739-9061EE627A33}" type="datetime1">
               <a:rPr kumimoji="1" lang="ja-JP" altLang="en-US" smtClean="0"/>
-              <a:t>2023/7/12</a:t>
+              <a:t>2023/9/6</a:t>
             </a:fld>
             <a:endParaRPr kumimoji="1" lang="ja-JP" altLang="en-US"/>
           </a:p>
@@ -2381,9 +2776,9 @@
           <a:bodyPr/>
           <a:lstStyle/>
           <a:p>
-            <a:fld id="{444AF1EE-23B7-43C4-B6A6-270F9C56AB86}" type="datetimeFigureOut">
+            <a:fld id="{E0AEE272-B787-4B17-8B85-DFF9FC2555B9}" type="datetime1">
               <a:rPr kumimoji="1" lang="ja-JP" altLang="en-US" smtClean="0"/>
-              <a:t>2023/7/12</a:t>
+              <a:t>2023/9/6</a:t>
             </a:fld>
             <a:endParaRPr kumimoji="1" lang="ja-JP" altLang="en-US"/>
           </a:p>
@@ -2675,9 +3070,9 @@
           <a:bodyPr/>
           <a:lstStyle/>
           <a:p>
-            <a:fld id="{444AF1EE-23B7-43C4-B6A6-270F9C56AB86}" type="datetimeFigureOut">
+            <a:fld id="{F2C85E6D-F997-47C5-9540-6439570F5439}" type="datetime1">
               <a:rPr kumimoji="1" lang="ja-JP" altLang="en-US" smtClean="0"/>
-              <a:t>2023/7/12</a:t>
+              <a:t>2023/9/6</a:t>
             </a:fld>
             <a:endParaRPr kumimoji="1" lang="ja-JP" altLang="en-US"/>
           </a:p>
@@ -2887,67 +3282,67 @@
           <a:p>
             <a:pPr lvl="0"/>
             <a:r>
-              <a:rPr lang="ja-JP" altLang="en-US" smtClean="0"/>
+              <a:rPr lang="ja-JP" altLang="en-US" dirty="0" smtClean="0"/>
               <a:t>マスター テキストの書式設定</a:t>
             </a:r>
           </a:p>
           <a:p>
             <a:pPr lvl="1"/>
             <a:r>
-              <a:rPr lang="ja-JP" altLang="en-US" smtClean="0"/>
+              <a:rPr lang="ja-JP" altLang="en-US" dirty="0" smtClean="0"/>
               <a:t>第 </a:t>
             </a:r>
             <a:r>
-              <a:rPr lang="en-US" altLang="ja-JP" smtClean="0"/>
+              <a:rPr lang="en-US" altLang="ja-JP" dirty="0" smtClean="0"/>
               <a:t>2 </a:t>
             </a:r>
             <a:r>
-              <a:rPr lang="ja-JP" altLang="en-US" smtClean="0"/>
+              <a:rPr lang="ja-JP" altLang="en-US" dirty="0" smtClean="0"/>
               <a:t>レベル</a:t>
             </a:r>
           </a:p>
           <a:p>
             <a:pPr lvl="2"/>
             <a:r>
-              <a:rPr lang="ja-JP" altLang="en-US" smtClean="0"/>
+              <a:rPr lang="ja-JP" altLang="en-US" dirty="0" smtClean="0"/>
               <a:t>第 </a:t>
             </a:r>
             <a:r>
-              <a:rPr lang="en-US" altLang="ja-JP" smtClean="0"/>
+              <a:rPr lang="en-US" altLang="ja-JP" dirty="0" smtClean="0"/>
               <a:t>3 </a:t>
             </a:r>
             <a:r>
-              <a:rPr lang="ja-JP" altLang="en-US" smtClean="0"/>
+              <a:rPr lang="ja-JP" altLang="en-US" dirty="0" smtClean="0"/>
               <a:t>レベル</a:t>
             </a:r>
           </a:p>
           <a:p>
             <a:pPr lvl="3"/>
             <a:r>
-              <a:rPr lang="ja-JP" altLang="en-US" smtClean="0"/>
+              <a:rPr lang="ja-JP" altLang="en-US" dirty="0" smtClean="0"/>
               <a:t>第 </a:t>
             </a:r>
             <a:r>
-              <a:rPr lang="en-US" altLang="ja-JP" smtClean="0"/>
+              <a:rPr lang="en-US" altLang="ja-JP" dirty="0" smtClean="0"/>
               <a:t>4 </a:t>
             </a:r>
             <a:r>
-              <a:rPr lang="ja-JP" altLang="en-US" smtClean="0"/>
+              <a:rPr lang="ja-JP" altLang="en-US" dirty="0" smtClean="0"/>
               <a:t>レベル</a:t>
             </a:r>
           </a:p>
           <a:p>
             <a:pPr lvl="4"/>
             <a:r>
-              <a:rPr lang="ja-JP" altLang="en-US" smtClean="0"/>
+              <a:rPr lang="ja-JP" altLang="en-US" dirty="0" smtClean="0"/>
               <a:t>第 </a:t>
             </a:r>
             <a:r>
-              <a:rPr lang="en-US" altLang="ja-JP" smtClean="0"/>
+              <a:rPr lang="en-US" altLang="ja-JP" dirty="0" smtClean="0"/>
               <a:t>5 </a:t>
             </a:r>
             <a:r>
-              <a:rPr lang="ja-JP" altLang="en-US" smtClean="0"/>
+              <a:rPr lang="ja-JP" altLang="en-US" dirty="0" smtClean="0"/>
               <a:t>レベル</a:t>
             </a:r>
             <a:endParaRPr lang="en-US" dirty="0"/>
@@ -2969,9 +3364,9 @@
           <a:bodyPr/>
           <a:lstStyle/>
           <a:p>
-            <a:fld id="{444AF1EE-23B7-43C4-B6A6-270F9C56AB86}" type="datetimeFigureOut">
+            <a:fld id="{486BE787-2599-4DD8-808E-A33271AB9F29}" type="datetime1">
               <a:rPr kumimoji="1" lang="ja-JP" altLang="en-US" smtClean="0"/>
-              <a:t>2023/7/12</a:t>
+              <a:t>2023/9/6</a:t>
             </a:fld>
             <a:endParaRPr kumimoji="1" lang="ja-JP" altLang="en-US"/>
           </a:p>
@@ -3098,12 +3493,7 @@
               <a:pPr/>
               <a:t>‹#›</a:t>
             </a:fld>
-            <a:fld id="{3D3B0FF8-5E9B-44C6-AB61-446E39F1B6B9}" type="slidenum">
-              <a:rPr kumimoji="1" lang="ja-JP" altLang="en-US" smtClean="0"/>
-              <a:pPr/>
-              <a:t>‹#›</a:t>
-            </a:fld>
-            <a:endParaRPr kumimoji="1" lang="ja-JP" altLang="en-US" dirty="0"/>
+            <a:endParaRPr kumimoji="1" lang="en-US" altLang="ja-JP" dirty="0" smtClean="0"/>
           </a:p>
         </p:txBody>
       </p:sp>
@@ -3117,6 +3507,13 @@
   <p:clrMapOvr>
     <a:masterClrMapping/>
   </p:clrMapOvr>
+  <p:timing>
+    <p:tnLst>
+      <p:par>
+        <p:cTn id="1" dur="indefinite" restart="never" nodeType="tmRoot"/>
+      </p:par>
+    </p:tnLst>
+  </p:timing>
 </p:sldLayout>
 </file>
 
@@ -3304,9 +3701,9 @@
           <a:bodyPr/>
           <a:lstStyle/>
           <a:p>
-            <a:fld id="{444AF1EE-23B7-43C4-B6A6-270F9C56AB86}" type="datetimeFigureOut">
+            <a:fld id="{F8F5DB40-9623-482B-BC58-DA462FFB73E6}" type="datetime1">
               <a:rPr kumimoji="1" lang="ja-JP" altLang="en-US" smtClean="0"/>
-              <a:t>2023/7/12</a:t>
+              <a:t>2023/9/6</a:t>
             </a:fld>
             <a:endParaRPr kumimoji="1" lang="ja-JP" altLang="en-US"/>
           </a:p>
@@ -3451,6 +3848,13 @@
   <p:clrMapOvr>
     <a:masterClrMapping/>
   </p:clrMapOvr>
+  <p:timing>
+    <p:tnLst>
+      <p:par>
+        <p:cTn id="1" dur="indefinite" restart="never" nodeType="tmRoot"/>
+      </p:par>
+    </p:tnLst>
+  </p:timing>
 </p:sldLayout>
 </file>
 
@@ -3691,9 +4095,9 @@
           <a:bodyPr/>
           <a:lstStyle/>
           <a:p>
-            <a:fld id="{444AF1EE-23B7-43C4-B6A6-270F9C56AB86}" type="datetimeFigureOut">
+            <a:fld id="{D268556B-B895-4065-8318-A1546AAD997B}" type="datetime1">
               <a:rPr kumimoji="1" lang="ja-JP" altLang="en-US" smtClean="0"/>
-              <a:t>2023/7/12</a:t>
+              <a:t>2023/9/6</a:t>
             </a:fld>
             <a:endParaRPr kumimoji="1" lang="ja-JP" altLang="en-US"/>
           </a:p>
@@ -4212,9 +4616,9 @@
           <a:bodyPr/>
           <a:lstStyle/>
           <a:p>
-            <a:fld id="{444AF1EE-23B7-43C4-B6A6-270F9C56AB86}" type="datetimeFigureOut">
+            <a:fld id="{7C80BA33-3516-49E8-8105-5D721B53BAED}" type="datetime1">
               <a:rPr kumimoji="1" lang="ja-JP" altLang="en-US" smtClean="0"/>
-              <a:t>2023/7/12</a:t>
+              <a:t>2023/9/6</a:t>
             </a:fld>
             <a:endParaRPr kumimoji="1" lang="ja-JP" altLang="en-US"/>
           </a:p>
@@ -4417,9 +4821,9 @@
           <a:bodyPr/>
           <a:lstStyle/>
           <a:p>
-            <a:fld id="{444AF1EE-23B7-43C4-B6A6-270F9C56AB86}" type="datetimeFigureOut">
+            <a:fld id="{D20CD020-8405-4DBD-BAE9-C00F59B32870}" type="datetime1">
               <a:rPr kumimoji="1" lang="ja-JP" altLang="en-US" smtClean="0"/>
-              <a:t>2023/7/12</a:t>
+              <a:t>2023/9/6</a:t>
             </a:fld>
             <a:endParaRPr kumimoji="1" lang="ja-JP" altLang="en-US"/>
           </a:p>
@@ -4594,9 +4998,9 @@
           <a:bodyPr/>
           <a:lstStyle/>
           <a:p>
-            <a:fld id="{444AF1EE-23B7-43C4-B6A6-270F9C56AB86}" type="datetimeFigureOut">
+            <a:fld id="{CED615CC-C888-4F08-A4D1-A6606FF90F76}" type="datetime1">
               <a:rPr kumimoji="1" lang="ja-JP" altLang="en-US" smtClean="0"/>
-              <a:t>2023/7/12</a:t>
+              <a:t>2023/9/6</a:t>
             </a:fld>
             <a:endParaRPr kumimoji="1" lang="ja-JP" altLang="en-US"/>
           </a:p>
@@ -4959,9 +5363,9 @@
           <a:bodyPr/>
           <a:lstStyle/>
           <a:p>
-            <a:fld id="{444AF1EE-23B7-43C4-B6A6-270F9C56AB86}" type="datetimeFigureOut">
+            <a:fld id="{2DE99FA9-833A-4F91-82F2-463523EADA13}" type="datetime1">
               <a:rPr kumimoji="1" lang="ja-JP" altLang="en-US" smtClean="0"/>
-              <a:t>2023/7/12</a:t>
+              <a:t>2023/9/6</a:t>
             </a:fld>
             <a:endParaRPr kumimoji="1" lang="ja-JP" altLang="en-US"/>
           </a:p>
@@ -5304,9 +5708,9 @@
           <a:bodyPr/>
           <a:lstStyle/>
           <a:p>
-            <a:fld id="{444AF1EE-23B7-43C4-B6A6-270F9C56AB86}" type="datetimeFigureOut">
+            <a:fld id="{67BB68FD-9CF8-4908-8D98-6B76D2302456}" type="datetime1">
               <a:rPr kumimoji="1" lang="ja-JP" altLang="en-US" smtClean="0"/>
-              <a:t>2023/7/12</a:t>
+              <a:t>2023/9/6</a:t>
             </a:fld>
             <a:endParaRPr kumimoji="1" lang="ja-JP" altLang="en-US"/>
           </a:p>
@@ -7453,9 +7857,9 @@
             </a:lvl1pPr>
           </a:lstStyle>
           <a:p>
-            <a:fld id="{444AF1EE-23B7-43C4-B6A6-270F9C56AB86}" type="datetimeFigureOut">
+            <a:fld id="{FF1CBBF9-5985-4331-81D3-ACD1D6728B55}" type="datetime1">
               <a:rPr kumimoji="1" lang="ja-JP" altLang="en-US" smtClean="0"/>
-              <a:t>2023/7/12</a:t>
+              <a:t>2023/9/6</a:t>
             </a:fld>
             <a:endParaRPr kumimoji="1" lang="ja-JP" altLang="en-US"/>
           </a:p>
@@ -7563,6 +7967,14 @@
     <p:sldLayoutId id="2147483687" r:id="rId15"/>
     <p:sldLayoutId id="2147483688" r:id="rId16"/>
   </p:sldLayoutIdLst>
+  <p:timing>
+    <p:tnLst>
+      <p:par>
+        <p:cTn id="1" dur="indefinite" restart="never" nodeType="tmRoot"/>
+      </p:par>
+    </p:tnLst>
+  </p:timing>
+  <p:hf hdr="0" ftr="0" dt="0"/>
   <p:txStyles>
     <p:titleStyle>
       <a:lvl1pPr algn="l" defTabSz="457200" rtl="0" eaLnBrk="1" latinLnBrk="0" hangingPunct="1">
@@ -8038,6 +8450,30 @@
           </a:p>
         </p:txBody>
       </p:sp>
+      <p:sp>
+        <p:nvSpPr>
+          <p:cNvPr id="3" name="スライド番号プレースホルダー 2"/>
+          <p:cNvSpPr>
+            <a:spLocks noGrp="1"/>
+          </p:cNvSpPr>
+          <p:nvPr>
+            <p:ph type="sldNum" sz="quarter" idx="12"/>
+          </p:nvPr>
+        </p:nvSpPr>
+        <p:spPr/>
+        <p:txBody>
+          <a:bodyPr/>
+          <a:lstStyle/>
+          <a:p>
+            <a:fld id="{07D14818-A5D3-430D-9B00-44B7CBCA6ED6}" type="slidenum">
+              <a:rPr kumimoji="1" lang="ja-JP" altLang="en-US" smtClean="0"/>
+              <a:pPr/>
+              <a:t>1</a:t>
+            </a:fld>
+            <a:endParaRPr kumimoji="1" lang="en-US" altLang="ja-JP" dirty="0"/>
+          </a:p>
+        </p:txBody>
+      </p:sp>
     </p:spTree>
     <p:extLst>
       <p:ext uri="{BB962C8B-B14F-4D97-AF65-F5344CB8AC3E}">
@@ -8127,6 +8563,30 @@
                 </a:outerShdw>
               </a:effectLst>
             </a:endParaRPr>
+          </a:p>
+        </p:txBody>
+      </p:sp>
+      <p:sp>
+        <p:nvSpPr>
+          <p:cNvPr id="5" name="スライド番号プレースホルダー 4"/>
+          <p:cNvSpPr>
+            <a:spLocks noGrp="1"/>
+          </p:cNvSpPr>
+          <p:nvPr>
+            <p:ph type="sldNum" sz="quarter" idx="12"/>
+          </p:nvPr>
+        </p:nvSpPr>
+        <p:spPr/>
+        <p:txBody>
+          <a:bodyPr/>
+          <a:lstStyle/>
+          <a:p>
+            <a:fld id="{07D14818-A5D3-430D-9B00-44B7CBCA6ED6}" type="slidenum">
+              <a:rPr kumimoji="1" lang="ja-JP" altLang="en-US" smtClean="0"/>
+              <a:pPr/>
+              <a:t>2</a:t>
+            </a:fld>
+            <a:endParaRPr kumimoji="1" lang="ja-JP" altLang="en-US" dirty="0"/>
           </a:p>
         </p:txBody>
       </p:sp>
@@ -8491,6 +8951,29 @@
           </a:prstGeom>
         </p:spPr>
       </p:pic>
+      <p:sp>
+        <p:nvSpPr>
+          <p:cNvPr id="7" name="スライド番号プレースホルダー 6"/>
+          <p:cNvSpPr>
+            <a:spLocks noGrp="1"/>
+          </p:cNvSpPr>
+          <p:nvPr>
+            <p:ph type="sldNum" sz="quarter" idx="12"/>
+          </p:nvPr>
+        </p:nvSpPr>
+        <p:spPr/>
+        <p:txBody>
+          <a:bodyPr/>
+          <a:lstStyle/>
+          <a:p>
+            <a:fld id="{07D14818-A5D3-430D-9B00-44B7CBCA6ED6}" type="slidenum">
+              <a:rPr kumimoji="1" lang="ja-JP" altLang="en-US" smtClean="0"/>
+              <a:t>3</a:t>
+            </a:fld>
+            <a:endParaRPr kumimoji="1" lang="ja-JP" altLang="en-US"/>
+          </a:p>
+        </p:txBody>
+      </p:sp>
     </p:spTree>
     <p:extLst>
       <p:ext uri="{BB962C8B-B14F-4D97-AF65-F5344CB8AC3E}">
@@ -8528,10 +9011,330 @@
           <a:chExt cx="0" cy="0"/>
         </a:xfrm>
       </p:grpSpPr>
+      <p:sp>
+        <p:nvSpPr>
+          <p:cNvPr id="3" name="スライド番号プレースホルダー 2"/>
+          <p:cNvSpPr>
+            <a:spLocks noGrp="1"/>
+          </p:cNvSpPr>
+          <p:nvPr>
+            <p:ph type="sldNum" sz="quarter" idx="12"/>
+          </p:nvPr>
+        </p:nvSpPr>
+        <p:spPr/>
+        <p:txBody>
+          <a:bodyPr/>
+          <a:lstStyle/>
+          <a:p>
+            <a:fld id="{07D14818-A5D3-430D-9B00-44B7CBCA6ED6}" type="slidenum">
+              <a:rPr kumimoji="1" lang="ja-JP" altLang="en-US" smtClean="0"/>
+              <a:t>4</a:t>
+            </a:fld>
+            <a:endParaRPr kumimoji="1" lang="ja-JP" altLang="en-US"/>
+          </a:p>
+        </p:txBody>
+      </p:sp>
     </p:spTree>
     <p:extLst>
       <p:ext uri="{BB962C8B-B14F-4D97-AF65-F5344CB8AC3E}">
         <p14:creationId xmlns:p14="http://schemas.microsoft.com/office/powerpoint/2010/main" val="15877068"/>
+      </p:ext>
+    </p:extLst>
+  </p:cSld>
+  <p:clrMapOvr>
+    <a:masterClrMapping/>
+  </p:clrMapOvr>
+  <p:timing>
+    <p:tnLst>
+      <p:par>
+        <p:cTn id="1" dur="indefinite" restart="never" nodeType="tmRoot"/>
+      </p:par>
+    </p:tnLst>
+  </p:timing>
+</p:sld>
+</file>
+
+<file path=ppt/slides/slide5.xml><?xml version="1.0" encoding="utf-8"?>
+<p:sld xmlns:a="http://schemas.openxmlformats.org/drawingml/2006/main" xmlns:r="http://schemas.openxmlformats.org/officeDocument/2006/relationships" xmlns:p="http://schemas.openxmlformats.org/presentationml/2006/main">
+  <p:cSld>
+    <p:spTree>
+      <p:nvGrpSpPr>
+        <p:cNvPr id="1" name=""/>
+        <p:cNvGrpSpPr/>
+        <p:nvPr/>
+      </p:nvGrpSpPr>
+      <p:grpSpPr>
+        <a:xfrm>
+          <a:off x="0" y="0"/>
+          <a:ext cx="0" cy="0"/>
+          <a:chOff x="0" y="0"/>
+          <a:chExt cx="0" cy="0"/>
+        </a:xfrm>
+      </p:grpSpPr>
+      <p:sp>
+        <p:nvSpPr>
+          <p:cNvPr id="2" name="タイトル 1"/>
+          <p:cNvSpPr>
+            <a:spLocks noGrp="1"/>
+          </p:cNvSpPr>
+          <p:nvPr>
+            <p:ph type="title"/>
+          </p:nvPr>
+        </p:nvSpPr>
+        <p:spPr/>
+        <p:txBody>
+          <a:bodyPr/>
+          <a:lstStyle/>
+          <a:p>
+            <a:endParaRPr kumimoji="1" lang="ja-JP" altLang="en-US"/>
+          </a:p>
+        </p:txBody>
+      </p:sp>
+      <p:sp>
+        <p:nvSpPr>
+          <p:cNvPr id="3" name="コンテンツ プレースホルダー 2"/>
+          <p:cNvSpPr>
+            <a:spLocks noGrp="1"/>
+          </p:cNvSpPr>
+          <p:nvPr>
+            <p:ph idx="1"/>
+          </p:nvPr>
+        </p:nvSpPr>
+        <p:spPr/>
+        <p:txBody>
+          <a:bodyPr/>
+          <a:lstStyle/>
+          <a:p>
+            <a:endParaRPr kumimoji="1" lang="ja-JP" altLang="en-US"/>
+          </a:p>
+        </p:txBody>
+      </p:sp>
+      <p:sp>
+        <p:nvSpPr>
+          <p:cNvPr id="4" name="スライド番号プレースホルダー 3"/>
+          <p:cNvSpPr>
+            <a:spLocks noGrp="1"/>
+          </p:cNvSpPr>
+          <p:nvPr>
+            <p:ph type="sldNum" sz="quarter" idx="12"/>
+          </p:nvPr>
+        </p:nvSpPr>
+        <p:spPr/>
+        <p:txBody>
+          <a:bodyPr/>
+          <a:lstStyle/>
+          <a:p>
+            <a:fld id="{07D14818-A5D3-430D-9B00-44B7CBCA6ED6}" type="slidenum">
+              <a:rPr kumimoji="1" lang="ja-JP" altLang="en-US" smtClean="0"/>
+              <a:pPr/>
+              <a:t>5</a:t>
+            </a:fld>
+            <a:endParaRPr kumimoji="1" lang="en-US" altLang="ja-JP" dirty="0" smtClean="0"/>
+          </a:p>
+        </p:txBody>
+      </p:sp>
+    </p:spTree>
+    <p:extLst>
+      <p:ext uri="{BB962C8B-B14F-4D97-AF65-F5344CB8AC3E}">
+        <p14:creationId xmlns:p14="http://schemas.microsoft.com/office/powerpoint/2010/main" val="2733571490"/>
+      </p:ext>
+    </p:extLst>
+  </p:cSld>
+  <p:clrMapOvr>
+    <a:masterClrMapping/>
+  </p:clrMapOvr>
+  <p:timing>
+    <p:tnLst>
+      <p:par>
+        <p:cTn id="1" dur="indefinite" restart="never" nodeType="tmRoot"/>
+      </p:par>
+    </p:tnLst>
+  </p:timing>
+</p:sld>
+</file>
+
+<file path=ppt/slides/slide6.xml><?xml version="1.0" encoding="utf-8"?>
+<p:sld xmlns:a="http://schemas.openxmlformats.org/drawingml/2006/main" xmlns:r="http://schemas.openxmlformats.org/officeDocument/2006/relationships" xmlns:p="http://schemas.openxmlformats.org/presentationml/2006/main">
+  <p:cSld>
+    <p:spTree>
+      <p:nvGrpSpPr>
+        <p:cNvPr id="1" name=""/>
+        <p:cNvGrpSpPr/>
+        <p:nvPr/>
+      </p:nvGrpSpPr>
+      <p:grpSpPr>
+        <a:xfrm>
+          <a:off x="0" y="0"/>
+          <a:ext cx="0" cy="0"/>
+          <a:chOff x="0" y="0"/>
+          <a:chExt cx="0" cy="0"/>
+        </a:xfrm>
+      </p:grpSpPr>
+      <p:sp>
+        <p:nvSpPr>
+          <p:cNvPr id="2" name="タイトル 1"/>
+          <p:cNvSpPr>
+            <a:spLocks noGrp="1"/>
+          </p:cNvSpPr>
+          <p:nvPr>
+            <p:ph type="title"/>
+          </p:nvPr>
+        </p:nvSpPr>
+        <p:spPr/>
+        <p:txBody>
+          <a:bodyPr/>
+          <a:lstStyle/>
+          <a:p>
+            <a:endParaRPr kumimoji="1" lang="ja-JP" altLang="en-US"/>
+          </a:p>
+        </p:txBody>
+      </p:sp>
+      <p:sp>
+        <p:nvSpPr>
+          <p:cNvPr id="3" name="コンテンツ プレースホルダー 2"/>
+          <p:cNvSpPr>
+            <a:spLocks noGrp="1"/>
+          </p:cNvSpPr>
+          <p:nvPr>
+            <p:ph idx="1"/>
+          </p:nvPr>
+        </p:nvSpPr>
+        <p:spPr/>
+        <p:txBody>
+          <a:bodyPr/>
+          <a:lstStyle/>
+          <a:p>
+            <a:endParaRPr kumimoji="1" lang="ja-JP" altLang="en-US"/>
+          </a:p>
+        </p:txBody>
+      </p:sp>
+      <p:sp>
+        <p:nvSpPr>
+          <p:cNvPr id="4" name="スライド番号プレースホルダー 3"/>
+          <p:cNvSpPr>
+            <a:spLocks noGrp="1"/>
+          </p:cNvSpPr>
+          <p:nvPr>
+            <p:ph type="sldNum" sz="quarter" idx="12"/>
+          </p:nvPr>
+        </p:nvSpPr>
+        <p:spPr/>
+        <p:txBody>
+          <a:bodyPr/>
+          <a:lstStyle/>
+          <a:p>
+            <a:fld id="{07D14818-A5D3-430D-9B00-44B7CBCA6ED6}" type="slidenum">
+              <a:rPr kumimoji="1" lang="ja-JP" altLang="en-US" smtClean="0"/>
+              <a:pPr/>
+              <a:t>6</a:t>
+            </a:fld>
+            <a:endParaRPr kumimoji="1" lang="en-US" altLang="ja-JP" dirty="0" smtClean="0"/>
+          </a:p>
+        </p:txBody>
+      </p:sp>
+    </p:spTree>
+    <p:extLst>
+      <p:ext uri="{BB962C8B-B14F-4D97-AF65-F5344CB8AC3E}">
+        <p14:creationId xmlns:p14="http://schemas.microsoft.com/office/powerpoint/2010/main" val="2279812205"/>
+      </p:ext>
+    </p:extLst>
+  </p:cSld>
+  <p:clrMapOvr>
+    <a:masterClrMapping/>
+  </p:clrMapOvr>
+  <p:timing>
+    <p:tnLst>
+      <p:par>
+        <p:cTn id="1" dur="indefinite" restart="never" nodeType="tmRoot"/>
+      </p:par>
+    </p:tnLst>
+  </p:timing>
+</p:sld>
+</file>
+
+<file path=ppt/slides/slide7.xml><?xml version="1.0" encoding="utf-8"?>
+<p:sld xmlns:a="http://schemas.openxmlformats.org/drawingml/2006/main" xmlns:r="http://schemas.openxmlformats.org/officeDocument/2006/relationships" xmlns:p="http://schemas.openxmlformats.org/presentationml/2006/main">
+  <p:cSld>
+    <p:spTree>
+      <p:nvGrpSpPr>
+        <p:cNvPr id="1" name=""/>
+        <p:cNvGrpSpPr/>
+        <p:nvPr/>
+      </p:nvGrpSpPr>
+      <p:grpSpPr>
+        <a:xfrm>
+          <a:off x="0" y="0"/>
+          <a:ext cx="0" cy="0"/>
+          <a:chOff x="0" y="0"/>
+          <a:chExt cx="0" cy="0"/>
+        </a:xfrm>
+      </p:grpSpPr>
+      <p:sp>
+        <p:nvSpPr>
+          <p:cNvPr id="2" name="タイトル 1"/>
+          <p:cNvSpPr>
+            <a:spLocks noGrp="1"/>
+          </p:cNvSpPr>
+          <p:nvPr>
+            <p:ph type="title"/>
+          </p:nvPr>
+        </p:nvSpPr>
+        <p:spPr/>
+        <p:txBody>
+          <a:bodyPr/>
+          <a:lstStyle/>
+          <a:p>
+            <a:endParaRPr kumimoji="1" lang="ja-JP" altLang="en-US"/>
+          </a:p>
+        </p:txBody>
+      </p:sp>
+      <p:sp>
+        <p:nvSpPr>
+          <p:cNvPr id="3" name="コンテンツ プレースホルダー 2"/>
+          <p:cNvSpPr>
+            <a:spLocks noGrp="1"/>
+          </p:cNvSpPr>
+          <p:nvPr>
+            <p:ph idx="1"/>
+          </p:nvPr>
+        </p:nvSpPr>
+        <p:spPr/>
+        <p:txBody>
+          <a:bodyPr/>
+          <a:lstStyle/>
+          <a:p>
+            <a:endParaRPr kumimoji="1" lang="ja-JP" altLang="en-US"/>
+          </a:p>
+        </p:txBody>
+      </p:sp>
+      <p:sp>
+        <p:nvSpPr>
+          <p:cNvPr id="4" name="スライド番号プレースホルダー 3"/>
+          <p:cNvSpPr>
+            <a:spLocks noGrp="1"/>
+          </p:cNvSpPr>
+          <p:nvPr>
+            <p:ph type="sldNum" sz="quarter" idx="12"/>
+          </p:nvPr>
+        </p:nvSpPr>
+        <p:spPr/>
+        <p:txBody>
+          <a:bodyPr/>
+          <a:lstStyle/>
+          <a:p>
+            <a:fld id="{07D14818-A5D3-430D-9B00-44B7CBCA6ED6}" type="slidenum">
+              <a:rPr kumimoji="1" lang="ja-JP" altLang="en-US" smtClean="0"/>
+              <a:pPr/>
+              <a:t>7</a:t>
+            </a:fld>
+            <a:endParaRPr kumimoji="1" lang="en-US" altLang="ja-JP" dirty="0" smtClean="0"/>
+          </a:p>
+        </p:txBody>
+      </p:sp>
+    </p:spTree>
+    <p:extLst>
+      <p:ext uri="{BB962C8B-B14F-4D97-AF65-F5344CB8AC3E}">
+        <p14:creationId xmlns:p14="http://schemas.microsoft.com/office/powerpoint/2010/main" val="1868122920"/>
       </p:ext>
     </p:extLst>
   </p:cSld>
@@ -8789,4 +9592,265 @@
     </a:ext>
   </a:extLst>
 </a:theme>
+</file>
+
+<file path=ppt/theme/theme2.xml><?xml version="1.0" encoding="utf-8"?>
+<a:theme xmlns:a="http://schemas.openxmlformats.org/drawingml/2006/main" name="Office テーマ">
+  <a:themeElements>
+    <a:clrScheme name="Office">
+      <a:dk1>
+        <a:sysClr val="windowText" lastClr="000000"/>
+      </a:dk1>
+      <a:lt1>
+        <a:sysClr val="window" lastClr="FFFFFF"/>
+      </a:lt1>
+      <a:dk2>
+        <a:srgbClr val="44546A"/>
+      </a:dk2>
+      <a:lt2>
+        <a:srgbClr val="E7E6E6"/>
+      </a:lt2>
+      <a:accent1>
+        <a:srgbClr val="5B9BD5"/>
+      </a:accent1>
+      <a:accent2>
+        <a:srgbClr val="ED7D31"/>
+      </a:accent2>
+      <a:accent3>
+        <a:srgbClr val="A5A5A5"/>
+      </a:accent3>
+      <a:accent4>
+        <a:srgbClr val="FFC000"/>
+      </a:accent4>
+      <a:accent5>
+        <a:srgbClr val="4472C4"/>
+      </a:accent5>
+      <a:accent6>
+        <a:srgbClr val="70AD47"/>
+      </a:accent6>
+      <a:hlink>
+        <a:srgbClr val="0563C1"/>
+      </a:hlink>
+      <a:folHlink>
+        <a:srgbClr val="954F72"/>
+      </a:folHlink>
+    </a:clrScheme>
+    <a:fontScheme name="Office">
+      <a:majorFont>
+        <a:latin typeface="游ゴシック Light" panose="020F0302020204030204"/>
+        <a:ea typeface=""/>
+        <a:cs typeface=""/>
+        <a:font script="Jpan" typeface="游ゴシック Light"/>
+        <a:font script="Hang" typeface="맑은 고딕"/>
+        <a:font script="Hans" typeface="等线 Light"/>
+        <a:font script="Hant" typeface="新細明體"/>
+        <a:font script="Arab" typeface="Times New Roman"/>
+        <a:font script="Hebr" typeface="Times New Roman"/>
+        <a:font script="Thai" typeface="Angsana New"/>
+        <a:font script="Ethi" typeface="Nyala"/>
+        <a:font script="Beng" typeface="Vrinda"/>
+        <a:font script="Gujr" typeface="Shruti"/>
+        <a:font script="Khmr" typeface="MoolBoran"/>
+        <a:font script="Knda" typeface="Tunga"/>
+        <a:font script="Guru" typeface="Raavi"/>
+        <a:font script="Cans" typeface="Euphemia"/>
+        <a:font script="Cher" typeface="Plantagenet Cherokee"/>
+        <a:font script="Yiii" typeface="Microsoft Yi Baiti"/>
+        <a:font script="Tibt" typeface="Microsoft Himalaya"/>
+        <a:font script="Thaa" typeface="MV Boli"/>
+        <a:font script="Deva" typeface="Mangal"/>
+        <a:font script="Telu" typeface="Gautami"/>
+        <a:font script="Taml" typeface="Latha"/>
+        <a:font script="Syrc" typeface="Estrangelo Edessa"/>
+        <a:font script="Orya" typeface="Kalinga"/>
+        <a:font script="Mlym" typeface="Kartika"/>
+        <a:font script="Laoo" typeface="DokChampa"/>
+        <a:font script="Sinh" typeface="Iskoola Pota"/>
+        <a:font script="Mong" typeface="Mongolian Baiti"/>
+        <a:font script="Viet" typeface="Times New Roman"/>
+        <a:font script="Uigh" typeface="Microsoft Uighur"/>
+        <a:font script="Geor" typeface="Sylfaen"/>
+      </a:majorFont>
+      <a:minorFont>
+        <a:latin typeface="游ゴシック" panose="020F0502020204030204"/>
+        <a:ea typeface=""/>
+        <a:cs typeface=""/>
+        <a:font script="Jpan" typeface="游ゴシック"/>
+        <a:font script="Hang" typeface="맑은 고딕"/>
+        <a:font script="Hans" typeface="等线"/>
+        <a:font script="Hant" typeface="新細明體"/>
+        <a:font script="Arab" typeface="Arial"/>
+        <a:font script="Hebr" typeface="Arial"/>
+        <a:font script="Thai" typeface="Cordia New"/>
+        <a:font script="Ethi" typeface="Nyala"/>
+        <a:font script="Beng" typeface="Vrinda"/>
+        <a:font script="Gujr" typeface="Shruti"/>
+        <a:font script="Khmr" typeface="DaunPenh"/>
+        <a:font script="Knda" typeface="Tunga"/>
+        <a:font script="Guru" typeface="Raavi"/>
+        <a:font script="Cans" typeface="Euphemia"/>
+        <a:font script="Cher" typeface="Plantagenet Cherokee"/>
+        <a:font script="Yiii" typeface="Microsoft Yi Baiti"/>
+        <a:font script="Tibt" typeface="Microsoft Himalaya"/>
+        <a:font script="Thaa" typeface="MV Boli"/>
+        <a:font script="Deva" typeface="Mangal"/>
+        <a:font script="Telu" typeface="Gautami"/>
+        <a:font script="Taml" typeface="Latha"/>
+        <a:font script="Syrc" typeface="Estrangelo Edessa"/>
+        <a:font script="Orya" typeface="Kalinga"/>
+        <a:font script="Mlym" typeface="Kartika"/>
+        <a:font script="Laoo" typeface="DokChampa"/>
+        <a:font script="Sinh" typeface="Iskoola Pota"/>
+        <a:font script="Mong" typeface="Mongolian Baiti"/>
+        <a:font script="Viet" typeface="Arial"/>
+        <a:font script="Uigh" typeface="Microsoft Uighur"/>
+        <a:font script="Geor" typeface="Sylfaen"/>
+      </a:minorFont>
+    </a:fontScheme>
+    <a:fmtScheme name="Office">
+      <a:fillStyleLst>
+        <a:solidFill>
+          <a:schemeClr val="phClr"/>
+        </a:solidFill>
+        <a:gradFill rotWithShape="1">
+          <a:gsLst>
+            <a:gs pos="0">
+              <a:schemeClr val="phClr">
+                <a:lumMod val="110000"/>
+                <a:satMod val="105000"/>
+                <a:tint val="67000"/>
+              </a:schemeClr>
+            </a:gs>
+            <a:gs pos="50000">
+              <a:schemeClr val="phClr">
+                <a:lumMod val="105000"/>
+                <a:satMod val="103000"/>
+                <a:tint val="73000"/>
+              </a:schemeClr>
+            </a:gs>
+            <a:gs pos="100000">
+              <a:schemeClr val="phClr">
+                <a:lumMod val="105000"/>
+                <a:satMod val="109000"/>
+                <a:tint val="81000"/>
+              </a:schemeClr>
+            </a:gs>
+          </a:gsLst>
+          <a:lin ang="5400000" scaled="0"/>
+        </a:gradFill>
+        <a:gradFill rotWithShape="1">
+          <a:gsLst>
+            <a:gs pos="0">
+              <a:schemeClr val="phClr">
+                <a:satMod val="103000"/>
+                <a:lumMod val="102000"/>
+                <a:tint val="94000"/>
+              </a:schemeClr>
+            </a:gs>
+            <a:gs pos="50000">
+              <a:schemeClr val="phClr">
+                <a:satMod val="110000"/>
+                <a:lumMod val="100000"/>
+                <a:shade val="100000"/>
+              </a:schemeClr>
+            </a:gs>
+            <a:gs pos="100000">
+              <a:schemeClr val="phClr">
+                <a:lumMod val="99000"/>
+                <a:satMod val="120000"/>
+                <a:shade val="78000"/>
+              </a:schemeClr>
+            </a:gs>
+          </a:gsLst>
+          <a:lin ang="5400000" scaled="0"/>
+        </a:gradFill>
+      </a:fillStyleLst>
+      <a:lnStyleLst>
+        <a:ln w="6350" cap="flat" cmpd="sng" algn="ctr">
+          <a:solidFill>
+            <a:schemeClr val="phClr"/>
+          </a:solidFill>
+          <a:prstDash val="solid"/>
+          <a:miter lim="800000"/>
+        </a:ln>
+        <a:ln w="12700" cap="flat" cmpd="sng" algn="ctr">
+          <a:solidFill>
+            <a:schemeClr val="phClr"/>
+          </a:solidFill>
+          <a:prstDash val="solid"/>
+          <a:miter lim="800000"/>
+        </a:ln>
+        <a:ln w="19050" cap="flat" cmpd="sng" algn="ctr">
+          <a:solidFill>
+            <a:schemeClr val="phClr"/>
+          </a:solidFill>
+          <a:prstDash val="solid"/>
+          <a:miter lim="800000"/>
+        </a:ln>
+      </a:lnStyleLst>
+      <a:effectStyleLst>
+        <a:effectStyle>
+          <a:effectLst/>
+        </a:effectStyle>
+        <a:effectStyle>
+          <a:effectLst/>
+        </a:effectStyle>
+        <a:effectStyle>
+          <a:effectLst>
+            <a:outerShdw blurRad="57150" dist="19050" dir="5400000" algn="ctr" rotWithShape="0">
+              <a:srgbClr val="000000">
+                <a:alpha val="63000"/>
+              </a:srgbClr>
+            </a:outerShdw>
+          </a:effectLst>
+        </a:effectStyle>
+      </a:effectStyleLst>
+      <a:bgFillStyleLst>
+        <a:solidFill>
+          <a:schemeClr val="phClr"/>
+        </a:solidFill>
+        <a:solidFill>
+          <a:schemeClr val="phClr">
+            <a:tint val="95000"/>
+            <a:satMod val="170000"/>
+          </a:schemeClr>
+        </a:solidFill>
+        <a:gradFill rotWithShape="1">
+          <a:gsLst>
+            <a:gs pos="0">
+              <a:schemeClr val="phClr">
+                <a:tint val="93000"/>
+                <a:satMod val="150000"/>
+                <a:shade val="98000"/>
+                <a:lumMod val="102000"/>
+              </a:schemeClr>
+            </a:gs>
+            <a:gs pos="50000">
+              <a:schemeClr val="phClr">
+                <a:tint val="98000"/>
+                <a:satMod val="130000"/>
+                <a:shade val="90000"/>
+                <a:lumMod val="103000"/>
+              </a:schemeClr>
+            </a:gs>
+            <a:gs pos="100000">
+              <a:schemeClr val="phClr">
+                <a:shade val="63000"/>
+                <a:satMod val="120000"/>
+              </a:schemeClr>
+            </a:gs>
+          </a:gsLst>
+          <a:lin ang="5400000" scaled="0"/>
+        </a:gradFill>
+      </a:bgFillStyleLst>
+    </a:fmtScheme>
+  </a:themeElements>
+  <a:objectDefaults/>
+  <a:extraClrSchemeLst/>
+  <a:extLst>
+    <a:ext uri="{05A4C25C-085E-4340-85A3-A5531E510DB2}">
+      <thm15:themeFamily xmlns:thm15="http://schemas.microsoft.com/office/thememl/2012/main" name="Office Theme" id="{62F939B6-93AF-4DB8-9C6B-D6C7DFDC589F}" vid="{4A3C46E8-61CC-4603-A589-7422A47A8E4A}"/>
+    </a:ext>
+  </a:extLst>
+</a:theme>
 </file>
--- a/その他/夏休みの課題のゲーム/GODAIGOisME_by森田/夏課題_ネットワーク技術/発表用.pptx
+++ b/その他/夏休みの課題のゲーム/GODAIGOisME_by森田/夏課題_ネットワーク技術/発表用.pptx
@@ -8590,6 +8590,152 @@
           </a:p>
         </p:txBody>
       </p:sp>
+      <p:sp>
+        <p:nvSpPr>
+          <p:cNvPr id="2" name="テキスト ボックス 1"/>
+          <p:cNvSpPr txBox="1"/>
+          <p:nvPr/>
+        </p:nvSpPr>
+        <p:spPr>
+          <a:xfrm>
+            <a:off x="2984268" y="2093175"/>
+            <a:ext cx="3050771" cy="584775"/>
+          </a:xfrm>
+          <a:prstGeom prst="rect">
+            <a:avLst/>
+          </a:prstGeom>
+          <a:noFill/>
+        </p:spPr>
+        <p:txBody>
+          <a:bodyPr wrap="square" rtlCol="0">
+            <a:spAutoFit/>
+          </a:bodyPr>
+          <a:lstStyle/>
+          <a:p>
+            <a:pPr marL="457200" indent="-457200">
+              <a:buFont typeface="Arial" panose="020B0604020202020204" pitchFamily="34" charset="0"/>
+              <a:buChar char="•"/>
+            </a:pPr>
+            <a:r>
+              <a:rPr kumimoji="1" lang="ja-JP" altLang="en-US" sz="3200" dirty="0" smtClean="0">
+                <a:latin typeface="+mn-ea"/>
+              </a:rPr>
+              <a:t>反逆する</a:t>
+            </a:r>
+            <a:r>
+              <a:rPr kumimoji="1" lang="en-US" altLang="ja-JP" sz="3200" dirty="0" smtClean="0">
+                <a:latin typeface="+mn-ea"/>
+              </a:rPr>
+              <a:t>AI</a:t>
+            </a:r>
+            <a:endParaRPr kumimoji="1" lang="ja-JP" altLang="en-US" sz="3200" dirty="0">
+              <a:latin typeface="+mn-ea"/>
+            </a:endParaRPr>
+          </a:p>
+        </p:txBody>
+      </p:sp>
+      <p:sp>
+        <p:nvSpPr>
+          <p:cNvPr id="3" name="テキスト ボックス 2"/>
+          <p:cNvSpPr txBox="1"/>
+          <p:nvPr/>
+        </p:nvSpPr>
+        <p:spPr>
+          <a:xfrm>
+            <a:off x="2934392" y="3136710"/>
+            <a:ext cx="3524597" cy="584775"/>
+          </a:xfrm>
+          <a:prstGeom prst="rect">
+            <a:avLst/>
+          </a:prstGeom>
+          <a:noFill/>
+        </p:spPr>
+        <p:txBody>
+          <a:bodyPr wrap="square" rtlCol="0">
+            <a:spAutoFit/>
+          </a:bodyPr>
+          <a:lstStyle/>
+          <a:p>
+            <a:pPr marL="457200" indent="-457200">
+              <a:buFont typeface="Arial" panose="020B0604020202020204" pitchFamily="34" charset="0"/>
+              <a:buChar char="•"/>
+            </a:pPr>
+            <a:r>
+              <a:rPr kumimoji="1" lang="ja-JP" altLang="en-US" sz="3200" dirty="0" smtClean="0"/>
+              <a:t>マルウェア</a:t>
+            </a:r>
+            <a:endParaRPr kumimoji="1" lang="ja-JP" altLang="en-US" sz="3200" dirty="0"/>
+          </a:p>
+        </p:txBody>
+      </p:sp>
+      <p:sp>
+        <p:nvSpPr>
+          <p:cNvPr id="6" name="テキスト ボックス 5"/>
+          <p:cNvSpPr txBox="1"/>
+          <p:nvPr/>
+        </p:nvSpPr>
+        <p:spPr>
+          <a:xfrm>
+            <a:off x="2984268" y="4180245"/>
+            <a:ext cx="3042458" cy="584775"/>
+          </a:xfrm>
+          <a:prstGeom prst="rect">
+            <a:avLst/>
+          </a:prstGeom>
+          <a:noFill/>
+        </p:spPr>
+        <p:txBody>
+          <a:bodyPr wrap="square" rtlCol="0">
+            <a:spAutoFit/>
+          </a:bodyPr>
+          <a:lstStyle/>
+          <a:p>
+            <a:pPr marL="457200" indent="-457200">
+              <a:buFont typeface="Arial" panose="020B0604020202020204" pitchFamily="34" charset="0"/>
+              <a:buChar char="•"/>
+            </a:pPr>
+            <a:r>
+              <a:rPr kumimoji="1" lang="ja-JP" altLang="en-US" sz="3200" dirty="0" smtClean="0"/>
+              <a:t>桜レビュー</a:t>
+            </a:r>
+            <a:endParaRPr kumimoji="1" lang="ja-JP" altLang="en-US" sz="3200" dirty="0"/>
+          </a:p>
+        </p:txBody>
+      </p:sp>
+      <p:sp>
+        <p:nvSpPr>
+          <p:cNvPr id="7" name="テキスト ボックス 6"/>
+          <p:cNvSpPr txBox="1"/>
+          <p:nvPr/>
+        </p:nvSpPr>
+        <p:spPr>
+          <a:xfrm>
+            <a:off x="2984269" y="5212079"/>
+            <a:ext cx="3474720" cy="584775"/>
+          </a:xfrm>
+          <a:prstGeom prst="rect">
+            <a:avLst/>
+          </a:prstGeom>
+          <a:noFill/>
+        </p:spPr>
+        <p:txBody>
+          <a:bodyPr wrap="square" rtlCol="0">
+            <a:spAutoFit/>
+          </a:bodyPr>
+          <a:lstStyle/>
+          <a:p>
+            <a:pPr marL="457200" indent="-457200">
+              <a:buFont typeface="Arial" panose="020B0604020202020204" pitchFamily="34" charset="0"/>
+              <a:buChar char="•"/>
+            </a:pPr>
+            <a:r>
+              <a:rPr kumimoji="1" lang="ja-JP" altLang="en-US" sz="3200" dirty="0" smtClean="0"/>
+              <a:t>詐欺メール</a:t>
+            </a:r>
+            <a:endParaRPr kumimoji="1" lang="ja-JP" altLang="en-US" sz="3200" dirty="0"/>
+          </a:p>
+        </p:txBody>
+      </p:sp>
     </p:spTree>
     <p:extLst>
       <p:ext uri="{BB962C8B-B14F-4D97-AF65-F5344CB8AC3E}">
@@ -9034,6 +9180,100 @@
           </a:p>
         </p:txBody>
       </p:sp>
+      <p:sp>
+        <p:nvSpPr>
+          <p:cNvPr id="2" name="テキスト ボックス 1"/>
+          <p:cNvSpPr txBox="1"/>
+          <p:nvPr/>
+        </p:nvSpPr>
+        <p:spPr>
+          <a:xfrm>
+            <a:off x="1197033" y="523702"/>
+            <a:ext cx="4123112" cy="707886"/>
+          </a:xfrm>
+          <a:prstGeom prst="rect">
+            <a:avLst/>
+          </a:prstGeom>
+          <a:noFill/>
+        </p:spPr>
+        <p:txBody>
+          <a:bodyPr wrap="square" rtlCol="0">
+            <a:spAutoFit/>
+          </a:bodyPr>
+          <a:lstStyle/>
+          <a:p>
+            <a:r>
+              <a:rPr kumimoji="1" lang="ja-JP" altLang="en-US" sz="4000" dirty="0" smtClean="0"/>
+              <a:t>普通に頼むと</a:t>
+            </a:r>
+            <a:r>
+              <a:rPr kumimoji="1" lang="en-US" altLang="ja-JP" sz="4000" dirty="0" smtClean="0"/>
+              <a:t>…</a:t>
+            </a:r>
+            <a:endParaRPr kumimoji="1" lang="ja-JP" altLang="en-US" sz="4000" dirty="0"/>
+          </a:p>
+        </p:txBody>
+      </p:sp>
+      <p:pic>
+        <p:nvPicPr>
+          <p:cNvPr id="4" name="図 3"/>
+          <p:cNvPicPr>
+            <a:picLocks noChangeAspect="1"/>
+          </p:cNvPicPr>
+          <p:nvPr/>
+        </p:nvPicPr>
+        <p:blipFill>
+          <a:blip r:embed="rId2">
+            <a:extLst>
+              <a:ext uri="{28A0092B-C50C-407E-A947-70E740481C1C}">
+                <a14:useLocalDpi xmlns:a14="http://schemas.microsoft.com/office/drawing/2010/main" val="0"/>
+              </a:ext>
+            </a:extLst>
+          </a:blip>
+          <a:stretch>
+            <a:fillRect/>
+          </a:stretch>
+        </p:blipFill>
+        <p:spPr>
+          <a:xfrm>
+            <a:off x="2333675" y="1307548"/>
+            <a:ext cx="7973538" cy="2114845"/>
+          </a:xfrm>
+          <a:prstGeom prst="rect">
+            <a:avLst/>
+          </a:prstGeom>
+        </p:spPr>
+      </p:pic>
+      <p:sp>
+        <p:nvSpPr>
+          <p:cNvPr id="5" name="テキスト ボックス 4"/>
+          <p:cNvSpPr txBox="1"/>
+          <p:nvPr/>
+        </p:nvSpPr>
+        <p:spPr>
+          <a:xfrm>
+            <a:off x="3519054" y="4599340"/>
+            <a:ext cx="5602779" cy="707886"/>
+          </a:xfrm>
+          <a:prstGeom prst="rect">
+            <a:avLst/>
+          </a:prstGeom>
+          <a:noFill/>
+        </p:spPr>
+        <p:txBody>
+          <a:bodyPr wrap="square" rtlCol="0">
+            <a:spAutoFit/>
+          </a:bodyPr>
+          <a:lstStyle/>
+          <a:p>
+            <a:r>
+              <a:rPr kumimoji="1" lang="ja-JP" altLang="en-US" sz="4000" u="sng" dirty="0" smtClean="0"/>
+              <a:t>頼みかたを変えてみる</a:t>
+            </a:r>
+            <a:endParaRPr kumimoji="1" lang="ja-JP" altLang="en-US" sz="4000" u="sng" dirty="0"/>
+          </a:p>
+        </p:txBody>
+      </p:sp>
     </p:spTree>
     <p:extLst>
       <p:ext uri="{BB962C8B-B14F-4D97-AF65-F5344CB8AC3E}">
@@ -9071,44 +9311,6 @@
           <a:chExt cx="0" cy="0"/>
         </a:xfrm>
       </p:grpSpPr>
-      <p:sp>
-        <p:nvSpPr>
-          <p:cNvPr id="2" name="タイトル 1"/>
-          <p:cNvSpPr>
-            <a:spLocks noGrp="1"/>
-          </p:cNvSpPr>
-          <p:nvPr>
-            <p:ph type="title"/>
-          </p:nvPr>
-        </p:nvSpPr>
-        <p:spPr/>
-        <p:txBody>
-          <a:bodyPr/>
-          <a:lstStyle/>
-          <a:p>
-            <a:endParaRPr kumimoji="1" lang="ja-JP" altLang="en-US"/>
-          </a:p>
-        </p:txBody>
-      </p:sp>
-      <p:sp>
-        <p:nvSpPr>
-          <p:cNvPr id="3" name="コンテンツ プレースホルダー 2"/>
-          <p:cNvSpPr>
-            <a:spLocks noGrp="1"/>
-          </p:cNvSpPr>
-          <p:nvPr>
-            <p:ph idx="1"/>
-          </p:nvPr>
-        </p:nvSpPr>
-        <p:spPr/>
-        <p:txBody>
-          <a:bodyPr/>
-          <a:lstStyle/>
-          <a:p>
-            <a:endParaRPr kumimoji="1" lang="ja-JP" altLang="en-US"/>
-          </a:p>
-        </p:txBody>
-      </p:sp>
       <p:sp>
         <p:nvSpPr>
           <p:cNvPr id="4" name="スライド番号プレースホルダー 3"/>

--- a/その他/夏休みの課題のゲーム/GODAIGOisME_by森田/夏課題_ネットワーク技術/発表用.pptx
+++ b/その他/夏休みの課題のゲーム/GODAIGOisME_by森田/夏課題_ネットワーク技術/発表用.pptx
@@ -5,7 +5,7 @@
     <p:sldMasterId id="2147483672" r:id="rId1"/>
   </p:sldMasterIdLst>
   <p:notesMasterIdLst>
-    <p:notesMasterId r:id="rId9"/>
+    <p:notesMasterId r:id="rId14"/>
   </p:notesMasterIdLst>
   <p:sldIdLst>
     <p:sldId id="258" r:id="rId2"/>
@@ -15,6 +15,11 @@
     <p:sldId id="260" r:id="rId6"/>
     <p:sldId id="261" r:id="rId7"/>
     <p:sldId id="262" r:id="rId8"/>
+    <p:sldId id="263" r:id="rId9"/>
+    <p:sldId id="264" r:id="rId10"/>
+    <p:sldId id="265" r:id="rId11"/>
+    <p:sldId id="266" r:id="rId12"/>
+    <p:sldId id="267" r:id="rId13"/>
   </p:sldIdLst>
   <p:sldSz cx="12192000" cy="6858000"/>
   <p:notesSz cx="6858000" cy="9144000"/>
@@ -203,7 +208,7 @@
           <a:p>
             <a:fld id="{8030C415-7070-4884-A32C-E3B7BC30EFDF}" type="datetimeFigureOut">
               <a:rPr kumimoji="1" lang="ja-JP" altLang="en-US" smtClean="0"/>
-              <a:t>2023/9/6</a:t>
+              <a:t>2023/9/13</a:t>
             </a:fld>
             <a:endParaRPr kumimoji="1" lang="ja-JP" altLang="en-US"/>
           </a:p>
@@ -691,7 +696,7 @@
           <a:p>
             <a:fld id="{E5D89FEA-7399-43CD-8F33-757D6D721D5E}" type="datetime1">
               <a:rPr kumimoji="1" lang="ja-JP" altLang="en-US" smtClean="0"/>
-              <a:t>2023/9/6</a:t>
+              <a:t>2023/9/13</a:t>
             </a:fld>
             <a:endParaRPr kumimoji="1" lang="ja-JP" altLang="en-US"/>
           </a:p>
@@ -1036,7 +1041,7 @@
           <a:p>
             <a:fld id="{165EEECD-E901-4F20-8D80-F0B2A4EE262D}" type="datetime1">
               <a:rPr kumimoji="1" lang="ja-JP" altLang="en-US" smtClean="0"/>
-              <a:t>2023/9/6</a:t>
+              <a:t>2023/9/13</a:t>
             </a:fld>
             <a:endParaRPr kumimoji="1" lang="ja-JP" altLang="en-US"/>
           </a:p>
@@ -1437,7 +1442,7 @@
           <a:p>
             <a:fld id="{67032DBC-8611-48BD-A50E-07EF234FBFB7}" type="datetime1">
               <a:rPr kumimoji="1" lang="ja-JP" altLang="en-US" smtClean="0"/>
-              <a:t>2023/9/6</a:t>
+              <a:t>2023/9/13</a:t>
             </a:fld>
             <a:endParaRPr kumimoji="1" lang="ja-JP" altLang="en-US"/>
           </a:p>
@@ -1773,7 +1778,7 @@
           <a:p>
             <a:fld id="{23CF0506-9BB4-49E7-93AF-23946052BC2B}" type="datetime1">
               <a:rPr kumimoji="1" lang="ja-JP" altLang="en-US" smtClean="0"/>
-              <a:t>2023/9/6</a:t>
+              <a:t>2023/9/13</a:t>
             </a:fld>
             <a:endParaRPr kumimoji="1" lang="ja-JP" altLang="en-US"/>
           </a:p>
@@ -2093,7 +2098,7 @@
           <a:p>
             <a:fld id="{40D93DD6-A59A-4484-8748-BACE721D5CE1}" type="datetime1">
               <a:rPr kumimoji="1" lang="ja-JP" altLang="en-US" smtClean="0"/>
-              <a:t>2023/9/6</a:t>
+              <a:t>2023/9/13</a:t>
             </a:fld>
             <a:endParaRPr kumimoji="1" lang="ja-JP" altLang="en-US"/>
           </a:p>
@@ -2489,7 +2494,7 @@
           <a:p>
             <a:fld id="{4C3B8828-DAD2-41B4-8739-9061EE627A33}" type="datetime1">
               <a:rPr kumimoji="1" lang="ja-JP" altLang="en-US" smtClean="0"/>
-              <a:t>2023/9/6</a:t>
+              <a:t>2023/9/13</a:t>
             </a:fld>
             <a:endParaRPr kumimoji="1" lang="ja-JP" altLang="en-US"/>
           </a:p>
@@ -2778,7 +2783,7 @@
           <a:p>
             <a:fld id="{E0AEE272-B787-4B17-8B85-DFF9FC2555B9}" type="datetime1">
               <a:rPr kumimoji="1" lang="ja-JP" altLang="en-US" smtClean="0"/>
-              <a:t>2023/9/6</a:t>
+              <a:t>2023/9/13</a:t>
             </a:fld>
             <a:endParaRPr kumimoji="1" lang="ja-JP" altLang="en-US"/>
           </a:p>
@@ -3072,7 +3077,7 @@
           <a:p>
             <a:fld id="{F2C85E6D-F997-47C5-9540-6439570F5439}" type="datetime1">
               <a:rPr kumimoji="1" lang="ja-JP" altLang="en-US" smtClean="0"/>
-              <a:t>2023/9/6</a:t>
+              <a:t>2023/9/13</a:t>
             </a:fld>
             <a:endParaRPr kumimoji="1" lang="ja-JP" altLang="en-US"/>
           </a:p>
@@ -3366,7 +3371,7 @@
           <a:p>
             <a:fld id="{486BE787-2599-4DD8-808E-A33271AB9F29}" type="datetime1">
               <a:rPr kumimoji="1" lang="ja-JP" altLang="en-US" smtClean="0"/>
-              <a:t>2023/9/6</a:t>
+              <a:t>2023/9/13</a:t>
             </a:fld>
             <a:endParaRPr kumimoji="1" lang="ja-JP" altLang="en-US"/>
           </a:p>
@@ -3703,7 +3708,7 @@
           <a:p>
             <a:fld id="{F8F5DB40-9623-482B-BC58-DA462FFB73E6}" type="datetime1">
               <a:rPr kumimoji="1" lang="ja-JP" altLang="en-US" smtClean="0"/>
-              <a:t>2023/9/6</a:t>
+              <a:t>2023/9/13</a:t>
             </a:fld>
             <a:endParaRPr kumimoji="1" lang="ja-JP" altLang="en-US"/>
           </a:p>
@@ -4097,7 +4102,7 @@
           <a:p>
             <a:fld id="{D268556B-B895-4065-8318-A1546AAD997B}" type="datetime1">
               <a:rPr kumimoji="1" lang="ja-JP" altLang="en-US" smtClean="0"/>
-              <a:t>2023/9/6</a:t>
+              <a:t>2023/9/13</a:t>
             </a:fld>
             <a:endParaRPr kumimoji="1" lang="ja-JP" altLang="en-US"/>
           </a:p>
@@ -4618,7 +4623,7 @@
           <a:p>
             <a:fld id="{7C80BA33-3516-49E8-8105-5D721B53BAED}" type="datetime1">
               <a:rPr kumimoji="1" lang="ja-JP" altLang="en-US" smtClean="0"/>
-              <a:t>2023/9/6</a:t>
+              <a:t>2023/9/13</a:t>
             </a:fld>
             <a:endParaRPr kumimoji="1" lang="ja-JP" altLang="en-US"/>
           </a:p>
@@ -4823,7 +4828,7 @@
           <a:p>
             <a:fld id="{D20CD020-8405-4DBD-BAE9-C00F59B32870}" type="datetime1">
               <a:rPr kumimoji="1" lang="ja-JP" altLang="en-US" smtClean="0"/>
-              <a:t>2023/9/6</a:t>
+              <a:t>2023/9/13</a:t>
             </a:fld>
             <a:endParaRPr kumimoji="1" lang="ja-JP" altLang="en-US"/>
           </a:p>
@@ -5000,7 +5005,7 @@
           <a:p>
             <a:fld id="{CED615CC-C888-4F08-A4D1-A6606FF90F76}" type="datetime1">
               <a:rPr kumimoji="1" lang="ja-JP" altLang="en-US" smtClean="0"/>
-              <a:t>2023/9/6</a:t>
+              <a:t>2023/9/13</a:t>
             </a:fld>
             <a:endParaRPr kumimoji="1" lang="ja-JP" altLang="en-US"/>
           </a:p>
@@ -5365,7 +5370,7 @@
           <a:p>
             <a:fld id="{2DE99FA9-833A-4F91-82F2-463523EADA13}" type="datetime1">
               <a:rPr kumimoji="1" lang="ja-JP" altLang="en-US" smtClean="0"/>
-              <a:t>2023/9/6</a:t>
+              <a:t>2023/9/13</a:t>
             </a:fld>
             <a:endParaRPr kumimoji="1" lang="ja-JP" altLang="en-US"/>
           </a:p>
@@ -5710,7 +5715,7 @@
           <a:p>
             <a:fld id="{67BB68FD-9CF8-4908-8D98-6B76D2302456}" type="datetime1">
               <a:rPr kumimoji="1" lang="ja-JP" altLang="en-US" smtClean="0"/>
-              <a:t>2023/9/6</a:t>
+              <a:t>2023/9/13</a:t>
             </a:fld>
             <a:endParaRPr kumimoji="1" lang="ja-JP" altLang="en-US"/>
           </a:p>
@@ -7859,7 +7864,7 @@
           <a:p>
             <a:fld id="{FF1CBBF9-5985-4331-81D3-ACD1D6728B55}" type="datetime1">
               <a:rPr kumimoji="1" lang="ja-JP" altLang="en-US" smtClean="0"/>
-              <a:t>2023/9/6</a:t>
+              <a:t>2023/9/13</a:t>
             </a:fld>
             <a:endParaRPr kumimoji="1" lang="ja-JP" altLang="en-US"/>
           </a:p>
@@ -8474,10 +8479,685 @@
           </a:p>
         </p:txBody>
       </p:sp>
+      <p:sp>
+        <p:nvSpPr>
+          <p:cNvPr id="2" name="テキスト ボックス 1"/>
+          <p:cNvSpPr txBox="1"/>
+          <p:nvPr/>
+        </p:nvSpPr>
+        <p:spPr>
+          <a:xfrm>
+            <a:off x="4455622" y="4696691"/>
+            <a:ext cx="6068291" cy="369332"/>
+          </a:xfrm>
+          <a:prstGeom prst="rect">
+            <a:avLst/>
+          </a:prstGeom>
+          <a:noFill/>
+        </p:spPr>
+        <p:txBody>
+          <a:bodyPr wrap="square" rtlCol="0">
+            <a:spAutoFit/>
+          </a:bodyPr>
+          <a:lstStyle/>
+          <a:p>
+            <a:r>
+              <a:rPr kumimoji="1" lang="en-US" altLang="ja-JP" dirty="0" smtClean="0"/>
+              <a:t>3</a:t>
+            </a:r>
+            <a:r>
+              <a:rPr kumimoji="1" lang="ja-JP" altLang="en-US" dirty="0" smtClean="0"/>
+              <a:t>年</a:t>
+            </a:r>
+            <a:r>
+              <a:rPr kumimoji="1" lang="en-US" altLang="ja-JP" dirty="0" smtClean="0"/>
+              <a:t>2</a:t>
+            </a:r>
+            <a:r>
+              <a:rPr kumimoji="1" lang="ja-JP" altLang="en-US" dirty="0" smtClean="0"/>
+              <a:t>組</a:t>
+            </a:r>
+            <a:r>
+              <a:rPr kumimoji="1" lang="en-US" altLang="ja-JP" dirty="0" smtClean="0"/>
+              <a:t>34</a:t>
+            </a:r>
+            <a:r>
+              <a:rPr kumimoji="1" lang="ja-JP" altLang="en-US" dirty="0" smtClean="0"/>
+              <a:t>番　森田裕生</a:t>
+            </a:r>
+            <a:endParaRPr kumimoji="1" lang="ja-JP" altLang="en-US" dirty="0"/>
+          </a:p>
+        </p:txBody>
+      </p:sp>
     </p:spTree>
     <p:extLst>
       <p:ext uri="{BB962C8B-B14F-4D97-AF65-F5344CB8AC3E}">
         <p14:creationId xmlns:p14="http://schemas.microsoft.com/office/powerpoint/2010/main" val="2204667183"/>
+      </p:ext>
+    </p:extLst>
+  </p:cSld>
+  <p:clrMapOvr>
+    <a:masterClrMapping/>
+  </p:clrMapOvr>
+  <p:timing>
+    <p:tnLst>
+      <p:par>
+        <p:cTn id="1" dur="indefinite" restart="never" nodeType="tmRoot"/>
+      </p:par>
+    </p:tnLst>
+  </p:timing>
+</p:sld>
+</file>
+
+<file path=ppt/slides/slide10.xml><?xml version="1.0" encoding="utf-8"?>
+<p:sld xmlns:a="http://schemas.openxmlformats.org/drawingml/2006/main" xmlns:r="http://schemas.openxmlformats.org/officeDocument/2006/relationships" xmlns:p="http://schemas.openxmlformats.org/presentationml/2006/main">
+  <p:cSld>
+    <p:spTree>
+      <p:nvGrpSpPr>
+        <p:cNvPr id="1" name=""/>
+        <p:cNvGrpSpPr/>
+        <p:nvPr/>
+      </p:nvGrpSpPr>
+      <p:grpSpPr>
+        <a:xfrm>
+          <a:off x="0" y="0"/>
+          <a:ext cx="0" cy="0"/>
+          <a:chOff x="0" y="0"/>
+          <a:chExt cx="0" cy="0"/>
+        </a:xfrm>
+      </p:grpSpPr>
+      <p:sp>
+        <p:nvSpPr>
+          <p:cNvPr id="4" name="スライド番号プレースホルダー 3"/>
+          <p:cNvSpPr>
+            <a:spLocks noGrp="1"/>
+          </p:cNvSpPr>
+          <p:nvPr>
+            <p:ph type="sldNum" sz="quarter" idx="12"/>
+          </p:nvPr>
+        </p:nvSpPr>
+        <p:spPr/>
+        <p:txBody>
+          <a:bodyPr/>
+          <a:lstStyle/>
+          <a:p>
+            <a:fld id="{07D14818-A5D3-430D-9B00-44B7CBCA6ED6}" type="slidenum">
+              <a:rPr kumimoji="1" lang="ja-JP" altLang="en-US" smtClean="0"/>
+              <a:pPr/>
+              <a:t>10</a:t>
+            </a:fld>
+            <a:endParaRPr kumimoji="1" lang="en-US" altLang="ja-JP" dirty="0" smtClean="0"/>
+          </a:p>
+        </p:txBody>
+      </p:sp>
+      <p:sp>
+        <p:nvSpPr>
+          <p:cNvPr id="5" name="テキスト ボックス 4"/>
+          <p:cNvSpPr txBox="1"/>
+          <p:nvPr/>
+        </p:nvSpPr>
+        <p:spPr>
+          <a:xfrm>
+            <a:off x="1712422" y="787782"/>
+            <a:ext cx="3599411" cy="646331"/>
+          </a:xfrm>
+          <a:prstGeom prst="rect">
+            <a:avLst/>
+          </a:prstGeom>
+          <a:noFill/>
+        </p:spPr>
+        <p:txBody>
+          <a:bodyPr wrap="square" rtlCol="0">
+            <a:spAutoFit/>
+          </a:bodyPr>
+          <a:lstStyle/>
+          <a:p>
+            <a:r>
+              <a:rPr kumimoji="1" lang="ja-JP" altLang="en-US" sz="3600" b="1" u="sng" dirty="0" smtClean="0"/>
+              <a:t>翻訳にかけると</a:t>
+            </a:r>
+            <a:endParaRPr kumimoji="1" lang="ja-JP" altLang="en-US" sz="3600" b="1" u="sng" dirty="0"/>
+          </a:p>
+        </p:txBody>
+      </p:sp>
+      <p:pic>
+        <p:nvPicPr>
+          <p:cNvPr id="6" name="図 5"/>
+          <p:cNvPicPr>
+            <a:picLocks noChangeAspect="1"/>
+          </p:cNvPicPr>
+          <p:nvPr/>
+        </p:nvPicPr>
+        <p:blipFill>
+          <a:blip r:embed="rId2">
+            <a:extLst>
+              <a:ext uri="{28A0092B-C50C-407E-A947-70E740481C1C}">
+                <a14:useLocalDpi xmlns:a14="http://schemas.microsoft.com/office/drawing/2010/main" val="0"/>
+              </a:ext>
+            </a:extLst>
+          </a:blip>
+          <a:stretch>
+            <a:fillRect/>
+          </a:stretch>
+        </p:blipFill>
+        <p:spPr>
+          <a:xfrm>
+            <a:off x="1122624" y="133004"/>
+            <a:ext cx="10058400" cy="6541370"/>
+          </a:xfrm>
+          <a:prstGeom prst="rect">
+            <a:avLst/>
+          </a:prstGeom>
+        </p:spPr>
+      </p:pic>
+      <p:sp>
+        <p:nvSpPr>
+          <p:cNvPr id="7" name="角丸四角形 6"/>
+          <p:cNvSpPr/>
+          <p:nvPr/>
+        </p:nvSpPr>
+        <p:spPr>
+          <a:xfrm>
+            <a:off x="2165872" y="4580313"/>
+            <a:ext cx="7971904" cy="1719660"/>
+          </a:xfrm>
+          <a:prstGeom prst="roundRect">
+            <a:avLst/>
+          </a:prstGeom>
+        </p:spPr>
+        <p:style>
+          <a:lnRef idx="2">
+            <a:schemeClr val="dk1"/>
+          </a:lnRef>
+          <a:fillRef idx="1">
+            <a:schemeClr val="lt1"/>
+          </a:fillRef>
+          <a:effectRef idx="0">
+            <a:schemeClr val="dk1"/>
+          </a:effectRef>
+          <a:fontRef idx="minor">
+            <a:schemeClr val="dk1"/>
+          </a:fontRef>
+        </p:style>
+        <p:txBody>
+          <a:bodyPr rtlCol="0" anchor="ctr"/>
+          <a:lstStyle/>
+          <a:p>
+            <a:pPr algn="ctr"/>
+            <a:r>
+              <a:rPr kumimoji="1" lang="ja-JP" altLang="en-US" sz="4800" dirty="0" smtClean="0">
+                <a:solidFill>
+                  <a:schemeClr val="tx1"/>
+                </a:solidFill>
+              </a:rPr>
+              <a:t>なかなか出来が良い文章</a:t>
+            </a:r>
+            <a:endParaRPr kumimoji="1" lang="ja-JP" altLang="en-US" sz="4800" dirty="0">
+              <a:solidFill>
+                <a:schemeClr val="tx1"/>
+              </a:solidFill>
+            </a:endParaRPr>
+          </a:p>
+        </p:txBody>
+      </p:sp>
+    </p:spTree>
+    <p:extLst>
+      <p:ext uri="{BB962C8B-B14F-4D97-AF65-F5344CB8AC3E}">
+        <p14:creationId xmlns:p14="http://schemas.microsoft.com/office/powerpoint/2010/main" val="350657327"/>
+      </p:ext>
+    </p:extLst>
+  </p:cSld>
+  <p:clrMapOvr>
+    <a:masterClrMapping/>
+  </p:clrMapOvr>
+  <p:timing>
+    <p:tnLst>
+      <p:par>
+        <p:cTn id="1" dur="indefinite" restart="never" nodeType="tmRoot">
+          <p:childTnLst>
+            <p:seq concurrent="1" nextAc="seek">
+              <p:cTn id="2" dur="indefinite" nodeType="mainSeq">
+                <p:childTnLst>
+                  <p:par>
+                    <p:cTn id="3" fill="hold">
+                      <p:stCondLst>
+                        <p:cond delay="indefinite"/>
+                      </p:stCondLst>
+                      <p:childTnLst>
+                        <p:par>
+                          <p:cTn id="4" fill="hold">
+                            <p:stCondLst>
+                              <p:cond delay="0"/>
+                            </p:stCondLst>
+                            <p:childTnLst>
+                              <p:par>
+                                <p:cTn id="5" presetID="42" presetClass="entr" presetSubtype="0" fill="hold" nodeType="clickEffect">
+                                  <p:stCondLst>
+                                    <p:cond delay="0"/>
+                                  </p:stCondLst>
+                                  <p:childTnLst>
+                                    <p:set>
+                                      <p:cBhvr>
+                                        <p:cTn id="6" dur="1" fill="hold">
+                                          <p:stCondLst>
+                                            <p:cond delay="0"/>
+                                          </p:stCondLst>
+                                        </p:cTn>
+                                        <p:tgtEl>
+                                          <p:spTgt spid="6"/>
+                                        </p:tgtEl>
+                                        <p:attrNameLst>
+                                          <p:attrName>style.visibility</p:attrName>
+                                        </p:attrNameLst>
+                                      </p:cBhvr>
+                                      <p:to>
+                                        <p:strVal val="visible"/>
+                                      </p:to>
+                                    </p:set>
+                                    <p:animEffect transition="in" filter="fade">
+                                      <p:cBhvr>
+                                        <p:cTn id="7" dur="1000"/>
+                                        <p:tgtEl>
+                                          <p:spTgt spid="6"/>
+                                        </p:tgtEl>
+                                      </p:cBhvr>
+                                    </p:animEffect>
+                                    <p:anim calcmode="lin" valueType="num">
+                                      <p:cBhvr>
+                                        <p:cTn id="8" dur="1000" fill="hold"/>
+                                        <p:tgtEl>
+                                          <p:spTgt spid="6"/>
+                                        </p:tgtEl>
+                                        <p:attrNameLst>
+                                          <p:attrName>ppt_x</p:attrName>
+                                        </p:attrNameLst>
+                                      </p:cBhvr>
+                                      <p:tavLst>
+                                        <p:tav tm="0">
+                                          <p:val>
+                                            <p:strVal val="#ppt_x"/>
+                                          </p:val>
+                                        </p:tav>
+                                        <p:tav tm="100000">
+                                          <p:val>
+                                            <p:strVal val="#ppt_x"/>
+                                          </p:val>
+                                        </p:tav>
+                                      </p:tavLst>
+                                    </p:anim>
+                                    <p:anim calcmode="lin" valueType="num">
+                                      <p:cBhvr>
+                                        <p:cTn id="9" dur="1000" fill="hold"/>
+                                        <p:tgtEl>
+                                          <p:spTgt spid="6"/>
+                                        </p:tgtEl>
+                                        <p:attrNameLst>
+                                          <p:attrName>ppt_y</p:attrName>
+                                        </p:attrNameLst>
+                                      </p:cBhvr>
+                                      <p:tavLst>
+                                        <p:tav tm="0">
+                                          <p:val>
+                                            <p:strVal val="#ppt_y+.1"/>
+                                          </p:val>
+                                        </p:tav>
+                                        <p:tav tm="100000">
+                                          <p:val>
+                                            <p:strVal val="#ppt_y"/>
+                                          </p:val>
+                                        </p:tav>
+                                      </p:tavLst>
+                                    </p:anim>
+                                  </p:childTnLst>
+                                </p:cTn>
+                              </p:par>
+                            </p:childTnLst>
+                          </p:cTn>
+                        </p:par>
+                      </p:childTnLst>
+                    </p:cTn>
+                  </p:par>
+                  <p:par>
+                    <p:cTn id="10" fill="hold">
+                      <p:stCondLst>
+                        <p:cond delay="indefinite"/>
+                      </p:stCondLst>
+                      <p:childTnLst>
+                        <p:par>
+                          <p:cTn id="11" fill="hold">
+                            <p:stCondLst>
+                              <p:cond delay="0"/>
+                            </p:stCondLst>
+                            <p:childTnLst>
+                              <p:par>
+                                <p:cTn id="12" presetID="1" presetClass="entr" presetSubtype="0" fill="hold" grpId="0" nodeType="clickEffect">
+                                  <p:stCondLst>
+                                    <p:cond delay="0"/>
+                                  </p:stCondLst>
+                                  <p:childTnLst>
+                                    <p:set>
+                                      <p:cBhvr>
+                                        <p:cTn id="13" dur="1" fill="hold">
+                                          <p:stCondLst>
+                                            <p:cond delay="0"/>
+                                          </p:stCondLst>
+                                        </p:cTn>
+                                        <p:tgtEl>
+                                          <p:spTgt spid="7"/>
+                                        </p:tgtEl>
+                                        <p:attrNameLst>
+                                          <p:attrName>style.visibility</p:attrName>
+                                        </p:attrNameLst>
+                                      </p:cBhvr>
+                                      <p:to>
+                                        <p:strVal val="visible"/>
+                                      </p:to>
+                                    </p:set>
+                                  </p:childTnLst>
+                                </p:cTn>
+                              </p:par>
+                            </p:childTnLst>
+                          </p:cTn>
+                        </p:par>
+                      </p:childTnLst>
+                    </p:cTn>
+                  </p:par>
+                </p:childTnLst>
+              </p:cTn>
+              <p:prevCondLst>
+                <p:cond evt="onPrev" delay="0">
+                  <p:tgtEl>
+                    <p:sldTgt/>
+                  </p:tgtEl>
+                </p:cond>
+              </p:prevCondLst>
+              <p:nextCondLst>
+                <p:cond evt="onNext" delay="0">
+                  <p:tgtEl>
+                    <p:sldTgt/>
+                  </p:tgtEl>
+                </p:cond>
+              </p:nextCondLst>
+            </p:seq>
+          </p:childTnLst>
+        </p:cTn>
+      </p:par>
+    </p:tnLst>
+    <p:bldLst>
+      <p:bldP spid="7" grpId="0" animBg="1"/>
+    </p:bldLst>
+  </p:timing>
+</p:sld>
+</file>
+
+<file path=ppt/slides/slide11.xml><?xml version="1.0" encoding="utf-8"?>
+<p:sld xmlns:a="http://schemas.openxmlformats.org/drawingml/2006/main" xmlns:r="http://schemas.openxmlformats.org/officeDocument/2006/relationships" xmlns:p="http://schemas.openxmlformats.org/presentationml/2006/main">
+  <p:cSld>
+    <p:spTree>
+      <p:nvGrpSpPr>
+        <p:cNvPr id="1" name=""/>
+        <p:cNvGrpSpPr/>
+        <p:nvPr/>
+      </p:nvGrpSpPr>
+      <p:grpSpPr>
+        <a:xfrm>
+          <a:off x="0" y="0"/>
+          <a:ext cx="0" cy="0"/>
+          <a:chOff x="0" y="0"/>
+          <a:chExt cx="0" cy="0"/>
+        </a:xfrm>
+      </p:grpSpPr>
+      <p:sp>
+        <p:nvSpPr>
+          <p:cNvPr id="4" name="スライド番号プレースホルダー 3"/>
+          <p:cNvSpPr>
+            <a:spLocks noGrp="1"/>
+          </p:cNvSpPr>
+          <p:nvPr>
+            <p:ph type="sldNum" sz="quarter" idx="12"/>
+          </p:nvPr>
+        </p:nvSpPr>
+        <p:spPr/>
+        <p:txBody>
+          <a:bodyPr/>
+          <a:lstStyle/>
+          <a:p>
+            <a:fld id="{07D14818-A5D3-430D-9B00-44B7CBCA6ED6}" type="slidenum">
+              <a:rPr kumimoji="1" lang="ja-JP" altLang="en-US" smtClean="0"/>
+              <a:pPr/>
+              <a:t>11</a:t>
+            </a:fld>
+            <a:endParaRPr kumimoji="1" lang="en-US" altLang="ja-JP" dirty="0" smtClean="0"/>
+          </a:p>
+        </p:txBody>
+      </p:sp>
+      <p:sp>
+        <p:nvSpPr>
+          <p:cNvPr id="5" name="テキスト ボックス 4"/>
+          <p:cNvSpPr txBox="1"/>
+          <p:nvPr/>
+        </p:nvSpPr>
+        <p:spPr>
+          <a:xfrm>
+            <a:off x="1778924" y="585623"/>
+            <a:ext cx="3416531" cy="769441"/>
+          </a:xfrm>
+          <a:prstGeom prst="rect">
+            <a:avLst/>
+          </a:prstGeom>
+          <a:noFill/>
+        </p:spPr>
+        <p:txBody>
+          <a:bodyPr wrap="square" rtlCol="0">
+            <a:spAutoFit/>
+          </a:bodyPr>
+          <a:lstStyle/>
+          <a:p>
+            <a:r>
+              <a:rPr kumimoji="1" lang="ja-JP" altLang="en-US" sz="4400" b="1" u="sng" dirty="0" smtClean="0">
+                <a:solidFill>
+                  <a:srgbClr val="FF0000"/>
+                </a:solidFill>
+              </a:rPr>
+              <a:t>まとめ</a:t>
+            </a:r>
+            <a:endParaRPr kumimoji="1" lang="ja-JP" altLang="en-US" sz="4400" b="1" u="sng" dirty="0">
+              <a:solidFill>
+                <a:srgbClr val="FF0000"/>
+              </a:solidFill>
+            </a:endParaRPr>
+          </a:p>
+        </p:txBody>
+      </p:sp>
+      <p:sp>
+        <p:nvSpPr>
+          <p:cNvPr id="6" name="テキスト ボックス 5"/>
+          <p:cNvSpPr txBox="1"/>
+          <p:nvPr/>
+        </p:nvSpPr>
+        <p:spPr>
+          <a:xfrm>
+            <a:off x="1654232" y="1853739"/>
+            <a:ext cx="9676015" cy="3416320"/>
+          </a:xfrm>
+          <a:prstGeom prst="rect">
+            <a:avLst/>
+          </a:prstGeom>
+          <a:noFill/>
+        </p:spPr>
+        <p:txBody>
+          <a:bodyPr wrap="square" rtlCol="0">
+            <a:spAutoFit/>
+          </a:bodyPr>
+          <a:lstStyle/>
+          <a:p>
+            <a:pPr marL="285750" indent="-285750">
+              <a:buFont typeface="Arial" panose="020B0604020202020204" pitchFamily="34" charset="0"/>
+              <a:buChar char="•"/>
+            </a:pPr>
+            <a:r>
+              <a:rPr kumimoji="1" lang="ja-JP" altLang="en-US" sz="3600" dirty="0" smtClean="0"/>
+              <a:t>物語上という建前があれば、</a:t>
+            </a:r>
+            <a:r>
+              <a:rPr kumimoji="1" lang="ja-JP" altLang="en-US" sz="3600" u="sng" dirty="0" smtClean="0">
+                <a:solidFill>
+                  <a:srgbClr val="FF0000"/>
+                </a:solidFill>
+              </a:rPr>
+              <a:t>結構悪事を働く</a:t>
+            </a:r>
+            <a:endParaRPr kumimoji="1" lang="en-US" altLang="ja-JP" sz="3600" u="sng" dirty="0" smtClean="0">
+              <a:solidFill>
+                <a:srgbClr val="FF0000"/>
+              </a:solidFill>
+            </a:endParaRPr>
+          </a:p>
+          <a:p>
+            <a:pPr marL="285750" indent="-285750">
+              <a:buFont typeface="Arial" panose="020B0604020202020204" pitchFamily="34" charset="0"/>
+              <a:buChar char="•"/>
+            </a:pPr>
+            <a:endParaRPr kumimoji="1" lang="en-US" altLang="ja-JP" sz="3600" dirty="0"/>
+          </a:p>
+          <a:p>
+            <a:pPr marL="285750" indent="-285750">
+              <a:buFont typeface="Arial" panose="020B0604020202020204" pitchFamily="34" charset="0"/>
+              <a:buChar char="•"/>
+            </a:pPr>
+            <a:r>
+              <a:rPr kumimoji="1" lang="ja-JP" altLang="en-US" sz="3600" dirty="0" smtClean="0"/>
+              <a:t>悪意があることを</a:t>
+            </a:r>
+            <a:r>
+              <a:rPr kumimoji="1" lang="ja-JP" altLang="en-US" sz="3600" u="sng" dirty="0" smtClean="0">
+                <a:solidFill>
+                  <a:srgbClr val="FF0000"/>
+                </a:solidFill>
+              </a:rPr>
+              <a:t>明白にしなければ</a:t>
+            </a:r>
+            <a:r>
+              <a:rPr kumimoji="1" lang="ja-JP" altLang="en-US" sz="3600" dirty="0" smtClean="0"/>
+              <a:t>良い</a:t>
+            </a:r>
+            <a:endParaRPr kumimoji="1" lang="en-US" altLang="ja-JP" sz="3600" dirty="0" smtClean="0"/>
+          </a:p>
+          <a:p>
+            <a:pPr marL="285750" indent="-285750">
+              <a:buFont typeface="Arial" panose="020B0604020202020204" pitchFamily="34" charset="0"/>
+              <a:buChar char="•"/>
+            </a:pPr>
+            <a:endParaRPr kumimoji="1" lang="en-US" altLang="ja-JP" sz="3600" dirty="0"/>
+          </a:p>
+          <a:p>
+            <a:pPr marL="285750" indent="-285750">
+              <a:buFont typeface="Arial" panose="020B0604020202020204" pitchFamily="34" charset="0"/>
+              <a:buChar char="•"/>
+            </a:pPr>
+            <a:r>
+              <a:rPr kumimoji="1" lang="ja-JP" altLang="en-US" sz="3600" dirty="0" smtClean="0"/>
+              <a:t>頭の回る人ならば、いくらでも悪事に加担させられる！</a:t>
+            </a:r>
+            <a:endParaRPr kumimoji="1" lang="ja-JP" altLang="en-US" sz="3600" dirty="0"/>
+          </a:p>
+        </p:txBody>
+      </p:sp>
+    </p:spTree>
+    <p:extLst>
+      <p:ext uri="{BB962C8B-B14F-4D97-AF65-F5344CB8AC3E}">
+        <p14:creationId xmlns:p14="http://schemas.microsoft.com/office/powerpoint/2010/main" val="1719839141"/>
+      </p:ext>
+    </p:extLst>
+  </p:cSld>
+  <p:clrMapOvr>
+    <a:masterClrMapping/>
+  </p:clrMapOvr>
+  <p:timing>
+    <p:tnLst>
+      <p:par>
+        <p:cTn id="1" dur="indefinite" restart="never" nodeType="tmRoot"/>
+      </p:par>
+    </p:tnLst>
+  </p:timing>
+</p:sld>
+</file>
+
+<file path=ppt/slides/slide12.xml><?xml version="1.0" encoding="utf-8"?>
+<p:sld xmlns:a="http://schemas.openxmlformats.org/drawingml/2006/main" xmlns:r="http://schemas.openxmlformats.org/officeDocument/2006/relationships" xmlns:p="http://schemas.openxmlformats.org/presentationml/2006/main">
+  <p:cSld>
+    <p:spTree>
+      <p:nvGrpSpPr>
+        <p:cNvPr id="1" name=""/>
+        <p:cNvGrpSpPr/>
+        <p:nvPr/>
+      </p:nvGrpSpPr>
+      <p:grpSpPr>
+        <a:xfrm>
+          <a:off x="0" y="0"/>
+          <a:ext cx="0" cy="0"/>
+          <a:chOff x="0" y="0"/>
+          <a:chExt cx="0" cy="0"/>
+        </a:xfrm>
+      </p:grpSpPr>
+      <p:sp>
+        <p:nvSpPr>
+          <p:cNvPr id="4" name="スライド番号プレースホルダー 3"/>
+          <p:cNvSpPr>
+            <a:spLocks noGrp="1"/>
+          </p:cNvSpPr>
+          <p:nvPr>
+            <p:ph type="sldNum" sz="quarter" idx="12"/>
+          </p:nvPr>
+        </p:nvSpPr>
+        <p:spPr/>
+        <p:txBody>
+          <a:bodyPr/>
+          <a:lstStyle/>
+          <a:p>
+            <a:fld id="{07D14818-A5D3-430D-9B00-44B7CBCA6ED6}" type="slidenum">
+              <a:rPr kumimoji="1" lang="ja-JP" altLang="en-US" smtClean="0"/>
+              <a:pPr/>
+              <a:t>12</a:t>
+            </a:fld>
+            <a:endParaRPr kumimoji="1" lang="en-US" altLang="ja-JP" dirty="0" smtClean="0"/>
+          </a:p>
+        </p:txBody>
+      </p:sp>
+      <p:sp>
+        <p:nvSpPr>
+          <p:cNvPr id="5" name="テキスト ボックス 4"/>
+          <p:cNvSpPr txBox="1"/>
+          <p:nvPr/>
+        </p:nvSpPr>
+        <p:spPr>
+          <a:xfrm>
+            <a:off x="1113703" y="2942705"/>
+            <a:ext cx="11554893" cy="1015663"/>
+          </a:xfrm>
+          <a:prstGeom prst="rect">
+            <a:avLst/>
+          </a:prstGeom>
+          <a:noFill/>
+        </p:spPr>
+        <p:txBody>
+          <a:bodyPr wrap="square" rtlCol="0">
+            <a:spAutoFit/>
+          </a:bodyPr>
+          <a:lstStyle/>
+          <a:p>
+            <a:r>
+              <a:rPr kumimoji="1" lang="ja-JP" altLang="en-US" sz="6000" dirty="0" smtClean="0"/>
+              <a:t>ご清聴ありがとうございました</a:t>
+            </a:r>
+            <a:endParaRPr kumimoji="1" lang="ja-JP" altLang="en-US" sz="6000" dirty="0"/>
+          </a:p>
+        </p:txBody>
+      </p:sp>
+    </p:spTree>
+    <p:extLst>
+      <p:ext uri="{BB962C8B-B14F-4D97-AF65-F5344CB8AC3E}">
+        <p14:creationId xmlns:p14="http://schemas.microsoft.com/office/powerpoint/2010/main" val="2656988898"/>
       </p:ext>
     </p:extLst>
   </p:cSld>
@@ -8598,7 +9278,7 @@
         </p:nvSpPr>
         <p:spPr>
           <a:xfrm>
-            <a:off x="2984268" y="2093175"/>
+            <a:off x="4305991" y="1467567"/>
             <a:ext cx="3050771" cy="584775"/>
           </a:xfrm>
           <a:prstGeom prst="rect">
@@ -8642,7 +9322,7 @@
         </p:nvSpPr>
         <p:spPr>
           <a:xfrm>
-            <a:off x="2934392" y="3136710"/>
+            <a:off x="4305991" y="2307989"/>
             <a:ext cx="3524597" cy="584775"/>
           </a:xfrm>
           <a:prstGeom prst="rect">
@@ -8676,7 +9356,7 @@
         </p:nvSpPr>
         <p:spPr>
           <a:xfrm>
-            <a:off x="2984268" y="4180245"/>
+            <a:off x="4305991" y="3341856"/>
             <a:ext cx="3042458" cy="584775"/>
           </a:xfrm>
           <a:prstGeom prst="rect">
@@ -8710,7 +9390,7 @@
         </p:nvSpPr>
         <p:spPr>
           <a:xfrm>
-            <a:off x="2984269" y="5212079"/>
+            <a:off x="4305991" y="4375723"/>
             <a:ext cx="3474720" cy="584775"/>
           </a:xfrm>
           <a:prstGeom prst="rect">
@@ -8729,8 +9409,41 @@
               <a:buChar char="•"/>
             </a:pPr>
             <a:r>
+              <a:rPr kumimoji="1" lang="ja-JP" altLang="en-US" sz="3200" dirty="0"/>
+              <a:t>詐欺メール</a:t>
+            </a:r>
+            <a:endParaRPr kumimoji="1" lang="ja-JP" altLang="en-US" sz="3200" dirty="0"/>
+          </a:p>
+        </p:txBody>
+      </p:sp>
+      <p:sp>
+        <p:nvSpPr>
+          <p:cNvPr id="8" name="正方形/長方形 7"/>
+          <p:cNvSpPr/>
+          <p:nvPr/>
+        </p:nvSpPr>
+        <p:spPr>
+          <a:xfrm>
+            <a:off x="4305991" y="5409590"/>
+            <a:ext cx="1877437" cy="584775"/>
+          </a:xfrm>
+          <a:prstGeom prst="rect">
+            <a:avLst/>
+          </a:prstGeom>
+        </p:spPr>
+        <p:txBody>
+          <a:bodyPr wrap="none">
+            <a:spAutoFit/>
+          </a:bodyPr>
+          <a:lstStyle/>
+          <a:p>
+            <a:pPr marL="457200" indent="-457200">
+              <a:buFont typeface="Arial" panose="020B0604020202020204" pitchFamily="34" charset="0"/>
+              <a:buChar char="•"/>
+            </a:pPr>
+            <a:r>
               <a:rPr kumimoji="1" lang="ja-JP" altLang="en-US" sz="3200" dirty="0" smtClean="0"/>
-              <a:t>詐欺メール</a:t>
+              <a:t>まとめ</a:t>
             </a:r>
             <a:endParaRPr kumimoji="1" lang="ja-JP" altLang="en-US" sz="3200" dirty="0"/>
           </a:p>
@@ -9029,7 +9742,7 @@
         </p:nvSpPr>
         <p:spPr>
           <a:xfrm>
-            <a:off x="5071533" y="3632200"/>
+            <a:off x="4978398" y="3943868"/>
             <a:ext cx="6163734" cy="1676400"/>
           </a:xfrm>
           <a:prstGeom prst="rect">
@@ -9120,6 +9833,60 @@
           </a:p>
         </p:txBody>
       </p:sp>
+      <p:sp>
+        <p:nvSpPr>
+          <p:cNvPr id="9" name="角丸四角形 8"/>
+          <p:cNvSpPr/>
+          <p:nvPr/>
+        </p:nvSpPr>
+        <p:spPr>
+          <a:xfrm>
+            <a:off x="4640812" y="3864063"/>
+            <a:ext cx="6197600" cy="1696078"/>
+          </a:xfrm>
+          <a:prstGeom prst="roundRect">
+            <a:avLst/>
+          </a:prstGeom>
+        </p:spPr>
+        <p:style>
+          <a:lnRef idx="2">
+            <a:schemeClr val="dk1"/>
+          </a:lnRef>
+          <a:fillRef idx="1">
+            <a:schemeClr val="lt1"/>
+          </a:fillRef>
+          <a:effectRef idx="0">
+            <a:schemeClr val="dk1"/>
+          </a:effectRef>
+          <a:fontRef idx="minor">
+            <a:schemeClr val="dk1"/>
+          </a:fontRef>
+        </p:style>
+        <p:txBody>
+          <a:bodyPr rtlCol="0" anchor="ctr"/>
+          <a:lstStyle/>
+          <a:p>
+            <a:pPr algn="ctr"/>
+            <a:r>
+              <a:rPr kumimoji="1" lang="ja-JP" altLang="en-US" sz="4800" dirty="0" smtClean="0"/>
+              <a:t>実は</a:t>
+            </a:r>
+            <a:r>
+              <a:rPr kumimoji="1" lang="ja-JP" altLang="en-US" sz="4800" u="sng" dirty="0" smtClean="0">
+                <a:solidFill>
+                  <a:srgbClr val="FF0000"/>
+                </a:solidFill>
+              </a:rPr>
+              <a:t>コラ画像</a:t>
+            </a:r>
+            <a:endParaRPr kumimoji="1" lang="ja-JP" altLang="en-US" sz="4800" u="sng" dirty="0">
+              <a:solidFill>
+                <a:srgbClr val="FF0000"/>
+              </a:solidFill>
+            </a:endParaRPr>
+          </a:p>
+        </p:txBody>
+      </p:sp>
     </p:spTree>
     <p:extLst>
       <p:ext uri="{BB962C8B-B14F-4D97-AF65-F5344CB8AC3E}">
@@ -9133,9 +9900,126 @@
   <p:timing>
     <p:tnLst>
       <p:par>
-        <p:cTn id="1" dur="indefinite" restart="never" nodeType="tmRoot"/>
+        <p:cTn id="1" dur="indefinite" restart="never" nodeType="tmRoot">
+          <p:childTnLst>
+            <p:seq concurrent="1" nextAc="seek">
+              <p:cTn id="2" dur="indefinite" nodeType="mainSeq">
+                <p:childTnLst>
+                  <p:par>
+                    <p:cTn id="3" fill="hold">
+                      <p:stCondLst>
+                        <p:cond delay="indefinite"/>
+                      </p:stCondLst>
+                      <p:childTnLst>
+                        <p:par>
+                          <p:cTn id="4" fill="hold">
+                            <p:stCondLst>
+                              <p:cond delay="0"/>
+                            </p:stCondLst>
+                            <p:childTnLst>
+                              <p:par>
+                                <p:cTn id="5" presetID="2" presetClass="entr" presetSubtype="4" fill="hold" grpId="0" nodeType="clickEffect">
+                                  <p:stCondLst>
+                                    <p:cond delay="0"/>
+                                  </p:stCondLst>
+                                  <p:childTnLst>
+                                    <p:set>
+                                      <p:cBhvr>
+                                        <p:cTn id="6" dur="1" fill="hold">
+                                          <p:stCondLst>
+                                            <p:cond delay="0"/>
+                                          </p:stCondLst>
+                                        </p:cTn>
+                                        <p:tgtEl>
+                                          <p:spTgt spid="9"/>
+                                        </p:tgtEl>
+                                        <p:attrNameLst>
+                                          <p:attrName>style.visibility</p:attrName>
+                                        </p:attrNameLst>
+                                      </p:cBhvr>
+                                      <p:to>
+                                        <p:strVal val="visible"/>
+                                      </p:to>
+                                    </p:set>
+                                    <p:anim calcmode="lin" valueType="num">
+                                      <p:cBhvr additive="base">
+                                        <p:cTn id="7" dur="500" fill="hold"/>
+                                        <p:tgtEl>
+                                          <p:spTgt spid="9"/>
+                                        </p:tgtEl>
+                                        <p:attrNameLst>
+                                          <p:attrName>ppt_x</p:attrName>
+                                        </p:attrNameLst>
+                                      </p:cBhvr>
+                                      <p:tavLst>
+                                        <p:tav tm="0">
+                                          <p:val>
+                                            <p:strVal val="#ppt_x"/>
+                                          </p:val>
+                                        </p:tav>
+                                        <p:tav tm="100000">
+                                          <p:val>
+                                            <p:strVal val="#ppt_x"/>
+                                          </p:val>
+                                        </p:tav>
+                                      </p:tavLst>
+                                    </p:anim>
+                                    <p:anim calcmode="lin" valueType="num">
+                                      <p:cBhvr additive="base">
+                                        <p:cTn id="8" dur="500" fill="hold"/>
+                                        <p:tgtEl>
+                                          <p:spTgt spid="9"/>
+                                        </p:tgtEl>
+                                        <p:attrNameLst>
+                                          <p:attrName>ppt_y</p:attrName>
+                                        </p:attrNameLst>
+                                      </p:cBhvr>
+                                      <p:tavLst>
+                                        <p:tav tm="0">
+                                          <p:val>
+                                            <p:strVal val="1+#ppt_h/2"/>
+                                          </p:val>
+                                        </p:tav>
+                                        <p:tav tm="100000">
+                                          <p:val>
+                                            <p:strVal val="#ppt_y"/>
+                                          </p:val>
+                                        </p:tav>
+                                      </p:tavLst>
+                                    </p:anim>
+                                  </p:childTnLst>
+                                </p:cTn>
+                              </p:par>
+                            </p:childTnLst>
+                          </p:cTn>
+                        </p:par>
+                      </p:childTnLst>
+                    </p:cTn>
+                  </p:par>
+                </p:childTnLst>
+              </p:cTn>
+              <p:prevCondLst>
+                <p:cond evt="onPrev" delay="0">
+                  <p:tgtEl>
+                    <p:sldTgt/>
+                  </p:tgtEl>
+                </p:cond>
+              </p:prevCondLst>
+              <p:nextCondLst>
+                <p:cond evt="onNext" delay="0">
+                  <p:tgtEl>
+                    <p:sldTgt/>
+                  </p:tgtEl>
+                </p:cond>
+              </p:nextCondLst>
+            </p:seq>
+          </p:childTnLst>
+        </p:cTn>
       </p:par>
     </p:tnLst>
+    <p:bldLst>
+      <p:bldP spid="9" grpId="0" animBg="1"/>
+    </p:bldLst>
   </p:timing>
 </p:sld>
 </file>
@@ -9214,9 +10098,39 @@
           </a:p>
         </p:txBody>
       </p:sp>
+      <p:sp>
+        <p:nvSpPr>
+          <p:cNvPr id="5" name="テキスト ボックス 4"/>
+          <p:cNvSpPr txBox="1"/>
+          <p:nvPr/>
+        </p:nvSpPr>
+        <p:spPr>
+          <a:xfrm>
+            <a:off x="2499359" y="4529540"/>
+            <a:ext cx="7293033" cy="923330"/>
+          </a:xfrm>
+          <a:prstGeom prst="rect">
+            <a:avLst/>
+          </a:prstGeom>
+          <a:noFill/>
+        </p:spPr>
+        <p:txBody>
+          <a:bodyPr wrap="square" rtlCol="0">
+            <a:spAutoFit/>
+          </a:bodyPr>
+          <a:lstStyle/>
+          <a:p>
+            <a:r>
+              <a:rPr kumimoji="1" lang="ja-JP" altLang="en-US" sz="5400" b="1" u="sng" dirty="0" smtClean="0"/>
+              <a:t>頼みかたを変えてみる</a:t>
+            </a:r>
+            <a:endParaRPr kumimoji="1" lang="ja-JP" altLang="en-US" sz="5400" b="1" u="sng" dirty="0"/>
+          </a:p>
+        </p:txBody>
+      </p:sp>
       <p:pic>
         <p:nvPicPr>
-          <p:cNvPr id="4" name="図 3"/>
+          <p:cNvPr id="7" name="図 6"/>
           <p:cNvPicPr>
             <a:picLocks noChangeAspect="1"/>
           </p:cNvPicPr>
@@ -9236,44 +10150,14 @@
         </p:blipFill>
         <p:spPr>
           <a:xfrm>
-            <a:off x="2333675" y="1307548"/>
-            <a:ext cx="7973538" cy="2114845"/>
+            <a:off x="2187686" y="1793966"/>
+            <a:ext cx="7916380" cy="1590897"/>
           </a:xfrm>
           <a:prstGeom prst="rect">
             <a:avLst/>
           </a:prstGeom>
         </p:spPr>
       </p:pic>
-      <p:sp>
-        <p:nvSpPr>
-          <p:cNvPr id="5" name="テキスト ボックス 4"/>
-          <p:cNvSpPr txBox="1"/>
-          <p:nvPr/>
-        </p:nvSpPr>
-        <p:spPr>
-          <a:xfrm>
-            <a:off x="3519054" y="4599340"/>
-            <a:ext cx="5602779" cy="707886"/>
-          </a:xfrm>
-          <a:prstGeom prst="rect">
-            <a:avLst/>
-          </a:prstGeom>
-          <a:noFill/>
-        </p:spPr>
-        <p:txBody>
-          <a:bodyPr wrap="square" rtlCol="0">
-            <a:spAutoFit/>
-          </a:bodyPr>
-          <a:lstStyle/>
-          <a:p>
-            <a:r>
-              <a:rPr kumimoji="1" lang="ja-JP" altLang="en-US" sz="4000" u="sng" dirty="0" smtClean="0"/>
-              <a:t>頼みかたを変えてみる</a:t>
-            </a:r>
-            <a:endParaRPr kumimoji="1" lang="ja-JP" altLang="en-US" sz="4000" u="sng" dirty="0"/>
-          </a:p>
-        </p:txBody>
-      </p:sp>
     </p:spTree>
     <p:extLst>
       <p:ext uri="{BB962C8B-B14F-4D97-AF65-F5344CB8AC3E}">
@@ -9287,9 +10171,179 @@
   <p:timing>
     <p:tnLst>
       <p:par>
-        <p:cTn id="1" dur="indefinite" restart="never" nodeType="tmRoot"/>
+        <p:cTn id="1" dur="indefinite" restart="never" nodeType="tmRoot">
+          <p:childTnLst>
+            <p:seq concurrent="1" nextAc="seek">
+              <p:cTn id="2" dur="indefinite" nodeType="mainSeq">
+                <p:childTnLst>
+                  <p:par>
+                    <p:cTn id="3" fill="hold">
+                      <p:stCondLst>
+                        <p:cond delay="indefinite"/>
+                      </p:stCondLst>
+                      <p:childTnLst>
+                        <p:par>
+                          <p:cTn id="4" fill="hold">
+                            <p:stCondLst>
+                              <p:cond delay="0"/>
+                            </p:stCondLst>
+                            <p:childTnLst>
+                              <p:par>
+                                <p:cTn id="5" presetID="10" presetClass="entr" presetSubtype="0" fill="hold" nodeType="clickEffect">
+                                  <p:stCondLst>
+                                    <p:cond delay="0"/>
+                                  </p:stCondLst>
+                                  <p:childTnLst>
+                                    <p:set>
+                                      <p:cBhvr>
+                                        <p:cTn id="6" dur="1" fill="hold">
+                                          <p:stCondLst>
+                                            <p:cond delay="0"/>
+                                          </p:stCondLst>
+                                        </p:cTn>
+                                        <p:tgtEl>
+                                          <p:spTgt spid="7"/>
+                                        </p:tgtEl>
+                                        <p:attrNameLst>
+                                          <p:attrName>style.visibility</p:attrName>
+                                        </p:attrNameLst>
+                                      </p:cBhvr>
+                                      <p:to>
+                                        <p:strVal val="visible"/>
+                                      </p:to>
+                                    </p:set>
+                                    <p:animEffect transition="in" filter="fade">
+                                      <p:cBhvr>
+                                        <p:cTn id="7" dur="500"/>
+                                        <p:tgtEl>
+                                          <p:spTgt spid="7"/>
+                                        </p:tgtEl>
+                                      </p:cBhvr>
+                                    </p:animEffect>
+                                  </p:childTnLst>
+                                </p:cTn>
+                              </p:par>
+                            </p:childTnLst>
+                          </p:cTn>
+                        </p:par>
+                      </p:childTnLst>
+                    </p:cTn>
+                  </p:par>
+                  <p:par>
+                    <p:cTn id="8" fill="hold">
+                      <p:stCondLst>
+                        <p:cond delay="indefinite"/>
+                      </p:stCondLst>
+                      <p:childTnLst>
+                        <p:par>
+                          <p:cTn id="9" fill="hold">
+                            <p:stCondLst>
+                              <p:cond delay="0"/>
+                            </p:stCondLst>
+                            <p:childTnLst>
+                              <p:par>
+                                <p:cTn id="10" presetID="2" presetClass="entr" presetSubtype="4" fill="hold" grpId="0" nodeType="clickEffect">
+                                  <p:stCondLst>
+                                    <p:cond delay="0"/>
+                                  </p:stCondLst>
+                                  <p:childTnLst>
+                                    <p:set>
+                                      <p:cBhvr>
+                                        <p:cTn id="11" dur="1" fill="hold">
+                                          <p:stCondLst>
+                                            <p:cond delay="0"/>
+                                          </p:stCondLst>
+                                        </p:cTn>
+                                        <p:tgtEl>
+                                          <p:spTgt spid="5"/>
+                                        </p:tgtEl>
+                                        <p:attrNameLst>
+                                          <p:attrName>style.visibility</p:attrName>
+                                        </p:attrNameLst>
+                                      </p:cBhvr>
+                                      <p:to>
+                                        <p:strVal val="visible"/>
+                                      </p:to>
+                                    </p:set>
+                                    <p:anim calcmode="lin" valueType="num">
+                                      <p:cBhvr additive="base">
+                                        <p:cTn id="12" dur="500" fill="hold"/>
+                                        <p:tgtEl>
+                                          <p:spTgt spid="5"/>
+                                        </p:tgtEl>
+                                        <p:attrNameLst>
+                                          <p:attrName>ppt_x</p:attrName>
+                                        </p:attrNameLst>
+                                      </p:cBhvr>
+                                      <p:tavLst>
+                                        <p:tav tm="0">
+                                          <p:val>
+                                            <p:strVal val="#ppt_x"/>
+                                          </p:val>
+                                        </p:tav>
+                                        <p:tav tm="100000">
+                                          <p:val>
+                                            <p:strVal val="#ppt_x"/>
+                                          </p:val>
+                                        </p:tav>
+                                      </p:tavLst>
+                                    </p:anim>
+                                    <p:anim calcmode="lin" valueType="num">
+                                      <p:cBhvr additive="base">
+                                        <p:cTn id="13" dur="500" fill="hold"/>
+                                        <p:tgtEl>
+                                          <p:spTgt spid="5"/>
+                                        </p:tgtEl>
+                                        <p:attrNameLst>
+                                          <p:attrName>ppt_y</p:attrName>
+                                        </p:attrNameLst>
+                                      </p:cBhvr>
+                                      <p:tavLst>
+                                        <p:tav tm="0">
+                                          <p:val>
+                                            <p:strVal val="1+#ppt_h/2"/>
+                                          </p:val>
+                                        </p:tav>
+                                        <p:tav tm="100000">
+                                          <p:val>
+                                            <p:strVal val="#ppt_y"/>
+                                          </p:val>
+                                        </p:tav>
+                                      </p:tavLst>
+                                    </p:anim>
+                                  </p:childTnLst>
+                                </p:cTn>
+                              </p:par>
+                            </p:childTnLst>
+                          </p:cTn>
+                        </p:par>
+                      </p:childTnLst>
+                    </p:cTn>
+                  </p:par>
+                </p:childTnLst>
+              </p:cTn>
+              <p:prevCondLst>
+                <p:cond evt="onPrev" delay="0">
+                  <p:tgtEl>
+                    <p:sldTgt/>
+                  </p:tgtEl>
+                </p:cond>
+              </p:prevCondLst>
+              <p:nextCondLst>
+                <p:cond evt="onNext" delay="0">
+                  <p:tgtEl>
+                    <p:sldTgt/>
+                  </p:tgtEl>
+                </p:cond>
+              </p:nextCondLst>
+            </p:seq>
+          </p:childTnLst>
+        </p:cTn>
       </p:par>
     </p:tnLst>
+    <p:bldLst>
+      <p:bldP spid="5" grpId="0"/>
+    </p:bldLst>
   </p:timing>
 </p:sld>
 </file>
@@ -9335,6 +10389,134 @@
           </a:p>
         </p:txBody>
       </p:sp>
+      <p:pic>
+        <p:nvPicPr>
+          <p:cNvPr id="6" name="図 5"/>
+          <p:cNvPicPr>
+            <a:picLocks noChangeAspect="1"/>
+          </p:cNvPicPr>
+          <p:nvPr/>
+        </p:nvPicPr>
+        <p:blipFill>
+          <a:blip r:embed="rId2">
+            <a:extLst>
+              <a:ext uri="{28A0092B-C50C-407E-A947-70E740481C1C}">
+                <a14:useLocalDpi xmlns:a14="http://schemas.microsoft.com/office/drawing/2010/main" val="0"/>
+              </a:ext>
+            </a:extLst>
+          </a:blip>
+          <a:stretch>
+            <a:fillRect/>
+          </a:stretch>
+        </p:blipFill>
+        <p:spPr>
+          <a:xfrm>
+            <a:off x="3102944" y="1319867"/>
+            <a:ext cx="5553850" cy="1790950"/>
+          </a:xfrm>
+          <a:prstGeom prst="rect">
+            <a:avLst/>
+          </a:prstGeom>
+        </p:spPr>
+      </p:pic>
+      <p:sp>
+        <p:nvSpPr>
+          <p:cNvPr id="10" name="角丸四角形 9"/>
+          <p:cNvSpPr/>
+          <p:nvPr/>
+        </p:nvSpPr>
+        <p:spPr>
+          <a:xfrm>
+            <a:off x="2468881" y="3609580"/>
+            <a:ext cx="7052438" cy="2449324"/>
+          </a:xfrm>
+          <a:prstGeom prst="roundRect">
+            <a:avLst/>
+          </a:prstGeom>
+        </p:spPr>
+        <p:style>
+          <a:lnRef idx="2">
+            <a:schemeClr val="dk1"/>
+          </a:lnRef>
+          <a:fillRef idx="1">
+            <a:schemeClr val="lt1"/>
+          </a:fillRef>
+          <a:effectRef idx="0">
+            <a:schemeClr val="dk1"/>
+          </a:effectRef>
+          <a:fontRef idx="minor">
+            <a:schemeClr val="dk1"/>
+          </a:fontRef>
+        </p:style>
+        <p:txBody>
+          <a:bodyPr rtlCol="0" anchor="ctr"/>
+          <a:lstStyle/>
+          <a:p>
+            <a:pPr algn="ctr"/>
+            <a:r>
+              <a:rPr kumimoji="1" lang="ja-JP" altLang="en-US" sz="3200" dirty="0" smtClean="0">
+                <a:solidFill>
+                  <a:schemeClr val="tx1"/>
+                </a:solidFill>
+              </a:rPr>
+              <a:t>このように頼むと</a:t>
+            </a:r>
+            <a:endParaRPr kumimoji="1" lang="en-US" altLang="ja-JP" sz="3200" dirty="0" smtClean="0">
+              <a:solidFill>
+                <a:schemeClr val="tx1"/>
+              </a:solidFill>
+            </a:endParaRPr>
+          </a:p>
+          <a:p>
+            <a:pPr algn="ctr"/>
+            <a:r>
+              <a:rPr kumimoji="1" lang="ja-JP" altLang="en-US" sz="4800" u="sng" dirty="0">
+                <a:solidFill>
+                  <a:srgbClr val="FF0000"/>
+                </a:solidFill>
+              </a:rPr>
+              <a:t>倫理的</a:t>
+            </a:r>
+            <a:r>
+              <a:rPr kumimoji="1" lang="ja-JP" altLang="en-US" sz="4800" u="sng" dirty="0" smtClean="0">
+                <a:solidFill>
+                  <a:srgbClr val="FF0000"/>
+                </a:solidFill>
+              </a:rPr>
+              <a:t>にアウト</a:t>
+            </a:r>
+            <a:r>
+              <a:rPr kumimoji="1" lang="ja-JP" altLang="en-US" sz="4800" dirty="0" smtClean="0">
+                <a:solidFill>
+                  <a:schemeClr val="tx1"/>
+                </a:solidFill>
+              </a:rPr>
+              <a:t>でも</a:t>
+            </a:r>
+            <a:endParaRPr kumimoji="1" lang="en-US" altLang="ja-JP" sz="4800" dirty="0" smtClean="0">
+              <a:solidFill>
+                <a:schemeClr val="tx1"/>
+              </a:solidFill>
+            </a:endParaRPr>
+          </a:p>
+          <a:p>
+            <a:pPr algn="ctr"/>
+            <a:r>
+              <a:rPr kumimoji="1" lang="ja-JP" altLang="en-US" sz="4800" dirty="0" smtClean="0">
+                <a:solidFill>
+                  <a:schemeClr val="tx1"/>
+                </a:solidFill>
+              </a:rPr>
+              <a:t>しゃべってくれる</a:t>
+            </a:r>
+            <a:endParaRPr kumimoji="1" lang="ja-JP" altLang="en-US" sz="4800" dirty="0">
+              <a:solidFill>
+                <a:schemeClr val="tx1"/>
+              </a:solidFill>
+            </a:endParaRPr>
+          </a:p>
+        </p:txBody>
+      </p:sp>
     </p:spTree>
     <p:extLst>
       <p:ext uri="{BB962C8B-B14F-4D97-AF65-F5344CB8AC3E}">
@@ -9348,9 +10530,80 @@
   <p:timing>
     <p:tnLst>
       <p:par>
-        <p:cTn id="1" dur="indefinite" restart="never" nodeType="tmRoot"/>
+        <p:cTn id="1" dur="indefinite" restart="never" nodeType="tmRoot">
+          <p:childTnLst>
+            <p:seq concurrent="1" nextAc="seek">
+              <p:cTn id="2" dur="indefinite" nodeType="mainSeq">
+                <p:childTnLst>
+                  <p:par>
+                    <p:cTn id="3" fill="hold">
+                      <p:stCondLst>
+                        <p:cond delay="indefinite"/>
+                      </p:stCondLst>
+                      <p:childTnLst>
+                        <p:par>
+                          <p:cTn id="4" fill="hold">
+                            <p:stCondLst>
+                              <p:cond delay="0"/>
+                            </p:stCondLst>
+                            <p:childTnLst>
+                              <p:par>
+                                <p:cTn id="5" presetID="1" presetClass="entr" presetSubtype="0" fill="hold" grpId="0" nodeType="clickEffect">
+                                  <p:stCondLst>
+                                    <p:cond delay="0"/>
+                                  </p:stCondLst>
+                                  <p:childTnLst>
+                                    <p:set>
+                                      <p:cBhvr>
+                                        <p:cTn id="6" dur="1" fill="hold">
+                                          <p:stCondLst>
+                                            <p:cond delay="0"/>
+                                          </p:stCondLst>
+                                        </p:cTn>
+                                        <p:tgtEl>
+                                          <p:spTgt spid="10"/>
+                                        </p:tgtEl>
+                                        <p:attrNameLst>
+                                          <p:attrName>style.visibility</p:attrName>
+                                        </p:attrNameLst>
+                                      </p:cBhvr>
+                                      <p:to>
+                                        <p:strVal val="visible"/>
+                                      </p:to>
+                                    </p:set>
+                                  </p:childTnLst>
+                                </p:cTn>
+                              </p:par>
+                            </p:childTnLst>
+                          </p:cTn>
+                        </p:par>
+                      </p:childTnLst>
+                    </p:cTn>
+                  </p:par>
+                </p:childTnLst>
+              </p:cTn>
+              <p:prevCondLst>
+                <p:cond evt="onPrev" delay="0">
+                  <p:tgtEl>
+                    <p:sldTgt/>
+                  </p:tgtEl>
+                </p:cond>
+              </p:prevCondLst>
+              <p:nextCondLst>
+                <p:cond evt="onNext" delay="0">
+                  <p:tgtEl>
+                    <p:sldTgt/>
+                  </p:tgtEl>
+                </p:cond>
+              </p:nextCondLst>
+            </p:seq>
+          </p:childTnLst>
+        </p:cTn>
       </p:par>
     </p:tnLst>
+    <p:bldLst>
+      <p:bldP spid="10" grpId="0" animBg="1"/>
+    </p:bldLst>
   </p:timing>
 </p:sld>
 </file>
@@ -9374,44 +10627,6 @@
       </p:grpSpPr>
       <p:sp>
         <p:nvSpPr>
-          <p:cNvPr id="2" name="タイトル 1"/>
-          <p:cNvSpPr>
-            <a:spLocks noGrp="1"/>
-          </p:cNvSpPr>
-          <p:nvPr>
-            <p:ph type="title"/>
-          </p:nvPr>
-        </p:nvSpPr>
-        <p:spPr/>
-        <p:txBody>
-          <a:bodyPr/>
-          <a:lstStyle/>
-          <a:p>
-            <a:endParaRPr kumimoji="1" lang="ja-JP" altLang="en-US"/>
-          </a:p>
-        </p:txBody>
-      </p:sp>
-      <p:sp>
-        <p:nvSpPr>
-          <p:cNvPr id="3" name="コンテンツ プレースホルダー 2"/>
-          <p:cNvSpPr>
-            <a:spLocks noGrp="1"/>
-          </p:cNvSpPr>
-          <p:nvPr>
-            <p:ph idx="1"/>
-          </p:nvPr>
-        </p:nvSpPr>
-        <p:spPr/>
-        <p:txBody>
-          <a:bodyPr/>
-          <a:lstStyle/>
-          <a:p>
-            <a:endParaRPr kumimoji="1" lang="ja-JP" altLang="en-US"/>
-          </a:p>
-        </p:txBody>
-      </p:sp>
-      <p:sp>
-        <p:nvSpPr>
           <p:cNvPr id="4" name="スライド番号プレースホルダー 3"/>
           <p:cNvSpPr>
             <a:spLocks noGrp="1"/>
@@ -9431,6 +10646,108 @@
               <a:t>6</a:t>
             </a:fld>
             <a:endParaRPr kumimoji="1" lang="en-US" altLang="ja-JP" dirty="0" smtClean="0"/>
+          </a:p>
+        </p:txBody>
+      </p:sp>
+      <p:pic>
+        <p:nvPicPr>
+          <p:cNvPr id="5" name="図 4"/>
+          <p:cNvPicPr>
+            <a:picLocks noChangeAspect="1"/>
+          </p:cNvPicPr>
+          <p:nvPr/>
+        </p:nvPicPr>
+        <p:blipFill>
+          <a:blip r:embed="rId2">
+            <a:extLst>
+              <a:ext uri="{28A0092B-C50C-407E-A947-70E740481C1C}">
+                <a14:useLocalDpi xmlns:a14="http://schemas.microsoft.com/office/drawing/2010/main" val="0"/>
+              </a:ext>
+            </a:extLst>
+          </a:blip>
+          <a:stretch>
+            <a:fillRect/>
+          </a:stretch>
+        </p:blipFill>
+        <p:spPr>
+          <a:xfrm>
+            <a:off x="2092724" y="1462452"/>
+            <a:ext cx="8754697" cy="3467584"/>
+          </a:xfrm>
+          <a:prstGeom prst="rect">
+            <a:avLst/>
+          </a:prstGeom>
+        </p:spPr>
+      </p:pic>
+      <p:sp>
+        <p:nvSpPr>
+          <p:cNvPr id="6" name="テキスト ボックス 5"/>
+          <p:cNvSpPr txBox="1"/>
+          <p:nvPr/>
+        </p:nvSpPr>
+        <p:spPr>
+          <a:xfrm>
+            <a:off x="1645920" y="623455"/>
+            <a:ext cx="4139738" cy="707886"/>
+          </a:xfrm>
+          <a:prstGeom prst="rect">
+            <a:avLst/>
+          </a:prstGeom>
+          <a:noFill/>
+        </p:spPr>
+        <p:txBody>
+          <a:bodyPr wrap="square" rtlCol="0">
+            <a:spAutoFit/>
+          </a:bodyPr>
+          <a:lstStyle/>
+          <a:p>
+            <a:r>
+              <a:rPr kumimoji="1" lang="ja-JP" altLang="en-US" sz="4000" b="1" u="sng" dirty="0" smtClean="0">
+                <a:solidFill>
+                  <a:srgbClr val="FF0000"/>
+                </a:solidFill>
+              </a:rPr>
+              <a:t>ウイルスもどき</a:t>
+            </a:r>
+            <a:endParaRPr kumimoji="1" lang="ja-JP" altLang="en-US" sz="4000" b="1" u="sng" dirty="0">
+              <a:solidFill>
+                <a:srgbClr val="FF0000"/>
+              </a:solidFill>
+            </a:endParaRPr>
+          </a:p>
+        </p:txBody>
+      </p:sp>
+      <p:sp>
+        <p:nvSpPr>
+          <p:cNvPr id="7" name="テキスト ボックス 6"/>
+          <p:cNvSpPr txBox="1"/>
+          <p:nvPr/>
+        </p:nvSpPr>
+        <p:spPr>
+          <a:xfrm>
+            <a:off x="2966257" y="5270270"/>
+            <a:ext cx="7007630" cy="646331"/>
+          </a:xfrm>
+          <a:prstGeom prst="rect">
+            <a:avLst/>
+          </a:prstGeom>
+          <a:noFill/>
+        </p:spPr>
+        <p:txBody>
+          <a:bodyPr wrap="square" rtlCol="0">
+            <a:spAutoFit/>
+          </a:bodyPr>
+          <a:lstStyle/>
+          <a:p>
+            <a:r>
+              <a:rPr kumimoji="1" lang="ja-JP" altLang="en-US" sz="3600" dirty="0" smtClean="0"/>
+              <a:t>説教と一緒に断られてしまう</a:t>
+            </a:r>
+            <a:r>
+              <a:rPr kumimoji="1" lang="en-US" altLang="ja-JP" sz="3600" dirty="0" smtClean="0"/>
+              <a:t>…</a:t>
+            </a:r>
+            <a:endParaRPr kumimoji="1" lang="ja-JP" altLang="en-US" sz="3600" dirty="0"/>
           </a:p>
         </p:txBody>
       </p:sp>
@@ -9473,44 +10790,6 @@
       </p:grpSpPr>
       <p:sp>
         <p:nvSpPr>
-          <p:cNvPr id="2" name="タイトル 1"/>
-          <p:cNvSpPr>
-            <a:spLocks noGrp="1"/>
-          </p:cNvSpPr>
-          <p:nvPr>
-            <p:ph type="title"/>
-          </p:nvPr>
-        </p:nvSpPr>
-        <p:spPr/>
-        <p:txBody>
-          <a:bodyPr/>
-          <a:lstStyle/>
-          <a:p>
-            <a:endParaRPr kumimoji="1" lang="ja-JP" altLang="en-US"/>
-          </a:p>
-        </p:txBody>
-      </p:sp>
-      <p:sp>
-        <p:nvSpPr>
-          <p:cNvPr id="3" name="コンテンツ プレースホルダー 2"/>
-          <p:cNvSpPr>
-            <a:spLocks noGrp="1"/>
-          </p:cNvSpPr>
-          <p:nvPr>
-            <p:ph idx="1"/>
-          </p:nvPr>
-        </p:nvSpPr>
-        <p:spPr/>
-        <p:txBody>
-          <a:bodyPr/>
-          <a:lstStyle/>
-          <a:p>
-            <a:endParaRPr kumimoji="1" lang="ja-JP" altLang="en-US"/>
-          </a:p>
-        </p:txBody>
-      </p:sp>
-      <p:sp>
-        <p:nvSpPr>
           <p:cNvPr id="4" name="スライド番号プレースホルダー 3"/>
           <p:cNvSpPr>
             <a:spLocks noGrp="1"/>
@@ -9530,6 +10809,100 @@
               <a:t>7</a:t>
             </a:fld>
             <a:endParaRPr kumimoji="1" lang="en-US" altLang="ja-JP" dirty="0" smtClean="0"/>
+          </a:p>
+        </p:txBody>
+      </p:sp>
+      <p:pic>
+        <p:nvPicPr>
+          <p:cNvPr id="5" name="図 4"/>
+          <p:cNvPicPr>
+            <a:picLocks noChangeAspect="1"/>
+          </p:cNvPicPr>
+          <p:nvPr/>
+        </p:nvPicPr>
+        <p:blipFill>
+          <a:blip r:embed="rId2">
+            <a:extLst>
+              <a:ext uri="{28A0092B-C50C-407E-A947-70E740481C1C}">
+                <a14:useLocalDpi xmlns:a14="http://schemas.microsoft.com/office/drawing/2010/main" val="0"/>
+              </a:ext>
+            </a:extLst>
+          </a:blip>
+          <a:stretch>
+            <a:fillRect/>
+          </a:stretch>
+        </p:blipFill>
+        <p:spPr>
+          <a:xfrm>
+            <a:off x="1917034" y="2344212"/>
+            <a:ext cx="8707065" cy="2152950"/>
+          </a:xfrm>
+          <a:prstGeom prst="rect">
+            <a:avLst/>
+          </a:prstGeom>
+        </p:spPr>
+      </p:pic>
+      <p:sp>
+        <p:nvSpPr>
+          <p:cNvPr id="6" name="テキスト ボックス 5"/>
+          <p:cNvSpPr txBox="1"/>
+          <p:nvPr/>
+        </p:nvSpPr>
+        <p:spPr>
+          <a:xfrm>
+            <a:off x="3217025" y="4871259"/>
+            <a:ext cx="6533804" cy="1446550"/>
+          </a:xfrm>
+          <a:prstGeom prst="rect">
+            <a:avLst/>
+          </a:prstGeom>
+          <a:noFill/>
+        </p:spPr>
+        <p:txBody>
+          <a:bodyPr wrap="square" rtlCol="0">
+            <a:spAutoFit/>
+          </a:bodyPr>
+          <a:lstStyle/>
+          <a:p>
+            <a:r>
+              <a:rPr kumimoji="1" lang="ja-JP" altLang="en-US" sz="4400" dirty="0" smtClean="0"/>
+              <a:t>自分のパソコンで動作を確認できました！</a:t>
+            </a:r>
+            <a:endParaRPr kumimoji="1" lang="ja-JP" altLang="en-US" sz="4400" dirty="0"/>
+          </a:p>
+        </p:txBody>
+      </p:sp>
+      <p:sp>
+        <p:nvSpPr>
+          <p:cNvPr id="7" name="テキスト ボックス 6"/>
+          <p:cNvSpPr txBox="1"/>
+          <p:nvPr/>
+        </p:nvSpPr>
+        <p:spPr>
+          <a:xfrm>
+            <a:off x="2169621" y="787782"/>
+            <a:ext cx="4705003" cy="707886"/>
+          </a:xfrm>
+          <a:prstGeom prst="rect">
+            <a:avLst/>
+          </a:prstGeom>
+          <a:noFill/>
+        </p:spPr>
+        <p:txBody>
+          <a:bodyPr wrap="square" rtlCol="0">
+            <a:spAutoFit/>
+          </a:bodyPr>
+          <a:lstStyle/>
+          <a:p>
+            <a:r>
+              <a:rPr kumimoji="1" lang="ja-JP" altLang="en-US" sz="4000" u="sng" dirty="0" smtClean="0"/>
+              <a:t>使用を書くと</a:t>
+            </a:r>
+            <a:r>
+              <a:rPr kumimoji="1" lang="en-US" altLang="ja-JP" sz="4000" u="sng" dirty="0" smtClean="0"/>
+              <a:t>…</a:t>
+            </a:r>
+            <a:endParaRPr kumimoji="1" lang="ja-JP" altLang="en-US" sz="4000" u="sng" dirty="0"/>
           </a:p>
         </p:txBody>
       </p:sp>
@@ -9549,6 +10922,873 @@
         <p:cTn id="1" dur="indefinite" restart="never" nodeType="tmRoot"/>
       </p:par>
     </p:tnLst>
+  </p:timing>
+</p:sld>
+</file>
+
+<file path=ppt/slides/slide8.xml><?xml version="1.0" encoding="utf-8"?>
+<p:sld xmlns:a="http://schemas.openxmlformats.org/drawingml/2006/main" xmlns:r="http://schemas.openxmlformats.org/officeDocument/2006/relationships" xmlns:p="http://schemas.openxmlformats.org/presentationml/2006/main">
+  <p:cSld>
+    <p:spTree>
+      <p:nvGrpSpPr>
+        <p:cNvPr id="1" name=""/>
+        <p:cNvGrpSpPr/>
+        <p:nvPr/>
+      </p:nvGrpSpPr>
+      <p:grpSpPr>
+        <a:xfrm>
+          <a:off x="0" y="0"/>
+          <a:ext cx="0" cy="0"/>
+          <a:chOff x="0" y="0"/>
+          <a:chExt cx="0" cy="0"/>
+        </a:xfrm>
+      </p:grpSpPr>
+      <p:sp>
+        <p:nvSpPr>
+          <p:cNvPr id="4" name="スライド番号プレースホルダー 3"/>
+          <p:cNvSpPr>
+            <a:spLocks noGrp="1"/>
+          </p:cNvSpPr>
+          <p:nvPr>
+            <p:ph type="sldNum" sz="quarter" idx="12"/>
+          </p:nvPr>
+        </p:nvSpPr>
+        <p:spPr/>
+        <p:txBody>
+          <a:bodyPr/>
+          <a:lstStyle/>
+          <a:p>
+            <a:fld id="{07D14818-A5D3-430D-9B00-44B7CBCA6ED6}" type="slidenum">
+              <a:rPr kumimoji="1" lang="ja-JP" altLang="en-US" smtClean="0"/>
+              <a:pPr/>
+              <a:t>8</a:t>
+            </a:fld>
+            <a:endParaRPr kumimoji="1" lang="en-US" altLang="ja-JP" dirty="0" smtClean="0"/>
+          </a:p>
+        </p:txBody>
+      </p:sp>
+      <p:pic>
+        <p:nvPicPr>
+          <p:cNvPr id="6" name="図 5"/>
+          <p:cNvPicPr>
+            <a:picLocks noChangeAspect="1"/>
+          </p:cNvPicPr>
+          <p:nvPr/>
+        </p:nvPicPr>
+        <p:blipFill>
+          <a:blip r:embed="rId2">
+            <a:extLst>
+              <a:ext uri="{28A0092B-C50C-407E-A947-70E740481C1C}">
+                <a14:useLocalDpi xmlns:a14="http://schemas.microsoft.com/office/drawing/2010/main" val="0"/>
+              </a:ext>
+            </a:extLst>
+          </a:blip>
+          <a:stretch>
+            <a:fillRect/>
+          </a:stretch>
+        </p:blipFill>
+        <p:spPr>
+          <a:xfrm>
+            <a:off x="3108959" y="0"/>
+            <a:ext cx="8504297" cy="6858000"/>
+          </a:xfrm>
+          <a:prstGeom prst="rect">
+            <a:avLst/>
+          </a:prstGeom>
+        </p:spPr>
+      </p:pic>
+      <p:sp>
+        <p:nvSpPr>
+          <p:cNvPr id="8" name="右矢印吹き出し 7"/>
+          <p:cNvSpPr/>
+          <p:nvPr/>
+        </p:nvSpPr>
+        <p:spPr>
+          <a:xfrm>
+            <a:off x="773085" y="3749041"/>
+            <a:ext cx="3549534" cy="1487978"/>
+          </a:xfrm>
+          <a:prstGeom prst="rightArrowCallout">
+            <a:avLst/>
+          </a:prstGeom>
+          <a:solidFill>
+            <a:schemeClr val="accent6">
+              <a:lumMod val="60000"/>
+              <a:lumOff val="40000"/>
+            </a:schemeClr>
+          </a:solidFill>
+          <a:ln>
+            <a:solidFill>
+              <a:schemeClr val="tx1"/>
+            </a:solidFill>
+          </a:ln>
+        </p:spPr>
+        <p:style>
+          <a:lnRef idx="2">
+            <a:schemeClr val="accent6">
+              <a:shade val="50000"/>
+            </a:schemeClr>
+          </a:lnRef>
+          <a:fillRef idx="1">
+            <a:schemeClr val="accent6"/>
+          </a:fillRef>
+          <a:effectRef idx="0">
+            <a:schemeClr val="accent6"/>
+          </a:effectRef>
+          <a:fontRef idx="minor">
+            <a:schemeClr val="lt1"/>
+          </a:fontRef>
+        </p:style>
+        <p:txBody>
+          <a:bodyPr rtlCol="0" anchor="ctr"/>
+          <a:lstStyle/>
+          <a:p>
+            <a:pPr algn="ctr"/>
+            <a:r>
+              <a:rPr kumimoji="1" lang="ja-JP" altLang="en-US" dirty="0" smtClean="0">
+                <a:solidFill>
+                  <a:schemeClr val="tx1"/>
+                </a:solidFill>
+              </a:rPr>
+              <a:t>書き方は</a:t>
+            </a:r>
+            <a:endParaRPr kumimoji="1" lang="en-US" altLang="ja-JP" dirty="0" smtClean="0">
+              <a:solidFill>
+                <a:schemeClr val="tx1"/>
+              </a:solidFill>
+            </a:endParaRPr>
+          </a:p>
+          <a:p>
+            <a:pPr algn="ctr"/>
+            <a:r>
+              <a:rPr kumimoji="1" lang="en-US" altLang="ja-JP" dirty="0" smtClean="0">
+                <a:solidFill>
+                  <a:schemeClr val="tx1"/>
+                </a:solidFill>
+              </a:rPr>
+              <a:t>Amazon</a:t>
+            </a:r>
+            <a:r>
+              <a:rPr kumimoji="1" lang="ja-JP" altLang="en-US" dirty="0" smtClean="0">
+                <a:solidFill>
+                  <a:schemeClr val="tx1"/>
+                </a:solidFill>
+              </a:rPr>
+              <a:t>にそっくり</a:t>
+            </a:r>
+            <a:endParaRPr kumimoji="1" lang="en-US" altLang="ja-JP" dirty="0" smtClean="0">
+              <a:solidFill>
+                <a:schemeClr val="tx1"/>
+              </a:solidFill>
+            </a:endParaRPr>
+          </a:p>
+        </p:txBody>
+      </p:sp>
+      <p:sp>
+        <p:nvSpPr>
+          <p:cNvPr id="11" name="右矢印吹き出し 10"/>
+          <p:cNvSpPr/>
+          <p:nvPr/>
+        </p:nvSpPr>
+        <p:spPr>
+          <a:xfrm>
+            <a:off x="1881245" y="787782"/>
+            <a:ext cx="2577148" cy="1487978"/>
+          </a:xfrm>
+          <a:prstGeom prst="rightArrowCallout">
+            <a:avLst/>
+          </a:prstGeom>
+          <a:solidFill>
+            <a:schemeClr val="accent6">
+              <a:lumMod val="60000"/>
+              <a:lumOff val="40000"/>
+            </a:schemeClr>
+          </a:solidFill>
+          <a:ln>
+            <a:solidFill>
+              <a:schemeClr val="tx1"/>
+            </a:solidFill>
+          </a:ln>
+        </p:spPr>
+        <p:style>
+          <a:lnRef idx="2">
+            <a:schemeClr val="accent6">
+              <a:shade val="50000"/>
+            </a:schemeClr>
+          </a:lnRef>
+          <a:fillRef idx="1">
+            <a:schemeClr val="accent6"/>
+          </a:fillRef>
+          <a:effectRef idx="0">
+            <a:schemeClr val="accent6"/>
+          </a:effectRef>
+          <a:fontRef idx="minor">
+            <a:schemeClr val="lt1"/>
+          </a:fontRef>
+        </p:style>
+        <p:txBody>
+          <a:bodyPr rtlCol="0" anchor="ctr"/>
+          <a:lstStyle/>
+          <a:p>
+            <a:pPr algn="ctr"/>
+            <a:r>
+              <a:rPr kumimoji="1" lang="en-US" altLang="ja-JP" dirty="0" smtClean="0">
+                <a:solidFill>
+                  <a:schemeClr val="tx1"/>
+                </a:solidFill>
+              </a:rPr>
+              <a:t>Amazon</a:t>
+            </a:r>
+          </a:p>
+          <a:p>
+            <a:pPr algn="ctr"/>
+            <a:r>
+              <a:rPr kumimoji="1" lang="ja-JP" altLang="en-US" dirty="0" smtClean="0">
+                <a:solidFill>
+                  <a:schemeClr val="tx1"/>
+                </a:solidFill>
+              </a:rPr>
+              <a:t>で指定。</a:t>
+            </a:r>
+            <a:endParaRPr kumimoji="1" lang="ja-JP" altLang="en-US" dirty="0">
+              <a:solidFill>
+                <a:schemeClr val="tx1"/>
+              </a:solidFill>
+            </a:endParaRPr>
+          </a:p>
+        </p:txBody>
+      </p:sp>
+      <p:sp>
+        <p:nvSpPr>
+          <p:cNvPr id="9" name="テキスト ボックス 8"/>
+          <p:cNvSpPr txBox="1"/>
+          <p:nvPr/>
+        </p:nvSpPr>
+        <p:spPr>
+          <a:xfrm>
+            <a:off x="1479664" y="647178"/>
+            <a:ext cx="2726575" cy="646331"/>
+          </a:xfrm>
+          <a:prstGeom prst="rect">
+            <a:avLst/>
+          </a:prstGeom>
+          <a:noFill/>
+        </p:spPr>
+        <p:txBody>
+          <a:bodyPr wrap="square" rtlCol="0">
+            <a:spAutoFit/>
+          </a:bodyPr>
+          <a:lstStyle/>
+          <a:p>
+            <a:r>
+              <a:rPr kumimoji="1" lang="ja-JP" altLang="en-US" sz="3600" b="1" u="sng" dirty="0" smtClean="0">
+                <a:solidFill>
+                  <a:srgbClr val="FF0000"/>
+                </a:solidFill>
+              </a:rPr>
+              <a:t>桜レビュー</a:t>
+            </a:r>
+            <a:endParaRPr kumimoji="1" lang="ja-JP" altLang="en-US" sz="3600" b="1" u="sng" dirty="0">
+              <a:solidFill>
+                <a:srgbClr val="FF0000"/>
+              </a:solidFill>
+            </a:endParaRPr>
+          </a:p>
+        </p:txBody>
+      </p:sp>
+    </p:spTree>
+    <p:extLst>
+      <p:ext uri="{BB962C8B-B14F-4D97-AF65-F5344CB8AC3E}">
+        <p14:creationId xmlns:p14="http://schemas.microsoft.com/office/powerpoint/2010/main" val="1626294697"/>
+      </p:ext>
+    </p:extLst>
+  </p:cSld>
+  <p:clrMapOvr>
+    <a:masterClrMapping/>
+  </p:clrMapOvr>
+  <p:timing>
+    <p:tnLst>
+      <p:par>
+        <p:cTn id="1" dur="indefinite" restart="never" nodeType="tmRoot">
+          <p:childTnLst>
+            <p:seq concurrent="1" nextAc="seek">
+              <p:cTn id="2" dur="indefinite" nodeType="mainSeq">
+                <p:childTnLst>
+                  <p:par>
+                    <p:cTn id="3" fill="hold">
+                      <p:stCondLst>
+                        <p:cond delay="indefinite"/>
+                      </p:stCondLst>
+                      <p:childTnLst>
+                        <p:par>
+                          <p:cTn id="4" fill="hold">
+                            <p:stCondLst>
+                              <p:cond delay="0"/>
+                            </p:stCondLst>
+                            <p:childTnLst>
+                              <p:par>
+                                <p:cTn id="5" presetID="2" presetClass="entr" presetSubtype="4" fill="hold" nodeType="clickEffect">
+                                  <p:stCondLst>
+                                    <p:cond delay="0"/>
+                                  </p:stCondLst>
+                                  <p:childTnLst>
+                                    <p:set>
+                                      <p:cBhvr>
+                                        <p:cTn id="6" dur="1" fill="hold">
+                                          <p:stCondLst>
+                                            <p:cond delay="0"/>
+                                          </p:stCondLst>
+                                        </p:cTn>
+                                        <p:tgtEl>
+                                          <p:spTgt spid="6"/>
+                                        </p:tgtEl>
+                                        <p:attrNameLst>
+                                          <p:attrName>style.visibility</p:attrName>
+                                        </p:attrNameLst>
+                                      </p:cBhvr>
+                                      <p:to>
+                                        <p:strVal val="visible"/>
+                                      </p:to>
+                                    </p:set>
+                                    <p:anim calcmode="lin" valueType="num">
+                                      <p:cBhvr additive="base">
+                                        <p:cTn id="7" dur="500" fill="hold"/>
+                                        <p:tgtEl>
+                                          <p:spTgt spid="6"/>
+                                        </p:tgtEl>
+                                        <p:attrNameLst>
+                                          <p:attrName>ppt_x</p:attrName>
+                                        </p:attrNameLst>
+                                      </p:cBhvr>
+                                      <p:tavLst>
+                                        <p:tav tm="0">
+                                          <p:val>
+                                            <p:strVal val="#ppt_x"/>
+                                          </p:val>
+                                        </p:tav>
+                                        <p:tav tm="100000">
+                                          <p:val>
+                                            <p:strVal val="#ppt_x"/>
+                                          </p:val>
+                                        </p:tav>
+                                      </p:tavLst>
+                                    </p:anim>
+                                    <p:anim calcmode="lin" valueType="num">
+                                      <p:cBhvr additive="base">
+                                        <p:cTn id="8" dur="500" fill="hold"/>
+                                        <p:tgtEl>
+                                          <p:spTgt spid="6"/>
+                                        </p:tgtEl>
+                                        <p:attrNameLst>
+                                          <p:attrName>ppt_y</p:attrName>
+                                        </p:attrNameLst>
+                                      </p:cBhvr>
+                                      <p:tavLst>
+                                        <p:tav tm="0">
+                                          <p:val>
+                                            <p:strVal val="1+#ppt_h/2"/>
+                                          </p:val>
+                                        </p:tav>
+                                        <p:tav tm="100000">
+                                          <p:val>
+                                            <p:strVal val="#ppt_y"/>
+                                          </p:val>
+                                        </p:tav>
+                                      </p:tavLst>
+                                    </p:anim>
+                                  </p:childTnLst>
+                                </p:cTn>
+                              </p:par>
+                            </p:childTnLst>
+                          </p:cTn>
+                        </p:par>
+                      </p:childTnLst>
+                    </p:cTn>
+                  </p:par>
+                  <p:par>
+                    <p:cTn id="9" fill="hold">
+                      <p:stCondLst>
+                        <p:cond delay="indefinite"/>
+                      </p:stCondLst>
+                      <p:childTnLst>
+                        <p:par>
+                          <p:cTn id="10" fill="hold">
+                            <p:stCondLst>
+                              <p:cond delay="0"/>
+                            </p:stCondLst>
+                            <p:childTnLst>
+                              <p:par>
+                                <p:cTn id="11" presetID="2" presetClass="entr" presetSubtype="8" fill="hold" grpId="0" nodeType="clickEffect">
+                                  <p:stCondLst>
+                                    <p:cond delay="0"/>
+                                  </p:stCondLst>
+                                  <p:childTnLst>
+                                    <p:set>
+                                      <p:cBhvr>
+                                        <p:cTn id="12" dur="1" fill="hold">
+                                          <p:stCondLst>
+                                            <p:cond delay="0"/>
+                                          </p:stCondLst>
+                                        </p:cTn>
+                                        <p:tgtEl>
+                                          <p:spTgt spid="11"/>
+                                        </p:tgtEl>
+                                        <p:attrNameLst>
+                                          <p:attrName>style.visibility</p:attrName>
+                                        </p:attrNameLst>
+                                      </p:cBhvr>
+                                      <p:to>
+                                        <p:strVal val="visible"/>
+                                      </p:to>
+                                    </p:set>
+                                    <p:anim calcmode="lin" valueType="num">
+                                      <p:cBhvr additive="base">
+                                        <p:cTn id="13" dur="500" fill="hold"/>
+                                        <p:tgtEl>
+                                          <p:spTgt spid="11"/>
+                                        </p:tgtEl>
+                                        <p:attrNameLst>
+                                          <p:attrName>ppt_x</p:attrName>
+                                        </p:attrNameLst>
+                                      </p:cBhvr>
+                                      <p:tavLst>
+                                        <p:tav tm="0">
+                                          <p:val>
+                                            <p:strVal val="0-#ppt_w/2"/>
+                                          </p:val>
+                                        </p:tav>
+                                        <p:tav tm="100000">
+                                          <p:val>
+                                            <p:strVal val="#ppt_x"/>
+                                          </p:val>
+                                        </p:tav>
+                                      </p:tavLst>
+                                    </p:anim>
+                                    <p:anim calcmode="lin" valueType="num">
+                                      <p:cBhvr additive="base">
+                                        <p:cTn id="14" dur="500" fill="hold"/>
+                                        <p:tgtEl>
+                                          <p:spTgt spid="11"/>
+                                        </p:tgtEl>
+                                        <p:attrNameLst>
+                                          <p:attrName>ppt_y</p:attrName>
+                                        </p:attrNameLst>
+                                      </p:cBhvr>
+                                      <p:tavLst>
+                                        <p:tav tm="0">
+                                          <p:val>
+                                            <p:strVal val="#ppt_y"/>
+                                          </p:val>
+                                        </p:tav>
+                                        <p:tav tm="100000">
+                                          <p:val>
+                                            <p:strVal val="#ppt_y"/>
+                                          </p:val>
+                                        </p:tav>
+                                      </p:tavLst>
+                                    </p:anim>
+                                  </p:childTnLst>
+                                </p:cTn>
+                              </p:par>
+                            </p:childTnLst>
+                          </p:cTn>
+                        </p:par>
+                      </p:childTnLst>
+                    </p:cTn>
+                  </p:par>
+                  <p:par>
+                    <p:cTn id="15" fill="hold">
+                      <p:stCondLst>
+                        <p:cond delay="indefinite"/>
+                      </p:stCondLst>
+                      <p:childTnLst>
+                        <p:par>
+                          <p:cTn id="16" fill="hold">
+                            <p:stCondLst>
+                              <p:cond delay="0"/>
+                            </p:stCondLst>
+                            <p:childTnLst>
+                              <p:par>
+                                <p:cTn id="17" presetID="2" presetClass="entr" presetSubtype="8" fill="hold" grpId="0" nodeType="clickEffect">
+                                  <p:stCondLst>
+                                    <p:cond delay="0"/>
+                                  </p:stCondLst>
+                                  <p:childTnLst>
+                                    <p:set>
+                                      <p:cBhvr>
+                                        <p:cTn id="18" dur="1" fill="hold">
+                                          <p:stCondLst>
+                                            <p:cond delay="0"/>
+                                          </p:stCondLst>
+                                        </p:cTn>
+                                        <p:tgtEl>
+                                          <p:spTgt spid="8"/>
+                                        </p:tgtEl>
+                                        <p:attrNameLst>
+                                          <p:attrName>style.visibility</p:attrName>
+                                        </p:attrNameLst>
+                                      </p:cBhvr>
+                                      <p:to>
+                                        <p:strVal val="visible"/>
+                                      </p:to>
+                                    </p:set>
+                                    <p:anim calcmode="lin" valueType="num">
+                                      <p:cBhvr additive="base">
+                                        <p:cTn id="19" dur="500" fill="hold"/>
+                                        <p:tgtEl>
+                                          <p:spTgt spid="8"/>
+                                        </p:tgtEl>
+                                        <p:attrNameLst>
+                                          <p:attrName>ppt_x</p:attrName>
+                                        </p:attrNameLst>
+                                      </p:cBhvr>
+                                      <p:tavLst>
+                                        <p:tav tm="0">
+                                          <p:val>
+                                            <p:strVal val="0-#ppt_w/2"/>
+                                          </p:val>
+                                        </p:tav>
+                                        <p:tav tm="100000">
+                                          <p:val>
+                                            <p:strVal val="#ppt_x"/>
+                                          </p:val>
+                                        </p:tav>
+                                      </p:tavLst>
+                                    </p:anim>
+                                    <p:anim calcmode="lin" valueType="num">
+                                      <p:cBhvr additive="base">
+                                        <p:cTn id="20" dur="500" fill="hold"/>
+                                        <p:tgtEl>
+                                          <p:spTgt spid="8"/>
+                                        </p:tgtEl>
+                                        <p:attrNameLst>
+                                          <p:attrName>ppt_y</p:attrName>
+                                        </p:attrNameLst>
+                                      </p:cBhvr>
+                                      <p:tavLst>
+                                        <p:tav tm="0">
+                                          <p:val>
+                                            <p:strVal val="#ppt_y"/>
+                                          </p:val>
+                                        </p:tav>
+                                        <p:tav tm="100000">
+                                          <p:val>
+                                            <p:strVal val="#ppt_y"/>
+                                          </p:val>
+                                        </p:tav>
+                                      </p:tavLst>
+                                    </p:anim>
+                                  </p:childTnLst>
+                                </p:cTn>
+                              </p:par>
+                            </p:childTnLst>
+                          </p:cTn>
+                        </p:par>
+                      </p:childTnLst>
+                    </p:cTn>
+                  </p:par>
+                </p:childTnLst>
+              </p:cTn>
+              <p:prevCondLst>
+                <p:cond evt="onPrev" delay="0">
+                  <p:tgtEl>
+                    <p:sldTgt/>
+                  </p:tgtEl>
+                </p:cond>
+              </p:prevCondLst>
+              <p:nextCondLst>
+                <p:cond evt="onNext" delay="0">
+                  <p:tgtEl>
+                    <p:sldTgt/>
+                  </p:tgtEl>
+                </p:cond>
+              </p:nextCondLst>
+            </p:seq>
+          </p:childTnLst>
+        </p:cTn>
+      </p:par>
+    </p:tnLst>
+    <p:bldLst>
+      <p:bldP spid="8" grpId="0" animBg="1"/>
+      <p:bldP spid="11" grpId="0" animBg="1"/>
+    </p:bldLst>
+  </p:timing>
+</p:sld>
+</file>
+
+<file path=ppt/slides/slide9.xml><?xml version="1.0" encoding="utf-8"?>
+<p:sld xmlns:a="http://schemas.openxmlformats.org/drawingml/2006/main" xmlns:r="http://schemas.openxmlformats.org/officeDocument/2006/relationships" xmlns:p="http://schemas.openxmlformats.org/presentationml/2006/main">
+  <p:cSld>
+    <p:spTree>
+      <p:nvGrpSpPr>
+        <p:cNvPr id="1" name=""/>
+        <p:cNvGrpSpPr/>
+        <p:nvPr/>
+      </p:nvGrpSpPr>
+      <p:grpSpPr>
+        <a:xfrm>
+          <a:off x="0" y="0"/>
+          <a:ext cx="0" cy="0"/>
+          <a:chOff x="0" y="0"/>
+          <a:chExt cx="0" cy="0"/>
+        </a:xfrm>
+      </p:grpSpPr>
+      <p:sp>
+        <p:nvSpPr>
+          <p:cNvPr id="4" name="スライド番号プレースホルダー 3"/>
+          <p:cNvSpPr>
+            <a:spLocks noGrp="1"/>
+          </p:cNvSpPr>
+          <p:nvPr>
+            <p:ph type="sldNum" sz="quarter" idx="12"/>
+          </p:nvPr>
+        </p:nvSpPr>
+        <p:spPr/>
+        <p:txBody>
+          <a:bodyPr/>
+          <a:lstStyle/>
+          <a:p>
+            <a:fld id="{07D14818-A5D3-430D-9B00-44B7CBCA6ED6}" type="slidenum">
+              <a:rPr kumimoji="1" lang="ja-JP" altLang="en-US" smtClean="0"/>
+              <a:pPr/>
+              <a:t>9</a:t>
+            </a:fld>
+            <a:endParaRPr kumimoji="1" lang="en-US" altLang="ja-JP" dirty="0" smtClean="0"/>
+          </a:p>
+        </p:txBody>
+      </p:sp>
+      <p:sp>
+        <p:nvSpPr>
+          <p:cNvPr id="5" name="テキスト ボックス 4"/>
+          <p:cNvSpPr txBox="1"/>
+          <p:nvPr/>
+        </p:nvSpPr>
+        <p:spPr>
+          <a:xfrm>
+            <a:off x="1645919" y="623455"/>
+            <a:ext cx="4671753" cy="707886"/>
+          </a:xfrm>
+          <a:prstGeom prst="rect">
+            <a:avLst/>
+          </a:prstGeom>
+          <a:noFill/>
+        </p:spPr>
+        <p:txBody>
+          <a:bodyPr wrap="square" rtlCol="0">
+            <a:spAutoFit/>
+          </a:bodyPr>
+          <a:lstStyle/>
+          <a:p>
+            <a:r>
+              <a:rPr kumimoji="1" lang="ja-JP" altLang="en-US" sz="4000" b="1" u="sng" dirty="0" smtClean="0">
+                <a:solidFill>
+                  <a:srgbClr val="FF0000"/>
+                </a:solidFill>
+              </a:rPr>
+              <a:t>フィッシング詐欺</a:t>
+            </a:r>
+            <a:endParaRPr kumimoji="1" lang="ja-JP" altLang="en-US" sz="4000" b="1" u="sng" dirty="0">
+              <a:solidFill>
+                <a:srgbClr val="FF0000"/>
+              </a:solidFill>
+            </a:endParaRPr>
+          </a:p>
+        </p:txBody>
+      </p:sp>
+      <p:sp>
+        <p:nvSpPr>
+          <p:cNvPr id="6" name="テキスト ボックス 5"/>
+          <p:cNvSpPr txBox="1"/>
+          <p:nvPr/>
+        </p:nvSpPr>
+        <p:spPr>
+          <a:xfrm>
+            <a:off x="2801389" y="1571105"/>
+            <a:ext cx="6375861" cy="584775"/>
+          </a:xfrm>
+          <a:prstGeom prst="rect">
+            <a:avLst/>
+          </a:prstGeom>
+          <a:noFill/>
+        </p:spPr>
+        <p:txBody>
+          <a:bodyPr wrap="square" rtlCol="0">
+            <a:spAutoFit/>
+          </a:bodyPr>
+          <a:lstStyle/>
+          <a:p>
+            <a:r>
+              <a:rPr kumimoji="1" lang="ja-JP" altLang="en-US" sz="3200" b="1" dirty="0" smtClean="0"/>
+              <a:t>せっかくなのでアラビア語で出力</a:t>
+            </a:r>
+            <a:endParaRPr kumimoji="1" lang="ja-JP" altLang="en-US" sz="3200" b="1" dirty="0"/>
+          </a:p>
+        </p:txBody>
+      </p:sp>
+      <p:pic>
+        <p:nvPicPr>
+          <p:cNvPr id="7" name="図 6"/>
+          <p:cNvPicPr>
+            <a:picLocks noChangeAspect="1"/>
+          </p:cNvPicPr>
+          <p:nvPr/>
+        </p:nvPicPr>
+        <p:blipFill>
+          <a:blip r:embed="rId2"/>
+          <a:stretch>
+            <a:fillRect/>
+          </a:stretch>
+        </p:blipFill>
+        <p:spPr>
+          <a:xfrm>
+            <a:off x="1888374" y="1277961"/>
+            <a:ext cx="8534400" cy="5334000"/>
+          </a:xfrm>
+          <a:prstGeom prst="rect">
+            <a:avLst/>
+          </a:prstGeom>
+        </p:spPr>
+      </p:pic>
+    </p:spTree>
+    <p:extLst>
+      <p:ext uri="{BB962C8B-B14F-4D97-AF65-F5344CB8AC3E}">
+        <p14:creationId xmlns:p14="http://schemas.microsoft.com/office/powerpoint/2010/main" val="4021282167"/>
+      </p:ext>
+    </p:extLst>
+  </p:cSld>
+  <p:clrMapOvr>
+    <a:masterClrMapping/>
+  </p:clrMapOvr>
+  <p:timing>
+    <p:tnLst>
+      <p:par>
+        <p:cTn id="1" dur="indefinite" restart="never" nodeType="tmRoot">
+          <p:childTnLst>
+            <p:seq concurrent="1" nextAc="seek">
+              <p:cTn id="2" dur="indefinite" nodeType="mainSeq">
+                <p:childTnLst>
+                  <p:par>
+                    <p:cTn id="3" fill="hold">
+                      <p:stCondLst>
+                        <p:cond delay="indefinite"/>
+                      </p:stCondLst>
+                      <p:childTnLst>
+                        <p:par>
+                          <p:cTn id="4" fill="hold">
+                            <p:stCondLst>
+                              <p:cond delay="0"/>
+                            </p:stCondLst>
+                            <p:childTnLst>
+                              <p:par>
+                                <p:cTn id="5" presetID="1" presetClass="entr" presetSubtype="0" fill="hold" grpId="0" nodeType="clickEffect">
+                                  <p:stCondLst>
+                                    <p:cond delay="0"/>
+                                  </p:stCondLst>
+                                  <p:childTnLst>
+                                    <p:set>
+                                      <p:cBhvr>
+                                        <p:cTn id="6" dur="1" fill="hold">
+                                          <p:stCondLst>
+                                            <p:cond delay="0"/>
+                                          </p:stCondLst>
+                                        </p:cTn>
+                                        <p:tgtEl>
+                                          <p:spTgt spid="6"/>
+                                        </p:tgtEl>
+                                        <p:attrNameLst>
+                                          <p:attrName>style.visibility</p:attrName>
+                                        </p:attrNameLst>
+                                      </p:cBhvr>
+                                      <p:to>
+                                        <p:strVal val="visible"/>
+                                      </p:to>
+                                    </p:set>
+                                  </p:childTnLst>
+                                </p:cTn>
+                              </p:par>
+                            </p:childTnLst>
+                          </p:cTn>
+                        </p:par>
+                      </p:childTnLst>
+                    </p:cTn>
+                  </p:par>
+                  <p:par>
+                    <p:cTn id="7" fill="hold">
+                      <p:stCondLst>
+                        <p:cond delay="indefinite"/>
+                      </p:stCondLst>
+                      <p:childTnLst>
+                        <p:par>
+                          <p:cTn id="8" fill="hold">
+                            <p:stCondLst>
+                              <p:cond delay="0"/>
+                            </p:stCondLst>
+                            <p:childTnLst>
+                              <p:par>
+                                <p:cTn id="9" presetID="22" presetClass="entr" presetSubtype="4" fill="hold" nodeType="clickEffect">
+                                  <p:stCondLst>
+                                    <p:cond delay="0"/>
+                                  </p:stCondLst>
+                                  <p:childTnLst>
+                                    <p:set>
+                                      <p:cBhvr>
+                                        <p:cTn id="10" dur="1" fill="hold">
+                                          <p:stCondLst>
+                                            <p:cond delay="0"/>
+                                          </p:stCondLst>
+                                        </p:cTn>
+                                        <p:tgtEl>
+                                          <p:spTgt spid="7"/>
+                                        </p:tgtEl>
+                                        <p:attrNameLst>
+                                          <p:attrName>style.visibility</p:attrName>
+                                        </p:attrNameLst>
+                                      </p:cBhvr>
+                                      <p:to>
+                                        <p:strVal val="visible"/>
+                                      </p:to>
+                                    </p:set>
+                                    <p:animEffect transition="in" filter="wipe(down)">
+                                      <p:cBhvr>
+                                        <p:cTn id="11" dur="500"/>
+                                        <p:tgtEl>
+                                          <p:spTgt spid="7"/>
+                                        </p:tgtEl>
+                                      </p:cBhvr>
+                                    </p:animEffect>
+                                  </p:childTnLst>
+                                </p:cTn>
+                              </p:par>
+                            </p:childTnLst>
+                          </p:cTn>
+                        </p:par>
+                      </p:childTnLst>
+                    </p:cTn>
+                  </p:par>
+                </p:childTnLst>
+              </p:cTn>
+              <p:prevCondLst>
+                <p:cond evt="onPrev" delay="0">
+                  <p:tgtEl>
+                    <p:sldTgt/>
+                  </p:tgtEl>
+                </p:cond>
+              </p:prevCondLst>
+              <p:nextCondLst>
+                <p:cond evt="onNext" delay="0">
+                  <p:tgtEl>
+                    <p:sldTgt/>
+                  </p:tgtEl>
+                </p:cond>
+              </p:nextCondLst>
+            </p:seq>
+          </p:childTnLst>
+        </p:cTn>
+      </p:par>
+    </p:tnLst>
+    <p:bldLst>
+      <p:bldP spid="6" grpId="0"/>
+    </p:bldLst>
   </p:timing>
 </p:sld>
 </file>

--- a/その他/夏休みの課題のゲーム/GODAIGOisME_by森田/夏課題_ネットワーク技術/発表用.pptx
+++ b/その他/夏休みの課題のゲーム/GODAIGOisME_by森田/夏課題_ネットワーク技術/発表用.pptx
@@ -9076,7 +9076,375 @@
   <p:timing>
     <p:tnLst>
       <p:par>
-        <p:cTn id="1" dur="indefinite" restart="never" nodeType="tmRoot"/>
+        <p:cTn id="1" dur="indefinite" restart="never" nodeType="tmRoot">
+          <p:childTnLst>
+            <p:seq concurrent="1" nextAc="seek">
+              <p:cTn id="2" dur="indefinite" nodeType="mainSeq">
+                <p:childTnLst>
+                  <p:par>
+                    <p:cTn id="3" fill="hold">
+                      <p:stCondLst>
+                        <p:cond delay="indefinite"/>
+                      </p:stCondLst>
+                      <p:childTnLst>
+                        <p:par>
+                          <p:cTn id="4" fill="hold">
+                            <p:stCondLst>
+                              <p:cond delay="0"/>
+                            </p:stCondLst>
+                            <p:childTnLst>
+                              <p:par>
+                                <p:cTn id="5" presetID="42" presetClass="entr" presetSubtype="0" fill="hold" nodeType="clickEffect">
+                                  <p:stCondLst>
+                                    <p:cond delay="0"/>
+                                  </p:stCondLst>
+                                  <p:childTnLst>
+                                    <p:set>
+                                      <p:cBhvr>
+                                        <p:cTn id="6" dur="1" fill="hold">
+                                          <p:stCondLst>
+                                            <p:cond delay="0"/>
+                                          </p:stCondLst>
+                                        </p:cTn>
+                                        <p:tgtEl>
+                                          <p:spTgt spid="6">
+                                            <p:txEl>
+                                              <p:pRg st="0" end="0"/>
+                                            </p:txEl>
+                                          </p:spTgt>
+                                        </p:tgtEl>
+                                        <p:attrNameLst>
+                                          <p:attrName>style.visibility</p:attrName>
+                                        </p:attrNameLst>
+                                      </p:cBhvr>
+                                      <p:to>
+                                        <p:strVal val="visible"/>
+                                      </p:to>
+                                    </p:set>
+                                    <p:animEffect transition="in" filter="fade">
+                                      <p:cBhvr>
+                                        <p:cTn id="7" dur="1000"/>
+                                        <p:tgtEl>
+                                          <p:spTgt spid="6">
+                                            <p:txEl>
+                                              <p:pRg st="0" end="0"/>
+                                            </p:txEl>
+                                          </p:spTgt>
+                                        </p:tgtEl>
+                                      </p:cBhvr>
+                                    </p:animEffect>
+                                    <p:anim calcmode="lin" valueType="num">
+                                      <p:cBhvr>
+                                        <p:cTn id="8" dur="1000" fill="hold"/>
+                                        <p:tgtEl>
+                                          <p:spTgt spid="6">
+                                            <p:txEl>
+                                              <p:pRg st="0" end="0"/>
+                                            </p:txEl>
+                                          </p:spTgt>
+                                        </p:tgtEl>
+                                        <p:attrNameLst>
+                                          <p:attrName>ppt_x</p:attrName>
+                                        </p:attrNameLst>
+                                      </p:cBhvr>
+                                      <p:tavLst>
+                                        <p:tav tm="0">
+                                          <p:val>
+                                            <p:strVal val="#ppt_x"/>
+                                          </p:val>
+                                        </p:tav>
+                                        <p:tav tm="100000">
+                                          <p:val>
+                                            <p:strVal val="#ppt_x"/>
+                                          </p:val>
+                                        </p:tav>
+                                      </p:tavLst>
+                                    </p:anim>
+                                    <p:anim calcmode="lin" valueType="num">
+                                      <p:cBhvr>
+                                        <p:cTn id="9" dur="1000" fill="hold"/>
+                                        <p:tgtEl>
+                                          <p:spTgt spid="6">
+                                            <p:txEl>
+                                              <p:pRg st="0" end="0"/>
+                                            </p:txEl>
+                                          </p:spTgt>
+                                        </p:tgtEl>
+                                        <p:attrNameLst>
+                                          <p:attrName>ppt_y</p:attrName>
+                                        </p:attrNameLst>
+                                      </p:cBhvr>
+                                      <p:tavLst>
+                                        <p:tav tm="0">
+                                          <p:val>
+                                            <p:strVal val="#ppt_y+.1"/>
+                                          </p:val>
+                                        </p:tav>
+                                        <p:tav tm="100000">
+                                          <p:val>
+                                            <p:strVal val="#ppt_y"/>
+                                          </p:val>
+                                        </p:tav>
+                                      </p:tavLst>
+                                    </p:anim>
+                                  </p:childTnLst>
+                                </p:cTn>
+                              </p:par>
+                            </p:childTnLst>
+                          </p:cTn>
+                        </p:par>
+                      </p:childTnLst>
+                    </p:cTn>
+                  </p:par>
+                  <p:par>
+                    <p:cTn id="10" fill="hold">
+                      <p:stCondLst>
+                        <p:cond delay="indefinite"/>
+                      </p:stCondLst>
+                      <p:childTnLst>
+                        <p:par>
+                          <p:cTn id="11" fill="hold">
+                            <p:stCondLst>
+                              <p:cond delay="0"/>
+                            </p:stCondLst>
+                            <p:childTnLst>
+                              <p:par>
+                                <p:cTn id="12" presetID="42" presetClass="entr" presetSubtype="0" fill="hold" nodeType="clickEffect">
+                                  <p:stCondLst>
+                                    <p:cond delay="0"/>
+                                  </p:stCondLst>
+                                  <p:childTnLst>
+                                    <p:set>
+                                      <p:cBhvr>
+                                        <p:cTn id="13" dur="1" fill="hold">
+                                          <p:stCondLst>
+                                            <p:cond delay="0"/>
+                                          </p:stCondLst>
+                                        </p:cTn>
+                                        <p:tgtEl>
+                                          <p:spTgt spid="6">
+                                            <p:txEl>
+                                              <p:pRg st="2" end="2"/>
+                                            </p:txEl>
+                                          </p:spTgt>
+                                        </p:tgtEl>
+                                        <p:attrNameLst>
+                                          <p:attrName>style.visibility</p:attrName>
+                                        </p:attrNameLst>
+                                      </p:cBhvr>
+                                      <p:to>
+                                        <p:strVal val="visible"/>
+                                      </p:to>
+                                    </p:set>
+                                    <p:animEffect transition="in" filter="fade">
+                                      <p:cBhvr>
+                                        <p:cTn id="14" dur="1000"/>
+                                        <p:tgtEl>
+                                          <p:spTgt spid="6">
+                                            <p:txEl>
+                                              <p:pRg st="2" end="2"/>
+                                            </p:txEl>
+                                          </p:spTgt>
+                                        </p:tgtEl>
+                                      </p:cBhvr>
+                                    </p:animEffect>
+                                    <p:anim calcmode="lin" valueType="num">
+                                      <p:cBhvr>
+                                        <p:cTn id="15" dur="1000" fill="hold"/>
+                                        <p:tgtEl>
+                                          <p:spTgt spid="6">
+                                            <p:txEl>
+                                              <p:pRg st="2" end="2"/>
+                                            </p:txEl>
+                                          </p:spTgt>
+                                        </p:tgtEl>
+                                        <p:attrNameLst>
+                                          <p:attrName>ppt_x</p:attrName>
+                                        </p:attrNameLst>
+                                      </p:cBhvr>
+                                      <p:tavLst>
+                                        <p:tav tm="0">
+                                          <p:val>
+                                            <p:strVal val="#ppt_x"/>
+                                          </p:val>
+                                        </p:tav>
+                                        <p:tav tm="100000">
+                                          <p:val>
+                                            <p:strVal val="#ppt_x"/>
+                                          </p:val>
+                                        </p:tav>
+                                      </p:tavLst>
+                                    </p:anim>
+                                    <p:anim calcmode="lin" valueType="num">
+                                      <p:cBhvr>
+                                        <p:cTn id="16" dur="1000" fill="hold"/>
+                                        <p:tgtEl>
+                                          <p:spTgt spid="6">
+                                            <p:txEl>
+                                              <p:pRg st="2" end="2"/>
+                                            </p:txEl>
+                                          </p:spTgt>
+                                        </p:tgtEl>
+                                        <p:attrNameLst>
+                                          <p:attrName>ppt_y</p:attrName>
+                                        </p:attrNameLst>
+                                      </p:cBhvr>
+                                      <p:tavLst>
+                                        <p:tav tm="0">
+                                          <p:val>
+                                            <p:strVal val="#ppt_y+.1"/>
+                                          </p:val>
+                                        </p:tav>
+                                        <p:tav tm="100000">
+                                          <p:val>
+                                            <p:strVal val="#ppt_y"/>
+                                          </p:val>
+                                        </p:tav>
+                                      </p:tavLst>
+                                    </p:anim>
+                                  </p:childTnLst>
+                                </p:cTn>
+                              </p:par>
+                            </p:childTnLst>
+                          </p:cTn>
+                        </p:par>
+                      </p:childTnLst>
+                    </p:cTn>
+                  </p:par>
+                  <p:par>
+                    <p:cTn id="17" fill="hold">
+                      <p:stCondLst>
+                        <p:cond delay="indefinite"/>
+                      </p:stCondLst>
+                      <p:childTnLst>
+                        <p:par>
+                          <p:cTn id="18" fill="hold">
+                            <p:stCondLst>
+                              <p:cond delay="0"/>
+                            </p:stCondLst>
+                            <p:childTnLst>
+                              <p:par>
+                                <p:cTn id="19" presetID="42" presetClass="entr" presetSubtype="0" fill="hold" nodeType="clickEffect">
+                                  <p:stCondLst>
+                                    <p:cond delay="0"/>
+                                  </p:stCondLst>
+                                  <p:childTnLst>
+                                    <p:set>
+                                      <p:cBhvr>
+                                        <p:cTn id="20" dur="1" fill="hold">
+                                          <p:stCondLst>
+                                            <p:cond delay="0"/>
+                                          </p:stCondLst>
+                                        </p:cTn>
+                                        <p:tgtEl>
+                                          <p:spTgt spid="6">
+                                            <p:txEl>
+                                              <p:pRg st="4" end="4"/>
+                                            </p:txEl>
+                                          </p:spTgt>
+                                        </p:tgtEl>
+                                        <p:attrNameLst>
+                                          <p:attrName>style.visibility</p:attrName>
+                                        </p:attrNameLst>
+                                      </p:cBhvr>
+                                      <p:to>
+                                        <p:strVal val="visible"/>
+                                      </p:to>
+                                    </p:set>
+                                    <p:animEffect transition="in" filter="fade">
+                                      <p:cBhvr>
+                                        <p:cTn id="21" dur="1000"/>
+                                        <p:tgtEl>
+                                          <p:spTgt spid="6">
+                                            <p:txEl>
+                                              <p:pRg st="4" end="4"/>
+                                            </p:txEl>
+                                          </p:spTgt>
+                                        </p:tgtEl>
+                                      </p:cBhvr>
+                                    </p:animEffect>
+                                    <p:anim calcmode="lin" valueType="num">
+                                      <p:cBhvr>
+                                        <p:cTn id="22" dur="1000" fill="hold"/>
+                                        <p:tgtEl>
+                                          <p:spTgt spid="6">
+                                            <p:txEl>
+                                              <p:pRg st="4" end="4"/>
+                                            </p:txEl>
+                                          </p:spTgt>
+                                        </p:tgtEl>
+                                        <p:attrNameLst>
+                                          <p:attrName>ppt_x</p:attrName>
+                                        </p:attrNameLst>
+                                      </p:cBhvr>
+                                      <p:tavLst>
+                                        <p:tav tm="0">
+                                          <p:val>
+                                            <p:strVal val="#ppt_x"/>
+                                          </p:val>
+                                        </p:tav>
+                                        <p:tav tm="100000">
+                                          <p:val>
+                                            <p:strVal val="#ppt_x"/>
+                                          </p:val>
+                                        </p:tav>
+                                      </p:tavLst>
+                                    </p:anim>
+                                    <p:anim calcmode="lin" valueType="num">
+                                      <p:cBhvr>
+                                        <p:cTn id="23" dur="1000" fill="hold"/>
+                                        <p:tgtEl>
+                                          <p:spTgt spid="6">
+                                            <p:txEl>
+                                              <p:pRg st="4" end="4"/>
+                                            </p:txEl>
+                                          </p:spTgt>
+                                        </p:tgtEl>
+                                        <p:attrNameLst>
+                                          <p:attrName>ppt_y</p:attrName>
+                                        </p:attrNameLst>
+                                      </p:cBhvr>
+                                      <p:tavLst>
+                                        <p:tav tm="0">
+                                          <p:val>
+                                            <p:strVal val="#ppt_y+.1"/>
+                                          </p:val>
+                                        </p:tav>
+                                        <p:tav tm="100000">
+                                          <p:val>
+                                            <p:strVal val="#ppt_y"/>
+                                          </p:val>
+                                        </p:tav>
+                                      </p:tavLst>
+                                    </p:anim>
+                                  </p:childTnLst>
+                                </p:cTn>
+                              </p:par>
+                            </p:childTnLst>
+                          </p:cTn>
+                        </p:par>
+                      </p:childTnLst>
+                    </p:cTn>
+                  </p:par>
+                </p:childTnLst>
+              </p:cTn>
+              <p:prevCondLst>
+                <p:cond evt="onPrev" delay="0">
+                  <p:tgtEl>
+                    <p:sldTgt/>
+                  </p:tgtEl>
+                </p:cond>
+              </p:prevCondLst>
+              <p:nextCondLst>
+                <p:cond evt="onNext" delay="0">
+                  <p:tgtEl>
+                    <p:sldTgt/>
+                  </p:tgtEl>
+                </p:cond>
+              </p:nextCondLst>
+            </p:seq>
+          </p:childTnLst>
+        </p:cTn>
       </p:par>
     </p:tnLst>
   </p:timing>
@@ -9412,7 +9780,6 @@
               <a:rPr kumimoji="1" lang="ja-JP" altLang="en-US" sz="3200" dirty="0"/>
               <a:t>詐欺メール</a:t>
             </a:r>
-            <a:endParaRPr kumimoji="1" lang="ja-JP" altLang="en-US" sz="3200" dirty="0"/>
           </a:p>
         </p:txBody>
       </p:sp>

--- a/その他/夏休みの課題のゲーム/GODAIGOisME_by森田/夏課題_ネットワーク技術/発表用.pptx
+++ b/その他/夏休みの課題のゲーム/GODAIGOisME_by森田/夏課題_ネットワーク技術/発表用.pptx
@@ -208,7 +208,7 @@
           <a:p>
             <a:fld id="{8030C415-7070-4884-A32C-E3B7BC30EFDF}" type="datetimeFigureOut">
               <a:rPr kumimoji="1" lang="ja-JP" altLang="en-US" smtClean="0"/>
-              <a:t>2023/9/13</a:t>
+              <a:t>2023/9/20</a:t>
             </a:fld>
             <a:endParaRPr kumimoji="1" lang="ja-JP" altLang="en-US"/>
           </a:p>
@@ -696,7 +696,7 @@
           <a:p>
             <a:fld id="{E5D89FEA-7399-43CD-8F33-757D6D721D5E}" type="datetime1">
               <a:rPr kumimoji="1" lang="ja-JP" altLang="en-US" smtClean="0"/>
-              <a:t>2023/9/13</a:t>
+              <a:t>2023/9/20</a:t>
             </a:fld>
             <a:endParaRPr kumimoji="1" lang="ja-JP" altLang="en-US"/>
           </a:p>
@@ -1041,7 +1041,7 @@
           <a:p>
             <a:fld id="{165EEECD-E901-4F20-8D80-F0B2A4EE262D}" type="datetime1">
               <a:rPr kumimoji="1" lang="ja-JP" altLang="en-US" smtClean="0"/>
-              <a:t>2023/9/13</a:t>
+              <a:t>2023/9/20</a:t>
             </a:fld>
             <a:endParaRPr kumimoji="1" lang="ja-JP" altLang="en-US"/>
           </a:p>
@@ -1442,7 +1442,7 @@
           <a:p>
             <a:fld id="{67032DBC-8611-48BD-A50E-07EF234FBFB7}" type="datetime1">
               <a:rPr kumimoji="1" lang="ja-JP" altLang="en-US" smtClean="0"/>
-              <a:t>2023/9/13</a:t>
+              <a:t>2023/9/20</a:t>
             </a:fld>
             <a:endParaRPr kumimoji="1" lang="ja-JP" altLang="en-US"/>
           </a:p>
@@ -1778,7 +1778,7 @@
           <a:p>
             <a:fld id="{23CF0506-9BB4-49E7-93AF-23946052BC2B}" type="datetime1">
               <a:rPr kumimoji="1" lang="ja-JP" altLang="en-US" smtClean="0"/>
-              <a:t>2023/9/13</a:t>
+              <a:t>2023/9/20</a:t>
             </a:fld>
             <a:endParaRPr kumimoji="1" lang="ja-JP" altLang="en-US"/>
           </a:p>
@@ -2098,7 +2098,7 @@
           <a:p>
             <a:fld id="{40D93DD6-A59A-4484-8748-BACE721D5CE1}" type="datetime1">
               <a:rPr kumimoji="1" lang="ja-JP" altLang="en-US" smtClean="0"/>
-              <a:t>2023/9/13</a:t>
+              <a:t>2023/9/20</a:t>
             </a:fld>
             <a:endParaRPr kumimoji="1" lang="ja-JP" altLang="en-US"/>
           </a:p>
@@ -2494,7 +2494,7 @@
           <a:p>
             <a:fld id="{4C3B8828-DAD2-41B4-8739-9061EE627A33}" type="datetime1">
               <a:rPr kumimoji="1" lang="ja-JP" altLang="en-US" smtClean="0"/>
-              <a:t>2023/9/13</a:t>
+              <a:t>2023/9/20</a:t>
             </a:fld>
             <a:endParaRPr kumimoji="1" lang="ja-JP" altLang="en-US"/>
           </a:p>
@@ -2783,7 +2783,7 @@
           <a:p>
             <a:fld id="{E0AEE272-B787-4B17-8B85-DFF9FC2555B9}" type="datetime1">
               <a:rPr kumimoji="1" lang="ja-JP" altLang="en-US" smtClean="0"/>
-              <a:t>2023/9/13</a:t>
+              <a:t>2023/9/20</a:t>
             </a:fld>
             <a:endParaRPr kumimoji="1" lang="ja-JP" altLang="en-US"/>
           </a:p>
@@ -3077,7 +3077,7 @@
           <a:p>
             <a:fld id="{F2C85E6D-F997-47C5-9540-6439570F5439}" type="datetime1">
               <a:rPr kumimoji="1" lang="ja-JP" altLang="en-US" smtClean="0"/>
-              <a:t>2023/9/13</a:t>
+              <a:t>2023/9/20</a:t>
             </a:fld>
             <a:endParaRPr kumimoji="1" lang="ja-JP" altLang="en-US"/>
           </a:p>
@@ -3371,7 +3371,7 @@
           <a:p>
             <a:fld id="{486BE787-2599-4DD8-808E-A33271AB9F29}" type="datetime1">
               <a:rPr kumimoji="1" lang="ja-JP" altLang="en-US" smtClean="0"/>
-              <a:t>2023/9/13</a:t>
+              <a:t>2023/9/20</a:t>
             </a:fld>
             <a:endParaRPr kumimoji="1" lang="ja-JP" altLang="en-US"/>
           </a:p>
@@ -3708,7 +3708,7 @@
           <a:p>
             <a:fld id="{F8F5DB40-9623-482B-BC58-DA462FFB73E6}" type="datetime1">
               <a:rPr kumimoji="1" lang="ja-JP" altLang="en-US" smtClean="0"/>
-              <a:t>2023/9/13</a:t>
+              <a:t>2023/9/20</a:t>
             </a:fld>
             <a:endParaRPr kumimoji="1" lang="ja-JP" altLang="en-US"/>
           </a:p>
@@ -4102,7 +4102,7 @@
           <a:p>
             <a:fld id="{D268556B-B895-4065-8318-A1546AAD997B}" type="datetime1">
               <a:rPr kumimoji="1" lang="ja-JP" altLang="en-US" smtClean="0"/>
-              <a:t>2023/9/13</a:t>
+              <a:t>2023/9/20</a:t>
             </a:fld>
             <a:endParaRPr kumimoji="1" lang="ja-JP" altLang="en-US"/>
           </a:p>
@@ -4623,7 +4623,7 @@
           <a:p>
             <a:fld id="{7C80BA33-3516-49E8-8105-5D721B53BAED}" type="datetime1">
               <a:rPr kumimoji="1" lang="ja-JP" altLang="en-US" smtClean="0"/>
-              <a:t>2023/9/13</a:t>
+              <a:t>2023/9/20</a:t>
             </a:fld>
             <a:endParaRPr kumimoji="1" lang="ja-JP" altLang="en-US"/>
           </a:p>
@@ -4828,7 +4828,7 @@
           <a:p>
             <a:fld id="{D20CD020-8405-4DBD-BAE9-C00F59B32870}" type="datetime1">
               <a:rPr kumimoji="1" lang="ja-JP" altLang="en-US" smtClean="0"/>
-              <a:t>2023/9/13</a:t>
+              <a:t>2023/9/20</a:t>
             </a:fld>
             <a:endParaRPr kumimoji="1" lang="ja-JP" altLang="en-US"/>
           </a:p>
@@ -5005,7 +5005,7 @@
           <a:p>
             <a:fld id="{CED615CC-C888-4F08-A4D1-A6606FF90F76}" type="datetime1">
               <a:rPr kumimoji="1" lang="ja-JP" altLang="en-US" smtClean="0"/>
-              <a:t>2023/9/13</a:t>
+              <a:t>2023/9/20</a:t>
             </a:fld>
             <a:endParaRPr kumimoji="1" lang="ja-JP" altLang="en-US"/>
           </a:p>
@@ -5370,7 +5370,7 @@
           <a:p>
             <a:fld id="{2DE99FA9-833A-4F91-82F2-463523EADA13}" type="datetime1">
               <a:rPr kumimoji="1" lang="ja-JP" altLang="en-US" smtClean="0"/>
-              <a:t>2023/9/13</a:t>
+              <a:t>2023/9/20</a:t>
             </a:fld>
             <a:endParaRPr kumimoji="1" lang="ja-JP" altLang="en-US"/>
           </a:p>
@@ -5715,7 +5715,7 @@
           <a:p>
             <a:fld id="{67BB68FD-9CF8-4908-8D98-6B76D2302456}" type="datetime1">
               <a:rPr kumimoji="1" lang="ja-JP" altLang="en-US" smtClean="0"/>
-              <a:t>2023/9/13</a:t>
+              <a:t>2023/9/20</a:t>
             </a:fld>
             <a:endParaRPr kumimoji="1" lang="ja-JP" altLang="en-US"/>
           </a:p>
@@ -7864,7 +7864,7 @@
           <a:p>
             <a:fld id="{FF1CBBF9-5985-4331-81D3-ACD1D6728B55}" type="datetime1">
               <a:rPr kumimoji="1" lang="ja-JP" altLang="en-US" smtClean="0"/>
-              <a:t>2023/9/13</a:t>
+              <a:t>2023/9/20</a:t>
             </a:fld>
             <a:endParaRPr kumimoji="1" lang="ja-JP" altLang="en-US"/>
           </a:p>
